--- a/sql/SurveyTables.pptx
+++ b/sql/SurveyTables.pptx
@@ -270,7 +270,7 @@
           <a:p>
             <a:fld id="{3731B3E4-154A-8745-9F3C-ACEACDDEC42E}" type="datetimeFigureOut">
               <a:rPr lang="en-US" smtClean="0"/>
-              <a:t>4/15/25</a:t>
+              <a:t>4/18/25</a:t>
             </a:fld>
             <a:endParaRPr lang="en-US"/>
           </a:p>
@@ -468,7 +468,7 @@
           <a:p>
             <a:fld id="{3731B3E4-154A-8745-9F3C-ACEACDDEC42E}" type="datetimeFigureOut">
               <a:rPr lang="en-US" smtClean="0"/>
-              <a:t>4/15/25</a:t>
+              <a:t>4/18/25</a:t>
             </a:fld>
             <a:endParaRPr lang="en-US"/>
           </a:p>
@@ -676,7 +676,7 @@
           <a:p>
             <a:fld id="{3731B3E4-154A-8745-9F3C-ACEACDDEC42E}" type="datetimeFigureOut">
               <a:rPr lang="en-US" smtClean="0"/>
-              <a:t>4/15/25</a:t>
+              <a:t>4/18/25</a:t>
             </a:fld>
             <a:endParaRPr lang="en-US"/>
           </a:p>
@@ -874,7 +874,7 @@
           <a:p>
             <a:fld id="{3731B3E4-154A-8745-9F3C-ACEACDDEC42E}" type="datetimeFigureOut">
               <a:rPr lang="en-US" smtClean="0"/>
-              <a:t>4/15/25</a:t>
+              <a:t>4/18/25</a:t>
             </a:fld>
             <a:endParaRPr lang="en-US"/>
           </a:p>
@@ -1149,7 +1149,7 @@
           <a:p>
             <a:fld id="{3731B3E4-154A-8745-9F3C-ACEACDDEC42E}" type="datetimeFigureOut">
               <a:rPr lang="en-US" smtClean="0"/>
-              <a:t>4/15/25</a:t>
+              <a:t>4/18/25</a:t>
             </a:fld>
             <a:endParaRPr lang="en-US"/>
           </a:p>
@@ -1414,7 +1414,7 @@
           <a:p>
             <a:fld id="{3731B3E4-154A-8745-9F3C-ACEACDDEC42E}" type="datetimeFigureOut">
               <a:rPr lang="en-US" smtClean="0"/>
-              <a:t>4/15/25</a:t>
+              <a:t>4/18/25</a:t>
             </a:fld>
             <a:endParaRPr lang="en-US"/>
           </a:p>
@@ -1826,7 +1826,7 @@
           <a:p>
             <a:fld id="{3731B3E4-154A-8745-9F3C-ACEACDDEC42E}" type="datetimeFigureOut">
               <a:rPr lang="en-US" smtClean="0"/>
-              <a:t>4/15/25</a:t>
+              <a:t>4/18/25</a:t>
             </a:fld>
             <a:endParaRPr lang="en-US"/>
           </a:p>
@@ -1967,7 +1967,7 @@
           <a:p>
             <a:fld id="{3731B3E4-154A-8745-9F3C-ACEACDDEC42E}" type="datetimeFigureOut">
               <a:rPr lang="en-US" smtClean="0"/>
-              <a:t>4/15/25</a:t>
+              <a:t>4/18/25</a:t>
             </a:fld>
             <a:endParaRPr lang="en-US"/>
           </a:p>
@@ -2080,7 +2080,7 @@
           <a:p>
             <a:fld id="{3731B3E4-154A-8745-9F3C-ACEACDDEC42E}" type="datetimeFigureOut">
               <a:rPr lang="en-US" smtClean="0"/>
-              <a:t>4/15/25</a:t>
+              <a:t>4/18/25</a:t>
             </a:fld>
             <a:endParaRPr lang="en-US"/>
           </a:p>
@@ -2391,7 +2391,7 @@
           <a:p>
             <a:fld id="{3731B3E4-154A-8745-9F3C-ACEACDDEC42E}" type="datetimeFigureOut">
               <a:rPr lang="en-US" smtClean="0"/>
-              <a:t>4/15/25</a:t>
+              <a:t>4/18/25</a:t>
             </a:fld>
             <a:endParaRPr lang="en-US"/>
           </a:p>
@@ -2679,7 +2679,7 @@
           <a:p>
             <a:fld id="{3731B3E4-154A-8745-9F3C-ACEACDDEC42E}" type="datetimeFigureOut">
               <a:rPr lang="en-US" smtClean="0"/>
-              <a:t>4/15/25</a:t>
+              <a:t>4/18/25</a:t>
             </a:fld>
             <a:endParaRPr lang="en-US"/>
           </a:p>
@@ -2920,7 +2920,7 @@
           <a:p>
             <a:fld id="{3731B3E4-154A-8745-9F3C-ACEACDDEC42E}" type="datetimeFigureOut">
               <a:rPr lang="en-US" smtClean="0"/>
-              <a:t>4/15/25</a:t>
+              <a:t>4/18/25</a:t>
             </a:fld>
             <a:endParaRPr lang="en-US"/>
           </a:p>
@@ -4402,7 +4402,7 @@
         <p:spPr>
           <a:xfrm>
             <a:off x="7386658" y="293159"/>
-            <a:ext cx="1873405" cy="997759"/>
+            <a:ext cx="1873405" cy="1218770"/>
           </a:xfrm>
           <a:prstGeom prst="rect">
             <a:avLst/>
@@ -4447,15 +4447,16 @@
           <a:p>
             <a:pPr algn="ctr"/>
             <a:r>
-              <a:rPr lang="en-US" sz="1400" b="1" dirty="0"/>
-              <a:t>revision</a:t>
-            </a:r>
+              <a:rPr lang="en-US" sz="1400" b="1" dirty="0" err="1"/>
+              <a:t>survey_id</a:t>
+            </a:r>
+            <a:endParaRPr lang="en-US" sz="1400" b="1" dirty="0"/>
           </a:p>
           <a:p>
             <a:pPr algn="ctr"/>
             <a:r>
               <a:rPr lang="en-US" sz="1400" dirty="0"/>
-              <a:t>string</a:t>
+              <a:t>…</a:t>
             </a:r>
           </a:p>
         </p:txBody>
@@ -4475,7 +4476,7 @@
         <p:spPr>
           <a:xfrm>
             <a:off x="2599794" y="2180546"/>
-            <a:ext cx="2090858" cy="1268015"/>
+            <a:ext cx="2090858" cy="1403141"/>
           </a:xfrm>
           <a:prstGeom prst="rect">
             <a:avLst/>
@@ -4557,6 +4558,22 @@
           <a:p>
             <a:pPr algn="ctr"/>
             <a:r>
+              <a:rPr lang="en-US" sz="1400" b="1" dirty="0" err="1">
+                <a:solidFill>
+                  <a:schemeClr val="tx1"/>
+                </a:solidFill>
+              </a:rPr>
+              <a:t>option_seq</a:t>
+            </a:r>
+            <a:endParaRPr lang="en-US" sz="1400" b="1" dirty="0">
+              <a:solidFill>
+                <a:schemeClr val="tx1"/>
+              </a:solidFill>
+            </a:endParaRPr>
+          </a:p>
+          <a:p>
+            <a:pPr algn="ctr"/>
+            <a:r>
               <a:rPr lang="en-US" sz="1400" dirty="0" err="1">
                 <a:solidFill>
                   <a:schemeClr val="tx1"/>
@@ -4576,18 +4593,13 @@
           <a:p>
             <a:pPr algn="ctr"/>
             <a:r>
-              <a:rPr lang="en-US" sz="1400" dirty="0" err="1">
+              <a:rPr lang="en-US" sz="1400" dirty="0">
                 <a:solidFill>
                   <a:schemeClr val="tx1"/>
                 </a:solidFill>
               </a:rPr>
-              <a:t>option_revision</a:t>
-            </a:r>
-            <a:endParaRPr lang="en-US" sz="1400" dirty="0">
-              <a:solidFill>
-                <a:schemeClr val="tx1"/>
-              </a:solidFill>
-            </a:endParaRPr>
+              <a:t>…</a:t>
+            </a:r>
           </a:p>
         </p:txBody>
       </p:sp>

--- a/sql/SurveyTables.pptx
+++ b/sql/SurveyTables.pptx
@@ -6,6 +6,8 @@
   </p:sldMasterIdLst>
   <p:sldIdLst>
     <p:sldId id="256" r:id="rId2"/>
+    <p:sldId id="258" r:id="rId3"/>
+    <p:sldId id="257" r:id="rId4"/>
   </p:sldIdLst>
   <p:sldSz cx="12192000" cy="6858000"/>
   <p:notesSz cx="6858000" cy="9144000"/>
@@ -270,7 +272,7 @@
           <a:p>
             <a:fld id="{3731B3E4-154A-8745-9F3C-ACEACDDEC42E}" type="datetimeFigureOut">
               <a:rPr lang="en-US" smtClean="0"/>
-              <a:t>4/18/25</a:t>
+              <a:t>4/22/25</a:t>
             </a:fld>
             <a:endParaRPr lang="en-US"/>
           </a:p>
@@ -468,7 +470,7 @@
           <a:p>
             <a:fld id="{3731B3E4-154A-8745-9F3C-ACEACDDEC42E}" type="datetimeFigureOut">
               <a:rPr lang="en-US" smtClean="0"/>
-              <a:t>4/18/25</a:t>
+              <a:t>4/22/25</a:t>
             </a:fld>
             <a:endParaRPr lang="en-US"/>
           </a:p>
@@ -676,7 +678,7 @@
           <a:p>
             <a:fld id="{3731B3E4-154A-8745-9F3C-ACEACDDEC42E}" type="datetimeFigureOut">
               <a:rPr lang="en-US" smtClean="0"/>
-              <a:t>4/18/25</a:t>
+              <a:t>4/22/25</a:t>
             </a:fld>
             <a:endParaRPr lang="en-US"/>
           </a:p>
@@ -813,39 +815,46 @@
         <p:spPr/>
         <p:txBody>
           <a:bodyPr/>
-          <a:lstStyle/>
+          <a:lstStyle>
+            <a:lvl2pPr marL="457200">
+              <a:defRPr/>
+            </a:lvl2pPr>
+            <a:lvl3pPr marL="685800">
+              <a:defRPr/>
+            </a:lvl3pPr>
+          </a:lstStyle>
           <a:p>
             <a:pPr lvl="0"/>
             <a:r>
-              <a:rPr lang="en-US"/>
+              <a:rPr lang="en-US" dirty="0"/>
               <a:t>Edit Master text styles</a:t>
             </a:r>
           </a:p>
           <a:p>
             <a:pPr lvl="1"/>
             <a:r>
-              <a:rPr lang="en-US"/>
+              <a:rPr lang="en-US" dirty="0"/>
               <a:t>Second level</a:t>
             </a:r>
           </a:p>
           <a:p>
             <a:pPr lvl="2"/>
             <a:r>
-              <a:rPr lang="en-US"/>
+              <a:rPr lang="en-US" dirty="0"/>
               <a:t>Third level</a:t>
             </a:r>
           </a:p>
           <a:p>
             <a:pPr lvl="3"/>
             <a:r>
-              <a:rPr lang="en-US"/>
+              <a:rPr lang="en-US" dirty="0"/>
               <a:t>Fourth level</a:t>
             </a:r>
           </a:p>
           <a:p>
             <a:pPr lvl="4"/>
             <a:r>
-              <a:rPr lang="en-US"/>
+              <a:rPr lang="en-US" dirty="0"/>
               <a:t>Fifth level</a:t>
             </a:r>
           </a:p>
@@ -874,7 +883,7 @@
           <a:p>
             <a:fld id="{3731B3E4-154A-8745-9F3C-ACEACDDEC42E}" type="datetimeFigureOut">
               <a:rPr lang="en-US" smtClean="0"/>
-              <a:t>4/18/25</a:t>
+              <a:t>4/22/25</a:t>
             </a:fld>
             <a:endParaRPr lang="en-US"/>
           </a:p>
@@ -1149,7 +1158,7 @@
           <a:p>
             <a:fld id="{3731B3E4-154A-8745-9F3C-ACEACDDEC42E}" type="datetimeFigureOut">
               <a:rPr lang="en-US" smtClean="0"/>
-              <a:t>4/18/25</a:t>
+              <a:t>4/22/25</a:t>
             </a:fld>
             <a:endParaRPr lang="en-US"/>
           </a:p>
@@ -1414,7 +1423,7 @@
           <a:p>
             <a:fld id="{3731B3E4-154A-8745-9F3C-ACEACDDEC42E}" type="datetimeFigureOut">
               <a:rPr lang="en-US" smtClean="0"/>
-              <a:t>4/18/25</a:t>
+              <a:t>4/22/25</a:t>
             </a:fld>
             <a:endParaRPr lang="en-US"/>
           </a:p>
@@ -1826,7 +1835,7 @@
           <a:p>
             <a:fld id="{3731B3E4-154A-8745-9F3C-ACEACDDEC42E}" type="datetimeFigureOut">
               <a:rPr lang="en-US" smtClean="0"/>
-              <a:t>4/18/25</a:t>
+              <a:t>4/22/25</a:t>
             </a:fld>
             <a:endParaRPr lang="en-US"/>
           </a:p>
@@ -1967,7 +1976,7 @@
           <a:p>
             <a:fld id="{3731B3E4-154A-8745-9F3C-ACEACDDEC42E}" type="datetimeFigureOut">
               <a:rPr lang="en-US" smtClean="0"/>
-              <a:t>4/18/25</a:t>
+              <a:t>4/22/25</a:t>
             </a:fld>
             <a:endParaRPr lang="en-US"/>
           </a:p>
@@ -2080,7 +2089,7 @@
           <a:p>
             <a:fld id="{3731B3E4-154A-8745-9F3C-ACEACDDEC42E}" type="datetimeFigureOut">
               <a:rPr lang="en-US" smtClean="0"/>
-              <a:t>4/18/25</a:t>
+              <a:t>4/22/25</a:t>
             </a:fld>
             <a:endParaRPr lang="en-US"/>
           </a:p>
@@ -2391,7 +2400,7 @@
           <a:p>
             <a:fld id="{3731B3E4-154A-8745-9F3C-ACEACDDEC42E}" type="datetimeFigureOut">
               <a:rPr lang="en-US" smtClean="0"/>
-              <a:t>4/18/25</a:t>
+              <a:t>4/22/25</a:t>
             </a:fld>
             <a:endParaRPr lang="en-US"/>
           </a:p>
@@ -2679,7 +2688,7 @@
           <a:p>
             <a:fld id="{3731B3E4-154A-8745-9F3C-ACEACDDEC42E}" type="datetimeFigureOut">
               <a:rPr lang="en-US" smtClean="0"/>
-              <a:t>4/18/25</a:t>
+              <a:t>4/22/25</a:t>
             </a:fld>
             <a:endParaRPr lang="en-US"/>
           </a:p>
@@ -2920,7 +2929,7 @@
           <a:p>
             <a:fld id="{3731B3E4-154A-8745-9F3C-ACEACDDEC42E}" type="datetimeFigureOut">
               <a:rPr lang="en-US" smtClean="0"/>
-              <a:t>4/18/25</a:t>
+              <a:t>4/22/25</a:t>
             </a:fld>
             <a:endParaRPr lang="en-US"/>
           </a:p>
@@ -3820,7 +3829,7 @@
         </p:nvSpPr>
         <p:spPr>
           <a:xfrm>
-            <a:off x="3425839" y="3736087"/>
+            <a:off x="3444426" y="3897309"/>
             <a:ext cx="2977417" cy="984885"/>
           </a:xfrm>
           <a:prstGeom prst="rect">
@@ -4433,9 +4442,10 @@
           <a:p>
             <a:pPr algn="ctr"/>
             <a:r>
-              <a:rPr lang="en-US" dirty="0"/>
-              <a:t>Option</a:t>
-            </a:r>
+              <a:rPr lang="en-US" dirty="0" err="1"/>
+              <a:t>SurveyOption</a:t>
+            </a:r>
+            <a:endParaRPr lang="en-US" dirty="0"/>
           </a:p>
           <a:p>
             <a:pPr algn="ctr"/>
@@ -4476,7 +4486,7 @@
         <p:spPr>
           <a:xfrm>
             <a:off x="2599794" y="2180546"/>
-            <a:ext cx="2090858" cy="1403141"/>
+            <a:ext cx="2090858" cy="1667273"/>
           </a:xfrm>
           <a:prstGeom prst="rect">
             <a:avLst/>
@@ -4598,6 +4608,17 @@
                   <a:schemeClr val="tx1"/>
                 </a:solidFill>
               </a:rPr>
+              <a:t>secondary</a:t>
+            </a:r>
+          </a:p>
+          <a:p>
+            <a:pPr algn="ctr"/>
+            <a:r>
+              <a:rPr lang="en-US" sz="1400" dirty="0">
+                <a:solidFill>
+                  <a:schemeClr val="tx1"/>
+                </a:solidFill>
+              </a:rPr>
               <a:t>…</a:t>
             </a:r>
           </a:p>
@@ -4760,6 +4781,2860 @@
     <p:extLst>
       <p:ext uri="{BB962C8B-B14F-4D97-AF65-F5344CB8AC3E}">
         <p14:creationId xmlns:p14="http://schemas.microsoft.com/office/powerpoint/2010/main" val="1026889881"/>
+      </p:ext>
+    </p:extLst>
+  </p:cSld>
+  <p:clrMapOvr>
+    <a:masterClrMapping/>
+  </p:clrMapOvr>
+</p:sld>
+</file>
+
+<file path=ppt/slides/slide2.xml><?xml version="1.0" encoding="utf-8"?>
+<p:sld xmlns:a="http://schemas.openxmlformats.org/drawingml/2006/main" xmlns:r="http://schemas.openxmlformats.org/officeDocument/2006/relationships" xmlns:p="http://schemas.openxmlformats.org/presentationml/2006/main">
+  <p:cSld>
+    <p:spTree>
+      <p:nvGrpSpPr>
+        <p:cNvPr id="1" name=""/>
+        <p:cNvGrpSpPr/>
+        <p:nvPr/>
+      </p:nvGrpSpPr>
+      <p:grpSpPr>
+        <a:xfrm>
+          <a:off x="0" y="0"/>
+          <a:ext cx="0" cy="0"/>
+          <a:chOff x="0" y="0"/>
+          <a:chExt cx="0" cy="0"/>
+        </a:xfrm>
+      </p:grpSpPr>
+      <p:sp>
+        <p:nvSpPr>
+          <p:cNvPr id="4" name="Rectangle 3">
+            <a:extLst>
+              <a:ext uri="{FF2B5EF4-FFF2-40B4-BE49-F238E27FC236}">
+                <a16:creationId xmlns:a16="http://schemas.microsoft.com/office/drawing/2014/main" id="{752270C1-ABC3-2640-8572-F828B304D3BC}"/>
+              </a:ext>
+            </a:extLst>
+          </p:cNvPr>
+          <p:cNvSpPr/>
+          <p:nvPr/>
+        </p:nvSpPr>
+        <p:spPr>
+          <a:xfrm>
+            <a:off x="250899" y="319250"/>
+            <a:ext cx="1873405" cy="1861296"/>
+          </a:xfrm>
+          <a:prstGeom prst="rect">
+            <a:avLst/>
+          </a:prstGeom>
+          <a:ln>
+            <a:solidFill>
+              <a:schemeClr val="tx1"/>
+            </a:solidFill>
+          </a:ln>
+        </p:spPr>
+        <p:style>
+          <a:lnRef idx="1">
+            <a:schemeClr val="accent1"/>
+          </a:lnRef>
+          <a:fillRef idx="2">
+            <a:schemeClr val="accent1"/>
+          </a:fillRef>
+          <a:effectRef idx="1">
+            <a:schemeClr val="accent1"/>
+          </a:effectRef>
+          <a:fontRef idx="minor">
+            <a:schemeClr val="dk1"/>
+          </a:fontRef>
+        </p:style>
+        <p:txBody>
+          <a:bodyPr rtlCol="0" anchor="t"/>
+          <a:lstStyle/>
+          <a:p>
+            <a:pPr algn="ctr"/>
+            <a:r>
+              <a:rPr lang="en-US" dirty="0"/>
+              <a:t>Surveys</a:t>
+            </a:r>
+          </a:p>
+          <a:p>
+            <a:pPr algn="ctr"/>
+            <a:r>
+              <a:rPr lang="en-US" sz="1400" b="1" dirty="0"/>
+              <a:t>id</a:t>
+            </a:r>
+          </a:p>
+          <a:p>
+            <a:pPr algn="ctr"/>
+            <a:r>
+              <a:rPr lang="en-US" sz="1400" dirty="0"/>
+              <a:t>title</a:t>
+            </a:r>
+          </a:p>
+          <a:p>
+            <a:pPr algn="ctr"/>
+            <a:r>
+              <a:rPr lang="en-US" sz="1400" dirty="0"/>
+              <a:t>created</a:t>
+            </a:r>
+          </a:p>
+          <a:p>
+            <a:pPr algn="ctr"/>
+            <a:r>
+              <a:rPr lang="en-US" sz="1400" dirty="0"/>
+              <a:t>active</a:t>
+            </a:r>
+          </a:p>
+          <a:p>
+            <a:pPr algn="ctr"/>
+            <a:r>
+              <a:rPr lang="en-US" sz="1400" dirty="0"/>
+              <a:t>closed</a:t>
+            </a:r>
+          </a:p>
+          <a:p>
+            <a:pPr algn="ctr"/>
+            <a:r>
+              <a:rPr lang="en-US" sz="1400" dirty="0">
+                <a:solidFill>
+                  <a:srgbClr val="0070C0"/>
+                </a:solidFill>
+              </a:rPr>
+              <a:t>parent (</a:t>
+            </a:r>
+            <a:r>
+              <a:rPr lang="en-US" sz="1400" dirty="0" err="1">
+                <a:solidFill>
+                  <a:srgbClr val="0070C0"/>
+                </a:solidFill>
+              </a:rPr>
+              <a:t>fk</a:t>
+            </a:r>
+            <a:r>
+              <a:rPr lang="en-US" sz="1400" dirty="0">
+                <a:solidFill>
+                  <a:srgbClr val="0070C0"/>
+                </a:solidFill>
+              </a:rPr>
+              <a:t>)</a:t>
+            </a:r>
+          </a:p>
+          <a:p>
+            <a:pPr algn="ctr"/>
+            <a:r>
+              <a:rPr lang="en-US" sz="1400" dirty="0"/>
+              <a:t>revision</a:t>
+            </a:r>
+          </a:p>
+        </p:txBody>
+      </p:sp>
+      <p:sp>
+        <p:nvSpPr>
+          <p:cNvPr id="7" name="Rectangle 6">
+            <a:extLst>
+              <a:ext uri="{FF2B5EF4-FFF2-40B4-BE49-F238E27FC236}">
+                <a16:creationId xmlns:a16="http://schemas.microsoft.com/office/drawing/2014/main" id="{04190CFC-5E81-0845-A548-D6CFC33E085D}"/>
+              </a:ext>
+            </a:extLst>
+          </p:cNvPr>
+          <p:cNvSpPr/>
+          <p:nvPr/>
+        </p:nvSpPr>
+        <p:spPr>
+          <a:xfrm>
+            <a:off x="2427247" y="304308"/>
+            <a:ext cx="1873405" cy="1691342"/>
+          </a:xfrm>
+          <a:prstGeom prst="rect">
+            <a:avLst/>
+          </a:prstGeom>
+          <a:ln>
+            <a:solidFill>
+              <a:schemeClr val="tx1"/>
+            </a:solidFill>
+          </a:ln>
+        </p:spPr>
+        <p:style>
+          <a:lnRef idx="1">
+            <a:schemeClr val="accent6"/>
+          </a:lnRef>
+          <a:fillRef idx="2">
+            <a:schemeClr val="accent6"/>
+          </a:fillRef>
+          <a:effectRef idx="1">
+            <a:schemeClr val="accent6"/>
+          </a:effectRef>
+          <a:fontRef idx="minor">
+            <a:schemeClr val="dk1"/>
+          </a:fontRef>
+        </p:style>
+        <p:txBody>
+          <a:bodyPr rtlCol="0" anchor="t"/>
+          <a:lstStyle/>
+          <a:p>
+            <a:pPr algn="ctr"/>
+            <a:r>
+              <a:rPr lang="en-US" dirty="0"/>
+              <a:t>Sections</a:t>
+            </a:r>
+            <a:endParaRPr lang="en-US" sz="1400" b="1" dirty="0"/>
+          </a:p>
+          <a:p>
+            <a:pPr algn="ctr"/>
+            <a:r>
+              <a:rPr lang="en-US" sz="1400" b="1" dirty="0">
+                <a:solidFill>
+                  <a:schemeClr val="accent1"/>
+                </a:solidFill>
+              </a:rPr>
+              <a:t>survey id (</a:t>
+            </a:r>
+            <a:r>
+              <a:rPr lang="en-US" sz="1400" b="1" dirty="0" err="1">
+                <a:solidFill>
+                  <a:schemeClr val="accent1"/>
+                </a:solidFill>
+              </a:rPr>
+              <a:t>fk</a:t>
+            </a:r>
+            <a:r>
+              <a:rPr lang="en-US" sz="1400" b="1" dirty="0">
+                <a:solidFill>
+                  <a:schemeClr val="accent1"/>
+                </a:solidFill>
+              </a:rPr>
+              <a:t>)</a:t>
+            </a:r>
+          </a:p>
+          <a:p>
+            <a:pPr algn="ctr"/>
+            <a:r>
+              <a:rPr lang="en-US" sz="1400" b="1" dirty="0">
+                <a:solidFill>
+                  <a:schemeClr val="tx1"/>
+                </a:solidFill>
+              </a:rPr>
+              <a:t>survey rev</a:t>
+            </a:r>
+            <a:r>
+              <a:rPr lang="en-US" sz="1400" b="1" baseline="30000" dirty="0">
+                <a:solidFill>
+                  <a:schemeClr val="tx1"/>
+                </a:solidFill>
+              </a:rPr>
+              <a:t>(*)</a:t>
+            </a:r>
+            <a:endParaRPr lang="en-US" sz="1400" b="1" dirty="0">
+              <a:solidFill>
+                <a:schemeClr val="tx1"/>
+              </a:solidFill>
+            </a:endParaRPr>
+          </a:p>
+          <a:p>
+            <a:pPr algn="ctr"/>
+            <a:r>
+              <a:rPr lang="en-US" sz="1400" b="1" dirty="0"/>
+              <a:t>sequence </a:t>
+            </a:r>
+          </a:p>
+          <a:p>
+            <a:pPr algn="ctr"/>
+            <a:r>
+              <a:rPr lang="en-US" sz="1400" dirty="0"/>
+              <a:t>name</a:t>
+            </a:r>
+          </a:p>
+          <a:p>
+            <a:pPr algn="ctr"/>
+            <a:r>
+              <a:rPr lang="en-US" sz="1400" dirty="0"/>
+              <a:t>description</a:t>
+            </a:r>
+          </a:p>
+        </p:txBody>
+      </p:sp>
+      <p:sp>
+        <p:nvSpPr>
+          <p:cNvPr id="37" name="Rectangle 36">
+            <a:extLst>
+              <a:ext uri="{FF2B5EF4-FFF2-40B4-BE49-F238E27FC236}">
+                <a16:creationId xmlns:a16="http://schemas.microsoft.com/office/drawing/2014/main" id="{8C01750A-0B49-014A-857F-F58956B9D53C}"/>
+              </a:ext>
+            </a:extLst>
+          </p:cNvPr>
+          <p:cNvSpPr/>
+          <p:nvPr/>
+        </p:nvSpPr>
+        <p:spPr>
+          <a:xfrm>
+            <a:off x="228087" y="5082968"/>
+            <a:ext cx="1919026" cy="1445180"/>
+          </a:xfrm>
+          <a:prstGeom prst="rect">
+            <a:avLst/>
+          </a:prstGeom>
+          <a:gradFill flip="none" rotWithShape="1">
+            <a:gsLst>
+              <a:gs pos="0">
+                <a:schemeClr val="dk1">
+                  <a:lumMod val="67000"/>
+                </a:schemeClr>
+              </a:gs>
+              <a:gs pos="48000">
+                <a:schemeClr val="dk1">
+                  <a:lumMod val="97000"/>
+                  <a:lumOff val="3000"/>
+                </a:schemeClr>
+              </a:gs>
+              <a:gs pos="100000">
+                <a:schemeClr val="dk1">
+                  <a:lumMod val="60000"/>
+                  <a:lumOff val="40000"/>
+                </a:schemeClr>
+              </a:gs>
+            </a:gsLst>
+            <a:lin ang="16200000" scaled="1"/>
+            <a:tileRect/>
+          </a:gradFill>
+          <a:ln>
+            <a:noFill/>
+          </a:ln>
+        </p:spPr>
+        <p:style>
+          <a:lnRef idx="0">
+            <a:scrgbClr r="0" g="0" b="0"/>
+          </a:lnRef>
+          <a:fillRef idx="0">
+            <a:scrgbClr r="0" g="0" b="0"/>
+          </a:fillRef>
+          <a:effectRef idx="0">
+            <a:scrgbClr r="0" g="0" b="0"/>
+          </a:effectRef>
+          <a:fontRef idx="minor">
+            <a:schemeClr val="lt1"/>
+          </a:fontRef>
+        </p:style>
+        <p:txBody>
+          <a:bodyPr rtlCol="0" anchor="t"/>
+          <a:lstStyle/>
+          <a:p>
+            <a:pPr algn="ctr"/>
+            <a:r>
+              <a:rPr lang="en-US" dirty="0"/>
+              <a:t>Response</a:t>
+            </a:r>
+          </a:p>
+          <a:p>
+            <a:pPr algn="ctr"/>
+            <a:r>
+              <a:rPr lang="en-US" sz="1400" b="1" dirty="0" err="1"/>
+              <a:t>userid</a:t>
+            </a:r>
+            <a:endParaRPr lang="en-US" sz="1400" b="1" dirty="0"/>
+          </a:p>
+          <a:p>
+            <a:pPr algn="ctr"/>
+            <a:r>
+              <a:rPr lang="en-US" sz="1400" b="1" dirty="0" err="1"/>
+              <a:t>survey_id</a:t>
+            </a:r>
+            <a:endParaRPr lang="en-US" sz="1400" b="1" dirty="0"/>
+          </a:p>
+          <a:p>
+            <a:pPr algn="ctr"/>
+            <a:r>
+              <a:rPr lang="en-US" sz="1400" b="1" dirty="0" err="1"/>
+              <a:t>element_id</a:t>
+            </a:r>
+            <a:endParaRPr lang="en-US" sz="1400" b="1" dirty="0"/>
+          </a:p>
+          <a:p>
+            <a:pPr algn="ctr"/>
+            <a:r>
+              <a:rPr lang="en-US" sz="1400" b="1" dirty="0"/>
+              <a:t>status (draft/final)</a:t>
+            </a:r>
+          </a:p>
+          <a:p>
+            <a:pPr algn="ctr"/>
+            <a:r>
+              <a:rPr lang="en-US" sz="1400" dirty="0"/>
+              <a:t>…</a:t>
+            </a:r>
+          </a:p>
+        </p:txBody>
+      </p:sp>
+      <p:sp>
+        <p:nvSpPr>
+          <p:cNvPr id="32" name="Rectangle 31">
+            <a:extLst>
+              <a:ext uri="{FF2B5EF4-FFF2-40B4-BE49-F238E27FC236}">
+                <a16:creationId xmlns:a16="http://schemas.microsoft.com/office/drawing/2014/main" id="{10FC731E-9625-934A-830E-53AF7496C89E}"/>
+              </a:ext>
+            </a:extLst>
+          </p:cNvPr>
+          <p:cNvSpPr/>
+          <p:nvPr/>
+        </p:nvSpPr>
+        <p:spPr>
+          <a:xfrm>
+            <a:off x="4555190" y="304308"/>
+            <a:ext cx="1873405" cy="1983438"/>
+          </a:xfrm>
+          <a:prstGeom prst="rect">
+            <a:avLst/>
+          </a:prstGeom>
+          <a:ln>
+            <a:solidFill>
+              <a:schemeClr val="tx1"/>
+            </a:solidFill>
+          </a:ln>
+        </p:spPr>
+        <p:style>
+          <a:lnRef idx="1">
+            <a:schemeClr val="accent4"/>
+          </a:lnRef>
+          <a:fillRef idx="2">
+            <a:schemeClr val="accent4"/>
+          </a:fillRef>
+          <a:effectRef idx="1">
+            <a:schemeClr val="accent4"/>
+          </a:effectRef>
+          <a:fontRef idx="minor">
+            <a:schemeClr val="dk1"/>
+          </a:fontRef>
+        </p:style>
+        <p:txBody>
+          <a:bodyPr rtlCol="0" anchor="t"/>
+          <a:lstStyle/>
+          <a:p>
+            <a:pPr algn="ctr"/>
+            <a:r>
+              <a:rPr lang="en-US" dirty="0"/>
+              <a:t>Elements</a:t>
+            </a:r>
+            <a:endParaRPr lang="en-US" sz="1400" b="1" dirty="0"/>
+          </a:p>
+          <a:p>
+            <a:pPr algn="ctr"/>
+            <a:r>
+              <a:rPr lang="en-US" sz="1400" b="1" dirty="0"/>
+              <a:t>id</a:t>
+            </a:r>
+          </a:p>
+          <a:p>
+            <a:pPr algn="ctr"/>
+            <a:r>
+              <a:rPr lang="en-US" sz="1400" b="1" i="1" dirty="0">
+                <a:solidFill>
+                  <a:schemeClr val="accent1"/>
+                </a:solidFill>
+              </a:rPr>
+              <a:t>survey id</a:t>
+            </a:r>
+          </a:p>
+          <a:p>
+            <a:pPr algn="ctr"/>
+            <a:r>
+              <a:rPr lang="en-US" sz="1400" b="1" i="1" dirty="0">
+                <a:solidFill>
+                  <a:schemeClr val="tx1"/>
+                </a:solidFill>
+              </a:rPr>
+              <a:t>survey rev</a:t>
+            </a:r>
+            <a:r>
+              <a:rPr lang="en-US" sz="1400" b="1" i="1" baseline="30000" dirty="0">
+                <a:solidFill>
+                  <a:schemeClr val="tx1"/>
+                </a:solidFill>
+              </a:rPr>
+              <a:t>(*)</a:t>
+            </a:r>
+          </a:p>
+          <a:p>
+            <a:pPr algn="ctr"/>
+            <a:r>
+              <a:rPr lang="en-US" sz="1400" i="1" dirty="0">
+                <a:solidFill>
+                  <a:schemeClr val="tx1"/>
+                </a:solidFill>
+              </a:rPr>
+              <a:t>section </a:t>
+            </a:r>
+            <a:r>
+              <a:rPr lang="en-US" sz="1400" i="1" dirty="0" err="1">
+                <a:solidFill>
+                  <a:schemeClr val="tx1"/>
+                </a:solidFill>
+              </a:rPr>
+              <a:t>seq</a:t>
+            </a:r>
+            <a:endParaRPr lang="en-US" sz="1400" i="1" dirty="0">
+              <a:solidFill>
+                <a:schemeClr val="tx1"/>
+              </a:solidFill>
+            </a:endParaRPr>
+          </a:p>
+          <a:p>
+            <a:pPr algn="ctr"/>
+            <a:r>
+              <a:rPr lang="en-US" sz="1400" i="1" dirty="0"/>
+              <a:t>sequence</a:t>
+            </a:r>
+            <a:r>
+              <a:rPr lang="en-US" sz="1400" i="1" baseline="30000" dirty="0"/>
+              <a:t>(**)</a:t>
+            </a:r>
+          </a:p>
+          <a:p>
+            <a:pPr algn="ctr"/>
+            <a:r>
+              <a:rPr lang="en-US" sz="1400" dirty="0"/>
+              <a:t>type</a:t>
+            </a:r>
+          </a:p>
+          <a:p>
+            <a:pPr algn="ctr"/>
+            <a:r>
+              <a:rPr lang="en-US" dirty="0"/>
+              <a:t>…</a:t>
+            </a:r>
+          </a:p>
+        </p:txBody>
+      </p:sp>
+      <p:sp>
+        <p:nvSpPr>
+          <p:cNvPr id="41" name="TextBox 40">
+            <a:extLst>
+              <a:ext uri="{FF2B5EF4-FFF2-40B4-BE49-F238E27FC236}">
+                <a16:creationId xmlns:a16="http://schemas.microsoft.com/office/drawing/2014/main" id="{59F91C53-99FB-2446-AA34-7562A78C34B9}"/>
+              </a:ext>
+            </a:extLst>
+          </p:cNvPr>
+          <p:cNvSpPr txBox="1"/>
+          <p:nvPr/>
+        </p:nvSpPr>
+        <p:spPr>
+          <a:xfrm>
+            <a:off x="7801863" y="304308"/>
+            <a:ext cx="3533715" cy="4862870"/>
+          </a:xfrm>
+          <a:prstGeom prst="rect">
+            <a:avLst/>
+          </a:prstGeom>
+          <a:noFill/>
+        </p:spPr>
+        <p:txBody>
+          <a:bodyPr wrap="square" rtlCol="0">
+            <a:spAutoFit/>
+          </a:bodyPr>
+          <a:lstStyle/>
+          <a:p>
+            <a:r>
+              <a:rPr lang="en-US" sz="1600" dirty="0"/>
+              <a:t>Clone Survey </a:t>
+            </a:r>
+          </a:p>
+          <a:p>
+            <a:pPr marL="171450" indent="-171450">
+              <a:buFont typeface="Arial" panose="020B0604020202020204" pitchFamily="34" charset="0"/>
+              <a:buChar char="•"/>
+            </a:pPr>
+            <a:r>
+              <a:rPr lang="en-US" sz="1400" dirty="0"/>
+              <a:t>Note parent id (PID) and rev (PREV)</a:t>
+            </a:r>
+          </a:p>
+          <a:p>
+            <a:pPr indent="-171450">
+              <a:buFont typeface="Arial" panose="020B0604020202020204" pitchFamily="34" charset="0"/>
+              <a:buChar char="•"/>
+            </a:pPr>
+            <a:r>
+              <a:rPr lang="en-US" sz="1400" dirty="0"/>
+              <a:t>Create new Surveys entry</a:t>
+            </a:r>
+          </a:p>
+          <a:p>
+            <a:pPr marL="320040" lvl="1" indent="-171450">
+              <a:buFont typeface="Arial" panose="020B0604020202020204" pitchFamily="34" charset="0"/>
+              <a:buChar char="•"/>
+            </a:pPr>
+            <a:r>
+              <a:rPr lang="en-US" sz="1400" dirty="0"/>
+              <a:t>set name based on user input</a:t>
+            </a:r>
+          </a:p>
+          <a:p>
+            <a:pPr marL="320040" lvl="1" indent="-171450">
+              <a:buFont typeface="Arial" panose="020B0604020202020204" pitchFamily="34" charset="0"/>
+              <a:buChar char="•"/>
+            </a:pPr>
+            <a:r>
+              <a:rPr lang="en-US" sz="1400" dirty="0"/>
+              <a:t>all other fields will be auto-populated</a:t>
+            </a:r>
+          </a:p>
+          <a:p>
+            <a:pPr marL="320040" lvl="1" indent="-171450">
+              <a:buFont typeface="Arial" panose="020B0604020202020204" pitchFamily="34" charset="0"/>
+              <a:buChar char="•"/>
+            </a:pPr>
+            <a:r>
+              <a:rPr lang="en-US" sz="1400" dirty="0"/>
+              <a:t>note new survey id (SID)</a:t>
+            </a:r>
+          </a:p>
+          <a:p>
+            <a:pPr marL="320040" lvl="1" indent="-171450">
+              <a:buFont typeface="Arial" panose="020B0604020202020204" pitchFamily="34" charset="0"/>
+              <a:buChar char="•"/>
+            </a:pPr>
+            <a:r>
+              <a:rPr lang="en-US" sz="1400" dirty="0"/>
+              <a:t>set parent = PID</a:t>
+            </a:r>
+          </a:p>
+          <a:p>
+            <a:pPr marL="171450" indent="-171450">
+              <a:buFont typeface="Arial" panose="020B0604020202020204" pitchFamily="34" charset="0"/>
+              <a:buChar char="•"/>
+            </a:pPr>
+            <a:r>
+              <a:rPr lang="en-US" sz="1400" dirty="0"/>
+              <a:t>Duplicate all Options</a:t>
+            </a:r>
+          </a:p>
+          <a:p>
+            <a:pPr marL="320040" lvl="1" indent="-171450">
+              <a:buFont typeface="Arial" panose="020B0604020202020204" pitchFamily="34" charset="0"/>
+              <a:buChar char="•"/>
+            </a:pPr>
+            <a:r>
+              <a:rPr lang="en-US" sz="1400" dirty="0"/>
+              <a:t>copy from Options[*,PID,PREV]</a:t>
+            </a:r>
+          </a:p>
+          <a:p>
+            <a:pPr marL="320040" lvl="1" indent="-171450">
+              <a:buFont typeface="Arial" panose="020B0604020202020204" pitchFamily="34" charset="0"/>
+              <a:buChar char="•"/>
+            </a:pPr>
+            <a:r>
+              <a:rPr lang="en-US" sz="1400" dirty="0"/>
+              <a:t>set survey id = SID</a:t>
+            </a:r>
+            <a:r>
+              <a:rPr lang="en-US" sz="1400"/>
+              <a:t>,  survey </a:t>
+            </a:r>
+            <a:r>
+              <a:rPr lang="en-US" sz="1400" dirty="0"/>
+              <a:t>rev = 1</a:t>
+            </a:r>
+          </a:p>
+          <a:p>
+            <a:pPr marL="171450" indent="-171450">
+              <a:buFont typeface="Arial" panose="020B0604020202020204" pitchFamily="34" charset="0"/>
+              <a:buChar char="•"/>
+            </a:pPr>
+            <a:r>
+              <a:rPr lang="en-US" sz="1400" dirty="0"/>
+              <a:t>Duplicate Sections</a:t>
+            </a:r>
+          </a:p>
+          <a:p>
+            <a:pPr marL="320040" lvl="1" indent="-171450">
+              <a:buFont typeface="Arial" panose="020B0604020202020204" pitchFamily="34" charset="0"/>
+              <a:buChar char="•"/>
+            </a:pPr>
+            <a:r>
+              <a:rPr lang="en-US" sz="1400" dirty="0"/>
+              <a:t>copy from Sections[PID,PREV,*]</a:t>
+            </a:r>
+          </a:p>
+          <a:p>
+            <a:pPr marL="320040" lvl="1" indent="-171450">
+              <a:buFont typeface="Arial" panose="020B0604020202020204" pitchFamily="34" charset="0"/>
+              <a:buChar char="•"/>
+            </a:pPr>
+            <a:r>
+              <a:rPr lang="en-US" sz="1400" dirty="0"/>
+              <a:t>set survey id = SID, survey rev = 1</a:t>
+            </a:r>
+          </a:p>
+          <a:p>
+            <a:pPr marL="171450" indent="-171450">
+              <a:buFont typeface="Arial" panose="020B0604020202020204" pitchFamily="34" charset="0"/>
+              <a:buChar char="•"/>
+            </a:pPr>
+            <a:r>
+              <a:rPr lang="en-US" sz="1400" dirty="0"/>
+              <a:t>Duplicate Elements</a:t>
+            </a:r>
+          </a:p>
+          <a:p>
+            <a:pPr marL="320040" lvl="1" indent="-171450">
+              <a:buFont typeface="Arial" panose="020B0604020202020204" pitchFamily="34" charset="0"/>
+              <a:buChar char="•"/>
+            </a:pPr>
+            <a:r>
+              <a:rPr lang="en-US" sz="1400" dirty="0"/>
+              <a:t>copy from Elements[*,PID,PREV,*,*]</a:t>
+            </a:r>
+          </a:p>
+          <a:p>
+            <a:pPr marL="320040" lvl="1" indent="-171450">
+              <a:buFont typeface="Arial" panose="020B0604020202020204" pitchFamily="34" charset="0"/>
+              <a:buChar char="•"/>
+            </a:pPr>
+            <a:r>
+              <a:rPr lang="en-US" sz="1400" dirty="0"/>
+              <a:t>set survey id = SID, survey rev = 1</a:t>
+            </a:r>
+          </a:p>
+          <a:p>
+            <a:pPr marL="320040" lvl="1" indent="-171450">
+              <a:buFont typeface="Arial" panose="020B0604020202020204" pitchFamily="34" charset="0"/>
+              <a:buChar char="•"/>
+            </a:pPr>
+            <a:r>
+              <a:rPr lang="en-US" sz="1400" b="1" dirty="0"/>
+              <a:t>Do not change id</a:t>
+            </a:r>
+            <a:endParaRPr lang="en-US" sz="1400" dirty="0"/>
+          </a:p>
+          <a:p>
+            <a:pPr marL="171450" indent="-171450">
+              <a:buFont typeface="Arial" panose="020B0604020202020204" pitchFamily="34" charset="0"/>
+              <a:buChar char="•"/>
+            </a:pPr>
+            <a:r>
+              <a:rPr lang="en-US" sz="1400" dirty="0"/>
+              <a:t>Duplicate </a:t>
+            </a:r>
+            <a:r>
+              <a:rPr lang="en-US" sz="1400" dirty="0" err="1"/>
+              <a:t>ElementOptions</a:t>
+            </a:r>
+            <a:endParaRPr lang="en-US" sz="1400" dirty="0"/>
+          </a:p>
+          <a:p>
+            <a:pPr marL="320040" lvl="1" indent="-171450">
+              <a:buFont typeface="Arial" panose="020B0604020202020204" pitchFamily="34" charset="0"/>
+              <a:buChar char="•"/>
+            </a:pPr>
+            <a:r>
+              <a:rPr lang="en-US" sz="1400" dirty="0"/>
+              <a:t>copy from </a:t>
+            </a:r>
+            <a:r>
+              <a:rPr lang="en-US" sz="1400" dirty="0" err="1"/>
+              <a:t>ElementOptions</a:t>
+            </a:r>
+            <a:r>
+              <a:rPr lang="en-US" sz="1400" dirty="0"/>
+              <a:t>[PID,PREV,*,*]</a:t>
+            </a:r>
+          </a:p>
+          <a:p>
+            <a:pPr marL="320040" lvl="1" indent="-171450">
+              <a:buFont typeface="Arial" panose="020B0604020202020204" pitchFamily="34" charset="0"/>
+              <a:buChar char="•"/>
+            </a:pPr>
+            <a:r>
+              <a:rPr lang="en-US" sz="1400" dirty="0"/>
+              <a:t>set survey id = SID, survey rev = 1</a:t>
+            </a:r>
+          </a:p>
+          <a:p>
+            <a:pPr marL="171450" indent="-171450">
+              <a:buFont typeface="Arial" panose="020B0604020202020204" pitchFamily="34" charset="0"/>
+              <a:buChar char="•"/>
+            </a:pPr>
+            <a:endParaRPr lang="en-US" sz="1400" dirty="0"/>
+          </a:p>
+          <a:p>
+            <a:pPr marL="320040" lvl="1" indent="-171450">
+              <a:buFont typeface="Arial" panose="020B0604020202020204" pitchFamily="34" charset="0"/>
+              <a:buChar char="•"/>
+            </a:pPr>
+            <a:endParaRPr lang="en-US" sz="1400" b="1" dirty="0"/>
+          </a:p>
+        </p:txBody>
+      </p:sp>
+      <p:sp>
+        <p:nvSpPr>
+          <p:cNvPr id="19" name="Rectangle 18">
+            <a:extLst>
+              <a:ext uri="{FF2B5EF4-FFF2-40B4-BE49-F238E27FC236}">
+                <a16:creationId xmlns:a16="http://schemas.microsoft.com/office/drawing/2014/main" id="{6A39BD2B-40A0-5E40-BCBC-9AAA3067F5AD}"/>
+              </a:ext>
+            </a:extLst>
+          </p:cNvPr>
+          <p:cNvSpPr/>
+          <p:nvPr/>
+        </p:nvSpPr>
+        <p:spPr>
+          <a:xfrm>
+            <a:off x="4555189" y="2528981"/>
+            <a:ext cx="1873406" cy="1876238"/>
+          </a:xfrm>
+          <a:prstGeom prst="rect">
+            <a:avLst/>
+          </a:prstGeom>
+          <a:ln>
+            <a:solidFill>
+              <a:schemeClr val="tx1"/>
+            </a:solidFill>
+          </a:ln>
+        </p:spPr>
+        <p:style>
+          <a:lnRef idx="1">
+            <a:schemeClr val="accent2"/>
+          </a:lnRef>
+          <a:fillRef idx="2">
+            <a:schemeClr val="accent2"/>
+          </a:fillRef>
+          <a:effectRef idx="1">
+            <a:schemeClr val="accent2"/>
+          </a:effectRef>
+          <a:fontRef idx="minor">
+            <a:schemeClr val="dk1"/>
+          </a:fontRef>
+        </p:style>
+        <p:txBody>
+          <a:bodyPr rtlCol="0" anchor="t"/>
+          <a:lstStyle/>
+          <a:p>
+            <a:pPr algn="ctr"/>
+            <a:r>
+              <a:rPr lang="en-US" dirty="0" err="1"/>
+              <a:t>ElementOptions</a:t>
+            </a:r>
+            <a:endParaRPr lang="en-US" dirty="0"/>
+          </a:p>
+          <a:p>
+            <a:pPr algn="ctr"/>
+            <a:r>
+              <a:rPr lang="en-US" sz="1400" b="1" i="1" dirty="0">
+                <a:solidFill>
+                  <a:schemeClr val="accent1"/>
+                </a:solidFill>
+              </a:rPr>
+              <a:t>survey id</a:t>
+            </a:r>
+          </a:p>
+          <a:p>
+            <a:pPr algn="ctr"/>
+            <a:r>
+              <a:rPr lang="en-US" sz="1400" b="1" i="1" dirty="0">
+                <a:solidFill>
+                  <a:schemeClr val="tx1"/>
+                </a:solidFill>
+              </a:rPr>
+              <a:t>survey rev</a:t>
+            </a:r>
+            <a:r>
+              <a:rPr lang="en-US" sz="1400" b="1" i="1" baseline="30000" dirty="0">
+                <a:solidFill>
+                  <a:schemeClr val="tx1"/>
+                </a:solidFill>
+              </a:rPr>
+              <a:t>(*)</a:t>
+            </a:r>
+          </a:p>
+          <a:p>
+            <a:pPr algn="ctr"/>
+            <a:r>
+              <a:rPr lang="en-US" sz="1400" b="1" i="1" dirty="0">
+                <a:solidFill>
+                  <a:schemeClr val="tx1"/>
+                </a:solidFill>
+              </a:rPr>
+              <a:t>element id</a:t>
+            </a:r>
+          </a:p>
+          <a:p>
+            <a:pPr algn="ctr"/>
+            <a:r>
+              <a:rPr lang="en-US" sz="1400" b="1" dirty="0">
+                <a:solidFill>
+                  <a:schemeClr val="tx1">
+                    <a:lumMod val="65000"/>
+                    <a:lumOff val="35000"/>
+                  </a:schemeClr>
+                </a:solidFill>
+              </a:rPr>
+              <a:t>option id</a:t>
+            </a:r>
+          </a:p>
+          <a:p>
+            <a:pPr algn="ctr"/>
+            <a:r>
+              <a:rPr lang="en-US" sz="1400" i="1" dirty="0">
+                <a:solidFill>
+                  <a:schemeClr val="tx1"/>
+                </a:solidFill>
+              </a:rPr>
+              <a:t>sequence</a:t>
+            </a:r>
+            <a:r>
+              <a:rPr lang="en-US" sz="1400" i="1" baseline="30000" dirty="0"/>
+              <a:t>(**)</a:t>
+            </a:r>
+            <a:endParaRPr lang="en-US" sz="1400" i="1" dirty="0">
+              <a:solidFill>
+                <a:schemeClr val="tx1">
+                  <a:lumMod val="65000"/>
+                  <a:lumOff val="35000"/>
+                </a:schemeClr>
+              </a:solidFill>
+            </a:endParaRPr>
+          </a:p>
+          <a:p>
+            <a:pPr algn="ctr"/>
+            <a:r>
+              <a:rPr lang="en-US" sz="1400" dirty="0">
+                <a:solidFill>
+                  <a:schemeClr val="tx1"/>
+                </a:solidFill>
+              </a:rPr>
+              <a:t>secondary</a:t>
+            </a:r>
+          </a:p>
+        </p:txBody>
+      </p:sp>
+      <p:sp>
+        <p:nvSpPr>
+          <p:cNvPr id="25" name="Rectangle 24">
+            <a:extLst>
+              <a:ext uri="{FF2B5EF4-FFF2-40B4-BE49-F238E27FC236}">
+                <a16:creationId xmlns:a16="http://schemas.microsoft.com/office/drawing/2014/main" id="{E74B3E76-4743-8945-97C5-7FE93C66A289}"/>
+              </a:ext>
+            </a:extLst>
+          </p:cNvPr>
+          <p:cNvSpPr/>
+          <p:nvPr/>
+        </p:nvSpPr>
+        <p:spPr>
+          <a:xfrm>
+            <a:off x="250898" y="2373298"/>
+            <a:ext cx="1873405" cy="1294573"/>
+          </a:xfrm>
+          <a:prstGeom prst="rect">
+            <a:avLst/>
+          </a:prstGeom>
+          <a:ln>
+            <a:solidFill>
+              <a:schemeClr val="tx1"/>
+            </a:solidFill>
+          </a:ln>
+        </p:spPr>
+        <p:style>
+          <a:lnRef idx="1">
+            <a:schemeClr val="accent3"/>
+          </a:lnRef>
+          <a:fillRef idx="2">
+            <a:schemeClr val="accent3"/>
+          </a:fillRef>
+          <a:effectRef idx="1">
+            <a:schemeClr val="accent3"/>
+          </a:effectRef>
+          <a:fontRef idx="minor">
+            <a:schemeClr val="dk1"/>
+          </a:fontRef>
+        </p:style>
+        <p:txBody>
+          <a:bodyPr rtlCol="0" anchor="t"/>
+          <a:lstStyle/>
+          <a:p>
+            <a:pPr algn="ctr"/>
+            <a:r>
+              <a:rPr lang="en-US" dirty="0"/>
+              <a:t>Options</a:t>
+            </a:r>
+          </a:p>
+          <a:p>
+            <a:pPr algn="ctr"/>
+            <a:r>
+              <a:rPr lang="en-US" sz="1400" b="1" dirty="0">
+                <a:solidFill>
+                  <a:schemeClr val="tx1"/>
+                </a:solidFill>
+              </a:rPr>
+              <a:t>id</a:t>
+            </a:r>
+          </a:p>
+          <a:p>
+            <a:pPr algn="ctr"/>
+            <a:r>
+              <a:rPr lang="en-US" sz="1400" b="1" dirty="0">
+                <a:solidFill>
+                  <a:schemeClr val="accent1"/>
+                </a:solidFill>
+              </a:rPr>
+              <a:t>survey id </a:t>
+            </a:r>
+            <a:r>
+              <a:rPr lang="en-US" sz="1400" dirty="0">
+                <a:solidFill>
+                  <a:schemeClr val="accent1"/>
+                </a:solidFill>
+              </a:rPr>
+              <a:t>(</a:t>
+            </a:r>
+            <a:r>
+              <a:rPr lang="en-US" sz="1400" dirty="0" err="1">
+                <a:solidFill>
+                  <a:schemeClr val="accent1"/>
+                </a:solidFill>
+              </a:rPr>
+              <a:t>fk</a:t>
+            </a:r>
+            <a:r>
+              <a:rPr lang="en-US" sz="1400" dirty="0">
+                <a:solidFill>
+                  <a:schemeClr val="accent1"/>
+                </a:solidFill>
+              </a:rPr>
+              <a:t>)</a:t>
+            </a:r>
+          </a:p>
+          <a:p>
+            <a:pPr algn="ctr"/>
+            <a:r>
+              <a:rPr lang="en-US" sz="1400" b="1" dirty="0">
+                <a:solidFill>
+                  <a:schemeClr val="tx1"/>
+                </a:solidFill>
+              </a:rPr>
+              <a:t>survey rev</a:t>
+            </a:r>
+            <a:r>
+              <a:rPr lang="en-US" sz="1400" b="1" baseline="30000" dirty="0">
+                <a:solidFill>
+                  <a:schemeClr val="tx1"/>
+                </a:solidFill>
+              </a:rPr>
+              <a:t>(*)</a:t>
+            </a:r>
+            <a:endParaRPr lang="en-US" sz="1400" dirty="0">
+              <a:solidFill>
+                <a:schemeClr val="tx1"/>
+              </a:solidFill>
+            </a:endParaRPr>
+          </a:p>
+          <a:p>
+            <a:pPr algn="ctr"/>
+            <a:r>
+              <a:rPr lang="en-US" sz="1400" dirty="0">
+                <a:solidFill>
+                  <a:schemeClr val="tx1"/>
+                </a:solidFill>
+              </a:rPr>
+              <a:t>text</a:t>
+            </a:r>
+          </a:p>
+        </p:txBody>
+      </p:sp>
+      <p:sp>
+        <p:nvSpPr>
+          <p:cNvPr id="2" name="TextBox 1">
+            <a:extLst>
+              <a:ext uri="{FF2B5EF4-FFF2-40B4-BE49-F238E27FC236}">
+                <a16:creationId xmlns:a16="http://schemas.microsoft.com/office/drawing/2014/main" id="{C06DB873-E643-5842-93EC-454C146A7F33}"/>
+              </a:ext>
+            </a:extLst>
+          </p:cNvPr>
+          <p:cNvSpPr txBox="1"/>
+          <p:nvPr/>
+        </p:nvSpPr>
+        <p:spPr>
+          <a:xfrm>
+            <a:off x="2677099" y="5158362"/>
+            <a:ext cx="4208443" cy="1384995"/>
+          </a:xfrm>
+          <a:prstGeom prst="rect">
+            <a:avLst/>
+          </a:prstGeom>
+          <a:noFill/>
+        </p:spPr>
+        <p:txBody>
+          <a:bodyPr wrap="square" rtlCol="0">
+            <a:spAutoFit/>
+          </a:bodyPr>
+          <a:lstStyle/>
+          <a:p>
+            <a:r>
+              <a:rPr lang="en-US" sz="1400" dirty="0"/>
+              <a:t>* Rows do not need to be replicated with each survey revision, only rows that change in that revision.  When performing a select, find the row associated with each set of primary keys that has the largest survey rev value less than or equal to the survey revision.  This will probably require a SQL function.</a:t>
+            </a:r>
+          </a:p>
+        </p:txBody>
+      </p:sp>
+      <p:sp>
+        <p:nvSpPr>
+          <p:cNvPr id="26" name="TextBox 25">
+            <a:extLst>
+              <a:ext uri="{FF2B5EF4-FFF2-40B4-BE49-F238E27FC236}">
+                <a16:creationId xmlns:a16="http://schemas.microsoft.com/office/drawing/2014/main" id="{6792CA1F-5548-4648-B15B-8C4E14AF7316}"/>
+              </a:ext>
+            </a:extLst>
+          </p:cNvPr>
+          <p:cNvSpPr txBox="1"/>
+          <p:nvPr/>
+        </p:nvSpPr>
+        <p:spPr>
+          <a:xfrm>
+            <a:off x="7127135" y="5182120"/>
+            <a:ext cx="4208443" cy="1169551"/>
+          </a:xfrm>
+          <a:prstGeom prst="rect">
+            <a:avLst/>
+          </a:prstGeom>
+          <a:noFill/>
+        </p:spPr>
+        <p:txBody>
+          <a:bodyPr wrap="square" rtlCol="0">
+            <a:spAutoFit/>
+          </a:bodyPr>
+          <a:lstStyle/>
+          <a:p>
+            <a:r>
+              <a:rPr lang="en-US" sz="1400" dirty="0"/>
+              <a:t>** Setting sequence to NULL removes it from the survey, but retains it for the purpose of survey editing in the admin tab, (i.e. allows it to be reintroduced without creating it from scratch or breaking continuity with ancestor surveys).</a:t>
+            </a:r>
+          </a:p>
+        </p:txBody>
+      </p:sp>
+      <p:sp>
+        <p:nvSpPr>
+          <p:cNvPr id="3" name="TextBox 2">
+            <a:extLst>
+              <a:ext uri="{FF2B5EF4-FFF2-40B4-BE49-F238E27FC236}">
+                <a16:creationId xmlns:a16="http://schemas.microsoft.com/office/drawing/2014/main" id="{2AFC0DB0-4874-094F-B78C-2BCF69F38E49}"/>
+              </a:ext>
+            </a:extLst>
+          </p:cNvPr>
+          <p:cNvSpPr txBox="1"/>
+          <p:nvPr/>
+        </p:nvSpPr>
+        <p:spPr>
+          <a:xfrm>
+            <a:off x="2885422" y="2303873"/>
+            <a:ext cx="908647" cy="738664"/>
+          </a:xfrm>
+          <a:prstGeom prst="rect">
+            <a:avLst/>
+          </a:prstGeom>
+          <a:noFill/>
+        </p:spPr>
+        <p:txBody>
+          <a:bodyPr wrap="none" rtlCol="0">
+            <a:spAutoFit/>
+          </a:bodyPr>
+          <a:lstStyle/>
+          <a:p>
+            <a:r>
+              <a:rPr lang="en-US" sz="1400" b="1" dirty="0"/>
+              <a:t>bold = PK</a:t>
+            </a:r>
+          </a:p>
+          <a:p>
+            <a:r>
+              <a:rPr lang="en-US" sz="1400" i="1" dirty="0"/>
+              <a:t>italic = UK</a:t>
+            </a:r>
+          </a:p>
+          <a:p>
+            <a:r>
+              <a:rPr lang="en-US" sz="1400" dirty="0">
+                <a:solidFill>
+                  <a:schemeClr val="accent1"/>
+                </a:solidFill>
+              </a:rPr>
+              <a:t>color = FK</a:t>
+            </a:r>
+          </a:p>
+        </p:txBody>
+      </p:sp>
+    </p:spTree>
+    <p:extLst>
+      <p:ext uri="{BB962C8B-B14F-4D97-AF65-F5344CB8AC3E}">
+        <p14:creationId xmlns:p14="http://schemas.microsoft.com/office/powerpoint/2010/main" val="3921257585"/>
+      </p:ext>
+    </p:extLst>
+  </p:cSld>
+  <p:clrMapOvr>
+    <a:masterClrMapping/>
+  </p:clrMapOvr>
+</p:sld>
+</file>
+
+<file path=ppt/slides/slide3.xml><?xml version="1.0" encoding="utf-8"?>
+<p:sld xmlns:a="http://schemas.openxmlformats.org/drawingml/2006/main" xmlns:r="http://schemas.openxmlformats.org/officeDocument/2006/relationships" xmlns:p="http://schemas.openxmlformats.org/presentationml/2006/main">
+  <p:cSld>
+    <p:spTree>
+      <p:nvGrpSpPr>
+        <p:cNvPr id="1" name=""/>
+        <p:cNvGrpSpPr/>
+        <p:nvPr/>
+      </p:nvGrpSpPr>
+      <p:grpSpPr>
+        <a:xfrm>
+          <a:off x="0" y="0"/>
+          <a:ext cx="0" cy="0"/>
+          <a:chOff x="0" y="0"/>
+          <a:chExt cx="0" cy="0"/>
+        </a:xfrm>
+      </p:grpSpPr>
+      <p:sp>
+        <p:nvSpPr>
+          <p:cNvPr id="4" name="Rectangle 3">
+            <a:extLst>
+              <a:ext uri="{FF2B5EF4-FFF2-40B4-BE49-F238E27FC236}">
+                <a16:creationId xmlns:a16="http://schemas.microsoft.com/office/drawing/2014/main" id="{7A155D7C-43EB-8A46-94DD-0EAA22E6688C}"/>
+              </a:ext>
+            </a:extLst>
+          </p:cNvPr>
+          <p:cNvSpPr/>
+          <p:nvPr/>
+        </p:nvSpPr>
+        <p:spPr>
+          <a:xfrm>
+            <a:off x="726028" y="386484"/>
+            <a:ext cx="1873405" cy="1733668"/>
+          </a:xfrm>
+          <a:prstGeom prst="rect">
+            <a:avLst/>
+          </a:prstGeom>
+          <a:ln>
+            <a:solidFill>
+              <a:schemeClr val="tx1"/>
+            </a:solidFill>
+          </a:ln>
+        </p:spPr>
+        <p:style>
+          <a:lnRef idx="1">
+            <a:schemeClr val="accent1"/>
+          </a:lnRef>
+          <a:fillRef idx="2">
+            <a:schemeClr val="accent1"/>
+          </a:fillRef>
+          <a:effectRef idx="1">
+            <a:schemeClr val="accent1"/>
+          </a:effectRef>
+          <a:fontRef idx="minor">
+            <a:schemeClr val="dk1"/>
+          </a:fontRef>
+        </p:style>
+        <p:txBody>
+          <a:bodyPr rtlCol="0" anchor="t"/>
+          <a:lstStyle/>
+          <a:p>
+            <a:pPr algn="ctr"/>
+            <a:r>
+              <a:rPr lang="en-US" b="1" dirty="0"/>
+              <a:t>Survey</a:t>
+            </a:r>
+          </a:p>
+          <a:p>
+            <a:pPr algn="ctr"/>
+            <a:r>
+              <a:rPr lang="en-US" sz="1400" b="1" dirty="0"/>
+              <a:t>survey id</a:t>
+            </a:r>
+          </a:p>
+          <a:p>
+            <a:pPr algn="ctr"/>
+            <a:r>
+              <a:rPr lang="en-US" sz="1400" dirty="0"/>
+              <a:t>name</a:t>
+            </a:r>
+          </a:p>
+          <a:p>
+            <a:pPr algn="ctr"/>
+            <a:r>
+              <a:rPr lang="en-US" sz="1400" dirty="0"/>
+              <a:t>created</a:t>
+            </a:r>
+          </a:p>
+          <a:p>
+            <a:pPr algn="ctr"/>
+            <a:r>
+              <a:rPr lang="en-US" sz="1400" dirty="0"/>
+              <a:t>active</a:t>
+            </a:r>
+          </a:p>
+          <a:p>
+            <a:pPr algn="ctr"/>
+            <a:r>
+              <a:rPr lang="en-US" sz="1400" dirty="0"/>
+              <a:t>closed</a:t>
+            </a:r>
+          </a:p>
+          <a:p>
+            <a:pPr algn="ctr"/>
+            <a:r>
+              <a:rPr lang="en-US" sz="1400" dirty="0"/>
+              <a:t>revision</a:t>
+            </a:r>
+          </a:p>
+        </p:txBody>
+      </p:sp>
+      <p:sp>
+        <p:nvSpPr>
+          <p:cNvPr id="6" name="Rectangle 5">
+            <a:extLst>
+              <a:ext uri="{FF2B5EF4-FFF2-40B4-BE49-F238E27FC236}">
+                <a16:creationId xmlns:a16="http://schemas.microsoft.com/office/drawing/2014/main" id="{A97B028A-4A7A-5A47-8816-71BC3E0778BD}"/>
+              </a:ext>
+            </a:extLst>
+          </p:cNvPr>
+          <p:cNvSpPr/>
+          <p:nvPr/>
+        </p:nvSpPr>
+        <p:spPr>
+          <a:xfrm>
+            <a:off x="726028" y="2593041"/>
+            <a:ext cx="1873405" cy="1122432"/>
+          </a:xfrm>
+          <a:prstGeom prst="rect">
+            <a:avLst/>
+          </a:prstGeom>
+          <a:ln>
+            <a:solidFill>
+              <a:schemeClr val="tx1"/>
+            </a:solidFill>
+          </a:ln>
+        </p:spPr>
+        <p:style>
+          <a:lnRef idx="1">
+            <a:schemeClr val="accent1"/>
+          </a:lnRef>
+          <a:fillRef idx="2">
+            <a:schemeClr val="accent1"/>
+          </a:fillRef>
+          <a:effectRef idx="1">
+            <a:schemeClr val="accent1"/>
+          </a:effectRef>
+          <a:fontRef idx="minor">
+            <a:schemeClr val="dk1"/>
+          </a:fontRef>
+        </p:style>
+        <p:txBody>
+          <a:bodyPr rtlCol="0" anchor="t"/>
+          <a:lstStyle/>
+          <a:p>
+            <a:pPr algn="ctr"/>
+            <a:endParaRPr lang="en-US" dirty="0"/>
+          </a:p>
+        </p:txBody>
+      </p:sp>
+      <p:sp>
+        <p:nvSpPr>
+          <p:cNvPr id="8" name="Rectangle 7">
+            <a:extLst>
+              <a:ext uri="{FF2B5EF4-FFF2-40B4-BE49-F238E27FC236}">
+                <a16:creationId xmlns:a16="http://schemas.microsoft.com/office/drawing/2014/main" id="{0D7128A4-CFB8-1A49-B78C-5E17F43542F9}"/>
+              </a:ext>
+            </a:extLst>
+          </p:cNvPr>
+          <p:cNvSpPr/>
+          <p:nvPr/>
+        </p:nvSpPr>
+        <p:spPr>
+          <a:xfrm>
+            <a:off x="878428" y="2745441"/>
+            <a:ext cx="1873405" cy="1100417"/>
+          </a:xfrm>
+          <a:prstGeom prst="rect">
+            <a:avLst/>
+          </a:prstGeom>
+          <a:ln>
+            <a:solidFill>
+              <a:schemeClr val="tx1"/>
+            </a:solidFill>
+          </a:ln>
+        </p:spPr>
+        <p:style>
+          <a:lnRef idx="1">
+            <a:schemeClr val="accent1"/>
+          </a:lnRef>
+          <a:fillRef idx="2">
+            <a:schemeClr val="accent1"/>
+          </a:fillRef>
+          <a:effectRef idx="1">
+            <a:schemeClr val="accent1"/>
+          </a:effectRef>
+          <a:fontRef idx="minor">
+            <a:schemeClr val="dk1"/>
+          </a:fontRef>
+        </p:style>
+        <p:txBody>
+          <a:bodyPr rtlCol="0" anchor="t"/>
+          <a:lstStyle/>
+          <a:p>
+            <a:pPr algn="ctr"/>
+            <a:endParaRPr lang="en-US" dirty="0"/>
+          </a:p>
+        </p:txBody>
+      </p:sp>
+      <p:sp>
+        <p:nvSpPr>
+          <p:cNvPr id="7" name="Rectangle 6">
+            <a:extLst>
+              <a:ext uri="{FF2B5EF4-FFF2-40B4-BE49-F238E27FC236}">
+                <a16:creationId xmlns:a16="http://schemas.microsoft.com/office/drawing/2014/main" id="{81B44D7C-EC59-E845-A301-00B128CF0BCF}"/>
+              </a:ext>
+            </a:extLst>
+          </p:cNvPr>
+          <p:cNvSpPr/>
+          <p:nvPr/>
+        </p:nvSpPr>
+        <p:spPr>
+          <a:xfrm>
+            <a:off x="1030828" y="2897841"/>
+            <a:ext cx="1873405" cy="1100417"/>
+          </a:xfrm>
+          <a:prstGeom prst="rect">
+            <a:avLst/>
+          </a:prstGeom>
+          <a:ln>
+            <a:solidFill>
+              <a:schemeClr val="tx1"/>
+            </a:solidFill>
+          </a:ln>
+        </p:spPr>
+        <p:style>
+          <a:lnRef idx="1">
+            <a:schemeClr val="accent1"/>
+          </a:lnRef>
+          <a:fillRef idx="2">
+            <a:schemeClr val="accent1"/>
+          </a:fillRef>
+          <a:effectRef idx="1">
+            <a:schemeClr val="accent1"/>
+          </a:effectRef>
+          <a:fontRef idx="minor">
+            <a:schemeClr val="dk1"/>
+          </a:fontRef>
+        </p:style>
+        <p:txBody>
+          <a:bodyPr rtlCol="0" anchor="t"/>
+          <a:lstStyle/>
+          <a:p>
+            <a:pPr algn="ctr"/>
+            <a:r>
+              <a:rPr lang="en-US" b="1" dirty="0"/>
+              <a:t>Survey Content</a:t>
+            </a:r>
+          </a:p>
+          <a:p>
+            <a:pPr algn="ctr"/>
+            <a:r>
+              <a:rPr lang="en-US" sz="1400" b="1" dirty="0" err="1"/>
+              <a:t>survey_id</a:t>
+            </a:r>
+            <a:endParaRPr lang="en-US" sz="1400" b="1" dirty="0"/>
+          </a:p>
+          <a:p>
+            <a:pPr algn="ctr"/>
+            <a:r>
+              <a:rPr lang="en-US" sz="1400" b="1" dirty="0" err="1"/>
+              <a:t>survey_revision</a:t>
+            </a:r>
+            <a:endParaRPr lang="en-US" sz="1200" b="1" dirty="0"/>
+          </a:p>
+          <a:p>
+            <a:pPr algn="ctr"/>
+            <a:r>
+              <a:rPr lang="en-US" sz="1400" dirty="0"/>
+              <a:t>data (</a:t>
+            </a:r>
+            <a:r>
+              <a:rPr lang="en-US" sz="1400" dirty="0" err="1"/>
+              <a:t>json</a:t>
+            </a:r>
+            <a:r>
+              <a:rPr lang="en-US" sz="1400" dirty="0"/>
+              <a:t>)</a:t>
+            </a:r>
+          </a:p>
+        </p:txBody>
+      </p:sp>
+      <p:sp>
+        <p:nvSpPr>
+          <p:cNvPr id="9" name="Rectangle 8">
+            <a:extLst>
+              <a:ext uri="{FF2B5EF4-FFF2-40B4-BE49-F238E27FC236}">
+                <a16:creationId xmlns:a16="http://schemas.microsoft.com/office/drawing/2014/main" id="{28E91FBD-EB6D-754B-AE55-618757AF35E1}"/>
+              </a:ext>
+            </a:extLst>
+          </p:cNvPr>
+          <p:cNvSpPr/>
+          <p:nvPr/>
+        </p:nvSpPr>
+        <p:spPr>
+          <a:xfrm>
+            <a:off x="1030827" y="4428877"/>
+            <a:ext cx="1873405" cy="777689"/>
+          </a:xfrm>
+          <a:prstGeom prst="rect">
+            <a:avLst/>
+          </a:prstGeom>
+          <a:solidFill>
+            <a:schemeClr val="bg1">
+              <a:lumMod val="85000"/>
+            </a:schemeClr>
+          </a:solidFill>
+          <a:ln>
+            <a:solidFill>
+              <a:schemeClr val="tx1"/>
+            </a:solidFill>
+          </a:ln>
+        </p:spPr>
+        <p:style>
+          <a:lnRef idx="1">
+            <a:schemeClr val="accent3"/>
+          </a:lnRef>
+          <a:fillRef idx="2">
+            <a:schemeClr val="accent3"/>
+          </a:fillRef>
+          <a:effectRef idx="1">
+            <a:schemeClr val="accent3"/>
+          </a:effectRef>
+          <a:fontRef idx="minor">
+            <a:schemeClr val="dk1"/>
+          </a:fontRef>
+        </p:style>
+        <p:txBody>
+          <a:bodyPr rtlCol="0" anchor="t"/>
+          <a:lstStyle/>
+          <a:p>
+            <a:pPr algn="ctr"/>
+            <a:r>
+              <a:rPr lang="en-US" b="1" dirty="0"/>
+              <a:t>Survey Section</a:t>
+            </a:r>
+          </a:p>
+          <a:p>
+            <a:pPr algn="ctr"/>
+            <a:r>
+              <a:rPr lang="en-US" sz="1200" dirty="0"/>
+              <a:t>name</a:t>
+            </a:r>
+          </a:p>
+          <a:p>
+            <a:pPr algn="ctr"/>
+            <a:r>
+              <a:rPr lang="en-US" sz="1200" dirty="0"/>
+              <a:t>description</a:t>
+            </a:r>
+          </a:p>
+        </p:txBody>
+      </p:sp>
+      <p:sp>
+        <p:nvSpPr>
+          <p:cNvPr id="10" name="Rectangle 9">
+            <a:extLst>
+              <a:ext uri="{FF2B5EF4-FFF2-40B4-BE49-F238E27FC236}">
+                <a16:creationId xmlns:a16="http://schemas.microsoft.com/office/drawing/2014/main" id="{A8761D24-9199-7047-8701-6A05B7A31BAE}"/>
+              </a:ext>
+            </a:extLst>
+          </p:cNvPr>
+          <p:cNvSpPr/>
+          <p:nvPr/>
+        </p:nvSpPr>
+        <p:spPr>
+          <a:xfrm>
+            <a:off x="1030827" y="5585324"/>
+            <a:ext cx="1873405" cy="777689"/>
+          </a:xfrm>
+          <a:prstGeom prst="rect">
+            <a:avLst/>
+          </a:prstGeom>
+          <a:solidFill>
+            <a:schemeClr val="bg1">
+              <a:lumMod val="85000"/>
+            </a:schemeClr>
+          </a:solidFill>
+          <a:ln>
+            <a:solidFill>
+              <a:schemeClr val="tx1"/>
+            </a:solidFill>
+          </a:ln>
+        </p:spPr>
+        <p:style>
+          <a:lnRef idx="1">
+            <a:schemeClr val="accent3"/>
+          </a:lnRef>
+          <a:fillRef idx="2">
+            <a:schemeClr val="accent3"/>
+          </a:fillRef>
+          <a:effectRef idx="1">
+            <a:schemeClr val="accent3"/>
+          </a:effectRef>
+          <a:fontRef idx="minor">
+            <a:schemeClr val="dk1"/>
+          </a:fontRef>
+        </p:style>
+        <p:txBody>
+          <a:bodyPr rtlCol="0" anchor="t"/>
+          <a:lstStyle/>
+          <a:p>
+            <a:pPr algn="ctr"/>
+            <a:r>
+              <a:rPr lang="en-US" b="1" dirty="0"/>
+              <a:t>Element</a:t>
+            </a:r>
+          </a:p>
+          <a:p>
+            <a:pPr algn="ctr"/>
+            <a:r>
+              <a:rPr lang="en-US" sz="1200" dirty="0"/>
+              <a:t>element id</a:t>
+            </a:r>
+          </a:p>
+          <a:p>
+            <a:pPr algn="ctr"/>
+            <a:r>
+              <a:rPr lang="en-US" sz="1200" dirty="0"/>
+              <a:t>element revision</a:t>
+            </a:r>
+          </a:p>
+        </p:txBody>
+      </p:sp>
+      <p:cxnSp>
+        <p:nvCxnSpPr>
+          <p:cNvPr id="12" name="Straight Arrow Connector 11">
+            <a:extLst>
+              <a:ext uri="{FF2B5EF4-FFF2-40B4-BE49-F238E27FC236}">
+                <a16:creationId xmlns:a16="http://schemas.microsoft.com/office/drawing/2014/main" id="{7B62F1B6-CD2A-7441-9A0E-EB1E7F080F1A}"/>
+              </a:ext>
+            </a:extLst>
+          </p:cNvPr>
+          <p:cNvCxnSpPr>
+            <a:cxnSpLocks/>
+            <a:stCxn id="7" idx="2"/>
+            <a:endCxn id="9" idx="0"/>
+          </p:cNvCxnSpPr>
+          <p:nvPr/>
+        </p:nvCxnSpPr>
+        <p:spPr>
+          <a:xfrm flipH="1">
+            <a:off x="1967530" y="3998258"/>
+            <a:ext cx="1" cy="430619"/>
+          </a:xfrm>
+          <a:prstGeom prst="straightConnector1">
+            <a:avLst/>
+          </a:prstGeom>
+          <a:ln w="25400">
+            <a:solidFill>
+              <a:schemeClr val="bg1">
+                <a:lumMod val="65000"/>
+              </a:schemeClr>
+            </a:solidFill>
+            <a:tailEnd type="oval" w="lg" len="lg"/>
+          </a:ln>
+        </p:spPr>
+        <p:style>
+          <a:lnRef idx="1">
+            <a:schemeClr val="accent1"/>
+          </a:lnRef>
+          <a:fillRef idx="0">
+            <a:schemeClr val="accent1"/>
+          </a:fillRef>
+          <a:effectRef idx="0">
+            <a:schemeClr val="accent1"/>
+          </a:effectRef>
+          <a:fontRef idx="minor">
+            <a:schemeClr val="tx1"/>
+          </a:fontRef>
+        </p:style>
+      </p:cxnSp>
+      <p:cxnSp>
+        <p:nvCxnSpPr>
+          <p:cNvPr id="14" name="Straight Arrow Connector 13">
+            <a:extLst>
+              <a:ext uri="{FF2B5EF4-FFF2-40B4-BE49-F238E27FC236}">
+                <a16:creationId xmlns:a16="http://schemas.microsoft.com/office/drawing/2014/main" id="{1350EBCF-13EB-7C47-AF34-1EF275373A7D}"/>
+              </a:ext>
+            </a:extLst>
+          </p:cNvPr>
+          <p:cNvCxnSpPr>
+            <a:cxnSpLocks/>
+            <a:stCxn id="9" idx="2"/>
+            <a:endCxn id="10" idx="0"/>
+          </p:cNvCxnSpPr>
+          <p:nvPr/>
+        </p:nvCxnSpPr>
+        <p:spPr>
+          <a:xfrm>
+            <a:off x="1967530" y="5206566"/>
+            <a:ext cx="0" cy="378758"/>
+          </a:xfrm>
+          <a:prstGeom prst="straightConnector1">
+            <a:avLst/>
+          </a:prstGeom>
+          <a:ln w="25400">
+            <a:solidFill>
+              <a:schemeClr val="bg1">
+                <a:lumMod val="65000"/>
+              </a:schemeClr>
+            </a:solidFill>
+            <a:tailEnd type="oval" w="lg" len="lg"/>
+          </a:ln>
+        </p:spPr>
+        <p:style>
+          <a:lnRef idx="1">
+            <a:schemeClr val="accent1"/>
+          </a:lnRef>
+          <a:fillRef idx="0">
+            <a:schemeClr val="accent1"/>
+          </a:fillRef>
+          <a:effectRef idx="0">
+            <a:schemeClr val="accent1"/>
+          </a:effectRef>
+          <a:fontRef idx="minor">
+            <a:schemeClr val="tx1"/>
+          </a:fontRef>
+        </p:style>
+      </p:cxnSp>
+      <p:sp>
+        <p:nvSpPr>
+          <p:cNvPr id="22" name="TextBox 21">
+            <a:extLst>
+              <a:ext uri="{FF2B5EF4-FFF2-40B4-BE49-F238E27FC236}">
+                <a16:creationId xmlns:a16="http://schemas.microsoft.com/office/drawing/2014/main" id="{0DF3323F-E77F-1F47-85AE-86EAC11B6C6B}"/>
+              </a:ext>
+            </a:extLst>
+          </p:cNvPr>
+          <p:cNvSpPr txBox="1"/>
+          <p:nvPr/>
+        </p:nvSpPr>
+        <p:spPr>
+          <a:xfrm>
+            <a:off x="1956038" y="4060387"/>
+            <a:ext cx="795795" cy="276999"/>
+          </a:xfrm>
+          <a:prstGeom prst="rect">
+            <a:avLst/>
+          </a:prstGeom>
+          <a:noFill/>
+        </p:spPr>
+        <p:txBody>
+          <a:bodyPr wrap="none" rtlCol="0">
+            <a:spAutoFit/>
+          </a:bodyPr>
+          <a:lstStyle/>
+          <a:p>
+            <a:r>
+              <a:rPr lang="en-US" sz="1200" dirty="0" err="1"/>
+              <a:t>json</a:t>
+            </a:r>
+            <a:r>
+              <a:rPr lang="en-US" sz="1200" dirty="0"/>
+              <a:t> array</a:t>
+            </a:r>
+          </a:p>
+        </p:txBody>
+      </p:sp>
+      <p:sp>
+        <p:nvSpPr>
+          <p:cNvPr id="23" name="TextBox 22">
+            <a:extLst>
+              <a:ext uri="{FF2B5EF4-FFF2-40B4-BE49-F238E27FC236}">
+                <a16:creationId xmlns:a16="http://schemas.microsoft.com/office/drawing/2014/main" id="{4C237F5F-FFDF-0749-9997-DC4F4330C033}"/>
+              </a:ext>
+            </a:extLst>
+          </p:cNvPr>
+          <p:cNvSpPr txBox="1"/>
+          <p:nvPr/>
+        </p:nvSpPr>
+        <p:spPr>
+          <a:xfrm>
+            <a:off x="1956037" y="5257827"/>
+            <a:ext cx="795795" cy="276999"/>
+          </a:xfrm>
+          <a:prstGeom prst="rect">
+            <a:avLst/>
+          </a:prstGeom>
+          <a:noFill/>
+        </p:spPr>
+        <p:txBody>
+          <a:bodyPr wrap="none" rtlCol="0">
+            <a:spAutoFit/>
+          </a:bodyPr>
+          <a:lstStyle/>
+          <a:p>
+            <a:r>
+              <a:rPr lang="en-US" sz="1200" dirty="0" err="1"/>
+              <a:t>json</a:t>
+            </a:r>
+            <a:r>
+              <a:rPr lang="en-US" sz="1200" dirty="0"/>
+              <a:t> array</a:t>
+            </a:r>
+          </a:p>
+        </p:txBody>
+      </p:sp>
+      <p:sp>
+        <p:nvSpPr>
+          <p:cNvPr id="24" name="Rectangle 23">
+            <a:extLst>
+              <a:ext uri="{FF2B5EF4-FFF2-40B4-BE49-F238E27FC236}">
+                <a16:creationId xmlns:a16="http://schemas.microsoft.com/office/drawing/2014/main" id="{85E9B482-49CA-AA49-88C2-C2D461839A1E}"/>
+              </a:ext>
+            </a:extLst>
+          </p:cNvPr>
+          <p:cNvSpPr/>
+          <p:nvPr/>
+        </p:nvSpPr>
+        <p:spPr>
+          <a:xfrm>
+            <a:off x="3413283" y="414419"/>
+            <a:ext cx="1873405" cy="838899"/>
+          </a:xfrm>
+          <a:prstGeom prst="rect">
+            <a:avLst/>
+          </a:prstGeom>
+          <a:ln>
+            <a:solidFill>
+              <a:schemeClr val="tx1"/>
+            </a:solidFill>
+          </a:ln>
+        </p:spPr>
+        <p:style>
+          <a:lnRef idx="1">
+            <a:schemeClr val="accent4"/>
+          </a:lnRef>
+          <a:fillRef idx="2">
+            <a:schemeClr val="accent4"/>
+          </a:fillRef>
+          <a:effectRef idx="1">
+            <a:schemeClr val="accent4"/>
+          </a:effectRef>
+          <a:fontRef idx="minor">
+            <a:schemeClr val="dk1"/>
+          </a:fontRef>
+        </p:style>
+        <p:txBody>
+          <a:bodyPr rtlCol="0" anchor="t"/>
+          <a:lstStyle/>
+          <a:p>
+            <a:pPr algn="ctr"/>
+            <a:r>
+              <a:rPr lang="en-US" b="1" dirty="0"/>
+              <a:t>Element</a:t>
+            </a:r>
+          </a:p>
+          <a:p>
+            <a:pPr algn="ctr"/>
+            <a:r>
+              <a:rPr lang="en-US" sz="1400" b="1" dirty="0"/>
+              <a:t>element id</a:t>
+            </a:r>
+          </a:p>
+          <a:p>
+            <a:pPr algn="ctr"/>
+            <a:r>
+              <a:rPr lang="en-US" sz="1400" dirty="0"/>
+              <a:t>type</a:t>
+            </a:r>
+          </a:p>
+        </p:txBody>
+      </p:sp>
+      <p:grpSp>
+        <p:nvGrpSpPr>
+          <p:cNvPr id="28" name="Group 27">
+            <a:extLst>
+              <a:ext uri="{FF2B5EF4-FFF2-40B4-BE49-F238E27FC236}">
+                <a16:creationId xmlns:a16="http://schemas.microsoft.com/office/drawing/2014/main" id="{CA9DAD02-E9F6-BD4A-BA7A-0B699B7CD43D}"/>
+              </a:ext>
+            </a:extLst>
+          </p:cNvPr>
+          <p:cNvGrpSpPr/>
+          <p:nvPr/>
+        </p:nvGrpSpPr>
+        <p:grpSpPr>
+          <a:xfrm>
+            <a:off x="4811044" y="1688878"/>
+            <a:ext cx="2178205" cy="1299040"/>
+            <a:chOff x="4155991" y="1906542"/>
+            <a:chExt cx="2178205" cy="1299040"/>
+          </a:xfrm>
+        </p:grpSpPr>
+        <p:sp>
+          <p:nvSpPr>
+            <p:cNvPr id="26" name="Rectangle 25">
+              <a:extLst>
+                <a:ext uri="{FF2B5EF4-FFF2-40B4-BE49-F238E27FC236}">
+                  <a16:creationId xmlns:a16="http://schemas.microsoft.com/office/drawing/2014/main" id="{6A6667CF-1BB9-E345-ACF2-74BC6C6D75F5}"/>
+                </a:ext>
+              </a:extLst>
+            </p:cNvPr>
+            <p:cNvSpPr/>
+            <p:nvPr/>
+          </p:nvSpPr>
+          <p:spPr>
+            <a:xfrm>
+              <a:off x="4155991" y="1906542"/>
+              <a:ext cx="1873405" cy="991299"/>
+            </a:xfrm>
+            <a:prstGeom prst="rect">
+              <a:avLst/>
+            </a:prstGeom>
+            <a:ln>
+              <a:solidFill>
+                <a:schemeClr val="tx1"/>
+              </a:solidFill>
+            </a:ln>
+          </p:spPr>
+          <p:style>
+            <a:lnRef idx="1">
+              <a:schemeClr val="accent4"/>
+            </a:lnRef>
+            <a:fillRef idx="2">
+              <a:schemeClr val="accent4"/>
+            </a:fillRef>
+            <a:effectRef idx="1">
+              <a:schemeClr val="accent4"/>
+            </a:effectRef>
+            <a:fontRef idx="minor">
+              <a:schemeClr val="dk1"/>
+            </a:fontRef>
+          </p:style>
+          <p:txBody>
+            <a:bodyPr rtlCol="0" anchor="t"/>
+            <a:lstStyle/>
+            <a:p>
+              <a:pPr algn="ctr"/>
+              <a:endParaRPr lang="en-US" sz="1400" b="1" dirty="0"/>
+            </a:p>
+          </p:txBody>
+        </p:sp>
+        <p:sp>
+          <p:nvSpPr>
+            <p:cNvPr id="27" name="Rectangle 26">
+              <a:extLst>
+                <a:ext uri="{FF2B5EF4-FFF2-40B4-BE49-F238E27FC236}">
+                  <a16:creationId xmlns:a16="http://schemas.microsoft.com/office/drawing/2014/main" id="{C0132232-222B-4244-8217-78AEB5E8E290}"/>
+                </a:ext>
+              </a:extLst>
+            </p:cNvPr>
+            <p:cNvSpPr/>
+            <p:nvPr/>
+          </p:nvSpPr>
+          <p:spPr>
+            <a:xfrm>
+              <a:off x="4308391" y="2058942"/>
+              <a:ext cx="1873405" cy="991299"/>
+            </a:xfrm>
+            <a:prstGeom prst="rect">
+              <a:avLst/>
+            </a:prstGeom>
+            <a:ln>
+              <a:solidFill>
+                <a:schemeClr val="tx1"/>
+              </a:solidFill>
+            </a:ln>
+          </p:spPr>
+          <p:style>
+            <a:lnRef idx="1">
+              <a:schemeClr val="accent4"/>
+            </a:lnRef>
+            <a:fillRef idx="2">
+              <a:schemeClr val="accent4"/>
+            </a:fillRef>
+            <a:effectRef idx="1">
+              <a:schemeClr val="accent4"/>
+            </a:effectRef>
+            <a:fontRef idx="minor">
+              <a:schemeClr val="dk1"/>
+            </a:fontRef>
+          </p:style>
+          <p:txBody>
+            <a:bodyPr rtlCol="0" anchor="t"/>
+            <a:lstStyle/>
+            <a:p>
+              <a:pPr algn="ctr"/>
+              <a:endParaRPr lang="en-US" sz="1400" b="1" dirty="0"/>
+            </a:p>
+          </p:txBody>
+        </p:sp>
+        <p:sp>
+          <p:nvSpPr>
+            <p:cNvPr id="25" name="Rectangle 24">
+              <a:extLst>
+                <a:ext uri="{FF2B5EF4-FFF2-40B4-BE49-F238E27FC236}">
+                  <a16:creationId xmlns:a16="http://schemas.microsoft.com/office/drawing/2014/main" id="{7DF7D211-3D41-E249-BD18-1A022B6FD38D}"/>
+                </a:ext>
+              </a:extLst>
+            </p:cNvPr>
+            <p:cNvSpPr/>
+            <p:nvPr/>
+          </p:nvSpPr>
+          <p:spPr>
+            <a:xfrm>
+              <a:off x="4460791" y="2214283"/>
+              <a:ext cx="1873405" cy="991299"/>
+            </a:xfrm>
+            <a:prstGeom prst="rect">
+              <a:avLst/>
+            </a:prstGeom>
+            <a:ln>
+              <a:solidFill>
+                <a:schemeClr val="tx1"/>
+              </a:solidFill>
+            </a:ln>
+          </p:spPr>
+          <p:style>
+            <a:lnRef idx="1">
+              <a:schemeClr val="accent4"/>
+            </a:lnRef>
+            <a:fillRef idx="2">
+              <a:schemeClr val="accent4"/>
+            </a:fillRef>
+            <a:effectRef idx="1">
+              <a:schemeClr val="accent4"/>
+            </a:effectRef>
+            <a:fontRef idx="minor">
+              <a:schemeClr val="dk1"/>
+            </a:fontRef>
+          </p:style>
+          <p:txBody>
+            <a:bodyPr rtlCol="0" anchor="t"/>
+            <a:lstStyle/>
+            <a:p>
+              <a:pPr algn="ctr"/>
+              <a:r>
+                <a:rPr lang="en-US" sz="1600" b="1" dirty="0" err="1"/>
+                <a:t>InfoBox</a:t>
+              </a:r>
+              <a:endParaRPr lang="en-US" sz="1600" b="1" dirty="0"/>
+            </a:p>
+            <a:p>
+              <a:pPr algn="ctr"/>
+              <a:r>
+                <a:rPr lang="en-US" sz="1400" b="1" dirty="0"/>
+                <a:t>element id</a:t>
+              </a:r>
+            </a:p>
+            <a:p>
+              <a:pPr algn="ctr"/>
+              <a:r>
+                <a:rPr lang="en-US" sz="1400" b="1" dirty="0"/>
+                <a:t>element revision</a:t>
+              </a:r>
+            </a:p>
+            <a:p>
+              <a:pPr algn="ctr"/>
+              <a:r>
+                <a:rPr lang="en-US" sz="1400" dirty="0"/>
+                <a:t>data (</a:t>
+              </a:r>
+              <a:r>
+                <a:rPr lang="en-US" sz="1400" dirty="0" err="1"/>
+                <a:t>json</a:t>
+              </a:r>
+              <a:r>
+                <a:rPr lang="en-US" sz="1400" dirty="0"/>
+                <a:t>)</a:t>
+              </a:r>
+            </a:p>
+            <a:p>
+              <a:pPr algn="ctr"/>
+              <a:endParaRPr lang="en-US" sz="1400" b="1" dirty="0"/>
+            </a:p>
+          </p:txBody>
+        </p:sp>
+      </p:grpSp>
+      <p:cxnSp>
+        <p:nvCxnSpPr>
+          <p:cNvPr id="30" name="Straight Connector 29">
+            <a:extLst>
+              <a:ext uri="{FF2B5EF4-FFF2-40B4-BE49-F238E27FC236}">
+                <a16:creationId xmlns:a16="http://schemas.microsoft.com/office/drawing/2014/main" id="{6EF9F2B8-3AFB-4945-8EAD-8300C15A17C8}"/>
+              </a:ext>
+            </a:extLst>
+          </p:cNvPr>
+          <p:cNvCxnSpPr>
+            <a:cxnSpLocks/>
+            <a:stCxn id="4" idx="2"/>
+            <a:endCxn id="7" idx="0"/>
+          </p:cNvCxnSpPr>
+          <p:nvPr/>
+        </p:nvCxnSpPr>
+        <p:spPr>
+          <a:xfrm>
+            <a:off x="1662731" y="2120152"/>
+            <a:ext cx="304800" cy="777689"/>
+          </a:xfrm>
+          <a:prstGeom prst="line">
+            <a:avLst/>
+          </a:prstGeom>
+        </p:spPr>
+        <p:style>
+          <a:lnRef idx="1">
+            <a:schemeClr val="accent1"/>
+          </a:lnRef>
+          <a:fillRef idx="0">
+            <a:schemeClr val="accent1"/>
+          </a:fillRef>
+          <a:effectRef idx="0">
+            <a:schemeClr val="accent1"/>
+          </a:effectRef>
+          <a:fontRef idx="minor">
+            <a:schemeClr val="tx1"/>
+          </a:fontRef>
+        </p:style>
+      </p:cxnSp>
+      <p:grpSp>
+        <p:nvGrpSpPr>
+          <p:cNvPr id="32" name="Group 31">
+            <a:extLst>
+              <a:ext uri="{FF2B5EF4-FFF2-40B4-BE49-F238E27FC236}">
+                <a16:creationId xmlns:a16="http://schemas.microsoft.com/office/drawing/2014/main" id="{4030CC4C-4A39-5742-B6DA-B4AD881B15ED}"/>
+              </a:ext>
+            </a:extLst>
+          </p:cNvPr>
+          <p:cNvGrpSpPr/>
+          <p:nvPr/>
+        </p:nvGrpSpPr>
+        <p:grpSpPr>
+          <a:xfrm>
+            <a:off x="4811044" y="3154257"/>
+            <a:ext cx="2178205" cy="1299040"/>
+            <a:chOff x="4155991" y="1906542"/>
+            <a:chExt cx="2178205" cy="1299040"/>
+          </a:xfrm>
+        </p:grpSpPr>
+        <p:sp>
+          <p:nvSpPr>
+            <p:cNvPr id="33" name="Rectangle 32">
+              <a:extLst>
+                <a:ext uri="{FF2B5EF4-FFF2-40B4-BE49-F238E27FC236}">
+                  <a16:creationId xmlns:a16="http://schemas.microsoft.com/office/drawing/2014/main" id="{4D874A49-BE4F-014D-B2BA-860DF4B0D1D3}"/>
+                </a:ext>
+              </a:extLst>
+            </p:cNvPr>
+            <p:cNvSpPr/>
+            <p:nvPr/>
+          </p:nvSpPr>
+          <p:spPr>
+            <a:xfrm>
+              <a:off x="4155991" y="1906542"/>
+              <a:ext cx="1873405" cy="991299"/>
+            </a:xfrm>
+            <a:prstGeom prst="rect">
+              <a:avLst/>
+            </a:prstGeom>
+            <a:ln>
+              <a:solidFill>
+                <a:schemeClr val="tx1"/>
+              </a:solidFill>
+            </a:ln>
+          </p:spPr>
+          <p:style>
+            <a:lnRef idx="1">
+              <a:schemeClr val="accent4"/>
+            </a:lnRef>
+            <a:fillRef idx="2">
+              <a:schemeClr val="accent4"/>
+            </a:fillRef>
+            <a:effectRef idx="1">
+              <a:schemeClr val="accent4"/>
+            </a:effectRef>
+            <a:fontRef idx="minor">
+              <a:schemeClr val="dk1"/>
+            </a:fontRef>
+          </p:style>
+          <p:txBody>
+            <a:bodyPr rtlCol="0" anchor="t"/>
+            <a:lstStyle/>
+            <a:p>
+              <a:pPr algn="ctr"/>
+              <a:endParaRPr lang="en-US" sz="1400" b="1" dirty="0"/>
+            </a:p>
+          </p:txBody>
+        </p:sp>
+        <p:sp>
+          <p:nvSpPr>
+            <p:cNvPr id="34" name="Rectangle 33">
+              <a:extLst>
+                <a:ext uri="{FF2B5EF4-FFF2-40B4-BE49-F238E27FC236}">
+                  <a16:creationId xmlns:a16="http://schemas.microsoft.com/office/drawing/2014/main" id="{5C222A34-756C-1949-9053-56807A048A62}"/>
+                </a:ext>
+              </a:extLst>
+            </p:cNvPr>
+            <p:cNvSpPr/>
+            <p:nvPr/>
+          </p:nvSpPr>
+          <p:spPr>
+            <a:xfrm>
+              <a:off x="4308391" y="2058942"/>
+              <a:ext cx="1873405" cy="991299"/>
+            </a:xfrm>
+            <a:prstGeom prst="rect">
+              <a:avLst/>
+            </a:prstGeom>
+            <a:ln>
+              <a:solidFill>
+                <a:schemeClr val="tx1"/>
+              </a:solidFill>
+            </a:ln>
+          </p:spPr>
+          <p:style>
+            <a:lnRef idx="1">
+              <a:schemeClr val="accent4"/>
+            </a:lnRef>
+            <a:fillRef idx="2">
+              <a:schemeClr val="accent4"/>
+            </a:fillRef>
+            <a:effectRef idx="1">
+              <a:schemeClr val="accent4"/>
+            </a:effectRef>
+            <a:fontRef idx="minor">
+              <a:schemeClr val="dk1"/>
+            </a:fontRef>
+          </p:style>
+          <p:txBody>
+            <a:bodyPr rtlCol="0" anchor="t"/>
+            <a:lstStyle/>
+            <a:p>
+              <a:pPr algn="ctr"/>
+              <a:endParaRPr lang="en-US" sz="1400" b="1" dirty="0"/>
+            </a:p>
+          </p:txBody>
+        </p:sp>
+        <p:sp>
+          <p:nvSpPr>
+            <p:cNvPr id="35" name="Rectangle 34">
+              <a:extLst>
+                <a:ext uri="{FF2B5EF4-FFF2-40B4-BE49-F238E27FC236}">
+                  <a16:creationId xmlns:a16="http://schemas.microsoft.com/office/drawing/2014/main" id="{B296FE34-DED7-634F-B56C-A163409C8C06}"/>
+                </a:ext>
+              </a:extLst>
+            </p:cNvPr>
+            <p:cNvSpPr/>
+            <p:nvPr/>
+          </p:nvSpPr>
+          <p:spPr>
+            <a:xfrm>
+              <a:off x="4460791" y="2214283"/>
+              <a:ext cx="1873405" cy="991299"/>
+            </a:xfrm>
+            <a:prstGeom prst="rect">
+              <a:avLst/>
+            </a:prstGeom>
+            <a:ln>
+              <a:solidFill>
+                <a:schemeClr val="tx1"/>
+              </a:solidFill>
+            </a:ln>
+          </p:spPr>
+          <p:style>
+            <a:lnRef idx="1">
+              <a:schemeClr val="accent4"/>
+            </a:lnRef>
+            <a:fillRef idx="2">
+              <a:schemeClr val="accent4"/>
+            </a:fillRef>
+            <a:effectRef idx="1">
+              <a:schemeClr val="accent4"/>
+            </a:effectRef>
+            <a:fontRef idx="minor">
+              <a:schemeClr val="dk1"/>
+            </a:fontRef>
+          </p:style>
+          <p:txBody>
+            <a:bodyPr rtlCol="0" anchor="t"/>
+            <a:lstStyle/>
+            <a:p>
+              <a:pPr algn="ctr"/>
+              <a:r>
+                <a:rPr lang="en-US" sz="1600" b="1" dirty="0"/>
+                <a:t>Question</a:t>
+              </a:r>
+            </a:p>
+            <a:p>
+              <a:pPr algn="ctr"/>
+              <a:r>
+                <a:rPr lang="en-US" sz="1400" b="1" dirty="0"/>
+                <a:t>element id</a:t>
+              </a:r>
+            </a:p>
+            <a:p>
+              <a:pPr algn="ctr"/>
+              <a:r>
+                <a:rPr lang="en-US" sz="1400" b="1" dirty="0"/>
+                <a:t>element revision</a:t>
+              </a:r>
+            </a:p>
+            <a:p>
+              <a:pPr algn="ctr"/>
+              <a:r>
+                <a:rPr lang="en-US" sz="1400" dirty="0"/>
+                <a:t>data (</a:t>
+              </a:r>
+              <a:r>
+                <a:rPr lang="en-US" sz="1400" dirty="0" err="1"/>
+                <a:t>json</a:t>
+              </a:r>
+              <a:r>
+                <a:rPr lang="en-US" sz="1400" dirty="0"/>
+                <a:t>)</a:t>
+              </a:r>
+            </a:p>
+            <a:p>
+              <a:pPr algn="ctr"/>
+              <a:endParaRPr lang="en-US" sz="1400" b="1" dirty="0"/>
+            </a:p>
+          </p:txBody>
+        </p:sp>
+      </p:grpSp>
+      <p:grpSp>
+        <p:nvGrpSpPr>
+          <p:cNvPr id="36" name="Group 35">
+            <a:extLst>
+              <a:ext uri="{FF2B5EF4-FFF2-40B4-BE49-F238E27FC236}">
+                <a16:creationId xmlns:a16="http://schemas.microsoft.com/office/drawing/2014/main" id="{DD62C973-C098-9F4C-8DC1-4F7D7ABB8900}"/>
+              </a:ext>
+            </a:extLst>
+          </p:cNvPr>
+          <p:cNvGrpSpPr/>
+          <p:nvPr/>
+        </p:nvGrpSpPr>
+        <p:grpSpPr>
+          <a:xfrm>
+            <a:off x="4811044" y="4675128"/>
+            <a:ext cx="2178205" cy="1299040"/>
+            <a:chOff x="4155991" y="1906542"/>
+            <a:chExt cx="2178205" cy="1299040"/>
+          </a:xfrm>
+        </p:grpSpPr>
+        <p:sp>
+          <p:nvSpPr>
+            <p:cNvPr id="37" name="Rectangle 36">
+              <a:extLst>
+                <a:ext uri="{FF2B5EF4-FFF2-40B4-BE49-F238E27FC236}">
+                  <a16:creationId xmlns:a16="http://schemas.microsoft.com/office/drawing/2014/main" id="{447BF3F6-E8C0-5D41-BCCE-02AFD672CC65}"/>
+                </a:ext>
+              </a:extLst>
+            </p:cNvPr>
+            <p:cNvSpPr/>
+            <p:nvPr/>
+          </p:nvSpPr>
+          <p:spPr>
+            <a:xfrm>
+              <a:off x="4155991" y="1906542"/>
+              <a:ext cx="1873405" cy="991299"/>
+            </a:xfrm>
+            <a:prstGeom prst="rect">
+              <a:avLst/>
+            </a:prstGeom>
+            <a:ln>
+              <a:solidFill>
+                <a:schemeClr val="tx1"/>
+              </a:solidFill>
+            </a:ln>
+          </p:spPr>
+          <p:style>
+            <a:lnRef idx="1">
+              <a:schemeClr val="accent4"/>
+            </a:lnRef>
+            <a:fillRef idx="2">
+              <a:schemeClr val="accent4"/>
+            </a:fillRef>
+            <a:effectRef idx="1">
+              <a:schemeClr val="accent4"/>
+            </a:effectRef>
+            <a:fontRef idx="minor">
+              <a:schemeClr val="dk1"/>
+            </a:fontRef>
+          </p:style>
+          <p:txBody>
+            <a:bodyPr rtlCol="0" anchor="t"/>
+            <a:lstStyle/>
+            <a:p>
+              <a:pPr algn="ctr"/>
+              <a:endParaRPr lang="en-US" sz="1400" b="1" dirty="0"/>
+            </a:p>
+          </p:txBody>
+        </p:sp>
+        <p:sp>
+          <p:nvSpPr>
+            <p:cNvPr id="38" name="Rectangle 37">
+              <a:extLst>
+                <a:ext uri="{FF2B5EF4-FFF2-40B4-BE49-F238E27FC236}">
+                  <a16:creationId xmlns:a16="http://schemas.microsoft.com/office/drawing/2014/main" id="{F670DA18-2D78-8241-A370-203B813C3A4D}"/>
+                </a:ext>
+              </a:extLst>
+            </p:cNvPr>
+            <p:cNvSpPr/>
+            <p:nvPr/>
+          </p:nvSpPr>
+          <p:spPr>
+            <a:xfrm>
+              <a:off x="4308391" y="2058942"/>
+              <a:ext cx="1873405" cy="991299"/>
+            </a:xfrm>
+            <a:prstGeom prst="rect">
+              <a:avLst/>
+            </a:prstGeom>
+            <a:ln>
+              <a:solidFill>
+                <a:schemeClr val="tx1"/>
+              </a:solidFill>
+            </a:ln>
+          </p:spPr>
+          <p:style>
+            <a:lnRef idx="1">
+              <a:schemeClr val="accent4"/>
+            </a:lnRef>
+            <a:fillRef idx="2">
+              <a:schemeClr val="accent4"/>
+            </a:fillRef>
+            <a:effectRef idx="1">
+              <a:schemeClr val="accent4"/>
+            </a:effectRef>
+            <a:fontRef idx="minor">
+              <a:schemeClr val="dk1"/>
+            </a:fontRef>
+          </p:style>
+          <p:txBody>
+            <a:bodyPr rtlCol="0" anchor="t"/>
+            <a:lstStyle/>
+            <a:p>
+              <a:pPr algn="ctr"/>
+              <a:endParaRPr lang="en-US" sz="1400" b="1" dirty="0"/>
+            </a:p>
+          </p:txBody>
+        </p:sp>
+        <p:sp>
+          <p:nvSpPr>
+            <p:cNvPr id="39" name="Rectangle 38">
+              <a:extLst>
+                <a:ext uri="{FF2B5EF4-FFF2-40B4-BE49-F238E27FC236}">
+                  <a16:creationId xmlns:a16="http://schemas.microsoft.com/office/drawing/2014/main" id="{E72FBDA1-1B1B-9B4B-A9ED-F79796C595F6}"/>
+                </a:ext>
+              </a:extLst>
+            </p:cNvPr>
+            <p:cNvSpPr/>
+            <p:nvPr/>
+          </p:nvSpPr>
+          <p:spPr>
+            <a:xfrm>
+              <a:off x="4460791" y="2214283"/>
+              <a:ext cx="1873405" cy="991299"/>
+            </a:xfrm>
+            <a:prstGeom prst="rect">
+              <a:avLst/>
+            </a:prstGeom>
+            <a:ln>
+              <a:solidFill>
+                <a:schemeClr val="tx1"/>
+              </a:solidFill>
+            </a:ln>
+          </p:spPr>
+          <p:style>
+            <a:lnRef idx="1">
+              <a:schemeClr val="accent4"/>
+            </a:lnRef>
+            <a:fillRef idx="2">
+              <a:schemeClr val="accent4"/>
+            </a:fillRef>
+            <a:effectRef idx="1">
+              <a:schemeClr val="accent4"/>
+            </a:effectRef>
+            <a:fontRef idx="minor">
+              <a:schemeClr val="dk1"/>
+            </a:fontRef>
+          </p:style>
+          <p:txBody>
+            <a:bodyPr rtlCol="0" anchor="t"/>
+            <a:lstStyle/>
+            <a:p>
+              <a:pPr algn="ctr"/>
+              <a:r>
+                <a:rPr lang="en-US" sz="1600" b="1" dirty="0" err="1"/>
+                <a:t>FreeText</a:t>
+              </a:r>
+              <a:endParaRPr lang="en-US" sz="1600" b="1" dirty="0"/>
+            </a:p>
+            <a:p>
+              <a:pPr algn="ctr"/>
+              <a:r>
+                <a:rPr lang="en-US" sz="1400" b="1" dirty="0"/>
+                <a:t>element id</a:t>
+              </a:r>
+            </a:p>
+            <a:p>
+              <a:pPr algn="ctr"/>
+              <a:r>
+                <a:rPr lang="en-US" sz="1400" b="1" dirty="0"/>
+                <a:t>element revision</a:t>
+              </a:r>
+            </a:p>
+            <a:p>
+              <a:pPr algn="ctr"/>
+              <a:r>
+                <a:rPr lang="en-US" sz="1400" dirty="0"/>
+                <a:t>data (</a:t>
+              </a:r>
+              <a:r>
+                <a:rPr lang="en-US" sz="1400" dirty="0" err="1"/>
+                <a:t>json</a:t>
+              </a:r>
+              <a:r>
+                <a:rPr lang="en-US" sz="1400" dirty="0"/>
+                <a:t>)</a:t>
+              </a:r>
+            </a:p>
+            <a:p>
+              <a:pPr algn="ctr"/>
+              <a:endParaRPr lang="en-US" sz="1400" b="1" dirty="0"/>
+            </a:p>
+          </p:txBody>
+        </p:sp>
+      </p:grpSp>
+      <p:cxnSp>
+        <p:nvCxnSpPr>
+          <p:cNvPr id="43" name="Elbow Connector 42">
+            <a:extLst>
+              <a:ext uri="{FF2B5EF4-FFF2-40B4-BE49-F238E27FC236}">
+                <a16:creationId xmlns:a16="http://schemas.microsoft.com/office/drawing/2014/main" id="{346F75C6-2836-7541-B3A5-179EEEA9CEE5}"/>
+              </a:ext>
+            </a:extLst>
+          </p:cNvPr>
+          <p:cNvCxnSpPr>
+            <a:stCxn id="24" idx="2"/>
+            <a:endCxn id="25" idx="1"/>
+          </p:cNvCxnSpPr>
+          <p:nvPr/>
+        </p:nvCxnSpPr>
+        <p:spPr>
+          <a:xfrm rot="16200000" flipH="1">
+            <a:off x="4113440" y="1489864"/>
+            <a:ext cx="1238951" cy="765858"/>
+          </a:xfrm>
+          <a:prstGeom prst="bentConnector2">
+            <a:avLst/>
+          </a:prstGeom>
+          <a:ln>
+            <a:solidFill>
+              <a:schemeClr val="accent2">
+                <a:lumMod val="75000"/>
+              </a:schemeClr>
+            </a:solidFill>
+          </a:ln>
+        </p:spPr>
+        <p:style>
+          <a:lnRef idx="1">
+            <a:schemeClr val="accent1"/>
+          </a:lnRef>
+          <a:fillRef idx="0">
+            <a:schemeClr val="accent1"/>
+          </a:fillRef>
+          <a:effectRef idx="0">
+            <a:schemeClr val="accent1"/>
+          </a:effectRef>
+          <a:fontRef idx="minor">
+            <a:schemeClr val="tx1"/>
+          </a:fontRef>
+        </p:style>
+      </p:cxnSp>
+      <p:cxnSp>
+        <p:nvCxnSpPr>
+          <p:cNvPr id="44" name="Elbow Connector 43">
+            <a:extLst>
+              <a:ext uri="{FF2B5EF4-FFF2-40B4-BE49-F238E27FC236}">
+                <a16:creationId xmlns:a16="http://schemas.microsoft.com/office/drawing/2014/main" id="{16570EC6-B05A-5D44-8460-36A58C98D136}"/>
+              </a:ext>
+            </a:extLst>
+          </p:cNvPr>
+          <p:cNvCxnSpPr>
+            <a:cxnSpLocks/>
+            <a:stCxn id="24" idx="2"/>
+            <a:endCxn id="35" idx="1"/>
+          </p:cNvCxnSpPr>
+          <p:nvPr/>
+        </p:nvCxnSpPr>
+        <p:spPr>
+          <a:xfrm rot="16200000" flipH="1">
+            <a:off x="3380750" y="2222554"/>
+            <a:ext cx="2704330" cy="765858"/>
+          </a:xfrm>
+          <a:prstGeom prst="bentConnector2">
+            <a:avLst/>
+          </a:prstGeom>
+          <a:ln>
+            <a:solidFill>
+              <a:schemeClr val="accent2">
+                <a:lumMod val="75000"/>
+              </a:schemeClr>
+            </a:solidFill>
+          </a:ln>
+        </p:spPr>
+        <p:style>
+          <a:lnRef idx="1">
+            <a:schemeClr val="accent1"/>
+          </a:lnRef>
+          <a:fillRef idx="0">
+            <a:schemeClr val="accent1"/>
+          </a:fillRef>
+          <a:effectRef idx="0">
+            <a:schemeClr val="accent1"/>
+          </a:effectRef>
+          <a:fontRef idx="minor">
+            <a:schemeClr val="tx1"/>
+          </a:fontRef>
+        </p:style>
+      </p:cxnSp>
+      <p:cxnSp>
+        <p:nvCxnSpPr>
+          <p:cNvPr id="47" name="Elbow Connector 46">
+            <a:extLst>
+              <a:ext uri="{FF2B5EF4-FFF2-40B4-BE49-F238E27FC236}">
+                <a16:creationId xmlns:a16="http://schemas.microsoft.com/office/drawing/2014/main" id="{F430D9D5-F86D-424C-935C-259FC8C6D35F}"/>
+              </a:ext>
+            </a:extLst>
+          </p:cNvPr>
+          <p:cNvCxnSpPr>
+            <a:cxnSpLocks/>
+            <a:stCxn id="24" idx="2"/>
+            <a:endCxn id="39" idx="1"/>
+          </p:cNvCxnSpPr>
+          <p:nvPr/>
+        </p:nvCxnSpPr>
+        <p:spPr>
+          <a:xfrm rot="16200000" flipH="1">
+            <a:off x="2620315" y="2982989"/>
+            <a:ext cx="4225201" cy="765858"/>
+          </a:xfrm>
+          <a:prstGeom prst="bentConnector2">
+            <a:avLst/>
+          </a:prstGeom>
+          <a:ln>
+            <a:solidFill>
+              <a:schemeClr val="accent2">
+                <a:lumMod val="75000"/>
+              </a:schemeClr>
+            </a:solidFill>
+          </a:ln>
+        </p:spPr>
+        <p:style>
+          <a:lnRef idx="1">
+            <a:schemeClr val="accent1"/>
+          </a:lnRef>
+          <a:fillRef idx="0">
+            <a:schemeClr val="accent1"/>
+          </a:fillRef>
+          <a:effectRef idx="0">
+            <a:schemeClr val="accent1"/>
+          </a:effectRef>
+          <a:fontRef idx="minor">
+            <a:schemeClr val="tx1"/>
+          </a:fontRef>
+        </p:style>
+      </p:cxnSp>
+      <p:sp>
+        <p:nvSpPr>
+          <p:cNvPr id="50" name="TextBox 49">
+            <a:extLst>
+              <a:ext uri="{FF2B5EF4-FFF2-40B4-BE49-F238E27FC236}">
+                <a16:creationId xmlns:a16="http://schemas.microsoft.com/office/drawing/2014/main" id="{575C8E4C-408C-3845-8C32-76B6FD8B6097}"/>
+              </a:ext>
+            </a:extLst>
+          </p:cNvPr>
+          <p:cNvSpPr txBox="1"/>
+          <p:nvPr/>
+        </p:nvSpPr>
+        <p:spPr>
+          <a:xfrm rot="16200000">
+            <a:off x="4002394" y="1433212"/>
+            <a:ext cx="461986" cy="276999"/>
+          </a:xfrm>
+          <a:prstGeom prst="rect">
+            <a:avLst/>
+          </a:prstGeom>
+          <a:noFill/>
+        </p:spPr>
+        <p:txBody>
+          <a:bodyPr wrap="none" rtlCol="0">
+            <a:spAutoFit/>
+          </a:bodyPr>
+          <a:lstStyle/>
+          <a:p>
+            <a:r>
+              <a:rPr lang="en-US" sz="1200" dirty="0"/>
+              <a:t>type</a:t>
+            </a:r>
+          </a:p>
+        </p:txBody>
+      </p:sp>
+      <p:sp>
+        <p:nvSpPr>
+          <p:cNvPr id="51" name="Rectangle 50">
+            <a:extLst>
+              <a:ext uri="{FF2B5EF4-FFF2-40B4-BE49-F238E27FC236}">
+                <a16:creationId xmlns:a16="http://schemas.microsoft.com/office/drawing/2014/main" id="{41764CDD-9297-1444-BFE8-2DFDD988F85E}"/>
+              </a:ext>
+            </a:extLst>
+          </p:cNvPr>
+          <p:cNvSpPr/>
+          <p:nvPr/>
+        </p:nvSpPr>
+        <p:spPr>
+          <a:xfrm>
+            <a:off x="7687420" y="386484"/>
+            <a:ext cx="1873405" cy="1037614"/>
+          </a:xfrm>
+          <a:prstGeom prst="rect">
+            <a:avLst/>
+          </a:prstGeom>
+          <a:ln/>
+        </p:spPr>
+        <p:style>
+          <a:lnRef idx="1">
+            <a:schemeClr val="accent2"/>
+          </a:lnRef>
+          <a:fillRef idx="2">
+            <a:schemeClr val="accent2"/>
+          </a:fillRef>
+          <a:effectRef idx="1">
+            <a:schemeClr val="accent2"/>
+          </a:effectRef>
+          <a:fontRef idx="minor">
+            <a:schemeClr val="dk1"/>
+          </a:fontRef>
+        </p:style>
+        <p:txBody>
+          <a:bodyPr rtlCol="0" anchor="t"/>
+          <a:lstStyle/>
+          <a:p>
+            <a:pPr algn="ctr"/>
+            <a:r>
+              <a:rPr lang="en-US" b="1" dirty="0"/>
+              <a:t>Option</a:t>
+            </a:r>
+          </a:p>
+          <a:p>
+            <a:pPr algn="ctr"/>
+            <a:r>
+              <a:rPr lang="en-US" sz="1400" b="1" dirty="0"/>
+              <a:t>option id</a:t>
+            </a:r>
+          </a:p>
+          <a:p>
+            <a:pPr algn="ctr"/>
+            <a:r>
+              <a:rPr lang="en-US" sz="1400" b="1" dirty="0"/>
+              <a:t>survey id</a:t>
+            </a:r>
+          </a:p>
+          <a:p>
+            <a:pPr algn="ctr"/>
+            <a:r>
+              <a:rPr lang="en-US" sz="1400" dirty="0"/>
+              <a:t>text</a:t>
+            </a:r>
+          </a:p>
+        </p:txBody>
+      </p:sp>
+      <p:cxnSp>
+        <p:nvCxnSpPr>
+          <p:cNvPr id="53" name="Elbow Connector 52">
+            <a:extLst>
+              <a:ext uri="{FF2B5EF4-FFF2-40B4-BE49-F238E27FC236}">
+                <a16:creationId xmlns:a16="http://schemas.microsoft.com/office/drawing/2014/main" id="{DB5AD597-DD11-3E46-AE96-8BE9F0FFA37A}"/>
+              </a:ext>
+            </a:extLst>
+          </p:cNvPr>
+          <p:cNvCxnSpPr>
+            <a:cxnSpLocks/>
+            <a:stCxn id="35" idx="3"/>
+            <a:endCxn id="51" idx="1"/>
+          </p:cNvCxnSpPr>
+          <p:nvPr/>
+        </p:nvCxnSpPr>
+        <p:spPr>
+          <a:xfrm flipV="1">
+            <a:off x="6989249" y="905291"/>
+            <a:ext cx="698171" cy="3052357"/>
+          </a:xfrm>
+          <a:prstGeom prst="bentConnector3">
+            <a:avLst/>
+          </a:prstGeom>
+          <a:ln>
+            <a:solidFill>
+              <a:schemeClr val="accent2"/>
+            </a:solidFill>
+            <a:prstDash val="dash"/>
+            <a:tailEnd type="oval" w="lg" len="lg"/>
+          </a:ln>
+        </p:spPr>
+        <p:style>
+          <a:lnRef idx="1">
+            <a:schemeClr val="accent1"/>
+          </a:lnRef>
+          <a:fillRef idx="0">
+            <a:schemeClr val="accent1"/>
+          </a:fillRef>
+          <a:effectRef idx="0">
+            <a:schemeClr val="accent1"/>
+          </a:effectRef>
+          <a:fontRef idx="minor">
+            <a:schemeClr val="tx1"/>
+          </a:fontRef>
+        </p:style>
+      </p:cxnSp>
+      <p:sp>
+        <p:nvSpPr>
+          <p:cNvPr id="56" name="TextBox 55">
+            <a:extLst>
+              <a:ext uri="{FF2B5EF4-FFF2-40B4-BE49-F238E27FC236}">
+                <a16:creationId xmlns:a16="http://schemas.microsoft.com/office/drawing/2014/main" id="{F2B4098A-C7C2-BA4E-9DEF-85CF9098CA5A}"/>
+              </a:ext>
+            </a:extLst>
+          </p:cNvPr>
+          <p:cNvSpPr txBox="1"/>
+          <p:nvPr/>
+        </p:nvSpPr>
+        <p:spPr>
+          <a:xfrm rot="16200000">
+            <a:off x="6828449" y="3396172"/>
+            <a:ext cx="795795" cy="276999"/>
+          </a:xfrm>
+          <a:prstGeom prst="rect">
+            <a:avLst/>
+          </a:prstGeom>
+          <a:noFill/>
+        </p:spPr>
+        <p:txBody>
+          <a:bodyPr wrap="none" rtlCol="0">
+            <a:spAutoFit/>
+          </a:bodyPr>
+          <a:lstStyle/>
+          <a:p>
+            <a:r>
+              <a:rPr lang="en-US" sz="1200" dirty="0" err="1"/>
+              <a:t>json</a:t>
+            </a:r>
+            <a:r>
+              <a:rPr lang="en-US" sz="1200" dirty="0"/>
+              <a:t> array</a:t>
+            </a:r>
+          </a:p>
+        </p:txBody>
+      </p:sp>
+    </p:spTree>
+    <p:extLst>
+      <p:ext uri="{BB962C8B-B14F-4D97-AF65-F5344CB8AC3E}">
+        <p14:creationId xmlns:p14="http://schemas.microsoft.com/office/powerpoint/2010/main" val="816713108"/>
       </p:ext>
     </p:extLst>
   </p:cSld>

--- a/sql/SurveyTables.pptx
+++ b/sql/SurveyTables.pptx
@@ -4,10 +4,18 @@
   <p:sldMasterIdLst>
     <p:sldMasterId id="2147483648" r:id="rId1"/>
   </p:sldMasterIdLst>
+  <p:notesMasterIdLst>
+    <p:notesMasterId r:id="rId10"/>
+  </p:notesMasterIdLst>
   <p:sldIdLst>
     <p:sldId id="256" r:id="rId2"/>
     <p:sldId id="258" r:id="rId3"/>
     <p:sldId id="257" r:id="rId4"/>
+    <p:sldId id="259" r:id="rId5"/>
+    <p:sldId id="260" r:id="rId6"/>
+    <p:sldId id="261" r:id="rId7"/>
+    <p:sldId id="262" r:id="rId8"/>
+    <p:sldId id="263" r:id="rId9"/>
   </p:sldIdLst>
   <p:sldSz cx="12192000" cy="6858000"/>
   <p:notesSz cx="6858000" cy="9144000"/>
@@ -125,6 +133,775 @@
 </p:presentation>
 </file>
 
+<file path=ppt/notesMasters/notesMaster1.xml><?xml version="1.0" encoding="utf-8"?>
+<p:notesMaster xmlns:a="http://schemas.openxmlformats.org/drawingml/2006/main" xmlns:r="http://schemas.openxmlformats.org/officeDocument/2006/relationships" xmlns:p="http://schemas.openxmlformats.org/presentationml/2006/main">
+  <p:cSld>
+    <p:bg>
+      <p:bgRef idx="1001">
+        <a:schemeClr val="bg1"/>
+      </p:bgRef>
+    </p:bg>
+    <p:spTree>
+      <p:nvGrpSpPr>
+        <p:cNvPr id="1" name=""/>
+        <p:cNvGrpSpPr/>
+        <p:nvPr/>
+      </p:nvGrpSpPr>
+      <p:grpSpPr>
+        <a:xfrm>
+          <a:off x="0" y="0"/>
+          <a:ext cx="0" cy="0"/>
+          <a:chOff x="0" y="0"/>
+          <a:chExt cx="0" cy="0"/>
+        </a:xfrm>
+      </p:grpSpPr>
+      <p:sp>
+        <p:nvSpPr>
+          <p:cNvPr id="2" name="Header Placeholder 1"/>
+          <p:cNvSpPr>
+            <a:spLocks noGrp="1"/>
+          </p:cNvSpPr>
+          <p:nvPr>
+            <p:ph type="hdr" sz="quarter"/>
+          </p:nvPr>
+        </p:nvSpPr>
+        <p:spPr>
+          <a:xfrm>
+            <a:off x="0" y="0"/>
+            <a:ext cx="2971800" cy="458788"/>
+          </a:xfrm>
+          <a:prstGeom prst="rect">
+            <a:avLst/>
+          </a:prstGeom>
+        </p:spPr>
+        <p:txBody>
+          <a:bodyPr vert="horz" lIns="91440" tIns="45720" rIns="91440" bIns="45720" rtlCol="0"/>
+          <a:lstStyle>
+            <a:lvl1pPr algn="l">
+              <a:defRPr sz="1200"/>
+            </a:lvl1pPr>
+          </a:lstStyle>
+          <a:p>
+            <a:endParaRPr lang="en-US"/>
+          </a:p>
+        </p:txBody>
+      </p:sp>
+      <p:sp>
+        <p:nvSpPr>
+          <p:cNvPr id="3" name="Date Placeholder 2"/>
+          <p:cNvSpPr>
+            <a:spLocks noGrp="1"/>
+          </p:cNvSpPr>
+          <p:nvPr>
+            <p:ph type="dt" idx="1"/>
+          </p:nvPr>
+        </p:nvSpPr>
+        <p:spPr>
+          <a:xfrm>
+            <a:off x="3884613" y="0"/>
+            <a:ext cx="2971800" cy="458788"/>
+          </a:xfrm>
+          <a:prstGeom prst="rect">
+            <a:avLst/>
+          </a:prstGeom>
+        </p:spPr>
+        <p:txBody>
+          <a:bodyPr vert="horz" lIns="91440" tIns="45720" rIns="91440" bIns="45720" rtlCol="0"/>
+          <a:lstStyle>
+            <a:lvl1pPr algn="r">
+              <a:defRPr sz="1200"/>
+            </a:lvl1pPr>
+          </a:lstStyle>
+          <a:p>
+            <a:fld id="{27983993-457D-4B44-87E0-F1832B9FDEA8}" type="datetimeFigureOut">
+              <a:rPr lang="en-US" smtClean="0"/>
+              <a:t>4/28/25</a:t>
+            </a:fld>
+            <a:endParaRPr lang="en-US"/>
+          </a:p>
+        </p:txBody>
+      </p:sp>
+      <p:sp>
+        <p:nvSpPr>
+          <p:cNvPr id="4" name="Slide Image Placeholder 3"/>
+          <p:cNvSpPr>
+            <a:spLocks noGrp="1" noRot="1" noChangeAspect="1"/>
+          </p:cNvSpPr>
+          <p:nvPr>
+            <p:ph type="sldImg" idx="2"/>
+          </p:nvPr>
+        </p:nvSpPr>
+        <p:spPr>
+          <a:xfrm>
+            <a:off x="685800" y="1143000"/>
+            <a:ext cx="5486400" cy="3086100"/>
+          </a:xfrm>
+          <a:prstGeom prst="rect">
+            <a:avLst/>
+          </a:prstGeom>
+          <a:noFill/>
+          <a:ln w="12700">
+            <a:solidFill>
+              <a:prstClr val="black"/>
+            </a:solidFill>
+          </a:ln>
+        </p:spPr>
+        <p:txBody>
+          <a:bodyPr vert="horz" lIns="91440" tIns="45720" rIns="91440" bIns="45720" rtlCol="0" anchor="ctr"/>
+          <a:lstStyle/>
+          <a:p>
+            <a:endParaRPr lang="en-US"/>
+          </a:p>
+        </p:txBody>
+      </p:sp>
+      <p:sp>
+        <p:nvSpPr>
+          <p:cNvPr id="5" name="Notes Placeholder 4"/>
+          <p:cNvSpPr>
+            <a:spLocks noGrp="1"/>
+          </p:cNvSpPr>
+          <p:nvPr>
+            <p:ph type="body" sz="quarter" idx="3"/>
+          </p:nvPr>
+        </p:nvSpPr>
+        <p:spPr>
+          <a:xfrm>
+            <a:off x="685800" y="4400550"/>
+            <a:ext cx="5486400" cy="3600450"/>
+          </a:xfrm>
+          <a:prstGeom prst="rect">
+            <a:avLst/>
+          </a:prstGeom>
+        </p:spPr>
+        <p:txBody>
+          <a:bodyPr vert="horz" lIns="91440" tIns="45720" rIns="91440" bIns="45720" rtlCol="0"/>
+          <a:lstStyle/>
+          <a:p>
+            <a:pPr lvl="0"/>
+            <a:r>
+              <a:rPr lang="en-US"/>
+              <a:t>Edit Master text styles</a:t>
+            </a:r>
+          </a:p>
+          <a:p>
+            <a:pPr lvl="1"/>
+            <a:r>
+              <a:rPr lang="en-US"/>
+              <a:t>Second level</a:t>
+            </a:r>
+          </a:p>
+          <a:p>
+            <a:pPr lvl="2"/>
+            <a:r>
+              <a:rPr lang="en-US"/>
+              <a:t>Third level</a:t>
+            </a:r>
+          </a:p>
+          <a:p>
+            <a:pPr lvl="3"/>
+            <a:r>
+              <a:rPr lang="en-US"/>
+              <a:t>Fourth level</a:t>
+            </a:r>
+          </a:p>
+          <a:p>
+            <a:pPr lvl="4"/>
+            <a:r>
+              <a:rPr lang="en-US"/>
+              <a:t>Fifth level</a:t>
+            </a:r>
+          </a:p>
+        </p:txBody>
+      </p:sp>
+      <p:sp>
+        <p:nvSpPr>
+          <p:cNvPr id="6" name="Footer Placeholder 5"/>
+          <p:cNvSpPr>
+            <a:spLocks noGrp="1"/>
+          </p:cNvSpPr>
+          <p:nvPr>
+            <p:ph type="ftr" sz="quarter" idx="4"/>
+          </p:nvPr>
+        </p:nvSpPr>
+        <p:spPr>
+          <a:xfrm>
+            <a:off x="0" y="8685213"/>
+            <a:ext cx="2971800" cy="458787"/>
+          </a:xfrm>
+          <a:prstGeom prst="rect">
+            <a:avLst/>
+          </a:prstGeom>
+        </p:spPr>
+        <p:txBody>
+          <a:bodyPr vert="horz" lIns="91440" tIns="45720" rIns="91440" bIns="45720" rtlCol="0" anchor="b"/>
+          <a:lstStyle>
+            <a:lvl1pPr algn="l">
+              <a:defRPr sz="1200"/>
+            </a:lvl1pPr>
+          </a:lstStyle>
+          <a:p>
+            <a:endParaRPr lang="en-US"/>
+          </a:p>
+        </p:txBody>
+      </p:sp>
+      <p:sp>
+        <p:nvSpPr>
+          <p:cNvPr id="7" name="Slide Number Placeholder 6"/>
+          <p:cNvSpPr>
+            <a:spLocks noGrp="1"/>
+          </p:cNvSpPr>
+          <p:nvPr>
+            <p:ph type="sldNum" sz="quarter" idx="5"/>
+          </p:nvPr>
+        </p:nvSpPr>
+        <p:spPr>
+          <a:xfrm>
+            <a:off x="3884613" y="8685213"/>
+            <a:ext cx="2971800" cy="458787"/>
+          </a:xfrm>
+          <a:prstGeom prst="rect">
+            <a:avLst/>
+          </a:prstGeom>
+        </p:spPr>
+        <p:txBody>
+          <a:bodyPr vert="horz" lIns="91440" tIns="45720" rIns="91440" bIns="45720" rtlCol="0" anchor="b"/>
+          <a:lstStyle>
+            <a:lvl1pPr algn="r">
+              <a:defRPr sz="1200"/>
+            </a:lvl1pPr>
+          </a:lstStyle>
+          <a:p>
+            <a:fld id="{F27ED097-79DA-164A-8ED4-CEF79396448A}" type="slidenum">
+              <a:rPr lang="en-US" smtClean="0"/>
+              <a:t>‹#›</a:t>
+            </a:fld>
+            <a:endParaRPr lang="en-US"/>
+          </a:p>
+        </p:txBody>
+      </p:sp>
+    </p:spTree>
+    <p:extLst>
+      <p:ext uri="{BB962C8B-B14F-4D97-AF65-F5344CB8AC3E}">
+        <p14:creationId xmlns:p14="http://schemas.microsoft.com/office/powerpoint/2010/main" val="689878090"/>
+      </p:ext>
+    </p:extLst>
+  </p:cSld>
+  <p:clrMap bg1="lt1" tx1="dk1" bg2="lt2" tx2="dk2" accent1="accent1" accent2="accent2" accent3="accent3" accent4="accent4" accent5="accent5" accent6="accent6" hlink="hlink" folHlink="folHlink"/>
+  <p:notesStyle>
+    <a:lvl1pPr marL="0" algn="l" defTabSz="914400" rtl="0" eaLnBrk="1" latinLnBrk="0" hangingPunct="1">
+      <a:defRPr sz="1200" kern="1200">
+        <a:solidFill>
+          <a:schemeClr val="tx1"/>
+        </a:solidFill>
+        <a:latin typeface="+mn-lt"/>
+        <a:ea typeface="+mn-ea"/>
+        <a:cs typeface="+mn-cs"/>
+      </a:defRPr>
+    </a:lvl1pPr>
+    <a:lvl2pPr marL="457200" algn="l" defTabSz="914400" rtl="0" eaLnBrk="1" latinLnBrk="0" hangingPunct="1">
+      <a:defRPr sz="1200" kern="1200">
+        <a:solidFill>
+          <a:schemeClr val="tx1"/>
+        </a:solidFill>
+        <a:latin typeface="+mn-lt"/>
+        <a:ea typeface="+mn-ea"/>
+        <a:cs typeface="+mn-cs"/>
+      </a:defRPr>
+    </a:lvl2pPr>
+    <a:lvl3pPr marL="914400" algn="l" defTabSz="914400" rtl="0" eaLnBrk="1" latinLnBrk="0" hangingPunct="1">
+      <a:defRPr sz="1200" kern="1200">
+        <a:solidFill>
+          <a:schemeClr val="tx1"/>
+        </a:solidFill>
+        <a:latin typeface="+mn-lt"/>
+        <a:ea typeface="+mn-ea"/>
+        <a:cs typeface="+mn-cs"/>
+      </a:defRPr>
+    </a:lvl3pPr>
+    <a:lvl4pPr marL="1371600" algn="l" defTabSz="914400" rtl="0" eaLnBrk="1" latinLnBrk="0" hangingPunct="1">
+      <a:defRPr sz="1200" kern="1200">
+        <a:solidFill>
+          <a:schemeClr val="tx1"/>
+        </a:solidFill>
+        <a:latin typeface="+mn-lt"/>
+        <a:ea typeface="+mn-ea"/>
+        <a:cs typeface="+mn-cs"/>
+      </a:defRPr>
+    </a:lvl4pPr>
+    <a:lvl5pPr marL="1828800" algn="l" defTabSz="914400" rtl="0" eaLnBrk="1" latinLnBrk="0" hangingPunct="1">
+      <a:defRPr sz="1200" kern="1200">
+        <a:solidFill>
+          <a:schemeClr val="tx1"/>
+        </a:solidFill>
+        <a:latin typeface="+mn-lt"/>
+        <a:ea typeface="+mn-ea"/>
+        <a:cs typeface="+mn-cs"/>
+      </a:defRPr>
+    </a:lvl5pPr>
+    <a:lvl6pPr marL="2286000" algn="l" defTabSz="914400" rtl="0" eaLnBrk="1" latinLnBrk="0" hangingPunct="1">
+      <a:defRPr sz="1200" kern="1200">
+        <a:solidFill>
+          <a:schemeClr val="tx1"/>
+        </a:solidFill>
+        <a:latin typeface="+mn-lt"/>
+        <a:ea typeface="+mn-ea"/>
+        <a:cs typeface="+mn-cs"/>
+      </a:defRPr>
+    </a:lvl6pPr>
+    <a:lvl7pPr marL="2743200" algn="l" defTabSz="914400" rtl="0" eaLnBrk="1" latinLnBrk="0" hangingPunct="1">
+      <a:defRPr sz="1200" kern="1200">
+        <a:solidFill>
+          <a:schemeClr val="tx1"/>
+        </a:solidFill>
+        <a:latin typeface="+mn-lt"/>
+        <a:ea typeface="+mn-ea"/>
+        <a:cs typeface="+mn-cs"/>
+      </a:defRPr>
+    </a:lvl7pPr>
+    <a:lvl8pPr marL="3200400" algn="l" defTabSz="914400" rtl="0" eaLnBrk="1" latinLnBrk="0" hangingPunct="1">
+      <a:defRPr sz="1200" kern="1200">
+        <a:solidFill>
+          <a:schemeClr val="tx1"/>
+        </a:solidFill>
+        <a:latin typeface="+mn-lt"/>
+        <a:ea typeface="+mn-ea"/>
+        <a:cs typeface="+mn-cs"/>
+      </a:defRPr>
+    </a:lvl8pPr>
+    <a:lvl9pPr marL="3657600" algn="l" defTabSz="914400" rtl="0" eaLnBrk="1" latinLnBrk="0" hangingPunct="1">
+      <a:defRPr sz="1200" kern="1200">
+        <a:solidFill>
+          <a:schemeClr val="tx1"/>
+        </a:solidFill>
+        <a:latin typeface="+mn-lt"/>
+        <a:ea typeface="+mn-ea"/>
+        <a:cs typeface="+mn-cs"/>
+      </a:defRPr>
+    </a:lvl9pPr>
+  </p:notesStyle>
+</p:notesMaster>
+</file>
+
+<file path=ppt/notesSlides/notesSlide1.xml><?xml version="1.0" encoding="utf-8"?>
+<p:notes xmlns:a="http://schemas.openxmlformats.org/drawingml/2006/main" xmlns:r="http://schemas.openxmlformats.org/officeDocument/2006/relationships" xmlns:p="http://schemas.openxmlformats.org/presentationml/2006/main">
+  <p:cSld>
+    <p:spTree>
+      <p:nvGrpSpPr>
+        <p:cNvPr id="1" name=""/>
+        <p:cNvGrpSpPr/>
+        <p:nvPr/>
+      </p:nvGrpSpPr>
+      <p:grpSpPr>
+        <a:xfrm>
+          <a:off x="0" y="0"/>
+          <a:ext cx="0" cy="0"/>
+          <a:chOff x="0" y="0"/>
+          <a:chExt cx="0" cy="0"/>
+        </a:xfrm>
+      </p:grpSpPr>
+      <p:sp>
+        <p:nvSpPr>
+          <p:cNvPr id="2" name="Slide Image Placeholder 1"/>
+          <p:cNvSpPr>
+            <a:spLocks noGrp="1" noRot="1" noChangeAspect="1"/>
+          </p:cNvSpPr>
+          <p:nvPr>
+            <p:ph type="sldImg"/>
+          </p:nvPr>
+        </p:nvSpPr>
+        <p:spPr/>
+      </p:sp>
+      <p:sp>
+        <p:nvSpPr>
+          <p:cNvPr id="3" name="Notes Placeholder 2"/>
+          <p:cNvSpPr>
+            <a:spLocks noGrp="1"/>
+          </p:cNvSpPr>
+          <p:nvPr>
+            <p:ph type="body" idx="1"/>
+          </p:nvPr>
+        </p:nvSpPr>
+        <p:spPr/>
+        <p:txBody>
+          <a:bodyPr/>
+          <a:lstStyle/>
+          <a:p>
+            <a:endParaRPr lang="en-US" dirty="0"/>
+          </a:p>
+        </p:txBody>
+      </p:sp>
+      <p:sp>
+        <p:nvSpPr>
+          <p:cNvPr id="4" name="Slide Number Placeholder 3"/>
+          <p:cNvSpPr>
+            <a:spLocks noGrp="1"/>
+          </p:cNvSpPr>
+          <p:nvPr>
+            <p:ph type="sldNum" sz="quarter" idx="5"/>
+          </p:nvPr>
+        </p:nvSpPr>
+        <p:spPr/>
+        <p:txBody>
+          <a:bodyPr/>
+          <a:lstStyle/>
+          <a:p>
+            <a:fld id="{F27ED097-79DA-164A-8ED4-CEF79396448A}" type="slidenum">
+              <a:rPr lang="en-US" smtClean="0"/>
+              <a:t>4</a:t>
+            </a:fld>
+            <a:endParaRPr lang="en-US"/>
+          </a:p>
+        </p:txBody>
+      </p:sp>
+    </p:spTree>
+    <p:extLst>
+      <p:ext uri="{BB962C8B-B14F-4D97-AF65-F5344CB8AC3E}">
+        <p14:creationId xmlns:p14="http://schemas.microsoft.com/office/powerpoint/2010/main" val="2160804345"/>
+      </p:ext>
+    </p:extLst>
+  </p:cSld>
+  <p:clrMapOvr>
+    <a:masterClrMapping/>
+  </p:clrMapOvr>
+</p:notes>
+</file>
+
+<file path=ppt/notesSlides/notesSlide2.xml><?xml version="1.0" encoding="utf-8"?>
+<p:notes xmlns:a="http://schemas.openxmlformats.org/drawingml/2006/main" xmlns:r="http://schemas.openxmlformats.org/officeDocument/2006/relationships" xmlns:p="http://schemas.openxmlformats.org/presentationml/2006/main">
+  <p:cSld>
+    <p:spTree>
+      <p:nvGrpSpPr>
+        <p:cNvPr id="1" name=""/>
+        <p:cNvGrpSpPr/>
+        <p:nvPr/>
+      </p:nvGrpSpPr>
+      <p:grpSpPr>
+        <a:xfrm>
+          <a:off x="0" y="0"/>
+          <a:ext cx="0" cy="0"/>
+          <a:chOff x="0" y="0"/>
+          <a:chExt cx="0" cy="0"/>
+        </a:xfrm>
+      </p:grpSpPr>
+      <p:sp>
+        <p:nvSpPr>
+          <p:cNvPr id="2" name="Slide Image Placeholder 1"/>
+          <p:cNvSpPr>
+            <a:spLocks noGrp="1" noRot="1" noChangeAspect="1"/>
+          </p:cNvSpPr>
+          <p:nvPr>
+            <p:ph type="sldImg"/>
+          </p:nvPr>
+        </p:nvSpPr>
+        <p:spPr/>
+      </p:sp>
+      <p:sp>
+        <p:nvSpPr>
+          <p:cNvPr id="3" name="Notes Placeholder 2"/>
+          <p:cNvSpPr>
+            <a:spLocks noGrp="1"/>
+          </p:cNvSpPr>
+          <p:nvPr>
+            <p:ph type="body" idx="1"/>
+          </p:nvPr>
+        </p:nvSpPr>
+        <p:spPr/>
+        <p:txBody>
+          <a:bodyPr/>
+          <a:lstStyle/>
+          <a:p>
+            <a:endParaRPr lang="en-US" dirty="0"/>
+          </a:p>
+        </p:txBody>
+      </p:sp>
+      <p:sp>
+        <p:nvSpPr>
+          <p:cNvPr id="4" name="Slide Number Placeholder 3"/>
+          <p:cNvSpPr>
+            <a:spLocks noGrp="1"/>
+          </p:cNvSpPr>
+          <p:nvPr>
+            <p:ph type="sldNum" sz="quarter" idx="5"/>
+          </p:nvPr>
+        </p:nvSpPr>
+        <p:spPr/>
+        <p:txBody>
+          <a:bodyPr/>
+          <a:lstStyle/>
+          <a:p>
+            <a:fld id="{F27ED097-79DA-164A-8ED4-CEF79396448A}" type="slidenum">
+              <a:rPr lang="en-US" smtClean="0"/>
+              <a:t>5</a:t>
+            </a:fld>
+            <a:endParaRPr lang="en-US"/>
+          </a:p>
+        </p:txBody>
+      </p:sp>
+    </p:spTree>
+    <p:extLst>
+      <p:ext uri="{BB962C8B-B14F-4D97-AF65-F5344CB8AC3E}">
+        <p14:creationId xmlns:p14="http://schemas.microsoft.com/office/powerpoint/2010/main" val="1653505459"/>
+      </p:ext>
+    </p:extLst>
+  </p:cSld>
+  <p:clrMapOvr>
+    <a:masterClrMapping/>
+  </p:clrMapOvr>
+</p:notes>
+</file>
+
+<file path=ppt/notesSlides/notesSlide3.xml><?xml version="1.0" encoding="utf-8"?>
+<p:notes xmlns:a="http://schemas.openxmlformats.org/drawingml/2006/main" xmlns:r="http://schemas.openxmlformats.org/officeDocument/2006/relationships" xmlns:p="http://schemas.openxmlformats.org/presentationml/2006/main">
+  <p:cSld>
+    <p:spTree>
+      <p:nvGrpSpPr>
+        <p:cNvPr id="1" name=""/>
+        <p:cNvGrpSpPr/>
+        <p:nvPr/>
+      </p:nvGrpSpPr>
+      <p:grpSpPr>
+        <a:xfrm>
+          <a:off x="0" y="0"/>
+          <a:ext cx="0" cy="0"/>
+          <a:chOff x="0" y="0"/>
+          <a:chExt cx="0" cy="0"/>
+        </a:xfrm>
+      </p:grpSpPr>
+      <p:sp>
+        <p:nvSpPr>
+          <p:cNvPr id="2" name="Slide Image Placeholder 1"/>
+          <p:cNvSpPr>
+            <a:spLocks noGrp="1" noRot="1" noChangeAspect="1"/>
+          </p:cNvSpPr>
+          <p:nvPr>
+            <p:ph type="sldImg"/>
+          </p:nvPr>
+        </p:nvSpPr>
+        <p:spPr/>
+      </p:sp>
+      <p:sp>
+        <p:nvSpPr>
+          <p:cNvPr id="3" name="Notes Placeholder 2"/>
+          <p:cNvSpPr>
+            <a:spLocks noGrp="1"/>
+          </p:cNvSpPr>
+          <p:nvPr>
+            <p:ph type="body" idx="1"/>
+          </p:nvPr>
+        </p:nvSpPr>
+        <p:spPr/>
+        <p:txBody>
+          <a:bodyPr/>
+          <a:lstStyle/>
+          <a:p>
+            <a:endParaRPr lang="en-US" dirty="0"/>
+          </a:p>
+        </p:txBody>
+      </p:sp>
+      <p:sp>
+        <p:nvSpPr>
+          <p:cNvPr id="4" name="Slide Number Placeholder 3"/>
+          <p:cNvSpPr>
+            <a:spLocks noGrp="1"/>
+          </p:cNvSpPr>
+          <p:nvPr>
+            <p:ph type="sldNum" sz="quarter" idx="5"/>
+          </p:nvPr>
+        </p:nvSpPr>
+        <p:spPr/>
+        <p:txBody>
+          <a:bodyPr/>
+          <a:lstStyle/>
+          <a:p>
+            <a:fld id="{F27ED097-79DA-164A-8ED4-CEF79396448A}" type="slidenum">
+              <a:rPr lang="en-US" smtClean="0"/>
+              <a:t>6</a:t>
+            </a:fld>
+            <a:endParaRPr lang="en-US"/>
+          </a:p>
+        </p:txBody>
+      </p:sp>
+    </p:spTree>
+    <p:extLst>
+      <p:ext uri="{BB962C8B-B14F-4D97-AF65-F5344CB8AC3E}">
+        <p14:creationId xmlns:p14="http://schemas.microsoft.com/office/powerpoint/2010/main" val="116257513"/>
+      </p:ext>
+    </p:extLst>
+  </p:cSld>
+  <p:clrMapOvr>
+    <a:masterClrMapping/>
+  </p:clrMapOvr>
+</p:notes>
+</file>
+
+<file path=ppt/notesSlides/notesSlide4.xml><?xml version="1.0" encoding="utf-8"?>
+<p:notes xmlns:a="http://schemas.openxmlformats.org/drawingml/2006/main" xmlns:r="http://schemas.openxmlformats.org/officeDocument/2006/relationships" xmlns:p="http://schemas.openxmlformats.org/presentationml/2006/main">
+  <p:cSld>
+    <p:spTree>
+      <p:nvGrpSpPr>
+        <p:cNvPr id="1" name=""/>
+        <p:cNvGrpSpPr/>
+        <p:nvPr/>
+      </p:nvGrpSpPr>
+      <p:grpSpPr>
+        <a:xfrm>
+          <a:off x="0" y="0"/>
+          <a:ext cx="0" cy="0"/>
+          <a:chOff x="0" y="0"/>
+          <a:chExt cx="0" cy="0"/>
+        </a:xfrm>
+      </p:grpSpPr>
+      <p:sp>
+        <p:nvSpPr>
+          <p:cNvPr id="2" name="Slide Image Placeholder 1"/>
+          <p:cNvSpPr>
+            <a:spLocks noGrp="1" noRot="1" noChangeAspect="1"/>
+          </p:cNvSpPr>
+          <p:nvPr>
+            <p:ph type="sldImg"/>
+          </p:nvPr>
+        </p:nvSpPr>
+        <p:spPr/>
+      </p:sp>
+      <p:sp>
+        <p:nvSpPr>
+          <p:cNvPr id="3" name="Notes Placeholder 2"/>
+          <p:cNvSpPr>
+            <a:spLocks noGrp="1"/>
+          </p:cNvSpPr>
+          <p:nvPr>
+            <p:ph type="body" idx="1"/>
+          </p:nvPr>
+        </p:nvSpPr>
+        <p:spPr/>
+        <p:txBody>
+          <a:bodyPr/>
+          <a:lstStyle/>
+          <a:p>
+            <a:endParaRPr lang="en-US" dirty="0"/>
+          </a:p>
+        </p:txBody>
+      </p:sp>
+      <p:sp>
+        <p:nvSpPr>
+          <p:cNvPr id="4" name="Slide Number Placeholder 3"/>
+          <p:cNvSpPr>
+            <a:spLocks noGrp="1"/>
+          </p:cNvSpPr>
+          <p:nvPr>
+            <p:ph type="sldNum" sz="quarter" idx="5"/>
+          </p:nvPr>
+        </p:nvSpPr>
+        <p:spPr/>
+        <p:txBody>
+          <a:bodyPr/>
+          <a:lstStyle/>
+          <a:p>
+            <a:fld id="{F27ED097-79DA-164A-8ED4-CEF79396448A}" type="slidenum">
+              <a:rPr lang="en-US" smtClean="0"/>
+              <a:t>7</a:t>
+            </a:fld>
+            <a:endParaRPr lang="en-US"/>
+          </a:p>
+        </p:txBody>
+      </p:sp>
+    </p:spTree>
+    <p:extLst>
+      <p:ext uri="{BB962C8B-B14F-4D97-AF65-F5344CB8AC3E}">
+        <p14:creationId xmlns:p14="http://schemas.microsoft.com/office/powerpoint/2010/main" val="710160569"/>
+      </p:ext>
+    </p:extLst>
+  </p:cSld>
+  <p:clrMapOvr>
+    <a:masterClrMapping/>
+  </p:clrMapOvr>
+</p:notes>
+</file>
+
+<file path=ppt/notesSlides/notesSlide5.xml><?xml version="1.0" encoding="utf-8"?>
+<p:notes xmlns:a="http://schemas.openxmlformats.org/drawingml/2006/main" xmlns:r="http://schemas.openxmlformats.org/officeDocument/2006/relationships" xmlns:p="http://schemas.openxmlformats.org/presentationml/2006/main">
+  <p:cSld>
+    <p:spTree>
+      <p:nvGrpSpPr>
+        <p:cNvPr id="1" name=""/>
+        <p:cNvGrpSpPr/>
+        <p:nvPr/>
+      </p:nvGrpSpPr>
+      <p:grpSpPr>
+        <a:xfrm>
+          <a:off x="0" y="0"/>
+          <a:ext cx="0" cy="0"/>
+          <a:chOff x="0" y="0"/>
+          <a:chExt cx="0" cy="0"/>
+        </a:xfrm>
+      </p:grpSpPr>
+      <p:sp>
+        <p:nvSpPr>
+          <p:cNvPr id="2" name="Slide Image Placeholder 1"/>
+          <p:cNvSpPr>
+            <a:spLocks noGrp="1" noRot="1" noChangeAspect="1"/>
+          </p:cNvSpPr>
+          <p:nvPr>
+            <p:ph type="sldImg"/>
+          </p:nvPr>
+        </p:nvSpPr>
+        <p:spPr/>
+      </p:sp>
+      <p:sp>
+        <p:nvSpPr>
+          <p:cNvPr id="3" name="Notes Placeholder 2"/>
+          <p:cNvSpPr>
+            <a:spLocks noGrp="1"/>
+          </p:cNvSpPr>
+          <p:nvPr>
+            <p:ph type="body" idx="1"/>
+          </p:nvPr>
+        </p:nvSpPr>
+        <p:spPr/>
+        <p:txBody>
+          <a:bodyPr/>
+          <a:lstStyle/>
+          <a:p>
+            <a:endParaRPr lang="en-US" dirty="0"/>
+          </a:p>
+        </p:txBody>
+      </p:sp>
+      <p:sp>
+        <p:nvSpPr>
+          <p:cNvPr id="4" name="Slide Number Placeholder 3"/>
+          <p:cNvSpPr>
+            <a:spLocks noGrp="1"/>
+          </p:cNvSpPr>
+          <p:nvPr>
+            <p:ph type="sldNum" sz="quarter" idx="5"/>
+          </p:nvPr>
+        </p:nvSpPr>
+        <p:spPr/>
+        <p:txBody>
+          <a:bodyPr/>
+          <a:lstStyle/>
+          <a:p>
+            <a:fld id="{F27ED097-79DA-164A-8ED4-CEF79396448A}" type="slidenum">
+              <a:rPr lang="en-US" smtClean="0"/>
+              <a:t>8</a:t>
+            </a:fld>
+            <a:endParaRPr lang="en-US"/>
+          </a:p>
+        </p:txBody>
+      </p:sp>
+    </p:spTree>
+    <p:extLst>
+      <p:ext uri="{BB962C8B-B14F-4D97-AF65-F5344CB8AC3E}">
+        <p14:creationId xmlns:p14="http://schemas.microsoft.com/office/powerpoint/2010/main" val="1441828133"/>
+      </p:ext>
+    </p:extLst>
+  </p:cSld>
+  <p:clrMapOvr>
+    <a:masterClrMapping/>
+  </p:clrMapOvr>
+</p:notes>
+</file>
+
 <file path=ppt/slideLayouts/slideLayout1.xml><?xml version="1.0" encoding="utf-8"?>
 <p:sldLayout xmlns:a="http://schemas.openxmlformats.org/drawingml/2006/main" xmlns:r="http://schemas.openxmlformats.org/officeDocument/2006/relationships" xmlns:p="http://schemas.openxmlformats.org/presentationml/2006/main" type="title" preserve="1">
   <p:cSld name="Title Slide">
@@ -272,7 +1049,7 @@
           <a:p>
             <a:fld id="{3731B3E4-154A-8745-9F3C-ACEACDDEC42E}" type="datetimeFigureOut">
               <a:rPr lang="en-US" smtClean="0"/>
-              <a:t>4/22/25</a:t>
+              <a:t>4/28/25</a:t>
             </a:fld>
             <a:endParaRPr lang="en-US"/>
           </a:p>
@@ -470,7 +1247,7 @@
           <a:p>
             <a:fld id="{3731B3E4-154A-8745-9F3C-ACEACDDEC42E}" type="datetimeFigureOut">
               <a:rPr lang="en-US" smtClean="0"/>
-              <a:t>4/22/25</a:t>
+              <a:t>4/28/25</a:t>
             </a:fld>
             <a:endParaRPr lang="en-US"/>
           </a:p>
@@ -678,7 +1455,7 @@
           <a:p>
             <a:fld id="{3731B3E4-154A-8745-9F3C-ACEACDDEC42E}" type="datetimeFigureOut">
               <a:rPr lang="en-US" smtClean="0"/>
-              <a:t>4/22/25</a:t>
+              <a:t>4/28/25</a:t>
             </a:fld>
             <a:endParaRPr lang="en-US"/>
           </a:p>
@@ -883,7 +1660,7 @@
           <a:p>
             <a:fld id="{3731B3E4-154A-8745-9F3C-ACEACDDEC42E}" type="datetimeFigureOut">
               <a:rPr lang="en-US" smtClean="0"/>
-              <a:t>4/22/25</a:t>
+              <a:t>4/28/25</a:t>
             </a:fld>
             <a:endParaRPr lang="en-US"/>
           </a:p>
@@ -1158,7 +1935,7 @@
           <a:p>
             <a:fld id="{3731B3E4-154A-8745-9F3C-ACEACDDEC42E}" type="datetimeFigureOut">
               <a:rPr lang="en-US" smtClean="0"/>
-              <a:t>4/22/25</a:t>
+              <a:t>4/28/25</a:t>
             </a:fld>
             <a:endParaRPr lang="en-US"/>
           </a:p>
@@ -1423,7 +2200,7 @@
           <a:p>
             <a:fld id="{3731B3E4-154A-8745-9F3C-ACEACDDEC42E}" type="datetimeFigureOut">
               <a:rPr lang="en-US" smtClean="0"/>
-              <a:t>4/22/25</a:t>
+              <a:t>4/28/25</a:t>
             </a:fld>
             <a:endParaRPr lang="en-US"/>
           </a:p>
@@ -1835,7 +2612,7 @@
           <a:p>
             <a:fld id="{3731B3E4-154A-8745-9F3C-ACEACDDEC42E}" type="datetimeFigureOut">
               <a:rPr lang="en-US" smtClean="0"/>
-              <a:t>4/22/25</a:t>
+              <a:t>4/28/25</a:t>
             </a:fld>
             <a:endParaRPr lang="en-US"/>
           </a:p>
@@ -1976,7 +2753,7 @@
           <a:p>
             <a:fld id="{3731B3E4-154A-8745-9F3C-ACEACDDEC42E}" type="datetimeFigureOut">
               <a:rPr lang="en-US" smtClean="0"/>
-              <a:t>4/22/25</a:t>
+              <a:t>4/28/25</a:t>
             </a:fld>
             <a:endParaRPr lang="en-US"/>
           </a:p>
@@ -2089,7 +2866,7 @@
           <a:p>
             <a:fld id="{3731B3E4-154A-8745-9F3C-ACEACDDEC42E}" type="datetimeFigureOut">
               <a:rPr lang="en-US" smtClean="0"/>
-              <a:t>4/22/25</a:t>
+              <a:t>4/28/25</a:t>
             </a:fld>
             <a:endParaRPr lang="en-US"/>
           </a:p>
@@ -2400,7 +3177,7 @@
           <a:p>
             <a:fld id="{3731B3E4-154A-8745-9F3C-ACEACDDEC42E}" type="datetimeFigureOut">
               <a:rPr lang="en-US" smtClean="0"/>
-              <a:t>4/22/25</a:t>
+              <a:t>4/28/25</a:t>
             </a:fld>
             <a:endParaRPr lang="en-US"/>
           </a:p>
@@ -2688,7 +3465,7 @@
           <a:p>
             <a:fld id="{3731B3E4-154A-8745-9F3C-ACEACDDEC42E}" type="datetimeFigureOut">
               <a:rPr lang="en-US" smtClean="0"/>
-              <a:t>4/22/25</a:t>
+              <a:t>4/28/25</a:t>
             </a:fld>
             <a:endParaRPr lang="en-US"/>
           </a:p>
@@ -2929,7 +3706,7 @@
           <a:p>
             <a:fld id="{3731B3E4-154A-8745-9F3C-ACEACDDEC42E}" type="datetimeFigureOut">
               <a:rPr lang="en-US" smtClean="0"/>
-              <a:t>4/22/25</a:t>
+              <a:t>4/28/25</a:t>
             </a:fld>
             <a:endParaRPr lang="en-US"/>
           </a:p>
@@ -7644,6 +8421,5995 @@
 </p:sld>
 </file>
 
+<file path=ppt/slides/slide4.xml><?xml version="1.0" encoding="utf-8"?>
+<p:sld xmlns:a="http://schemas.openxmlformats.org/drawingml/2006/main" xmlns:r="http://schemas.openxmlformats.org/officeDocument/2006/relationships" xmlns:p="http://schemas.openxmlformats.org/presentationml/2006/main">
+  <p:cSld>
+    <p:spTree>
+      <p:nvGrpSpPr>
+        <p:cNvPr id="1" name=""/>
+        <p:cNvGrpSpPr/>
+        <p:nvPr/>
+      </p:nvGrpSpPr>
+      <p:grpSpPr>
+        <a:xfrm>
+          <a:off x="0" y="0"/>
+          <a:ext cx="0" cy="0"/>
+          <a:chOff x="0" y="0"/>
+          <a:chExt cx="0" cy="0"/>
+        </a:xfrm>
+      </p:grpSpPr>
+      <p:pic>
+        <p:nvPicPr>
+          <p:cNvPr id="4" name="Picture 3">
+            <a:extLst>
+              <a:ext uri="{FF2B5EF4-FFF2-40B4-BE49-F238E27FC236}">
+                <a16:creationId xmlns:a16="http://schemas.microsoft.com/office/drawing/2014/main" id="{4D95B393-CB72-D340-8185-45F0E7B6961A}"/>
+              </a:ext>
+            </a:extLst>
+          </p:cNvPr>
+          <p:cNvPicPr>
+            <a:picLocks noChangeAspect="1"/>
+          </p:cNvPicPr>
+          <p:nvPr/>
+        </p:nvPicPr>
+        <p:blipFill>
+          <a:blip r:embed="rId3"/>
+          <a:stretch>
+            <a:fillRect/>
+          </a:stretch>
+        </p:blipFill>
+        <p:spPr>
+          <a:xfrm>
+            <a:off x="242047" y="194405"/>
+            <a:ext cx="11492753" cy="2464425"/>
+          </a:xfrm>
+          <a:prstGeom prst="rect">
+            <a:avLst/>
+          </a:prstGeom>
+        </p:spPr>
+      </p:pic>
+      <p:pic>
+        <p:nvPicPr>
+          <p:cNvPr id="5" name="Picture 4">
+            <a:extLst>
+              <a:ext uri="{FF2B5EF4-FFF2-40B4-BE49-F238E27FC236}">
+                <a16:creationId xmlns:a16="http://schemas.microsoft.com/office/drawing/2014/main" id="{878E8C87-B48D-FD4F-8E83-F2CC56F5FA03}"/>
+              </a:ext>
+            </a:extLst>
+          </p:cNvPr>
+          <p:cNvPicPr>
+            <a:picLocks noChangeAspect="1"/>
+          </p:cNvPicPr>
+          <p:nvPr/>
+        </p:nvPicPr>
+        <p:blipFill>
+          <a:blip r:embed="rId4"/>
+          <a:stretch>
+            <a:fillRect/>
+          </a:stretch>
+        </p:blipFill>
+        <p:spPr>
+          <a:xfrm>
+            <a:off x="242047" y="5724760"/>
+            <a:ext cx="11497031" cy="505711"/>
+          </a:xfrm>
+          <a:prstGeom prst="rect">
+            <a:avLst/>
+          </a:prstGeom>
+        </p:spPr>
+      </p:pic>
+      <p:sp>
+        <p:nvSpPr>
+          <p:cNvPr id="6" name="Rectangle 5">
+            <a:extLst>
+              <a:ext uri="{FF2B5EF4-FFF2-40B4-BE49-F238E27FC236}">
+                <a16:creationId xmlns:a16="http://schemas.microsoft.com/office/drawing/2014/main" id="{109E19EA-02A0-D244-8749-962ABAC73E31}"/>
+              </a:ext>
+            </a:extLst>
+          </p:cNvPr>
+          <p:cNvSpPr/>
+          <p:nvPr/>
+        </p:nvSpPr>
+        <p:spPr>
+          <a:xfrm>
+            <a:off x="242047" y="2658830"/>
+            <a:ext cx="11492753" cy="3069617"/>
+          </a:xfrm>
+          <a:prstGeom prst="rect">
+            <a:avLst/>
+          </a:prstGeom>
+          <a:solidFill>
+            <a:srgbClr val="EEEEF0"/>
+          </a:solidFill>
+          <a:ln>
+            <a:noFill/>
+          </a:ln>
+        </p:spPr>
+        <p:style>
+          <a:lnRef idx="2">
+            <a:schemeClr val="accent1">
+              <a:shade val="50000"/>
+            </a:schemeClr>
+          </a:lnRef>
+          <a:fillRef idx="1">
+            <a:schemeClr val="accent1"/>
+          </a:fillRef>
+          <a:effectRef idx="0">
+            <a:schemeClr val="accent1"/>
+          </a:effectRef>
+          <a:fontRef idx="minor">
+            <a:schemeClr val="lt1"/>
+          </a:fontRef>
+        </p:style>
+        <p:txBody>
+          <a:bodyPr rtlCol="0" anchor="ctr"/>
+          <a:lstStyle/>
+          <a:p>
+            <a:pPr algn="ctr"/>
+            <a:endParaRPr lang="en-US"/>
+          </a:p>
+        </p:txBody>
+      </p:sp>
+      <p:cxnSp>
+        <p:nvCxnSpPr>
+          <p:cNvPr id="8" name="Straight Connector 7">
+            <a:extLst>
+              <a:ext uri="{FF2B5EF4-FFF2-40B4-BE49-F238E27FC236}">
+                <a16:creationId xmlns:a16="http://schemas.microsoft.com/office/drawing/2014/main" id="{9BEF1083-1C9A-F440-9EAB-EEC8452C5F89}"/>
+              </a:ext>
+            </a:extLst>
+          </p:cNvPr>
+          <p:cNvCxnSpPr/>
+          <p:nvPr/>
+        </p:nvCxnSpPr>
+        <p:spPr>
+          <a:xfrm>
+            <a:off x="824753" y="2658830"/>
+            <a:ext cx="0" cy="3065931"/>
+          </a:xfrm>
+          <a:prstGeom prst="line">
+            <a:avLst/>
+          </a:prstGeom>
+          <a:ln>
+            <a:solidFill>
+              <a:schemeClr val="tx1"/>
+            </a:solidFill>
+          </a:ln>
+        </p:spPr>
+        <p:style>
+          <a:lnRef idx="1">
+            <a:schemeClr val="accent1"/>
+          </a:lnRef>
+          <a:fillRef idx="0">
+            <a:schemeClr val="accent1"/>
+          </a:fillRef>
+          <a:effectRef idx="0">
+            <a:schemeClr val="accent1"/>
+          </a:effectRef>
+          <a:fontRef idx="minor">
+            <a:schemeClr val="tx1"/>
+          </a:fontRef>
+        </p:style>
+      </p:cxnSp>
+      <p:sp>
+        <p:nvSpPr>
+          <p:cNvPr id="10" name="Rectangle 9">
+            <a:extLst>
+              <a:ext uri="{FF2B5EF4-FFF2-40B4-BE49-F238E27FC236}">
+                <a16:creationId xmlns:a16="http://schemas.microsoft.com/office/drawing/2014/main" id="{DF381FB2-95B7-B142-AE40-4D814EED560B}"/>
+              </a:ext>
+            </a:extLst>
+          </p:cNvPr>
+          <p:cNvSpPr/>
+          <p:nvPr/>
+        </p:nvSpPr>
+        <p:spPr>
+          <a:xfrm>
+            <a:off x="923365" y="2734235"/>
+            <a:ext cx="10130117" cy="2886636"/>
+          </a:xfrm>
+          <a:prstGeom prst="rect">
+            <a:avLst/>
+          </a:prstGeom>
+          <a:solidFill>
+            <a:schemeClr val="bg1"/>
+          </a:solidFill>
+        </p:spPr>
+        <p:style>
+          <a:lnRef idx="2">
+            <a:schemeClr val="accent1">
+              <a:shade val="50000"/>
+            </a:schemeClr>
+          </a:lnRef>
+          <a:fillRef idx="1">
+            <a:schemeClr val="accent1"/>
+          </a:fillRef>
+          <a:effectRef idx="0">
+            <a:schemeClr val="accent1"/>
+          </a:effectRef>
+          <a:fontRef idx="minor">
+            <a:schemeClr val="lt1"/>
+          </a:fontRef>
+        </p:style>
+        <p:txBody>
+          <a:bodyPr rtlCol="0" anchor="ctr"/>
+          <a:lstStyle/>
+          <a:p>
+            <a:pPr marL="742950" lvl="1" indent="-285750">
+              <a:buFont typeface="Arial" panose="020B0604020202020204" pitchFamily="34" charset="0"/>
+              <a:buChar char="•"/>
+            </a:pPr>
+            <a:r>
+              <a:rPr lang="en-US" sz="1200" dirty="0"/>
+              <a:t>Info Text</a:t>
+            </a:r>
+          </a:p>
+          <a:p>
+            <a:pPr marL="742950" lvl="1" indent="-285750">
+              <a:buFont typeface="Arial" panose="020B0604020202020204" pitchFamily="34" charset="0"/>
+              <a:buChar char="•"/>
+            </a:pPr>
+            <a:r>
+              <a:rPr lang="en-US" sz="1200" dirty="0"/>
+              <a:t>Multi-Choice Question</a:t>
+            </a:r>
+          </a:p>
+          <a:p>
+            <a:pPr marL="742950" lvl="1" indent="-285750">
+              <a:buFont typeface="Arial" panose="020B0604020202020204" pitchFamily="34" charset="0"/>
+              <a:buChar char="•"/>
+            </a:pPr>
+            <a:r>
+              <a:rPr lang="en-US" sz="1200" dirty="0"/>
+              <a:t>Multi-Choice Question</a:t>
+            </a:r>
+          </a:p>
+          <a:p>
+            <a:pPr marL="742950" lvl="1" indent="-285750">
+              <a:buFont typeface="Arial" panose="020B0604020202020204" pitchFamily="34" charset="0"/>
+              <a:buChar char="•"/>
+            </a:pPr>
+            <a:r>
+              <a:rPr lang="en-US" sz="1200" dirty="0"/>
+              <a:t>Multi-Select Question</a:t>
+            </a:r>
+          </a:p>
+          <a:p>
+            <a:pPr marL="742950" lvl="1" indent="-285750">
+              <a:buFont typeface="Arial" panose="020B0604020202020204" pitchFamily="34" charset="0"/>
+              <a:buChar char="•"/>
+            </a:pPr>
+            <a:r>
+              <a:rPr lang="en-US" sz="1200" dirty="0"/>
+              <a:t>Free Form Question</a:t>
+            </a:r>
+          </a:p>
+          <a:p>
+            <a:pPr marL="742950" lvl="1" indent="-285750">
+              <a:buFont typeface="Arial" panose="020B0604020202020204" pitchFamily="34" charset="0"/>
+              <a:buChar char="•"/>
+            </a:pPr>
+            <a:r>
+              <a:rPr lang="en-US" sz="1200" dirty="0"/>
+              <a:t>Section 2 Feedback</a:t>
+            </a:r>
+          </a:p>
+        </p:txBody>
+      </p:sp>
+      <p:cxnSp>
+        <p:nvCxnSpPr>
+          <p:cNvPr id="33" name="Straight Connector 32">
+            <a:extLst>
+              <a:ext uri="{FF2B5EF4-FFF2-40B4-BE49-F238E27FC236}">
+                <a16:creationId xmlns:a16="http://schemas.microsoft.com/office/drawing/2014/main" id="{26E0F00E-37AF-A840-8DB8-AF5BA84587C1}"/>
+              </a:ext>
+            </a:extLst>
+          </p:cNvPr>
+          <p:cNvCxnSpPr>
+            <a:cxnSpLocks noChangeAspect="1"/>
+          </p:cNvCxnSpPr>
+          <p:nvPr/>
+        </p:nvCxnSpPr>
+        <p:spPr>
+          <a:xfrm>
+            <a:off x="4375005" y="2734235"/>
+            <a:ext cx="0" cy="2886636"/>
+          </a:xfrm>
+          <a:prstGeom prst="line">
+            <a:avLst/>
+          </a:prstGeom>
+        </p:spPr>
+        <p:style>
+          <a:lnRef idx="1">
+            <a:schemeClr val="accent1"/>
+          </a:lnRef>
+          <a:fillRef idx="0">
+            <a:schemeClr val="accent1"/>
+          </a:fillRef>
+          <a:effectRef idx="0">
+            <a:schemeClr val="accent1"/>
+          </a:effectRef>
+          <a:fontRef idx="minor">
+            <a:schemeClr val="tx1"/>
+          </a:fontRef>
+        </p:style>
+      </p:cxnSp>
+      <p:sp>
+        <p:nvSpPr>
+          <p:cNvPr id="66" name="TextBox 65">
+            <a:extLst>
+              <a:ext uri="{FF2B5EF4-FFF2-40B4-BE49-F238E27FC236}">
+                <a16:creationId xmlns:a16="http://schemas.microsoft.com/office/drawing/2014/main" id="{22CEA156-A358-5E44-B37C-0682E3CFC866}"/>
+              </a:ext>
+            </a:extLst>
+          </p:cNvPr>
+          <p:cNvSpPr txBox="1"/>
+          <p:nvPr/>
+        </p:nvSpPr>
+        <p:spPr>
+          <a:xfrm>
+            <a:off x="5193156" y="2862276"/>
+            <a:ext cx="1692643" cy="307777"/>
+          </a:xfrm>
+          <a:prstGeom prst="rect">
+            <a:avLst/>
+          </a:prstGeom>
+          <a:solidFill>
+            <a:schemeClr val="bg1"/>
+          </a:solidFill>
+          <a:ln>
+            <a:solidFill>
+              <a:schemeClr val="tx1"/>
+            </a:solidFill>
+          </a:ln>
+          <a:effectLst>
+            <a:outerShdw blurRad="50800" dist="38100" dir="2700000" algn="tl" rotWithShape="0">
+              <a:prstClr val="black">
+                <a:alpha val="40000"/>
+              </a:prstClr>
+            </a:outerShdw>
+          </a:effectLst>
+        </p:spPr>
+        <p:txBody>
+          <a:bodyPr wrap="none" rtlCol="0">
+            <a:spAutoFit/>
+          </a:bodyPr>
+          <a:lstStyle/>
+          <a:p>
+            <a:pPr marL="285750" indent="-285750">
+              <a:buFont typeface="System Font Regular"/>
+              <a:buChar char="✓"/>
+            </a:pPr>
+            <a:r>
+              <a:rPr lang="en-US" sz="1400" dirty="0"/>
+              <a:t>Yes/No Question</a:t>
+            </a:r>
+          </a:p>
+        </p:txBody>
+      </p:sp>
+      <p:sp>
+        <p:nvSpPr>
+          <p:cNvPr id="67" name="TextBox 66">
+            <a:extLst>
+              <a:ext uri="{FF2B5EF4-FFF2-40B4-BE49-F238E27FC236}">
+                <a16:creationId xmlns:a16="http://schemas.microsoft.com/office/drawing/2014/main" id="{844F8D8E-5E76-8046-94F8-412080CC8C74}"/>
+              </a:ext>
+            </a:extLst>
+          </p:cNvPr>
+          <p:cNvSpPr txBox="1"/>
+          <p:nvPr/>
+        </p:nvSpPr>
+        <p:spPr>
+          <a:xfrm>
+            <a:off x="4593861" y="2862276"/>
+            <a:ext cx="587790" cy="307777"/>
+          </a:xfrm>
+          <a:prstGeom prst="rect">
+            <a:avLst/>
+          </a:prstGeom>
+          <a:noFill/>
+        </p:spPr>
+        <p:txBody>
+          <a:bodyPr wrap="none" rtlCol="0">
+            <a:spAutoFit/>
+          </a:bodyPr>
+          <a:lstStyle/>
+          <a:p>
+            <a:r>
+              <a:rPr lang="en-US" sz="1400" b="1" dirty="0"/>
+              <a:t>Type:</a:t>
+            </a:r>
+          </a:p>
+        </p:txBody>
+      </p:sp>
+      <p:sp>
+        <p:nvSpPr>
+          <p:cNvPr id="68" name="TextBox 67">
+            <a:extLst>
+              <a:ext uri="{FF2B5EF4-FFF2-40B4-BE49-F238E27FC236}">
+                <a16:creationId xmlns:a16="http://schemas.microsoft.com/office/drawing/2014/main" id="{6841D578-8FDF-7F49-923A-3F9AADD3D776}"/>
+              </a:ext>
+            </a:extLst>
+          </p:cNvPr>
+          <p:cNvSpPr txBox="1"/>
+          <p:nvPr/>
+        </p:nvSpPr>
+        <p:spPr>
+          <a:xfrm>
+            <a:off x="4548497" y="3853403"/>
+            <a:ext cx="913648" cy="307777"/>
+          </a:xfrm>
+          <a:prstGeom prst="rect">
+            <a:avLst/>
+          </a:prstGeom>
+          <a:noFill/>
+        </p:spPr>
+        <p:txBody>
+          <a:bodyPr wrap="none" rtlCol="0">
+            <a:spAutoFit/>
+          </a:bodyPr>
+          <a:lstStyle/>
+          <a:p>
+            <a:r>
+              <a:rPr lang="en-US" sz="1400" b="1" dirty="0"/>
+              <a:t>Question:</a:t>
+            </a:r>
+          </a:p>
+        </p:txBody>
+      </p:sp>
+      <p:sp>
+        <p:nvSpPr>
+          <p:cNvPr id="70" name="Rectangle 69">
+            <a:extLst>
+              <a:ext uri="{FF2B5EF4-FFF2-40B4-BE49-F238E27FC236}">
+                <a16:creationId xmlns:a16="http://schemas.microsoft.com/office/drawing/2014/main" id="{8C453AA8-7ABE-1548-8D6D-FA192A89809A}"/>
+              </a:ext>
+            </a:extLst>
+          </p:cNvPr>
+          <p:cNvSpPr/>
+          <p:nvPr/>
+        </p:nvSpPr>
+        <p:spPr>
+          <a:xfrm>
+            <a:off x="5505628" y="3849479"/>
+            <a:ext cx="4509291" cy="333569"/>
+          </a:xfrm>
+          <a:prstGeom prst="rect">
+            <a:avLst/>
+          </a:prstGeom>
+          <a:ln w="19050"/>
+        </p:spPr>
+        <p:style>
+          <a:lnRef idx="2">
+            <a:schemeClr val="dk1"/>
+          </a:lnRef>
+          <a:fillRef idx="1">
+            <a:schemeClr val="lt1"/>
+          </a:fillRef>
+          <a:effectRef idx="0">
+            <a:schemeClr val="dk1"/>
+          </a:effectRef>
+          <a:fontRef idx="minor">
+            <a:schemeClr val="dk1"/>
+          </a:fontRef>
+        </p:style>
+        <p:txBody>
+          <a:bodyPr rtlCol="0" anchor="ctr"/>
+          <a:lstStyle/>
+          <a:p>
+            <a:r>
+              <a:rPr lang="en-US" dirty="0">
+                <a:solidFill>
+                  <a:schemeClr val="bg1">
+                    <a:lumMod val="65000"/>
+                  </a:schemeClr>
+                </a:solidFill>
+              </a:rPr>
+              <a:t>Question text goes here</a:t>
+            </a:r>
+          </a:p>
+        </p:txBody>
+      </p:sp>
+      <p:sp>
+        <p:nvSpPr>
+          <p:cNvPr id="71" name="TextBox 70">
+            <a:extLst>
+              <a:ext uri="{FF2B5EF4-FFF2-40B4-BE49-F238E27FC236}">
+                <a16:creationId xmlns:a16="http://schemas.microsoft.com/office/drawing/2014/main" id="{80901B4D-2C95-2E42-8871-9B78A4C212D9}"/>
+              </a:ext>
+            </a:extLst>
+          </p:cNvPr>
+          <p:cNvSpPr txBox="1"/>
+          <p:nvPr/>
+        </p:nvSpPr>
+        <p:spPr>
+          <a:xfrm>
+            <a:off x="5065051" y="3298094"/>
+            <a:ext cx="4583884" cy="307777"/>
+          </a:xfrm>
+          <a:prstGeom prst="rect">
+            <a:avLst/>
+          </a:prstGeom>
+          <a:noFill/>
+        </p:spPr>
+        <p:txBody>
+          <a:bodyPr wrap="none" rtlCol="0">
+            <a:spAutoFit/>
+          </a:bodyPr>
+          <a:lstStyle/>
+          <a:p>
+            <a:r>
+              <a:rPr lang="en-US" sz="1400" dirty="0"/>
+              <a:t>Yes/No questions appear as a simple checkbox in the survey.</a:t>
+            </a:r>
+          </a:p>
+        </p:txBody>
+      </p:sp>
+      <p:grpSp>
+        <p:nvGrpSpPr>
+          <p:cNvPr id="77" name="Group 76">
+            <a:extLst>
+              <a:ext uri="{FF2B5EF4-FFF2-40B4-BE49-F238E27FC236}">
+                <a16:creationId xmlns:a16="http://schemas.microsoft.com/office/drawing/2014/main" id="{A3495646-102F-F346-952F-21070303DFA2}"/>
+              </a:ext>
+            </a:extLst>
+          </p:cNvPr>
+          <p:cNvGrpSpPr/>
+          <p:nvPr/>
+        </p:nvGrpSpPr>
+        <p:grpSpPr>
+          <a:xfrm>
+            <a:off x="1353786" y="3226387"/>
+            <a:ext cx="3004458" cy="237744"/>
+            <a:chOff x="1353786" y="3226387"/>
+            <a:chExt cx="3004458" cy="237744"/>
+          </a:xfrm>
+        </p:grpSpPr>
+        <p:sp>
+          <p:nvSpPr>
+            <p:cNvPr id="57" name="Rectangle 56">
+              <a:extLst>
+                <a:ext uri="{FF2B5EF4-FFF2-40B4-BE49-F238E27FC236}">
+                  <a16:creationId xmlns:a16="http://schemas.microsoft.com/office/drawing/2014/main" id="{D006829A-7331-054F-8301-571C92330759}"/>
+                </a:ext>
+              </a:extLst>
+            </p:cNvPr>
+            <p:cNvSpPr/>
+            <p:nvPr/>
+          </p:nvSpPr>
+          <p:spPr>
+            <a:xfrm>
+              <a:off x="1353786" y="3244318"/>
+              <a:ext cx="3004458" cy="201882"/>
+            </a:xfrm>
+            <a:prstGeom prst="rect">
+              <a:avLst/>
+            </a:prstGeom>
+          </p:spPr>
+          <p:style>
+            <a:lnRef idx="2">
+              <a:schemeClr val="accent1">
+                <a:shade val="50000"/>
+              </a:schemeClr>
+            </a:lnRef>
+            <a:fillRef idx="1">
+              <a:schemeClr val="accent1"/>
+            </a:fillRef>
+            <a:effectRef idx="0">
+              <a:schemeClr val="accent1"/>
+            </a:effectRef>
+            <a:fontRef idx="minor">
+              <a:schemeClr val="lt1"/>
+            </a:fontRef>
+          </p:style>
+          <p:txBody>
+            <a:bodyPr rtlCol="0" anchor="ctr"/>
+            <a:lstStyle/>
+            <a:p>
+              <a:pPr algn="ctr"/>
+              <a:endParaRPr lang="en-US"/>
+            </a:p>
+          </p:txBody>
+        </p:sp>
+        <p:grpSp>
+          <p:nvGrpSpPr>
+            <p:cNvPr id="76" name="Group 75">
+              <a:extLst>
+                <a:ext uri="{FF2B5EF4-FFF2-40B4-BE49-F238E27FC236}">
+                  <a16:creationId xmlns:a16="http://schemas.microsoft.com/office/drawing/2014/main" id="{D79B1B14-AA51-4A43-8B13-077CA8BD60EF}"/>
+                </a:ext>
+              </a:extLst>
+            </p:cNvPr>
+            <p:cNvGrpSpPr/>
+            <p:nvPr/>
+          </p:nvGrpSpPr>
+          <p:grpSpPr>
+            <a:xfrm>
+              <a:off x="3270307" y="3226387"/>
+              <a:ext cx="920049" cy="237744"/>
+              <a:chOff x="3270307" y="3226387"/>
+              <a:chExt cx="920049" cy="237744"/>
+            </a:xfrm>
+          </p:grpSpPr>
+          <p:pic>
+            <p:nvPicPr>
+              <p:cNvPr id="59" name="Picture 58">
+                <a:extLst>
+                  <a:ext uri="{FF2B5EF4-FFF2-40B4-BE49-F238E27FC236}">
+                    <a16:creationId xmlns:a16="http://schemas.microsoft.com/office/drawing/2014/main" id="{9793CD67-C00E-EB49-8695-CF5D2CBE2707}"/>
+                  </a:ext>
+                </a:extLst>
+              </p:cNvPr>
+              <p:cNvPicPr>
+                <a:picLocks noChangeAspect="1"/>
+              </p:cNvPicPr>
+              <p:nvPr/>
+            </p:nvPicPr>
+            <p:blipFill>
+              <a:blip r:embed="rId5"/>
+              <a:stretch>
+                <a:fillRect/>
+              </a:stretch>
+            </p:blipFill>
+            <p:spPr>
+              <a:xfrm>
+                <a:off x="4011178" y="3255670"/>
+                <a:ext cx="179178" cy="179178"/>
+              </a:xfrm>
+              <a:prstGeom prst="rect">
+                <a:avLst/>
+              </a:prstGeom>
+            </p:spPr>
+          </p:pic>
+          <p:pic>
+            <p:nvPicPr>
+              <p:cNvPr id="61" name="Picture 60">
+                <a:extLst>
+                  <a:ext uri="{FF2B5EF4-FFF2-40B4-BE49-F238E27FC236}">
+                    <a16:creationId xmlns:a16="http://schemas.microsoft.com/office/drawing/2014/main" id="{5841DC65-F946-3846-8D2C-3968E0FBCF54}"/>
+                  </a:ext>
+                </a:extLst>
+              </p:cNvPr>
+              <p:cNvPicPr>
+                <a:picLocks noChangeAspect="1"/>
+              </p:cNvPicPr>
+              <p:nvPr/>
+            </p:nvPicPr>
+            <p:blipFill>
+              <a:blip r:embed="rId6"/>
+              <a:stretch>
+                <a:fillRect/>
+              </a:stretch>
+            </p:blipFill>
+            <p:spPr>
+              <a:xfrm>
+                <a:off x="3848821" y="3253819"/>
+                <a:ext cx="182880" cy="182880"/>
+              </a:xfrm>
+              <a:prstGeom prst="rect">
+                <a:avLst/>
+              </a:prstGeom>
+            </p:spPr>
+          </p:pic>
+          <p:pic>
+            <p:nvPicPr>
+              <p:cNvPr id="63" name="Picture 62">
+                <a:extLst>
+                  <a:ext uri="{FF2B5EF4-FFF2-40B4-BE49-F238E27FC236}">
+                    <a16:creationId xmlns:a16="http://schemas.microsoft.com/office/drawing/2014/main" id="{5D8CE0E5-3DA6-1B4C-9B4C-D9E6D65E56B8}"/>
+                  </a:ext>
+                </a:extLst>
+              </p:cNvPr>
+              <p:cNvPicPr>
+                <a:picLocks noChangeAspect="1"/>
+              </p:cNvPicPr>
+              <p:nvPr/>
+            </p:nvPicPr>
+            <p:blipFill>
+              <a:blip r:embed="rId7"/>
+              <a:stretch>
+                <a:fillRect/>
+              </a:stretch>
+            </p:blipFill>
+            <p:spPr>
+              <a:xfrm>
+                <a:off x="3469241" y="3226387"/>
+                <a:ext cx="237744" cy="237744"/>
+              </a:xfrm>
+              <a:prstGeom prst="rect">
+                <a:avLst/>
+              </a:prstGeom>
+            </p:spPr>
+          </p:pic>
+          <p:pic>
+            <p:nvPicPr>
+              <p:cNvPr id="65" name="Picture 64">
+                <a:extLst>
+                  <a:ext uri="{FF2B5EF4-FFF2-40B4-BE49-F238E27FC236}">
+                    <a16:creationId xmlns:a16="http://schemas.microsoft.com/office/drawing/2014/main" id="{451C5076-A17F-7A47-8B97-0DB4B44E2BA7}"/>
+                  </a:ext>
+                </a:extLst>
+              </p:cNvPr>
+              <p:cNvPicPr>
+                <a:picLocks noChangeAspect="1"/>
+              </p:cNvPicPr>
+              <p:nvPr/>
+            </p:nvPicPr>
+            <p:blipFill>
+              <a:blip r:embed="rId8"/>
+              <a:stretch>
+                <a:fillRect/>
+              </a:stretch>
+            </p:blipFill>
+            <p:spPr>
+              <a:xfrm>
+                <a:off x="3270307" y="3235531"/>
+                <a:ext cx="219456" cy="219456"/>
+              </a:xfrm>
+              <a:prstGeom prst="rect">
+                <a:avLst/>
+              </a:prstGeom>
+            </p:spPr>
+          </p:pic>
+          <p:pic>
+            <p:nvPicPr>
+              <p:cNvPr id="74" name="Picture 73">
+                <a:extLst>
+                  <a:ext uri="{FF2B5EF4-FFF2-40B4-BE49-F238E27FC236}">
+                    <a16:creationId xmlns:a16="http://schemas.microsoft.com/office/drawing/2014/main" id="{5EE5E666-1CD5-3648-8BB3-E2887FB270A7}"/>
+                  </a:ext>
+                </a:extLst>
+              </p:cNvPr>
+              <p:cNvPicPr>
+                <a:picLocks noChangeAspect="1"/>
+              </p:cNvPicPr>
+              <p:nvPr/>
+            </p:nvPicPr>
+            <p:blipFill>
+              <a:blip r:embed="rId9"/>
+              <a:stretch>
+                <a:fillRect/>
+              </a:stretch>
+            </p:blipFill>
+            <p:spPr>
+              <a:xfrm>
+                <a:off x="3686463" y="3253819"/>
+                <a:ext cx="182880" cy="182880"/>
+              </a:xfrm>
+              <a:prstGeom prst="rect">
+                <a:avLst/>
+              </a:prstGeom>
+            </p:spPr>
+          </p:pic>
+        </p:grpSp>
+      </p:grpSp>
+      <p:sp>
+        <p:nvSpPr>
+          <p:cNvPr id="13" name="TextBox 12">
+            <a:extLst>
+              <a:ext uri="{FF2B5EF4-FFF2-40B4-BE49-F238E27FC236}">
+                <a16:creationId xmlns:a16="http://schemas.microsoft.com/office/drawing/2014/main" id="{4BCC820E-A212-2747-BBD8-748984A80E8D}"/>
+              </a:ext>
+            </a:extLst>
+          </p:cNvPr>
+          <p:cNvSpPr txBox="1"/>
+          <p:nvPr/>
+        </p:nvSpPr>
+        <p:spPr>
+          <a:xfrm>
+            <a:off x="959154" y="2862276"/>
+            <a:ext cx="3177783" cy="3985706"/>
+          </a:xfrm>
+          <a:prstGeom prst="rect">
+            <a:avLst/>
+          </a:prstGeom>
+          <a:noFill/>
+        </p:spPr>
+        <p:txBody>
+          <a:bodyPr wrap="square" rtlCol="0">
+            <a:spAutoFit/>
+          </a:bodyPr>
+          <a:lstStyle/>
+          <a:p>
+            <a:pPr marL="285750" indent="-285750">
+              <a:buFont typeface="Wingdings" pitchFamily="2" charset="2"/>
+              <a:buChar char="Ø"/>
+            </a:pPr>
+            <a:r>
+              <a:rPr lang="en-US" sz="1100" b="1" dirty="0"/>
+              <a:t>Prologue</a:t>
+            </a:r>
+          </a:p>
+          <a:p>
+            <a:pPr marL="742950" lvl="1" indent="-285750">
+              <a:buFont typeface=".Hiragino Kaku Gothic Interface W3"/>
+              <a:buChar char="☞"/>
+            </a:pPr>
+            <a:r>
+              <a:rPr lang="en-US" sz="1100" dirty="0"/>
+              <a:t>Welcome Text</a:t>
+            </a:r>
+          </a:p>
+          <a:p>
+            <a:pPr marL="742950" lvl="1" indent="-285750">
+              <a:buFont typeface="System Font Regular"/>
+              <a:buChar char="✓"/>
+            </a:pPr>
+            <a:r>
+              <a:rPr lang="en-US" sz="1100" dirty="0">
+                <a:solidFill>
+                  <a:schemeClr val="bg1"/>
+                </a:solidFill>
+              </a:rPr>
+              <a:t>Yes/No Question</a:t>
+            </a:r>
+          </a:p>
+          <a:p>
+            <a:pPr marL="742950" lvl="1" indent="-285750">
+              <a:buFont typeface="System Font Regular"/>
+              <a:buChar char="✓"/>
+            </a:pPr>
+            <a:r>
+              <a:rPr lang="en-US" sz="1100" dirty="0"/>
+              <a:t>Yes/No Question</a:t>
+            </a:r>
+          </a:p>
+          <a:p>
+            <a:pPr marL="285750" indent="-285750">
+              <a:buFont typeface="Wingdings" pitchFamily="2" charset="2"/>
+              <a:buChar char="Ø"/>
+            </a:pPr>
+            <a:r>
+              <a:rPr lang="en-US" sz="1100" b="1" dirty="0"/>
+              <a:t>Section 1</a:t>
+            </a:r>
+          </a:p>
+          <a:p>
+            <a:pPr marL="742950" lvl="1" indent="-285750">
+              <a:buFont typeface=".Hiragino Kaku Gothic Interface W3"/>
+              <a:buChar char="☞"/>
+            </a:pPr>
+            <a:r>
+              <a:rPr lang="en-US" sz="1100" dirty="0"/>
+              <a:t>Info Text</a:t>
+            </a:r>
+          </a:p>
+          <a:p>
+            <a:pPr marL="742950" lvl="1" indent="-285750">
+              <a:buFont typeface=".Hiragino Kaku Gothic Interface W3"/>
+              <a:buChar char="◉"/>
+            </a:pPr>
+            <a:r>
+              <a:rPr lang="en-US" sz="1100" dirty="0"/>
+              <a:t>Multi-Choice Question</a:t>
+            </a:r>
+          </a:p>
+          <a:p>
+            <a:pPr marL="742950" lvl="1" indent="-285750">
+              <a:buFont typeface=".Hiragino Kaku Gothic Interface W3"/>
+              <a:buChar char="◉"/>
+            </a:pPr>
+            <a:r>
+              <a:rPr lang="en-US" sz="1100" dirty="0"/>
+              <a:t>Multi-Choice Question</a:t>
+            </a:r>
+          </a:p>
+          <a:p>
+            <a:pPr marL="742950" lvl="1" indent="-285750">
+              <a:buFont typeface="System Font Regular"/>
+              <a:buChar char="☑"/>
+            </a:pPr>
+            <a:r>
+              <a:rPr lang="en-US" sz="1100" dirty="0"/>
+              <a:t>Multi-Select Question</a:t>
+            </a:r>
+          </a:p>
+          <a:p>
+            <a:pPr marL="742950" lvl="1" indent="-285750">
+              <a:buFont typeface="Zapf Dingbats"/>
+              <a:buChar char="✍"/>
+            </a:pPr>
+            <a:r>
+              <a:rPr lang="en-US" sz="1100" dirty="0"/>
+              <a:t>Free Form Question</a:t>
+            </a:r>
+          </a:p>
+          <a:p>
+            <a:pPr marL="742950" lvl="1" indent="-285750">
+              <a:buFont typeface="Zapf Dingbats"/>
+              <a:buChar char="✍"/>
+            </a:pPr>
+            <a:r>
+              <a:rPr lang="en-US" sz="1100" dirty="0"/>
+              <a:t>Section 2 Feedback</a:t>
+            </a:r>
+          </a:p>
+          <a:p>
+            <a:pPr marL="285750" indent="-285750">
+              <a:buFont typeface="Wingdings" pitchFamily="2" charset="2"/>
+              <a:buChar char="Ø"/>
+            </a:pPr>
+            <a:r>
+              <a:rPr lang="en-US" sz="1100" b="1" dirty="0"/>
+              <a:t>Section 2</a:t>
+            </a:r>
+          </a:p>
+          <a:p>
+            <a:pPr marL="742950" lvl="1" indent="-285750">
+              <a:buFont typeface=".Hiragino Kaku Gothic Interface W3"/>
+              <a:buChar char="☞"/>
+            </a:pPr>
+            <a:r>
+              <a:rPr lang="en-US" sz="1100" dirty="0"/>
+              <a:t>Info Text</a:t>
+            </a:r>
+          </a:p>
+          <a:p>
+            <a:pPr marL="742950" lvl="1" indent="-285750">
+              <a:buFont typeface=".Hiragino Kaku Gothic Interface W3"/>
+              <a:buChar char="◉"/>
+            </a:pPr>
+            <a:r>
+              <a:rPr lang="en-US" sz="1100" dirty="0"/>
+              <a:t>Multi-Choice Question</a:t>
+            </a:r>
+          </a:p>
+          <a:p>
+            <a:pPr marL="742950" lvl="1" indent="-285750">
+              <a:buFont typeface=".Hiragino Kaku Gothic Interface W3"/>
+              <a:buChar char="◉"/>
+            </a:pPr>
+            <a:r>
+              <a:rPr lang="en-US" sz="1100" dirty="0"/>
+              <a:t>Multi-Choice Question</a:t>
+            </a:r>
+          </a:p>
+          <a:p>
+            <a:pPr marL="742950" lvl="1" indent="-285750">
+              <a:buFont typeface="System Font Regular"/>
+              <a:buChar char="☑"/>
+            </a:pPr>
+            <a:r>
+              <a:rPr lang="en-US" sz="1100" dirty="0"/>
+              <a:t>Multi-Select Question</a:t>
+            </a:r>
+          </a:p>
+          <a:p>
+            <a:pPr marL="742950" lvl="1" indent="-285750">
+              <a:buFont typeface="Zapf Dingbats"/>
+              <a:buChar char="✍"/>
+            </a:pPr>
+            <a:r>
+              <a:rPr lang="en-US" sz="1100" dirty="0"/>
+              <a:t>Free Form Question</a:t>
+            </a:r>
+          </a:p>
+          <a:p>
+            <a:pPr marL="742950" lvl="1" indent="-285750">
+              <a:buFont typeface="Zapf Dingbats"/>
+              <a:buChar char="✍"/>
+            </a:pPr>
+            <a:r>
+              <a:rPr lang="en-US" sz="1100" dirty="0"/>
+              <a:t>Section 2 Feedback</a:t>
+            </a:r>
+          </a:p>
+          <a:p>
+            <a:pPr marL="285750" indent="-285750">
+              <a:buFont typeface="Wingdings" pitchFamily="2" charset="2"/>
+              <a:buChar char="Ø"/>
+            </a:pPr>
+            <a:r>
+              <a:rPr lang="en-US" sz="1100" b="1" dirty="0"/>
+              <a:t>Section 3</a:t>
+            </a:r>
+          </a:p>
+          <a:p>
+            <a:pPr marL="742950" lvl="1" indent="-285750">
+              <a:buFont typeface=".Hiragino Kaku Gothic Interface W3"/>
+              <a:buChar char="☞"/>
+            </a:pPr>
+            <a:r>
+              <a:rPr lang="en-US" sz="1100" dirty="0"/>
+              <a:t>Info Text</a:t>
+            </a:r>
+          </a:p>
+          <a:p>
+            <a:pPr marL="742950" lvl="1" indent="-285750">
+              <a:buFont typeface="Zapf Dingbats"/>
+              <a:buChar char="✍"/>
+            </a:pPr>
+            <a:r>
+              <a:rPr lang="en-US" sz="1100" dirty="0"/>
+              <a:t>Free Form Question</a:t>
+            </a:r>
+          </a:p>
+          <a:p>
+            <a:pPr marL="742950" lvl="1" indent="-285750">
+              <a:buFont typeface="Zapf Dingbats"/>
+              <a:buChar char="✍"/>
+            </a:pPr>
+            <a:r>
+              <a:rPr lang="en-US" sz="1100" dirty="0"/>
+              <a:t>Free Form Question</a:t>
+            </a:r>
+          </a:p>
+          <a:p>
+            <a:pPr marL="742950" lvl="1" indent="-285750">
+              <a:buFont typeface="Zapf Dingbats"/>
+              <a:buChar char="✍"/>
+            </a:pPr>
+            <a:r>
+              <a:rPr lang="en-US" sz="1100" dirty="0"/>
+              <a:t>Free Form Question</a:t>
+            </a:r>
+          </a:p>
+        </p:txBody>
+      </p:sp>
+      <p:cxnSp>
+        <p:nvCxnSpPr>
+          <p:cNvPr id="78" name="Straight Connector 77">
+            <a:extLst>
+              <a:ext uri="{FF2B5EF4-FFF2-40B4-BE49-F238E27FC236}">
+                <a16:creationId xmlns:a16="http://schemas.microsoft.com/office/drawing/2014/main" id="{F225C005-C2A6-1443-89D2-8A8D2B2104CC}"/>
+              </a:ext>
+            </a:extLst>
+          </p:cNvPr>
+          <p:cNvCxnSpPr/>
+          <p:nvPr/>
+        </p:nvCxnSpPr>
+        <p:spPr>
+          <a:xfrm>
+            <a:off x="11142432" y="2617051"/>
+            <a:ext cx="0" cy="3065931"/>
+          </a:xfrm>
+          <a:prstGeom prst="line">
+            <a:avLst/>
+          </a:prstGeom>
+          <a:ln>
+            <a:solidFill>
+              <a:schemeClr val="tx1"/>
+            </a:solidFill>
+          </a:ln>
+        </p:spPr>
+        <p:style>
+          <a:lnRef idx="1">
+            <a:schemeClr val="accent1"/>
+          </a:lnRef>
+          <a:fillRef idx="0">
+            <a:schemeClr val="accent1"/>
+          </a:fillRef>
+          <a:effectRef idx="0">
+            <a:schemeClr val="accent1"/>
+          </a:effectRef>
+          <a:fontRef idx="minor">
+            <a:schemeClr val="tx1"/>
+          </a:fontRef>
+        </p:style>
+      </p:cxnSp>
+    </p:spTree>
+    <p:extLst>
+      <p:ext uri="{BB962C8B-B14F-4D97-AF65-F5344CB8AC3E}">
+        <p14:creationId xmlns:p14="http://schemas.microsoft.com/office/powerpoint/2010/main" val="2858762378"/>
+      </p:ext>
+    </p:extLst>
+  </p:cSld>
+  <p:clrMapOvr>
+    <a:masterClrMapping/>
+  </p:clrMapOvr>
+</p:sld>
+</file>
+
+<file path=ppt/slides/slide5.xml><?xml version="1.0" encoding="utf-8"?>
+<p:sld xmlns:a="http://schemas.openxmlformats.org/drawingml/2006/main" xmlns:r="http://schemas.openxmlformats.org/officeDocument/2006/relationships" xmlns:p="http://schemas.openxmlformats.org/presentationml/2006/main">
+  <p:cSld>
+    <p:spTree>
+      <p:nvGrpSpPr>
+        <p:cNvPr id="1" name=""/>
+        <p:cNvGrpSpPr/>
+        <p:nvPr/>
+      </p:nvGrpSpPr>
+      <p:grpSpPr>
+        <a:xfrm>
+          <a:off x="0" y="0"/>
+          <a:ext cx="0" cy="0"/>
+          <a:chOff x="0" y="0"/>
+          <a:chExt cx="0" cy="0"/>
+        </a:xfrm>
+      </p:grpSpPr>
+      <p:pic>
+        <p:nvPicPr>
+          <p:cNvPr id="4" name="Picture 3">
+            <a:extLst>
+              <a:ext uri="{FF2B5EF4-FFF2-40B4-BE49-F238E27FC236}">
+                <a16:creationId xmlns:a16="http://schemas.microsoft.com/office/drawing/2014/main" id="{4D95B393-CB72-D340-8185-45F0E7B6961A}"/>
+              </a:ext>
+            </a:extLst>
+          </p:cNvPr>
+          <p:cNvPicPr>
+            <a:picLocks noChangeAspect="1"/>
+          </p:cNvPicPr>
+          <p:nvPr/>
+        </p:nvPicPr>
+        <p:blipFill>
+          <a:blip r:embed="rId3"/>
+          <a:stretch>
+            <a:fillRect/>
+          </a:stretch>
+        </p:blipFill>
+        <p:spPr>
+          <a:xfrm>
+            <a:off x="242047" y="194405"/>
+            <a:ext cx="11492753" cy="2464425"/>
+          </a:xfrm>
+          <a:prstGeom prst="rect">
+            <a:avLst/>
+          </a:prstGeom>
+        </p:spPr>
+      </p:pic>
+      <p:pic>
+        <p:nvPicPr>
+          <p:cNvPr id="5" name="Picture 4">
+            <a:extLst>
+              <a:ext uri="{FF2B5EF4-FFF2-40B4-BE49-F238E27FC236}">
+                <a16:creationId xmlns:a16="http://schemas.microsoft.com/office/drawing/2014/main" id="{878E8C87-B48D-FD4F-8E83-F2CC56F5FA03}"/>
+              </a:ext>
+            </a:extLst>
+          </p:cNvPr>
+          <p:cNvPicPr>
+            <a:picLocks noChangeAspect="1"/>
+          </p:cNvPicPr>
+          <p:nvPr/>
+        </p:nvPicPr>
+        <p:blipFill>
+          <a:blip r:embed="rId4"/>
+          <a:stretch>
+            <a:fillRect/>
+          </a:stretch>
+        </p:blipFill>
+        <p:spPr>
+          <a:xfrm>
+            <a:off x="242047" y="5724760"/>
+            <a:ext cx="11497031" cy="505711"/>
+          </a:xfrm>
+          <a:prstGeom prst="rect">
+            <a:avLst/>
+          </a:prstGeom>
+        </p:spPr>
+      </p:pic>
+      <p:sp>
+        <p:nvSpPr>
+          <p:cNvPr id="6" name="Rectangle 5">
+            <a:extLst>
+              <a:ext uri="{FF2B5EF4-FFF2-40B4-BE49-F238E27FC236}">
+                <a16:creationId xmlns:a16="http://schemas.microsoft.com/office/drawing/2014/main" id="{109E19EA-02A0-D244-8749-962ABAC73E31}"/>
+              </a:ext>
+            </a:extLst>
+          </p:cNvPr>
+          <p:cNvSpPr/>
+          <p:nvPr/>
+        </p:nvSpPr>
+        <p:spPr>
+          <a:xfrm>
+            <a:off x="242047" y="2658830"/>
+            <a:ext cx="11492753" cy="3069617"/>
+          </a:xfrm>
+          <a:prstGeom prst="rect">
+            <a:avLst/>
+          </a:prstGeom>
+          <a:solidFill>
+            <a:srgbClr val="EEEEF0"/>
+          </a:solidFill>
+          <a:ln>
+            <a:noFill/>
+          </a:ln>
+        </p:spPr>
+        <p:style>
+          <a:lnRef idx="2">
+            <a:schemeClr val="accent1">
+              <a:shade val="50000"/>
+            </a:schemeClr>
+          </a:lnRef>
+          <a:fillRef idx="1">
+            <a:schemeClr val="accent1"/>
+          </a:fillRef>
+          <a:effectRef idx="0">
+            <a:schemeClr val="accent1"/>
+          </a:effectRef>
+          <a:fontRef idx="minor">
+            <a:schemeClr val="lt1"/>
+          </a:fontRef>
+        </p:style>
+        <p:txBody>
+          <a:bodyPr rtlCol="0" anchor="ctr"/>
+          <a:lstStyle/>
+          <a:p>
+            <a:pPr algn="ctr"/>
+            <a:endParaRPr lang="en-US"/>
+          </a:p>
+        </p:txBody>
+      </p:sp>
+      <p:cxnSp>
+        <p:nvCxnSpPr>
+          <p:cNvPr id="8" name="Straight Connector 7">
+            <a:extLst>
+              <a:ext uri="{FF2B5EF4-FFF2-40B4-BE49-F238E27FC236}">
+                <a16:creationId xmlns:a16="http://schemas.microsoft.com/office/drawing/2014/main" id="{9BEF1083-1C9A-F440-9EAB-EEC8452C5F89}"/>
+              </a:ext>
+            </a:extLst>
+          </p:cNvPr>
+          <p:cNvCxnSpPr/>
+          <p:nvPr/>
+        </p:nvCxnSpPr>
+        <p:spPr>
+          <a:xfrm>
+            <a:off x="824753" y="2658830"/>
+            <a:ext cx="0" cy="3065931"/>
+          </a:xfrm>
+          <a:prstGeom prst="line">
+            <a:avLst/>
+          </a:prstGeom>
+          <a:ln>
+            <a:solidFill>
+              <a:schemeClr val="tx1"/>
+            </a:solidFill>
+          </a:ln>
+        </p:spPr>
+        <p:style>
+          <a:lnRef idx="1">
+            <a:schemeClr val="accent1"/>
+          </a:lnRef>
+          <a:fillRef idx="0">
+            <a:schemeClr val="accent1"/>
+          </a:fillRef>
+          <a:effectRef idx="0">
+            <a:schemeClr val="accent1"/>
+          </a:effectRef>
+          <a:fontRef idx="minor">
+            <a:schemeClr val="tx1"/>
+          </a:fontRef>
+        </p:style>
+      </p:cxnSp>
+      <p:sp>
+        <p:nvSpPr>
+          <p:cNvPr id="10" name="Rectangle 9">
+            <a:extLst>
+              <a:ext uri="{FF2B5EF4-FFF2-40B4-BE49-F238E27FC236}">
+                <a16:creationId xmlns:a16="http://schemas.microsoft.com/office/drawing/2014/main" id="{DF381FB2-95B7-B142-AE40-4D814EED560B}"/>
+              </a:ext>
+            </a:extLst>
+          </p:cNvPr>
+          <p:cNvSpPr/>
+          <p:nvPr/>
+        </p:nvSpPr>
+        <p:spPr>
+          <a:xfrm>
+            <a:off x="923365" y="2734235"/>
+            <a:ext cx="10130117" cy="2886636"/>
+          </a:xfrm>
+          <a:prstGeom prst="rect">
+            <a:avLst/>
+          </a:prstGeom>
+          <a:solidFill>
+            <a:schemeClr val="bg1"/>
+          </a:solidFill>
+        </p:spPr>
+        <p:style>
+          <a:lnRef idx="2">
+            <a:schemeClr val="accent1">
+              <a:shade val="50000"/>
+            </a:schemeClr>
+          </a:lnRef>
+          <a:fillRef idx="1">
+            <a:schemeClr val="accent1"/>
+          </a:fillRef>
+          <a:effectRef idx="0">
+            <a:schemeClr val="accent1"/>
+          </a:effectRef>
+          <a:fontRef idx="minor">
+            <a:schemeClr val="lt1"/>
+          </a:fontRef>
+        </p:style>
+        <p:txBody>
+          <a:bodyPr rtlCol="0" anchor="ctr"/>
+          <a:lstStyle/>
+          <a:p>
+            <a:pPr marL="742950" lvl="1" indent="-285750">
+              <a:buFont typeface="Arial" panose="020B0604020202020204" pitchFamily="34" charset="0"/>
+              <a:buChar char="•"/>
+            </a:pPr>
+            <a:r>
+              <a:rPr lang="en-US" sz="1200" dirty="0"/>
+              <a:t>Info Text</a:t>
+            </a:r>
+          </a:p>
+          <a:p>
+            <a:pPr marL="742950" lvl="1" indent="-285750">
+              <a:buFont typeface="Arial" panose="020B0604020202020204" pitchFamily="34" charset="0"/>
+              <a:buChar char="•"/>
+            </a:pPr>
+            <a:r>
+              <a:rPr lang="en-US" sz="1200" dirty="0"/>
+              <a:t>Multi-Choice Question</a:t>
+            </a:r>
+          </a:p>
+          <a:p>
+            <a:pPr marL="742950" lvl="1" indent="-285750">
+              <a:buFont typeface="Arial" panose="020B0604020202020204" pitchFamily="34" charset="0"/>
+              <a:buChar char="•"/>
+            </a:pPr>
+            <a:r>
+              <a:rPr lang="en-US" sz="1200" dirty="0"/>
+              <a:t>Multi-Choice Question</a:t>
+            </a:r>
+          </a:p>
+          <a:p>
+            <a:pPr marL="742950" lvl="1" indent="-285750">
+              <a:buFont typeface="Arial" panose="020B0604020202020204" pitchFamily="34" charset="0"/>
+              <a:buChar char="•"/>
+            </a:pPr>
+            <a:r>
+              <a:rPr lang="en-US" sz="1200" dirty="0"/>
+              <a:t>Multi-Select Question</a:t>
+            </a:r>
+          </a:p>
+          <a:p>
+            <a:pPr marL="742950" lvl="1" indent="-285750">
+              <a:buFont typeface="Arial" panose="020B0604020202020204" pitchFamily="34" charset="0"/>
+              <a:buChar char="•"/>
+            </a:pPr>
+            <a:r>
+              <a:rPr lang="en-US" sz="1200" dirty="0"/>
+              <a:t>Free Form Question</a:t>
+            </a:r>
+          </a:p>
+          <a:p>
+            <a:pPr marL="742950" lvl="1" indent="-285750">
+              <a:buFont typeface="Arial" panose="020B0604020202020204" pitchFamily="34" charset="0"/>
+              <a:buChar char="•"/>
+            </a:pPr>
+            <a:r>
+              <a:rPr lang="en-US" sz="1200" dirty="0"/>
+              <a:t>Section 2 Feedback</a:t>
+            </a:r>
+          </a:p>
+        </p:txBody>
+      </p:sp>
+      <p:cxnSp>
+        <p:nvCxnSpPr>
+          <p:cNvPr id="33" name="Straight Connector 32">
+            <a:extLst>
+              <a:ext uri="{FF2B5EF4-FFF2-40B4-BE49-F238E27FC236}">
+                <a16:creationId xmlns:a16="http://schemas.microsoft.com/office/drawing/2014/main" id="{26E0F00E-37AF-A840-8DB8-AF5BA84587C1}"/>
+              </a:ext>
+            </a:extLst>
+          </p:cNvPr>
+          <p:cNvCxnSpPr>
+            <a:cxnSpLocks noChangeAspect="1"/>
+          </p:cNvCxnSpPr>
+          <p:nvPr/>
+        </p:nvCxnSpPr>
+        <p:spPr>
+          <a:xfrm>
+            <a:off x="4375005" y="2734235"/>
+            <a:ext cx="0" cy="2886636"/>
+          </a:xfrm>
+          <a:prstGeom prst="line">
+            <a:avLst/>
+          </a:prstGeom>
+        </p:spPr>
+        <p:style>
+          <a:lnRef idx="1">
+            <a:schemeClr val="accent1"/>
+          </a:lnRef>
+          <a:fillRef idx="0">
+            <a:schemeClr val="accent1"/>
+          </a:fillRef>
+          <a:effectRef idx="0">
+            <a:schemeClr val="accent1"/>
+          </a:effectRef>
+          <a:fontRef idx="minor">
+            <a:schemeClr val="tx1"/>
+          </a:fontRef>
+        </p:style>
+      </p:cxnSp>
+      <p:sp>
+        <p:nvSpPr>
+          <p:cNvPr id="66" name="TextBox 65">
+            <a:extLst>
+              <a:ext uri="{FF2B5EF4-FFF2-40B4-BE49-F238E27FC236}">
+                <a16:creationId xmlns:a16="http://schemas.microsoft.com/office/drawing/2014/main" id="{22CEA156-A358-5E44-B37C-0682E3CFC866}"/>
+              </a:ext>
+            </a:extLst>
+          </p:cNvPr>
+          <p:cNvSpPr txBox="1"/>
+          <p:nvPr/>
+        </p:nvSpPr>
+        <p:spPr>
+          <a:xfrm>
+            <a:off x="5193156" y="2862276"/>
+            <a:ext cx="1692643" cy="307777"/>
+          </a:xfrm>
+          <a:prstGeom prst="rect">
+            <a:avLst/>
+          </a:prstGeom>
+          <a:solidFill>
+            <a:schemeClr val="bg1"/>
+          </a:solidFill>
+          <a:ln>
+            <a:solidFill>
+              <a:schemeClr val="tx1"/>
+            </a:solidFill>
+          </a:ln>
+          <a:effectLst>
+            <a:outerShdw blurRad="50800" dist="38100" dir="2700000" algn="tl" rotWithShape="0">
+              <a:prstClr val="black">
+                <a:alpha val="40000"/>
+              </a:prstClr>
+            </a:outerShdw>
+          </a:effectLst>
+        </p:spPr>
+        <p:txBody>
+          <a:bodyPr wrap="none" rtlCol="0">
+            <a:spAutoFit/>
+          </a:bodyPr>
+          <a:lstStyle/>
+          <a:p>
+            <a:pPr marL="285750" indent="-285750">
+              <a:buFont typeface="System Font Regular"/>
+              <a:buChar char="✓"/>
+            </a:pPr>
+            <a:r>
+              <a:rPr lang="en-US" sz="1400" dirty="0"/>
+              <a:t>Yes/No Question</a:t>
+            </a:r>
+          </a:p>
+        </p:txBody>
+      </p:sp>
+      <p:sp>
+        <p:nvSpPr>
+          <p:cNvPr id="67" name="TextBox 66">
+            <a:extLst>
+              <a:ext uri="{FF2B5EF4-FFF2-40B4-BE49-F238E27FC236}">
+                <a16:creationId xmlns:a16="http://schemas.microsoft.com/office/drawing/2014/main" id="{844F8D8E-5E76-8046-94F8-412080CC8C74}"/>
+              </a:ext>
+            </a:extLst>
+          </p:cNvPr>
+          <p:cNvSpPr txBox="1"/>
+          <p:nvPr/>
+        </p:nvSpPr>
+        <p:spPr>
+          <a:xfrm>
+            <a:off x="4593861" y="2862276"/>
+            <a:ext cx="587790" cy="307777"/>
+          </a:xfrm>
+          <a:prstGeom prst="rect">
+            <a:avLst/>
+          </a:prstGeom>
+          <a:noFill/>
+        </p:spPr>
+        <p:txBody>
+          <a:bodyPr wrap="none" rtlCol="0">
+            <a:spAutoFit/>
+          </a:bodyPr>
+          <a:lstStyle/>
+          <a:p>
+            <a:r>
+              <a:rPr lang="en-US" sz="1400" b="1" dirty="0"/>
+              <a:t>Type:</a:t>
+            </a:r>
+          </a:p>
+        </p:txBody>
+      </p:sp>
+      <p:sp>
+        <p:nvSpPr>
+          <p:cNvPr id="68" name="TextBox 67">
+            <a:extLst>
+              <a:ext uri="{FF2B5EF4-FFF2-40B4-BE49-F238E27FC236}">
+                <a16:creationId xmlns:a16="http://schemas.microsoft.com/office/drawing/2014/main" id="{6841D578-8FDF-7F49-923A-3F9AADD3D776}"/>
+              </a:ext>
+            </a:extLst>
+          </p:cNvPr>
+          <p:cNvSpPr txBox="1"/>
+          <p:nvPr/>
+        </p:nvSpPr>
+        <p:spPr>
+          <a:xfrm>
+            <a:off x="4548497" y="3853403"/>
+            <a:ext cx="913648" cy="307777"/>
+          </a:xfrm>
+          <a:prstGeom prst="rect">
+            <a:avLst/>
+          </a:prstGeom>
+          <a:noFill/>
+        </p:spPr>
+        <p:txBody>
+          <a:bodyPr wrap="none" rtlCol="0">
+            <a:spAutoFit/>
+          </a:bodyPr>
+          <a:lstStyle/>
+          <a:p>
+            <a:r>
+              <a:rPr lang="en-US" sz="1400" b="1" dirty="0"/>
+              <a:t>Question:</a:t>
+            </a:r>
+          </a:p>
+        </p:txBody>
+      </p:sp>
+      <p:sp>
+        <p:nvSpPr>
+          <p:cNvPr id="70" name="Rectangle 69">
+            <a:extLst>
+              <a:ext uri="{FF2B5EF4-FFF2-40B4-BE49-F238E27FC236}">
+                <a16:creationId xmlns:a16="http://schemas.microsoft.com/office/drawing/2014/main" id="{8C453AA8-7ABE-1548-8D6D-FA192A89809A}"/>
+              </a:ext>
+            </a:extLst>
+          </p:cNvPr>
+          <p:cNvSpPr/>
+          <p:nvPr/>
+        </p:nvSpPr>
+        <p:spPr>
+          <a:xfrm>
+            <a:off x="5505628" y="3849479"/>
+            <a:ext cx="4509291" cy="333569"/>
+          </a:xfrm>
+          <a:prstGeom prst="rect">
+            <a:avLst/>
+          </a:prstGeom>
+          <a:ln w="19050"/>
+        </p:spPr>
+        <p:style>
+          <a:lnRef idx="2">
+            <a:schemeClr val="dk1"/>
+          </a:lnRef>
+          <a:fillRef idx="1">
+            <a:schemeClr val="lt1"/>
+          </a:fillRef>
+          <a:effectRef idx="0">
+            <a:schemeClr val="dk1"/>
+          </a:effectRef>
+          <a:fontRef idx="minor">
+            <a:schemeClr val="dk1"/>
+          </a:fontRef>
+        </p:style>
+        <p:txBody>
+          <a:bodyPr rtlCol="0" anchor="ctr"/>
+          <a:lstStyle/>
+          <a:p>
+            <a:r>
+              <a:rPr lang="en-US" dirty="0">
+                <a:solidFill>
+                  <a:schemeClr val="tx1"/>
+                </a:solidFill>
+              </a:rPr>
+              <a:t>I find congregational community important </a:t>
+            </a:r>
+            <a:r>
+              <a:rPr lang="en-US" dirty="0">
+                <a:solidFill>
+                  <a:srgbClr val="C00000"/>
+                </a:solidFill>
+              </a:rPr>
+              <a:t>|</a:t>
+            </a:r>
+          </a:p>
+        </p:txBody>
+      </p:sp>
+      <p:sp>
+        <p:nvSpPr>
+          <p:cNvPr id="71" name="TextBox 70">
+            <a:extLst>
+              <a:ext uri="{FF2B5EF4-FFF2-40B4-BE49-F238E27FC236}">
+                <a16:creationId xmlns:a16="http://schemas.microsoft.com/office/drawing/2014/main" id="{80901B4D-2C95-2E42-8871-9B78A4C212D9}"/>
+              </a:ext>
+            </a:extLst>
+          </p:cNvPr>
+          <p:cNvSpPr txBox="1"/>
+          <p:nvPr/>
+        </p:nvSpPr>
+        <p:spPr>
+          <a:xfrm>
+            <a:off x="5065051" y="3298094"/>
+            <a:ext cx="4583884" cy="307777"/>
+          </a:xfrm>
+          <a:prstGeom prst="rect">
+            <a:avLst/>
+          </a:prstGeom>
+          <a:noFill/>
+        </p:spPr>
+        <p:txBody>
+          <a:bodyPr wrap="none" rtlCol="0">
+            <a:spAutoFit/>
+          </a:bodyPr>
+          <a:lstStyle/>
+          <a:p>
+            <a:r>
+              <a:rPr lang="en-US" sz="1400" dirty="0"/>
+              <a:t>Yes/No questions appear as a simple checkbox in the survey.</a:t>
+            </a:r>
+          </a:p>
+        </p:txBody>
+      </p:sp>
+      <p:grpSp>
+        <p:nvGrpSpPr>
+          <p:cNvPr id="77" name="Group 76">
+            <a:extLst>
+              <a:ext uri="{FF2B5EF4-FFF2-40B4-BE49-F238E27FC236}">
+                <a16:creationId xmlns:a16="http://schemas.microsoft.com/office/drawing/2014/main" id="{A3495646-102F-F346-952F-21070303DFA2}"/>
+              </a:ext>
+            </a:extLst>
+          </p:cNvPr>
+          <p:cNvGrpSpPr/>
+          <p:nvPr/>
+        </p:nvGrpSpPr>
+        <p:grpSpPr>
+          <a:xfrm>
+            <a:off x="1353786" y="3226387"/>
+            <a:ext cx="3004458" cy="237744"/>
+            <a:chOff x="1353786" y="3226387"/>
+            <a:chExt cx="3004458" cy="237744"/>
+          </a:xfrm>
+        </p:grpSpPr>
+        <p:sp>
+          <p:nvSpPr>
+            <p:cNvPr id="57" name="Rectangle 56">
+              <a:extLst>
+                <a:ext uri="{FF2B5EF4-FFF2-40B4-BE49-F238E27FC236}">
+                  <a16:creationId xmlns:a16="http://schemas.microsoft.com/office/drawing/2014/main" id="{D006829A-7331-054F-8301-571C92330759}"/>
+                </a:ext>
+              </a:extLst>
+            </p:cNvPr>
+            <p:cNvSpPr/>
+            <p:nvPr/>
+          </p:nvSpPr>
+          <p:spPr>
+            <a:xfrm>
+              <a:off x="1353786" y="3244318"/>
+              <a:ext cx="3004458" cy="201882"/>
+            </a:xfrm>
+            <a:prstGeom prst="rect">
+              <a:avLst/>
+            </a:prstGeom>
+          </p:spPr>
+          <p:style>
+            <a:lnRef idx="2">
+              <a:schemeClr val="accent1">
+                <a:shade val="50000"/>
+              </a:schemeClr>
+            </a:lnRef>
+            <a:fillRef idx="1">
+              <a:schemeClr val="accent1"/>
+            </a:fillRef>
+            <a:effectRef idx="0">
+              <a:schemeClr val="accent1"/>
+            </a:effectRef>
+            <a:fontRef idx="minor">
+              <a:schemeClr val="lt1"/>
+            </a:fontRef>
+          </p:style>
+          <p:txBody>
+            <a:bodyPr rtlCol="0" anchor="ctr"/>
+            <a:lstStyle/>
+            <a:p>
+              <a:pPr algn="ctr"/>
+              <a:endParaRPr lang="en-US"/>
+            </a:p>
+          </p:txBody>
+        </p:sp>
+        <p:grpSp>
+          <p:nvGrpSpPr>
+            <p:cNvPr id="76" name="Group 75">
+              <a:extLst>
+                <a:ext uri="{FF2B5EF4-FFF2-40B4-BE49-F238E27FC236}">
+                  <a16:creationId xmlns:a16="http://schemas.microsoft.com/office/drawing/2014/main" id="{D79B1B14-AA51-4A43-8B13-077CA8BD60EF}"/>
+                </a:ext>
+              </a:extLst>
+            </p:cNvPr>
+            <p:cNvGrpSpPr/>
+            <p:nvPr/>
+          </p:nvGrpSpPr>
+          <p:grpSpPr>
+            <a:xfrm>
+              <a:off x="3270307" y="3226387"/>
+              <a:ext cx="920049" cy="237744"/>
+              <a:chOff x="3270307" y="3226387"/>
+              <a:chExt cx="920049" cy="237744"/>
+            </a:xfrm>
+          </p:grpSpPr>
+          <p:pic>
+            <p:nvPicPr>
+              <p:cNvPr id="59" name="Picture 58">
+                <a:extLst>
+                  <a:ext uri="{FF2B5EF4-FFF2-40B4-BE49-F238E27FC236}">
+                    <a16:creationId xmlns:a16="http://schemas.microsoft.com/office/drawing/2014/main" id="{9793CD67-C00E-EB49-8695-CF5D2CBE2707}"/>
+                  </a:ext>
+                </a:extLst>
+              </p:cNvPr>
+              <p:cNvPicPr>
+                <a:picLocks noChangeAspect="1"/>
+              </p:cNvPicPr>
+              <p:nvPr/>
+            </p:nvPicPr>
+            <p:blipFill>
+              <a:blip r:embed="rId5"/>
+              <a:stretch>
+                <a:fillRect/>
+              </a:stretch>
+            </p:blipFill>
+            <p:spPr>
+              <a:xfrm>
+                <a:off x="4011178" y="3255670"/>
+                <a:ext cx="179178" cy="179178"/>
+              </a:xfrm>
+              <a:prstGeom prst="rect">
+                <a:avLst/>
+              </a:prstGeom>
+            </p:spPr>
+          </p:pic>
+          <p:pic>
+            <p:nvPicPr>
+              <p:cNvPr id="61" name="Picture 60">
+                <a:extLst>
+                  <a:ext uri="{FF2B5EF4-FFF2-40B4-BE49-F238E27FC236}">
+                    <a16:creationId xmlns:a16="http://schemas.microsoft.com/office/drawing/2014/main" id="{5841DC65-F946-3846-8D2C-3968E0FBCF54}"/>
+                  </a:ext>
+                </a:extLst>
+              </p:cNvPr>
+              <p:cNvPicPr>
+                <a:picLocks noChangeAspect="1"/>
+              </p:cNvPicPr>
+              <p:nvPr/>
+            </p:nvPicPr>
+            <p:blipFill>
+              <a:blip r:embed="rId6"/>
+              <a:stretch>
+                <a:fillRect/>
+              </a:stretch>
+            </p:blipFill>
+            <p:spPr>
+              <a:xfrm>
+                <a:off x="3848821" y="3253819"/>
+                <a:ext cx="182880" cy="182880"/>
+              </a:xfrm>
+              <a:prstGeom prst="rect">
+                <a:avLst/>
+              </a:prstGeom>
+            </p:spPr>
+          </p:pic>
+          <p:pic>
+            <p:nvPicPr>
+              <p:cNvPr id="63" name="Picture 62">
+                <a:extLst>
+                  <a:ext uri="{FF2B5EF4-FFF2-40B4-BE49-F238E27FC236}">
+                    <a16:creationId xmlns:a16="http://schemas.microsoft.com/office/drawing/2014/main" id="{5D8CE0E5-3DA6-1B4C-9B4C-D9E6D65E56B8}"/>
+                  </a:ext>
+                </a:extLst>
+              </p:cNvPr>
+              <p:cNvPicPr>
+                <a:picLocks noChangeAspect="1"/>
+              </p:cNvPicPr>
+              <p:nvPr/>
+            </p:nvPicPr>
+            <p:blipFill>
+              <a:blip r:embed="rId7"/>
+              <a:stretch>
+                <a:fillRect/>
+              </a:stretch>
+            </p:blipFill>
+            <p:spPr>
+              <a:xfrm>
+                <a:off x="3469241" y="3226387"/>
+                <a:ext cx="237744" cy="237744"/>
+              </a:xfrm>
+              <a:prstGeom prst="rect">
+                <a:avLst/>
+              </a:prstGeom>
+            </p:spPr>
+          </p:pic>
+          <p:pic>
+            <p:nvPicPr>
+              <p:cNvPr id="65" name="Picture 64">
+                <a:extLst>
+                  <a:ext uri="{FF2B5EF4-FFF2-40B4-BE49-F238E27FC236}">
+                    <a16:creationId xmlns:a16="http://schemas.microsoft.com/office/drawing/2014/main" id="{451C5076-A17F-7A47-8B97-0DB4B44E2BA7}"/>
+                  </a:ext>
+                </a:extLst>
+              </p:cNvPr>
+              <p:cNvPicPr>
+                <a:picLocks noChangeAspect="1"/>
+              </p:cNvPicPr>
+              <p:nvPr/>
+            </p:nvPicPr>
+            <p:blipFill>
+              <a:blip r:embed="rId8"/>
+              <a:stretch>
+                <a:fillRect/>
+              </a:stretch>
+            </p:blipFill>
+            <p:spPr>
+              <a:xfrm>
+                <a:off x="3270307" y="3235531"/>
+                <a:ext cx="219456" cy="219456"/>
+              </a:xfrm>
+              <a:prstGeom prst="rect">
+                <a:avLst/>
+              </a:prstGeom>
+            </p:spPr>
+          </p:pic>
+          <p:pic>
+            <p:nvPicPr>
+              <p:cNvPr id="74" name="Picture 73">
+                <a:extLst>
+                  <a:ext uri="{FF2B5EF4-FFF2-40B4-BE49-F238E27FC236}">
+                    <a16:creationId xmlns:a16="http://schemas.microsoft.com/office/drawing/2014/main" id="{5EE5E666-1CD5-3648-8BB3-E2887FB270A7}"/>
+                  </a:ext>
+                </a:extLst>
+              </p:cNvPr>
+              <p:cNvPicPr>
+                <a:picLocks noChangeAspect="1"/>
+              </p:cNvPicPr>
+              <p:nvPr/>
+            </p:nvPicPr>
+            <p:blipFill>
+              <a:blip r:embed="rId9"/>
+              <a:stretch>
+                <a:fillRect/>
+              </a:stretch>
+            </p:blipFill>
+            <p:spPr>
+              <a:xfrm>
+                <a:off x="3686463" y="3253819"/>
+                <a:ext cx="182880" cy="182880"/>
+              </a:xfrm>
+              <a:prstGeom prst="rect">
+                <a:avLst/>
+              </a:prstGeom>
+            </p:spPr>
+          </p:pic>
+        </p:grpSp>
+      </p:grpSp>
+      <p:sp>
+        <p:nvSpPr>
+          <p:cNvPr id="13" name="TextBox 12">
+            <a:extLst>
+              <a:ext uri="{FF2B5EF4-FFF2-40B4-BE49-F238E27FC236}">
+                <a16:creationId xmlns:a16="http://schemas.microsoft.com/office/drawing/2014/main" id="{4BCC820E-A212-2747-BBD8-748984A80E8D}"/>
+              </a:ext>
+            </a:extLst>
+          </p:cNvPr>
+          <p:cNvSpPr txBox="1"/>
+          <p:nvPr/>
+        </p:nvSpPr>
+        <p:spPr>
+          <a:xfrm>
+            <a:off x="959154" y="2862276"/>
+            <a:ext cx="3177783" cy="3985706"/>
+          </a:xfrm>
+          <a:prstGeom prst="rect">
+            <a:avLst/>
+          </a:prstGeom>
+          <a:noFill/>
+        </p:spPr>
+        <p:txBody>
+          <a:bodyPr wrap="square" rtlCol="0">
+            <a:spAutoFit/>
+          </a:bodyPr>
+          <a:lstStyle/>
+          <a:p>
+            <a:pPr marL="285750" indent="-285750">
+              <a:buFont typeface="Wingdings" pitchFamily="2" charset="2"/>
+              <a:buChar char="Ø"/>
+            </a:pPr>
+            <a:r>
+              <a:rPr lang="en-US" sz="1100" b="1" dirty="0"/>
+              <a:t>Prologue</a:t>
+            </a:r>
+          </a:p>
+          <a:p>
+            <a:pPr marL="742950" lvl="1" indent="-285750">
+              <a:buFont typeface=".Hiragino Kaku Gothic Interface W3"/>
+              <a:buChar char="☞"/>
+            </a:pPr>
+            <a:r>
+              <a:rPr lang="en-US" sz="1100" dirty="0"/>
+              <a:t>Welcome Text</a:t>
+            </a:r>
+          </a:p>
+          <a:p>
+            <a:pPr marL="742950" lvl="1" indent="-285750">
+              <a:buFont typeface="System Font Regular"/>
+              <a:buChar char="✓"/>
+            </a:pPr>
+            <a:r>
+              <a:rPr lang="en-US" sz="1100" dirty="0">
+                <a:solidFill>
+                  <a:schemeClr val="bg1"/>
+                </a:solidFill>
+              </a:rPr>
+              <a:t>I find congregational….</a:t>
+            </a:r>
+          </a:p>
+          <a:p>
+            <a:pPr marL="742950" lvl="1" indent="-285750">
+              <a:buFont typeface="System Font Regular"/>
+              <a:buChar char="✓"/>
+            </a:pPr>
+            <a:r>
+              <a:rPr lang="en-US" sz="1100" dirty="0"/>
+              <a:t>Yes/No Question</a:t>
+            </a:r>
+          </a:p>
+          <a:p>
+            <a:pPr marL="285750" indent="-285750">
+              <a:buFont typeface="Wingdings" pitchFamily="2" charset="2"/>
+              <a:buChar char="Ø"/>
+            </a:pPr>
+            <a:r>
+              <a:rPr lang="en-US" sz="1100" b="1" dirty="0"/>
+              <a:t>Section 1</a:t>
+            </a:r>
+          </a:p>
+          <a:p>
+            <a:pPr marL="742950" lvl="1" indent="-285750">
+              <a:buFont typeface=".Hiragino Kaku Gothic Interface W3"/>
+              <a:buChar char="☞"/>
+            </a:pPr>
+            <a:r>
+              <a:rPr lang="en-US" sz="1100" dirty="0"/>
+              <a:t>Info Text</a:t>
+            </a:r>
+          </a:p>
+          <a:p>
+            <a:pPr marL="742950" lvl="1" indent="-285750">
+              <a:buFont typeface=".Hiragino Kaku Gothic Interface W3"/>
+              <a:buChar char="◉"/>
+            </a:pPr>
+            <a:r>
+              <a:rPr lang="en-US" sz="1100" dirty="0"/>
+              <a:t>Multi-Choice Question</a:t>
+            </a:r>
+          </a:p>
+          <a:p>
+            <a:pPr marL="742950" lvl="1" indent="-285750">
+              <a:buFont typeface=".Hiragino Kaku Gothic Interface W3"/>
+              <a:buChar char="◉"/>
+            </a:pPr>
+            <a:r>
+              <a:rPr lang="en-US" sz="1100" dirty="0"/>
+              <a:t>Multi-Choice Question</a:t>
+            </a:r>
+          </a:p>
+          <a:p>
+            <a:pPr marL="742950" lvl="1" indent="-285750">
+              <a:buFont typeface="System Font Regular"/>
+              <a:buChar char="☑"/>
+            </a:pPr>
+            <a:r>
+              <a:rPr lang="en-US" sz="1100" dirty="0"/>
+              <a:t>Multi-Select Question</a:t>
+            </a:r>
+          </a:p>
+          <a:p>
+            <a:pPr marL="742950" lvl="1" indent="-285750">
+              <a:buFont typeface="Zapf Dingbats"/>
+              <a:buChar char="✍"/>
+            </a:pPr>
+            <a:r>
+              <a:rPr lang="en-US" sz="1100" dirty="0"/>
+              <a:t>Free Form Question</a:t>
+            </a:r>
+          </a:p>
+          <a:p>
+            <a:pPr marL="742950" lvl="1" indent="-285750">
+              <a:buFont typeface="Zapf Dingbats"/>
+              <a:buChar char="✍"/>
+            </a:pPr>
+            <a:r>
+              <a:rPr lang="en-US" sz="1100" dirty="0"/>
+              <a:t>Section 2 Feedback</a:t>
+            </a:r>
+          </a:p>
+          <a:p>
+            <a:pPr marL="285750" indent="-285750">
+              <a:buFont typeface="Wingdings" pitchFamily="2" charset="2"/>
+              <a:buChar char="Ø"/>
+            </a:pPr>
+            <a:r>
+              <a:rPr lang="en-US" sz="1100" b="1" dirty="0"/>
+              <a:t>Section 2</a:t>
+            </a:r>
+          </a:p>
+          <a:p>
+            <a:pPr marL="742950" lvl="1" indent="-285750">
+              <a:buFont typeface=".Hiragino Kaku Gothic Interface W3"/>
+              <a:buChar char="☞"/>
+            </a:pPr>
+            <a:r>
+              <a:rPr lang="en-US" sz="1100" dirty="0"/>
+              <a:t>Info Text</a:t>
+            </a:r>
+          </a:p>
+          <a:p>
+            <a:pPr marL="742950" lvl="1" indent="-285750">
+              <a:buFont typeface=".Hiragino Kaku Gothic Interface W3"/>
+              <a:buChar char="◉"/>
+            </a:pPr>
+            <a:r>
+              <a:rPr lang="en-US" sz="1100" dirty="0"/>
+              <a:t>Multi-Choice Question</a:t>
+            </a:r>
+          </a:p>
+          <a:p>
+            <a:pPr marL="742950" lvl="1" indent="-285750">
+              <a:buFont typeface=".Hiragino Kaku Gothic Interface W3"/>
+              <a:buChar char="◉"/>
+            </a:pPr>
+            <a:r>
+              <a:rPr lang="en-US" sz="1100" dirty="0"/>
+              <a:t>Multi-Choice Question</a:t>
+            </a:r>
+          </a:p>
+          <a:p>
+            <a:pPr marL="742950" lvl="1" indent="-285750">
+              <a:buFont typeface="System Font Regular"/>
+              <a:buChar char="☑"/>
+            </a:pPr>
+            <a:r>
+              <a:rPr lang="en-US" sz="1100" dirty="0"/>
+              <a:t>Multi-Select Question</a:t>
+            </a:r>
+          </a:p>
+          <a:p>
+            <a:pPr marL="742950" lvl="1" indent="-285750">
+              <a:buFont typeface="Zapf Dingbats"/>
+              <a:buChar char="✍"/>
+            </a:pPr>
+            <a:r>
+              <a:rPr lang="en-US" sz="1100" dirty="0"/>
+              <a:t>Free Form Question</a:t>
+            </a:r>
+          </a:p>
+          <a:p>
+            <a:pPr marL="742950" lvl="1" indent="-285750">
+              <a:buFont typeface="Zapf Dingbats"/>
+              <a:buChar char="✍"/>
+            </a:pPr>
+            <a:r>
+              <a:rPr lang="en-US" sz="1100" dirty="0"/>
+              <a:t>Section 2 Feedback</a:t>
+            </a:r>
+          </a:p>
+          <a:p>
+            <a:pPr marL="285750" indent="-285750">
+              <a:buFont typeface="Wingdings" pitchFamily="2" charset="2"/>
+              <a:buChar char="Ø"/>
+            </a:pPr>
+            <a:r>
+              <a:rPr lang="en-US" sz="1100" b="1" dirty="0"/>
+              <a:t>Section 3</a:t>
+            </a:r>
+          </a:p>
+          <a:p>
+            <a:pPr marL="742950" lvl="1" indent="-285750">
+              <a:buFont typeface=".Hiragino Kaku Gothic Interface W3"/>
+              <a:buChar char="☞"/>
+            </a:pPr>
+            <a:r>
+              <a:rPr lang="en-US" sz="1100" dirty="0"/>
+              <a:t>Info Text</a:t>
+            </a:r>
+          </a:p>
+          <a:p>
+            <a:pPr marL="742950" lvl="1" indent="-285750">
+              <a:buFont typeface="Zapf Dingbats"/>
+              <a:buChar char="✍"/>
+            </a:pPr>
+            <a:r>
+              <a:rPr lang="en-US" sz="1100" dirty="0"/>
+              <a:t>Free Form Question</a:t>
+            </a:r>
+          </a:p>
+          <a:p>
+            <a:pPr marL="742950" lvl="1" indent="-285750">
+              <a:buFont typeface="Zapf Dingbats"/>
+              <a:buChar char="✍"/>
+            </a:pPr>
+            <a:r>
+              <a:rPr lang="en-US" sz="1100" dirty="0"/>
+              <a:t>Free Form Question</a:t>
+            </a:r>
+          </a:p>
+          <a:p>
+            <a:pPr marL="742950" lvl="1" indent="-285750">
+              <a:buFont typeface="Zapf Dingbats"/>
+              <a:buChar char="✍"/>
+            </a:pPr>
+            <a:r>
+              <a:rPr lang="en-US" sz="1100" dirty="0"/>
+              <a:t>Free Form Question</a:t>
+            </a:r>
+          </a:p>
+        </p:txBody>
+      </p:sp>
+      <p:cxnSp>
+        <p:nvCxnSpPr>
+          <p:cNvPr id="22" name="Straight Connector 21">
+            <a:extLst>
+              <a:ext uri="{FF2B5EF4-FFF2-40B4-BE49-F238E27FC236}">
+                <a16:creationId xmlns:a16="http://schemas.microsoft.com/office/drawing/2014/main" id="{CA9E6B26-9399-694D-BA06-6C0703FE2726}"/>
+              </a:ext>
+            </a:extLst>
+          </p:cNvPr>
+          <p:cNvCxnSpPr/>
+          <p:nvPr/>
+        </p:nvCxnSpPr>
+        <p:spPr>
+          <a:xfrm>
+            <a:off x="11142432" y="2617051"/>
+            <a:ext cx="0" cy="3065931"/>
+          </a:xfrm>
+          <a:prstGeom prst="line">
+            <a:avLst/>
+          </a:prstGeom>
+          <a:ln>
+            <a:solidFill>
+              <a:schemeClr val="tx1"/>
+            </a:solidFill>
+          </a:ln>
+        </p:spPr>
+        <p:style>
+          <a:lnRef idx="1">
+            <a:schemeClr val="accent1"/>
+          </a:lnRef>
+          <a:fillRef idx="0">
+            <a:schemeClr val="accent1"/>
+          </a:fillRef>
+          <a:effectRef idx="0">
+            <a:schemeClr val="accent1"/>
+          </a:effectRef>
+          <a:fontRef idx="minor">
+            <a:schemeClr val="tx1"/>
+          </a:fontRef>
+        </p:style>
+      </p:cxnSp>
+    </p:spTree>
+    <p:extLst>
+      <p:ext uri="{BB962C8B-B14F-4D97-AF65-F5344CB8AC3E}">
+        <p14:creationId xmlns:p14="http://schemas.microsoft.com/office/powerpoint/2010/main" val="2844017172"/>
+      </p:ext>
+    </p:extLst>
+  </p:cSld>
+  <p:clrMapOvr>
+    <a:masterClrMapping/>
+  </p:clrMapOvr>
+</p:sld>
+</file>
+
+<file path=ppt/slides/slide6.xml><?xml version="1.0" encoding="utf-8"?>
+<p:sld xmlns:a="http://schemas.openxmlformats.org/drawingml/2006/main" xmlns:r="http://schemas.openxmlformats.org/officeDocument/2006/relationships" xmlns:p="http://schemas.openxmlformats.org/presentationml/2006/main">
+  <p:cSld>
+    <p:spTree>
+      <p:nvGrpSpPr>
+        <p:cNvPr id="1" name=""/>
+        <p:cNvGrpSpPr/>
+        <p:nvPr/>
+      </p:nvGrpSpPr>
+      <p:grpSpPr>
+        <a:xfrm>
+          <a:off x="0" y="0"/>
+          <a:ext cx="0" cy="0"/>
+          <a:chOff x="0" y="0"/>
+          <a:chExt cx="0" cy="0"/>
+        </a:xfrm>
+      </p:grpSpPr>
+      <p:pic>
+        <p:nvPicPr>
+          <p:cNvPr id="4" name="Picture 3">
+            <a:extLst>
+              <a:ext uri="{FF2B5EF4-FFF2-40B4-BE49-F238E27FC236}">
+                <a16:creationId xmlns:a16="http://schemas.microsoft.com/office/drawing/2014/main" id="{4D95B393-CB72-D340-8185-45F0E7B6961A}"/>
+              </a:ext>
+            </a:extLst>
+          </p:cNvPr>
+          <p:cNvPicPr>
+            <a:picLocks noChangeAspect="1"/>
+          </p:cNvPicPr>
+          <p:nvPr/>
+        </p:nvPicPr>
+        <p:blipFill>
+          <a:blip r:embed="rId3"/>
+          <a:stretch>
+            <a:fillRect/>
+          </a:stretch>
+        </p:blipFill>
+        <p:spPr>
+          <a:xfrm>
+            <a:off x="242047" y="194405"/>
+            <a:ext cx="11492753" cy="2464425"/>
+          </a:xfrm>
+          <a:prstGeom prst="rect">
+            <a:avLst/>
+          </a:prstGeom>
+        </p:spPr>
+      </p:pic>
+      <p:pic>
+        <p:nvPicPr>
+          <p:cNvPr id="5" name="Picture 4">
+            <a:extLst>
+              <a:ext uri="{FF2B5EF4-FFF2-40B4-BE49-F238E27FC236}">
+                <a16:creationId xmlns:a16="http://schemas.microsoft.com/office/drawing/2014/main" id="{878E8C87-B48D-FD4F-8E83-F2CC56F5FA03}"/>
+              </a:ext>
+            </a:extLst>
+          </p:cNvPr>
+          <p:cNvPicPr>
+            <a:picLocks noChangeAspect="1"/>
+          </p:cNvPicPr>
+          <p:nvPr/>
+        </p:nvPicPr>
+        <p:blipFill>
+          <a:blip r:embed="rId4"/>
+          <a:stretch>
+            <a:fillRect/>
+          </a:stretch>
+        </p:blipFill>
+        <p:spPr>
+          <a:xfrm>
+            <a:off x="242047" y="5724760"/>
+            <a:ext cx="11497031" cy="505711"/>
+          </a:xfrm>
+          <a:prstGeom prst="rect">
+            <a:avLst/>
+          </a:prstGeom>
+        </p:spPr>
+      </p:pic>
+      <p:sp>
+        <p:nvSpPr>
+          <p:cNvPr id="6" name="Rectangle 5">
+            <a:extLst>
+              <a:ext uri="{FF2B5EF4-FFF2-40B4-BE49-F238E27FC236}">
+                <a16:creationId xmlns:a16="http://schemas.microsoft.com/office/drawing/2014/main" id="{109E19EA-02A0-D244-8749-962ABAC73E31}"/>
+              </a:ext>
+            </a:extLst>
+          </p:cNvPr>
+          <p:cNvSpPr/>
+          <p:nvPr/>
+        </p:nvSpPr>
+        <p:spPr>
+          <a:xfrm>
+            <a:off x="242047" y="2658830"/>
+            <a:ext cx="11492753" cy="3069617"/>
+          </a:xfrm>
+          <a:prstGeom prst="rect">
+            <a:avLst/>
+          </a:prstGeom>
+          <a:solidFill>
+            <a:srgbClr val="EEEEF0"/>
+          </a:solidFill>
+          <a:ln>
+            <a:noFill/>
+          </a:ln>
+        </p:spPr>
+        <p:style>
+          <a:lnRef idx="2">
+            <a:schemeClr val="accent1">
+              <a:shade val="50000"/>
+            </a:schemeClr>
+          </a:lnRef>
+          <a:fillRef idx="1">
+            <a:schemeClr val="accent1"/>
+          </a:fillRef>
+          <a:effectRef idx="0">
+            <a:schemeClr val="accent1"/>
+          </a:effectRef>
+          <a:fontRef idx="minor">
+            <a:schemeClr val="lt1"/>
+          </a:fontRef>
+        </p:style>
+        <p:txBody>
+          <a:bodyPr rtlCol="0" anchor="ctr"/>
+          <a:lstStyle/>
+          <a:p>
+            <a:pPr algn="ctr"/>
+            <a:endParaRPr lang="en-US"/>
+          </a:p>
+        </p:txBody>
+      </p:sp>
+      <p:cxnSp>
+        <p:nvCxnSpPr>
+          <p:cNvPr id="8" name="Straight Connector 7">
+            <a:extLst>
+              <a:ext uri="{FF2B5EF4-FFF2-40B4-BE49-F238E27FC236}">
+                <a16:creationId xmlns:a16="http://schemas.microsoft.com/office/drawing/2014/main" id="{9BEF1083-1C9A-F440-9EAB-EEC8452C5F89}"/>
+              </a:ext>
+            </a:extLst>
+          </p:cNvPr>
+          <p:cNvCxnSpPr/>
+          <p:nvPr/>
+        </p:nvCxnSpPr>
+        <p:spPr>
+          <a:xfrm>
+            <a:off x="824753" y="2658830"/>
+            <a:ext cx="0" cy="3065931"/>
+          </a:xfrm>
+          <a:prstGeom prst="line">
+            <a:avLst/>
+          </a:prstGeom>
+          <a:ln>
+            <a:solidFill>
+              <a:schemeClr val="tx1"/>
+            </a:solidFill>
+          </a:ln>
+        </p:spPr>
+        <p:style>
+          <a:lnRef idx="1">
+            <a:schemeClr val="accent1"/>
+          </a:lnRef>
+          <a:fillRef idx="0">
+            <a:schemeClr val="accent1"/>
+          </a:fillRef>
+          <a:effectRef idx="0">
+            <a:schemeClr val="accent1"/>
+          </a:effectRef>
+          <a:fontRef idx="minor">
+            <a:schemeClr val="tx1"/>
+          </a:fontRef>
+        </p:style>
+      </p:cxnSp>
+      <p:sp>
+        <p:nvSpPr>
+          <p:cNvPr id="10" name="Rectangle 9">
+            <a:extLst>
+              <a:ext uri="{FF2B5EF4-FFF2-40B4-BE49-F238E27FC236}">
+                <a16:creationId xmlns:a16="http://schemas.microsoft.com/office/drawing/2014/main" id="{DF381FB2-95B7-B142-AE40-4D814EED560B}"/>
+              </a:ext>
+            </a:extLst>
+          </p:cNvPr>
+          <p:cNvSpPr/>
+          <p:nvPr/>
+        </p:nvSpPr>
+        <p:spPr>
+          <a:xfrm>
+            <a:off x="923365" y="2734235"/>
+            <a:ext cx="10130117" cy="2886636"/>
+          </a:xfrm>
+          <a:prstGeom prst="rect">
+            <a:avLst/>
+          </a:prstGeom>
+          <a:solidFill>
+            <a:schemeClr val="bg1"/>
+          </a:solidFill>
+        </p:spPr>
+        <p:style>
+          <a:lnRef idx="2">
+            <a:schemeClr val="accent1">
+              <a:shade val="50000"/>
+            </a:schemeClr>
+          </a:lnRef>
+          <a:fillRef idx="1">
+            <a:schemeClr val="accent1"/>
+          </a:fillRef>
+          <a:effectRef idx="0">
+            <a:schemeClr val="accent1"/>
+          </a:effectRef>
+          <a:fontRef idx="minor">
+            <a:schemeClr val="lt1"/>
+          </a:fontRef>
+        </p:style>
+        <p:txBody>
+          <a:bodyPr rtlCol="0" anchor="ctr"/>
+          <a:lstStyle/>
+          <a:p>
+            <a:pPr marL="742950" lvl="1" indent="-285750">
+              <a:buFont typeface="Arial" panose="020B0604020202020204" pitchFamily="34" charset="0"/>
+              <a:buChar char="•"/>
+            </a:pPr>
+            <a:r>
+              <a:rPr lang="en-US" sz="1200" dirty="0"/>
+              <a:t>Info Text</a:t>
+            </a:r>
+          </a:p>
+          <a:p>
+            <a:pPr marL="742950" lvl="1" indent="-285750">
+              <a:buFont typeface="Arial" panose="020B0604020202020204" pitchFamily="34" charset="0"/>
+              <a:buChar char="•"/>
+            </a:pPr>
+            <a:r>
+              <a:rPr lang="en-US" sz="1200" dirty="0"/>
+              <a:t>Multi-Choice Question</a:t>
+            </a:r>
+          </a:p>
+          <a:p>
+            <a:pPr marL="742950" lvl="1" indent="-285750">
+              <a:buFont typeface="Arial" panose="020B0604020202020204" pitchFamily="34" charset="0"/>
+              <a:buChar char="•"/>
+            </a:pPr>
+            <a:r>
+              <a:rPr lang="en-US" sz="1200" dirty="0"/>
+              <a:t>Multi-Choice Question</a:t>
+            </a:r>
+          </a:p>
+          <a:p>
+            <a:pPr marL="742950" lvl="1" indent="-285750">
+              <a:buFont typeface="Arial" panose="020B0604020202020204" pitchFamily="34" charset="0"/>
+              <a:buChar char="•"/>
+            </a:pPr>
+            <a:r>
+              <a:rPr lang="en-US" sz="1200" dirty="0"/>
+              <a:t>Multi-Select Question</a:t>
+            </a:r>
+          </a:p>
+          <a:p>
+            <a:pPr marL="742950" lvl="1" indent="-285750">
+              <a:buFont typeface="Arial" panose="020B0604020202020204" pitchFamily="34" charset="0"/>
+              <a:buChar char="•"/>
+            </a:pPr>
+            <a:r>
+              <a:rPr lang="en-US" sz="1200" dirty="0"/>
+              <a:t>Free Form Question</a:t>
+            </a:r>
+          </a:p>
+          <a:p>
+            <a:pPr marL="742950" lvl="1" indent="-285750">
+              <a:buFont typeface="Arial" panose="020B0604020202020204" pitchFamily="34" charset="0"/>
+              <a:buChar char="•"/>
+            </a:pPr>
+            <a:r>
+              <a:rPr lang="en-US" sz="1200" dirty="0"/>
+              <a:t>Section 2 Feedback</a:t>
+            </a:r>
+          </a:p>
+        </p:txBody>
+      </p:sp>
+      <p:cxnSp>
+        <p:nvCxnSpPr>
+          <p:cNvPr id="33" name="Straight Connector 32">
+            <a:extLst>
+              <a:ext uri="{FF2B5EF4-FFF2-40B4-BE49-F238E27FC236}">
+                <a16:creationId xmlns:a16="http://schemas.microsoft.com/office/drawing/2014/main" id="{26E0F00E-37AF-A840-8DB8-AF5BA84587C1}"/>
+              </a:ext>
+            </a:extLst>
+          </p:cNvPr>
+          <p:cNvCxnSpPr>
+            <a:cxnSpLocks noChangeAspect="1"/>
+          </p:cNvCxnSpPr>
+          <p:nvPr/>
+        </p:nvCxnSpPr>
+        <p:spPr>
+          <a:xfrm>
+            <a:off x="4375005" y="2734235"/>
+            <a:ext cx="0" cy="2886636"/>
+          </a:xfrm>
+          <a:prstGeom prst="line">
+            <a:avLst/>
+          </a:prstGeom>
+        </p:spPr>
+        <p:style>
+          <a:lnRef idx="1">
+            <a:schemeClr val="accent1"/>
+          </a:lnRef>
+          <a:fillRef idx="0">
+            <a:schemeClr val="accent1"/>
+          </a:fillRef>
+          <a:effectRef idx="0">
+            <a:schemeClr val="accent1"/>
+          </a:effectRef>
+          <a:fontRef idx="minor">
+            <a:schemeClr val="tx1"/>
+          </a:fontRef>
+        </p:style>
+      </p:cxnSp>
+      <p:sp>
+        <p:nvSpPr>
+          <p:cNvPr id="66" name="TextBox 65">
+            <a:extLst>
+              <a:ext uri="{FF2B5EF4-FFF2-40B4-BE49-F238E27FC236}">
+                <a16:creationId xmlns:a16="http://schemas.microsoft.com/office/drawing/2014/main" id="{22CEA156-A358-5E44-B37C-0682E3CFC866}"/>
+              </a:ext>
+            </a:extLst>
+          </p:cNvPr>
+          <p:cNvSpPr txBox="1"/>
+          <p:nvPr/>
+        </p:nvSpPr>
+        <p:spPr>
+          <a:xfrm>
+            <a:off x="5193156" y="2862276"/>
+            <a:ext cx="1918730" cy="307777"/>
+          </a:xfrm>
+          <a:prstGeom prst="rect">
+            <a:avLst/>
+          </a:prstGeom>
+          <a:solidFill>
+            <a:schemeClr val="bg1"/>
+          </a:solidFill>
+          <a:ln>
+            <a:solidFill>
+              <a:schemeClr val="tx1"/>
+            </a:solidFill>
+          </a:ln>
+          <a:effectLst>
+            <a:outerShdw blurRad="50800" dist="38100" dir="2700000" algn="tl" rotWithShape="0">
+              <a:prstClr val="black">
+                <a:alpha val="40000"/>
+              </a:prstClr>
+            </a:outerShdw>
+          </a:effectLst>
+        </p:spPr>
+        <p:txBody>
+          <a:bodyPr wrap="none" rtlCol="0">
+            <a:spAutoFit/>
+          </a:bodyPr>
+          <a:lstStyle/>
+          <a:p>
+            <a:pPr marL="285750" indent="-285750">
+              <a:buFont typeface="Zapf Dingbats"/>
+              <a:buChar char="✍"/>
+            </a:pPr>
+            <a:r>
+              <a:rPr lang="en-US" sz="1400" dirty="0"/>
+              <a:t>Free Form Question</a:t>
+            </a:r>
+          </a:p>
+        </p:txBody>
+      </p:sp>
+      <p:sp>
+        <p:nvSpPr>
+          <p:cNvPr id="67" name="TextBox 66">
+            <a:extLst>
+              <a:ext uri="{FF2B5EF4-FFF2-40B4-BE49-F238E27FC236}">
+                <a16:creationId xmlns:a16="http://schemas.microsoft.com/office/drawing/2014/main" id="{844F8D8E-5E76-8046-94F8-412080CC8C74}"/>
+              </a:ext>
+            </a:extLst>
+          </p:cNvPr>
+          <p:cNvSpPr txBox="1"/>
+          <p:nvPr/>
+        </p:nvSpPr>
+        <p:spPr>
+          <a:xfrm>
+            <a:off x="4593861" y="2862276"/>
+            <a:ext cx="587790" cy="307777"/>
+          </a:xfrm>
+          <a:prstGeom prst="rect">
+            <a:avLst/>
+          </a:prstGeom>
+          <a:noFill/>
+        </p:spPr>
+        <p:txBody>
+          <a:bodyPr wrap="none" rtlCol="0">
+            <a:spAutoFit/>
+          </a:bodyPr>
+          <a:lstStyle/>
+          <a:p>
+            <a:r>
+              <a:rPr lang="en-US" sz="1400" b="1" dirty="0"/>
+              <a:t>Type:</a:t>
+            </a:r>
+          </a:p>
+        </p:txBody>
+      </p:sp>
+      <p:sp>
+        <p:nvSpPr>
+          <p:cNvPr id="68" name="TextBox 67">
+            <a:extLst>
+              <a:ext uri="{FF2B5EF4-FFF2-40B4-BE49-F238E27FC236}">
+                <a16:creationId xmlns:a16="http://schemas.microsoft.com/office/drawing/2014/main" id="{6841D578-8FDF-7F49-923A-3F9AADD3D776}"/>
+              </a:ext>
+            </a:extLst>
+          </p:cNvPr>
+          <p:cNvSpPr txBox="1"/>
+          <p:nvPr/>
+        </p:nvSpPr>
+        <p:spPr>
+          <a:xfrm>
+            <a:off x="4548497" y="3948405"/>
+            <a:ext cx="913648" cy="307777"/>
+          </a:xfrm>
+          <a:prstGeom prst="rect">
+            <a:avLst/>
+          </a:prstGeom>
+          <a:noFill/>
+        </p:spPr>
+        <p:txBody>
+          <a:bodyPr wrap="none" rtlCol="0">
+            <a:spAutoFit/>
+          </a:bodyPr>
+          <a:lstStyle/>
+          <a:p>
+            <a:r>
+              <a:rPr lang="en-US" sz="1400" b="1" dirty="0"/>
+              <a:t>Question:</a:t>
+            </a:r>
+          </a:p>
+        </p:txBody>
+      </p:sp>
+      <p:sp>
+        <p:nvSpPr>
+          <p:cNvPr id="70" name="Rectangle 69">
+            <a:extLst>
+              <a:ext uri="{FF2B5EF4-FFF2-40B4-BE49-F238E27FC236}">
+                <a16:creationId xmlns:a16="http://schemas.microsoft.com/office/drawing/2014/main" id="{8C453AA8-7ABE-1548-8D6D-FA192A89809A}"/>
+              </a:ext>
+            </a:extLst>
+          </p:cNvPr>
+          <p:cNvSpPr/>
+          <p:nvPr/>
+        </p:nvSpPr>
+        <p:spPr>
+          <a:xfrm>
+            <a:off x="5505628" y="3944481"/>
+            <a:ext cx="4509291" cy="333569"/>
+          </a:xfrm>
+          <a:prstGeom prst="rect">
+            <a:avLst/>
+          </a:prstGeom>
+          <a:ln w="19050"/>
+        </p:spPr>
+        <p:style>
+          <a:lnRef idx="2">
+            <a:schemeClr val="dk1"/>
+          </a:lnRef>
+          <a:fillRef idx="1">
+            <a:schemeClr val="lt1"/>
+          </a:fillRef>
+          <a:effectRef idx="0">
+            <a:schemeClr val="dk1"/>
+          </a:effectRef>
+          <a:fontRef idx="minor">
+            <a:schemeClr val="dk1"/>
+          </a:fontRef>
+        </p:style>
+        <p:txBody>
+          <a:bodyPr rtlCol="0" anchor="ctr"/>
+          <a:lstStyle/>
+          <a:p>
+            <a:r>
+              <a:rPr lang="en-US" dirty="0">
+                <a:solidFill>
+                  <a:schemeClr val="tx1"/>
+                </a:solidFill>
+              </a:rPr>
+              <a:t>What is the most important aspect of worship</a:t>
+            </a:r>
+            <a:endParaRPr lang="en-US" dirty="0">
+              <a:solidFill>
+                <a:srgbClr val="C00000"/>
+              </a:solidFill>
+            </a:endParaRPr>
+          </a:p>
+        </p:txBody>
+      </p:sp>
+      <p:sp>
+        <p:nvSpPr>
+          <p:cNvPr id="71" name="TextBox 70">
+            <a:extLst>
+              <a:ext uri="{FF2B5EF4-FFF2-40B4-BE49-F238E27FC236}">
+                <a16:creationId xmlns:a16="http://schemas.microsoft.com/office/drawing/2014/main" id="{80901B4D-2C95-2E42-8871-9B78A4C212D9}"/>
+              </a:ext>
+            </a:extLst>
+          </p:cNvPr>
+          <p:cNvSpPr txBox="1"/>
+          <p:nvPr/>
+        </p:nvSpPr>
+        <p:spPr>
+          <a:xfrm>
+            <a:off x="5065051" y="3298094"/>
+            <a:ext cx="4987647" cy="523220"/>
+          </a:xfrm>
+          <a:prstGeom prst="rect">
+            <a:avLst/>
+          </a:prstGeom>
+          <a:noFill/>
+        </p:spPr>
+        <p:txBody>
+          <a:bodyPr wrap="none" rtlCol="0">
+            <a:spAutoFit/>
+          </a:bodyPr>
+          <a:lstStyle/>
+          <a:p>
+            <a:r>
+              <a:rPr lang="en-US" sz="1400" dirty="0"/>
+              <a:t>Free Form Questions provide a text input box to allow participant</a:t>
+            </a:r>
+          </a:p>
+          <a:p>
+            <a:r>
+              <a:rPr lang="en-US" sz="1400" dirty="0"/>
+              <a:t>to answer the question however they see fit.</a:t>
+            </a:r>
+          </a:p>
+        </p:txBody>
+      </p:sp>
+      <p:grpSp>
+        <p:nvGrpSpPr>
+          <p:cNvPr id="77" name="Group 76">
+            <a:extLst>
+              <a:ext uri="{FF2B5EF4-FFF2-40B4-BE49-F238E27FC236}">
+                <a16:creationId xmlns:a16="http://schemas.microsoft.com/office/drawing/2014/main" id="{A3495646-102F-F346-952F-21070303DFA2}"/>
+              </a:ext>
+            </a:extLst>
+          </p:cNvPr>
+          <p:cNvGrpSpPr/>
+          <p:nvPr/>
+        </p:nvGrpSpPr>
+        <p:grpSpPr>
+          <a:xfrm>
+            <a:off x="1321242" y="4373676"/>
+            <a:ext cx="3004458" cy="237744"/>
+            <a:chOff x="1353786" y="3226387"/>
+            <a:chExt cx="3004458" cy="237744"/>
+          </a:xfrm>
+        </p:grpSpPr>
+        <p:sp>
+          <p:nvSpPr>
+            <p:cNvPr id="57" name="Rectangle 56">
+              <a:extLst>
+                <a:ext uri="{FF2B5EF4-FFF2-40B4-BE49-F238E27FC236}">
+                  <a16:creationId xmlns:a16="http://schemas.microsoft.com/office/drawing/2014/main" id="{D006829A-7331-054F-8301-571C92330759}"/>
+                </a:ext>
+              </a:extLst>
+            </p:cNvPr>
+            <p:cNvSpPr/>
+            <p:nvPr/>
+          </p:nvSpPr>
+          <p:spPr>
+            <a:xfrm>
+              <a:off x="1353786" y="3244318"/>
+              <a:ext cx="3004458" cy="201882"/>
+            </a:xfrm>
+            <a:prstGeom prst="rect">
+              <a:avLst/>
+            </a:prstGeom>
+          </p:spPr>
+          <p:style>
+            <a:lnRef idx="2">
+              <a:schemeClr val="accent1">
+                <a:shade val="50000"/>
+              </a:schemeClr>
+            </a:lnRef>
+            <a:fillRef idx="1">
+              <a:schemeClr val="accent1"/>
+            </a:fillRef>
+            <a:effectRef idx="0">
+              <a:schemeClr val="accent1"/>
+            </a:effectRef>
+            <a:fontRef idx="minor">
+              <a:schemeClr val="lt1"/>
+            </a:fontRef>
+          </p:style>
+          <p:txBody>
+            <a:bodyPr rtlCol="0" anchor="ctr"/>
+            <a:lstStyle/>
+            <a:p>
+              <a:pPr algn="ctr"/>
+              <a:endParaRPr lang="en-US"/>
+            </a:p>
+          </p:txBody>
+        </p:sp>
+        <p:grpSp>
+          <p:nvGrpSpPr>
+            <p:cNvPr id="76" name="Group 75">
+              <a:extLst>
+                <a:ext uri="{FF2B5EF4-FFF2-40B4-BE49-F238E27FC236}">
+                  <a16:creationId xmlns:a16="http://schemas.microsoft.com/office/drawing/2014/main" id="{D79B1B14-AA51-4A43-8B13-077CA8BD60EF}"/>
+                </a:ext>
+              </a:extLst>
+            </p:cNvPr>
+            <p:cNvGrpSpPr/>
+            <p:nvPr/>
+          </p:nvGrpSpPr>
+          <p:grpSpPr>
+            <a:xfrm>
+              <a:off x="3270307" y="3226387"/>
+              <a:ext cx="920049" cy="237744"/>
+              <a:chOff x="3270307" y="3226387"/>
+              <a:chExt cx="920049" cy="237744"/>
+            </a:xfrm>
+          </p:grpSpPr>
+          <p:pic>
+            <p:nvPicPr>
+              <p:cNvPr id="59" name="Picture 58">
+                <a:extLst>
+                  <a:ext uri="{FF2B5EF4-FFF2-40B4-BE49-F238E27FC236}">
+                    <a16:creationId xmlns:a16="http://schemas.microsoft.com/office/drawing/2014/main" id="{9793CD67-C00E-EB49-8695-CF5D2CBE2707}"/>
+                  </a:ext>
+                </a:extLst>
+              </p:cNvPr>
+              <p:cNvPicPr>
+                <a:picLocks noChangeAspect="1"/>
+              </p:cNvPicPr>
+              <p:nvPr/>
+            </p:nvPicPr>
+            <p:blipFill>
+              <a:blip r:embed="rId5"/>
+              <a:stretch>
+                <a:fillRect/>
+              </a:stretch>
+            </p:blipFill>
+            <p:spPr>
+              <a:xfrm>
+                <a:off x="4011178" y="3255670"/>
+                <a:ext cx="179178" cy="179178"/>
+              </a:xfrm>
+              <a:prstGeom prst="rect">
+                <a:avLst/>
+              </a:prstGeom>
+            </p:spPr>
+          </p:pic>
+          <p:pic>
+            <p:nvPicPr>
+              <p:cNvPr id="61" name="Picture 60">
+                <a:extLst>
+                  <a:ext uri="{FF2B5EF4-FFF2-40B4-BE49-F238E27FC236}">
+                    <a16:creationId xmlns:a16="http://schemas.microsoft.com/office/drawing/2014/main" id="{5841DC65-F946-3846-8D2C-3968E0FBCF54}"/>
+                  </a:ext>
+                </a:extLst>
+              </p:cNvPr>
+              <p:cNvPicPr>
+                <a:picLocks noChangeAspect="1"/>
+              </p:cNvPicPr>
+              <p:nvPr/>
+            </p:nvPicPr>
+            <p:blipFill>
+              <a:blip r:embed="rId6"/>
+              <a:stretch>
+                <a:fillRect/>
+              </a:stretch>
+            </p:blipFill>
+            <p:spPr>
+              <a:xfrm>
+                <a:off x="3848821" y="3253819"/>
+                <a:ext cx="182880" cy="182880"/>
+              </a:xfrm>
+              <a:prstGeom prst="rect">
+                <a:avLst/>
+              </a:prstGeom>
+            </p:spPr>
+          </p:pic>
+          <p:pic>
+            <p:nvPicPr>
+              <p:cNvPr id="63" name="Picture 62">
+                <a:extLst>
+                  <a:ext uri="{FF2B5EF4-FFF2-40B4-BE49-F238E27FC236}">
+                    <a16:creationId xmlns:a16="http://schemas.microsoft.com/office/drawing/2014/main" id="{5D8CE0E5-3DA6-1B4C-9B4C-D9E6D65E56B8}"/>
+                  </a:ext>
+                </a:extLst>
+              </p:cNvPr>
+              <p:cNvPicPr>
+                <a:picLocks noChangeAspect="1"/>
+              </p:cNvPicPr>
+              <p:nvPr/>
+            </p:nvPicPr>
+            <p:blipFill>
+              <a:blip r:embed="rId7"/>
+              <a:stretch>
+                <a:fillRect/>
+              </a:stretch>
+            </p:blipFill>
+            <p:spPr>
+              <a:xfrm>
+                <a:off x="3469241" y="3226387"/>
+                <a:ext cx="237744" cy="237744"/>
+              </a:xfrm>
+              <a:prstGeom prst="rect">
+                <a:avLst/>
+              </a:prstGeom>
+            </p:spPr>
+          </p:pic>
+          <p:pic>
+            <p:nvPicPr>
+              <p:cNvPr id="65" name="Picture 64">
+                <a:extLst>
+                  <a:ext uri="{FF2B5EF4-FFF2-40B4-BE49-F238E27FC236}">
+                    <a16:creationId xmlns:a16="http://schemas.microsoft.com/office/drawing/2014/main" id="{451C5076-A17F-7A47-8B97-0DB4B44E2BA7}"/>
+                  </a:ext>
+                </a:extLst>
+              </p:cNvPr>
+              <p:cNvPicPr>
+                <a:picLocks noChangeAspect="1"/>
+              </p:cNvPicPr>
+              <p:nvPr/>
+            </p:nvPicPr>
+            <p:blipFill>
+              <a:blip r:embed="rId8"/>
+              <a:stretch>
+                <a:fillRect/>
+              </a:stretch>
+            </p:blipFill>
+            <p:spPr>
+              <a:xfrm>
+                <a:off x="3270307" y="3235531"/>
+                <a:ext cx="219456" cy="219456"/>
+              </a:xfrm>
+              <a:prstGeom prst="rect">
+                <a:avLst/>
+              </a:prstGeom>
+            </p:spPr>
+          </p:pic>
+          <p:pic>
+            <p:nvPicPr>
+              <p:cNvPr id="74" name="Picture 73">
+                <a:extLst>
+                  <a:ext uri="{FF2B5EF4-FFF2-40B4-BE49-F238E27FC236}">
+                    <a16:creationId xmlns:a16="http://schemas.microsoft.com/office/drawing/2014/main" id="{5EE5E666-1CD5-3648-8BB3-E2887FB270A7}"/>
+                  </a:ext>
+                </a:extLst>
+              </p:cNvPr>
+              <p:cNvPicPr>
+                <a:picLocks noChangeAspect="1"/>
+              </p:cNvPicPr>
+              <p:nvPr/>
+            </p:nvPicPr>
+            <p:blipFill>
+              <a:blip r:embed="rId9"/>
+              <a:stretch>
+                <a:fillRect/>
+              </a:stretch>
+            </p:blipFill>
+            <p:spPr>
+              <a:xfrm>
+                <a:off x="3686463" y="3253819"/>
+                <a:ext cx="182880" cy="182880"/>
+              </a:xfrm>
+              <a:prstGeom prst="rect">
+                <a:avLst/>
+              </a:prstGeom>
+            </p:spPr>
+          </p:pic>
+        </p:grpSp>
+      </p:grpSp>
+      <p:sp>
+        <p:nvSpPr>
+          <p:cNvPr id="13" name="TextBox 12">
+            <a:extLst>
+              <a:ext uri="{FF2B5EF4-FFF2-40B4-BE49-F238E27FC236}">
+                <a16:creationId xmlns:a16="http://schemas.microsoft.com/office/drawing/2014/main" id="{4BCC820E-A212-2747-BBD8-748984A80E8D}"/>
+              </a:ext>
+            </a:extLst>
+          </p:cNvPr>
+          <p:cNvSpPr txBox="1"/>
+          <p:nvPr/>
+        </p:nvSpPr>
+        <p:spPr>
+          <a:xfrm>
+            <a:off x="959154" y="2862276"/>
+            <a:ext cx="3177783" cy="3985706"/>
+          </a:xfrm>
+          <a:prstGeom prst="rect">
+            <a:avLst/>
+          </a:prstGeom>
+          <a:noFill/>
+        </p:spPr>
+        <p:txBody>
+          <a:bodyPr wrap="square" rtlCol="0">
+            <a:spAutoFit/>
+          </a:bodyPr>
+          <a:lstStyle/>
+          <a:p>
+            <a:pPr marL="285750" indent="-285750">
+              <a:buFont typeface="Wingdings" pitchFamily="2" charset="2"/>
+              <a:buChar char="Ø"/>
+            </a:pPr>
+            <a:r>
+              <a:rPr lang="en-US" sz="1100" b="1" dirty="0"/>
+              <a:t>Prologue</a:t>
+            </a:r>
+          </a:p>
+          <a:p>
+            <a:pPr marL="742950" lvl="1" indent="-285750">
+              <a:buFont typeface=".Hiragino Kaku Gothic Interface W3"/>
+              <a:buChar char="☞"/>
+            </a:pPr>
+            <a:r>
+              <a:rPr lang="en-US" sz="1100" dirty="0"/>
+              <a:t>Welcome Text</a:t>
+            </a:r>
+          </a:p>
+          <a:p>
+            <a:pPr marL="742950" lvl="1" indent="-285750">
+              <a:buFont typeface="System Font Regular"/>
+              <a:buChar char="✓"/>
+            </a:pPr>
+            <a:r>
+              <a:rPr lang="en-US" sz="1100" dirty="0"/>
+              <a:t>I find congregational….</a:t>
+            </a:r>
+          </a:p>
+          <a:p>
+            <a:pPr marL="742950" lvl="1" indent="-285750">
+              <a:buFont typeface="System Font Regular"/>
+              <a:buChar char="✓"/>
+            </a:pPr>
+            <a:r>
+              <a:rPr lang="en-US" sz="1100" dirty="0"/>
+              <a:t>Yes/No Question</a:t>
+            </a:r>
+          </a:p>
+          <a:p>
+            <a:pPr marL="285750" indent="-285750">
+              <a:buFont typeface="Wingdings" pitchFamily="2" charset="2"/>
+              <a:buChar char="Ø"/>
+            </a:pPr>
+            <a:r>
+              <a:rPr lang="en-US" sz="1100" b="1" dirty="0"/>
+              <a:t>Section 1</a:t>
+            </a:r>
+          </a:p>
+          <a:p>
+            <a:pPr marL="742950" lvl="1" indent="-285750">
+              <a:buFont typeface=".Hiragino Kaku Gothic Interface W3"/>
+              <a:buChar char="☞"/>
+            </a:pPr>
+            <a:r>
+              <a:rPr lang="en-US" sz="1100" dirty="0"/>
+              <a:t>Info Text</a:t>
+            </a:r>
+          </a:p>
+          <a:p>
+            <a:pPr marL="742950" lvl="1" indent="-285750">
+              <a:buFont typeface=".Hiragino Kaku Gothic Interface W3"/>
+              <a:buChar char="◉"/>
+            </a:pPr>
+            <a:r>
+              <a:rPr lang="en-US" sz="1100" dirty="0"/>
+              <a:t>Multi-Choice Question</a:t>
+            </a:r>
+          </a:p>
+          <a:p>
+            <a:pPr marL="742950" lvl="1" indent="-285750">
+              <a:buFont typeface=".Hiragino Kaku Gothic Interface W3"/>
+              <a:buChar char="◉"/>
+            </a:pPr>
+            <a:r>
+              <a:rPr lang="en-US" sz="1100" dirty="0"/>
+              <a:t>Multi-Choice Question</a:t>
+            </a:r>
+          </a:p>
+          <a:p>
+            <a:pPr marL="742950" lvl="1" indent="-285750">
+              <a:buFont typeface="System Font Regular"/>
+              <a:buChar char="☑"/>
+            </a:pPr>
+            <a:r>
+              <a:rPr lang="en-US" sz="1100" dirty="0"/>
+              <a:t>Multi-Select Question</a:t>
+            </a:r>
+          </a:p>
+          <a:p>
+            <a:pPr marL="742950" lvl="1" indent="-285750">
+              <a:buFont typeface="Zapf Dingbats"/>
+              <a:buChar char="✍"/>
+            </a:pPr>
+            <a:r>
+              <a:rPr lang="en-US" sz="1100" dirty="0">
+                <a:solidFill>
+                  <a:schemeClr val="bg1"/>
+                </a:solidFill>
+              </a:rPr>
+              <a:t>What is the most </a:t>
+            </a:r>
+            <a:r>
+              <a:rPr lang="en-US" sz="1100" dirty="0" err="1">
+                <a:solidFill>
+                  <a:schemeClr val="bg1"/>
+                </a:solidFill>
+              </a:rPr>
+              <a:t>impor</a:t>
+            </a:r>
+            <a:r>
+              <a:rPr lang="en-US" sz="1100" dirty="0">
+                <a:solidFill>
+                  <a:schemeClr val="bg1"/>
+                </a:solidFill>
+              </a:rPr>
+              <a:t>….</a:t>
+            </a:r>
+          </a:p>
+          <a:p>
+            <a:pPr marL="742950" lvl="1" indent="-285750">
+              <a:buFont typeface="Zapf Dingbats"/>
+              <a:buChar char="✍"/>
+            </a:pPr>
+            <a:r>
+              <a:rPr lang="en-US" sz="1100" dirty="0"/>
+              <a:t>Section 2 Feedback</a:t>
+            </a:r>
+          </a:p>
+          <a:p>
+            <a:pPr marL="285750" indent="-285750">
+              <a:buFont typeface="Wingdings" pitchFamily="2" charset="2"/>
+              <a:buChar char="Ø"/>
+            </a:pPr>
+            <a:r>
+              <a:rPr lang="en-US" sz="1100" b="1" dirty="0"/>
+              <a:t>Section 2</a:t>
+            </a:r>
+          </a:p>
+          <a:p>
+            <a:pPr marL="742950" lvl="1" indent="-285750">
+              <a:buFont typeface=".Hiragino Kaku Gothic Interface W3"/>
+              <a:buChar char="☞"/>
+            </a:pPr>
+            <a:r>
+              <a:rPr lang="en-US" sz="1100" dirty="0"/>
+              <a:t>Info Text</a:t>
+            </a:r>
+          </a:p>
+          <a:p>
+            <a:pPr marL="742950" lvl="1" indent="-285750">
+              <a:buFont typeface=".Hiragino Kaku Gothic Interface W3"/>
+              <a:buChar char="◉"/>
+            </a:pPr>
+            <a:r>
+              <a:rPr lang="en-US" sz="1100" dirty="0"/>
+              <a:t>Multi-Choice Question</a:t>
+            </a:r>
+          </a:p>
+          <a:p>
+            <a:pPr marL="742950" lvl="1" indent="-285750">
+              <a:buFont typeface=".Hiragino Kaku Gothic Interface W3"/>
+              <a:buChar char="◉"/>
+            </a:pPr>
+            <a:r>
+              <a:rPr lang="en-US" sz="1100" dirty="0"/>
+              <a:t>Multi-Choice Question</a:t>
+            </a:r>
+          </a:p>
+          <a:p>
+            <a:pPr marL="742950" lvl="1" indent="-285750">
+              <a:buFont typeface="System Font Regular"/>
+              <a:buChar char="☑"/>
+            </a:pPr>
+            <a:r>
+              <a:rPr lang="en-US" sz="1100" dirty="0"/>
+              <a:t>Multi-Select Question</a:t>
+            </a:r>
+          </a:p>
+          <a:p>
+            <a:pPr marL="742950" lvl="1" indent="-285750">
+              <a:buFont typeface="Zapf Dingbats"/>
+              <a:buChar char="✍"/>
+            </a:pPr>
+            <a:r>
+              <a:rPr lang="en-US" sz="1100" dirty="0"/>
+              <a:t>Free Form Question</a:t>
+            </a:r>
+          </a:p>
+          <a:p>
+            <a:pPr marL="742950" lvl="1" indent="-285750">
+              <a:buFont typeface="Zapf Dingbats"/>
+              <a:buChar char="✍"/>
+            </a:pPr>
+            <a:r>
+              <a:rPr lang="en-US" sz="1100" dirty="0"/>
+              <a:t>Section 2 Feedback</a:t>
+            </a:r>
+          </a:p>
+          <a:p>
+            <a:pPr marL="285750" indent="-285750">
+              <a:buFont typeface="Wingdings" pitchFamily="2" charset="2"/>
+              <a:buChar char="Ø"/>
+            </a:pPr>
+            <a:r>
+              <a:rPr lang="en-US" sz="1100" b="1" dirty="0"/>
+              <a:t>Section 3</a:t>
+            </a:r>
+          </a:p>
+          <a:p>
+            <a:pPr marL="742950" lvl="1" indent="-285750">
+              <a:buFont typeface=".Hiragino Kaku Gothic Interface W3"/>
+              <a:buChar char="☞"/>
+            </a:pPr>
+            <a:r>
+              <a:rPr lang="en-US" sz="1100" dirty="0"/>
+              <a:t>Info Text</a:t>
+            </a:r>
+          </a:p>
+          <a:p>
+            <a:pPr marL="742950" lvl="1" indent="-285750">
+              <a:buFont typeface="Zapf Dingbats"/>
+              <a:buChar char="✍"/>
+            </a:pPr>
+            <a:r>
+              <a:rPr lang="en-US" sz="1100" dirty="0"/>
+              <a:t>Free Form Question</a:t>
+            </a:r>
+          </a:p>
+          <a:p>
+            <a:pPr marL="742950" lvl="1" indent="-285750">
+              <a:buFont typeface="Zapf Dingbats"/>
+              <a:buChar char="✍"/>
+            </a:pPr>
+            <a:r>
+              <a:rPr lang="en-US" sz="1100" dirty="0"/>
+              <a:t>Free Form Question</a:t>
+            </a:r>
+          </a:p>
+          <a:p>
+            <a:pPr marL="742950" lvl="1" indent="-285750">
+              <a:buFont typeface="Zapf Dingbats"/>
+              <a:buChar char="✍"/>
+            </a:pPr>
+            <a:r>
+              <a:rPr lang="en-US" sz="1100" dirty="0"/>
+              <a:t>Free Form Question</a:t>
+            </a:r>
+          </a:p>
+        </p:txBody>
+      </p:sp>
+      <p:cxnSp>
+        <p:nvCxnSpPr>
+          <p:cNvPr id="22" name="Straight Connector 21">
+            <a:extLst>
+              <a:ext uri="{FF2B5EF4-FFF2-40B4-BE49-F238E27FC236}">
+                <a16:creationId xmlns:a16="http://schemas.microsoft.com/office/drawing/2014/main" id="{D975968D-4E2B-D142-93DB-6549CC6CDA4C}"/>
+              </a:ext>
+            </a:extLst>
+          </p:cNvPr>
+          <p:cNvCxnSpPr/>
+          <p:nvPr/>
+        </p:nvCxnSpPr>
+        <p:spPr>
+          <a:xfrm>
+            <a:off x="11142432" y="2617051"/>
+            <a:ext cx="0" cy="3065931"/>
+          </a:xfrm>
+          <a:prstGeom prst="line">
+            <a:avLst/>
+          </a:prstGeom>
+          <a:ln>
+            <a:solidFill>
+              <a:schemeClr val="tx1"/>
+            </a:solidFill>
+          </a:ln>
+        </p:spPr>
+        <p:style>
+          <a:lnRef idx="1">
+            <a:schemeClr val="accent1"/>
+          </a:lnRef>
+          <a:fillRef idx="0">
+            <a:schemeClr val="accent1"/>
+          </a:fillRef>
+          <a:effectRef idx="0">
+            <a:schemeClr val="accent1"/>
+          </a:effectRef>
+          <a:fontRef idx="minor">
+            <a:schemeClr val="tx1"/>
+          </a:fontRef>
+        </p:style>
+      </p:cxnSp>
+    </p:spTree>
+    <p:extLst>
+      <p:ext uri="{BB962C8B-B14F-4D97-AF65-F5344CB8AC3E}">
+        <p14:creationId xmlns:p14="http://schemas.microsoft.com/office/powerpoint/2010/main" val="2257364698"/>
+      </p:ext>
+    </p:extLst>
+  </p:cSld>
+  <p:clrMapOvr>
+    <a:masterClrMapping/>
+  </p:clrMapOvr>
+</p:sld>
+</file>
+
+<file path=ppt/slides/slide7.xml><?xml version="1.0" encoding="utf-8"?>
+<p:sld xmlns:a="http://schemas.openxmlformats.org/drawingml/2006/main" xmlns:r="http://schemas.openxmlformats.org/officeDocument/2006/relationships" xmlns:p="http://schemas.openxmlformats.org/presentationml/2006/main">
+  <p:cSld>
+    <p:spTree>
+      <p:nvGrpSpPr>
+        <p:cNvPr id="1" name=""/>
+        <p:cNvGrpSpPr/>
+        <p:nvPr/>
+      </p:nvGrpSpPr>
+      <p:grpSpPr>
+        <a:xfrm>
+          <a:off x="0" y="0"/>
+          <a:ext cx="0" cy="0"/>
+          <a:chOff x="0" y="0"/>
+          <a:chExt cx="0" cy="0"/>
+        </a:xfrm>
+      </p:grpSpPr>
+      <p:pic>
+        <p:nvPicPr>
+          <p:cNvPr id="4" name="Picture 3">
+            <a:extLst>
+              <a:ext uri="{FF2B5EF4-FFF2-40B4-BE49-F238E27FC236}">
+                <a16:creationId xmlns:a16="http://schemas.microsoft.com/office/drawing/2014/main" id="{4D95B393-CB72-D340-8185-45F0E7B6961A}"/>
+              </a:ext>
+            </a:extLst>
+          </p:cNvPr>
+          <p:cNvPicPr>
+            <a:picLocks noChangeAspect="1"/>
+          </p:cNvPicPr>
+          <p:nvPr/>
+        </p:nvPicPr>
+        <p:blipFill>
+          <a:blip r:embed="rId3"/>
+          <a:stretch>
+            <a:fillRect/>
+          </a:stretch>
+        </p:blipFill>
+        <p:spPr>
+          <a:xfrm>
+            <a:off x="242047" y="194405"/>
+            <a:ext cx="11492753" cy="2464425"/>
+          </a:xfrm>
+          <a:prstGeom prst="rect">
+            <a:avLst/>
+          </a:prstGeom>
+        </p:spPr>
+      </p:pic>
+      <p:pic>
+        <p:nvPicPr>
+          <p:cNvPr id="5" name="Picture 4">
+            <a:extLst>
+              <a:ext uri="{FF2B5EF4-FFF2-40B4-BE49-F238E27FC236}">
+                <a16:creationId xmlns:a16="http://schemas.microsoft.com/office/drawing/2014/main" id="{878E8C87-B48D-FD4F-8E83-F2CC56F5FA03}"/>
+              </a:ext>
+            </a:extLst>
+          </p:cNvPr>
+          <p:cNvPicPr>
+            <a:picLocks noChangeAspect="1"/>
+          </p:cNvPicPr>
+          <p:nvPr/>
+        </p:nvPicPr>
+        <p:blipFill>
+          <a:blip r:embed="rId4"/>
+          <a:stretch>
+            <a:fillRect/>
+          </a:stretch>
+        </p:blipFill>
+        <p:spPr>
+          <a:xfrm>
+            <a:off x="242047" y="5724760"/>
+            <a:ext cx="11497031" cy="505711"/>
+          </a:xfrm>
+          <a:prstGeom prst="rect">
+            <a:avLst/>
+          </a:prstGeom>
+        </p:spPr>
+      </p:pic>
+      <p:sp>
+        <p:nvSpPr>
+          <p:cNvPr id="6" name="Rectangle 5">
+            <a:extLst>
+              <a:ext uri="{FF2B5EF4-FFF2-40B4-BE49-F238E27FC236}">
+                <a16:creationId xmlns:a16="http://schemas.microsoft.com/office/drawing/2014/main" id="{109E19EA-02A0-D244-8749-962ABAC73E31}"/>
+              </a:ext>
+            </a:extLst>
+          </p:cNvPr>
+          <p:cNvSpPr/>
+          <p:nvPr/>
+        </p:nvSpPr>
+        <p:spPr>
+          <a:xfrm>
+            <a:off x="242047" y="2658830"/>
+            <a:ext cx="11492753" cy="3069617"/>
+          </a:xfrm>
+          <a:prstGeom prst="rect">
+            <a:avLst/>
+          </a:prstGeom>
+          <a:solidFill>
+            <a:srgbClr val="EEEEF0"/>
+          </a:solidFill>
+          <a:ln>
+            <a:noFill/>
+          </a:ln>
+        </p:spPr>
+        <p:style>
+          <a:lnRef idx="2">
+            <a:schemeClr val="accent1">
+              <a:shade val="50000"/>
+            </a:schemeClr>
+          </a:lnRef>
+          <a:fillRef idx="1">
+            <a:schemeClr val="accent1"/>
+          </a:fillRef>
+          <a:effectRef idx="0">
+            <a:schemeClr val="accent1"/>
+          </a:effectRef>
+          <a:fontRef idx="minor">
+            <a:schemeClr val="lt1"/>
+          </a:fontRef>
+        </p:style>
+        <p:txBody>
+          <a:bodyPr rtlCol="0" anchor="ctr"/>
+          <a:lstStyle/>
+          <a:p>
+            <a:pPr algn="ctr"/>
+            <a:endParaRPr lang="en-US"/>
+          </a:p>
+        </p:txBody>
+      </p:sp>
+      <p:cxnSp>
+        <p:nvCxnSpPr>
+          <p:cNvPr id="8" name="Straight Connector 7">
+            <a:extLst>
+              <a:ext uri="{FF2B5EF4-FFF2-40B4-BE49-F238E27FC236}">
+                <a16:creationId xmlns:a16="http://schemas.microsoft.com/office/drawing/2014/main" id="{9BEF1083-1C9A-F440-9EAB-EEC8452C5F89}"/>
+              </a:ext>
+            </a:extLst>
+          </p:cNvPr>
+          <p:cNvCxnSpPr/>
+          <p:nvPr/>
+        </p:nvCxnSpPr>
+        <p:spPr>
+          <a:xfrm>
+            <a:off x="824753" y="2658830"/>
+            <a:ext cx="0" cy="3065931"/>
+          </a:xfrm>
+          <a:prstGeom prst="line">
+            <a:avLst/>
+          </a:prstGeom>
+          <a:ln>
+            <a:solidFill>
+              <a:schemeClr val="tx1"/>
+            </a:solidFill>
+          </a:ln>
+        </p:spPr>
+        <p:style>
+          <a:lnRef idx="1">
+            <a:schemeClr val="accent1"/>
+          </a:lnRef>
+          <a:fillRef idx="0">
+            <a:schemeClr val="accent1"/>
+          </a:fillRef>
+          <a:effectRef idx="0">
+            <a:schemeClr val="accent1"/>
+          </a:effectRef>
+          <a:fontRef idx="minor">
+            <a:schemeClr val="tx1"/>
+          </a:fontRef>
+        </p:style>
+      </p:cxnSp>
+      <p:sp>
+        <p:nvSpPr>
+          <p:cNvPr id="10" name="Rectangle 9">
+            <a:extLst>
+              <a:ext uri="{FF2B5EF4-FFF2-40B4-BE49-F238E27FC236}">
+                <a16:creationId xmlns:a16="http://schemas.microsoft.com/office/drawing/2014/main" id="{DF381FB2-95B7-B142-AE40-4D814EED560B}"/>
+              </a:ext>
+            </a:extLst>
+          </p:cNvPr>
+          <p:cNvSpPr/>
+          <p:nvPr/>
+        </p:nvSpPr>
+        <p:spPr>
+          <a:xfrm>
+            <a:off x="923365" y="2734235"/>
+            <a:ext cx="10130117" cy="2886636"/>
+          </a:xfrm>
+          <a:prstGeom prst="rect">
+            <a:avLst/>
+          </a:prstGeom>
+          <a:solidFill>
+            <a:schemeClr val="bg1"/>
+          </a:solidFill>
+        </p:spPr>
+        <p:style>
+          <a:lnRef idx="2">
+            <a:schemeClr val="accent1">
+              <a:shade val="50000"/>
+            </a:schemeClr>
+          </a:lnRef>
+          <a:fillRef idx="1">
+            <a:schemeClr val="accent1"/>
+          </a:fillRef>
+          <a:effectRef idx="0">
+            <a:schemeClr val="accent1"/>
+          </a:effectRef>
+          <a:fontRef idx="minor">
+            <a:schemeClr val="lt1"/>
+          </a:fontRef>
+        </p:style>
+        <p:txBody>
+          <a:bodyPr rtlCol="0" anchor="ctr"/>
+          <a:lstStyle/>
+          <a:p>
+            <a:pPr marL="742950" lvl="1" indent="-285750">
+              <a:buFont typeface="Arial" panose="020B0604020202020204" pitchFamily="34" charset="0"/>
+              <a:buChar char="•"/>
+            </a:pPr>
+            <a:r>
+              <a:rPr lang="en-US" sz="1200" dirty="0"/>
+              <a:t>Info Text</a:t>
+            </a:r>
+          </a:p>
+          <a:p>
+            <a:pPr marL="742950" lvl="1" indent="-285750">
+              <a:buFont typeface="Arial" panose="020B0604020202020204" pitchFamily="34" charset="0"/>
+              <a:buChar char="•"/>
+            </a:pPr>
+            <a:r>
+              <a:rPr lang="en-US" sz="1200" dirty="0"/>
+              <a:t>Multi-Choice Question</a:t>
+            </a:r>
+          </a:p>
+          <a:p>
+            <a:pPr marL="742950" lvl="1" indent="-285750">
+              <a:buFont typeface="Arial" panose="020B0604020202020204" pitchFamily="34" charset="0"/>
+              <a:buChar char="•"/>
+            </a:pPr>
+            <a:r>
+              <a:rPr lang="en-US" sz="1200" dirty="0"/>
+              <a:t>Multi-Choice Question</a:t>
+            </a:r>
+          </a:p>
+          <a:p>
+            <a:pPr marL="742950" lvl="1" indent="-285750">
+              <a:buFont typeface="Arial" panose="020B0604020202020204" pitchFamily="34" charset="0"/>
+              <a:buChar char="•"/>
+            </a:pPr>
+            <a:r>
+              <a:rPr lang="en-US" sz="1200" dirty="0"/>
+              <a:t>Multi-Select Question</a:t>
+            </a:r>
+          </a:p>
+          <a:p>
+            <a:pPr marL="742950" lvl="1" indent="-285750">
+              <a:buFont typeface="Arial" panose="020B0604020202020204" pitchFamily="34" charset="0"/>
+              <a:buChar char="•"/>
+            </a:pPr>
+            <a:r>
+              <a:rPr lang="en-US" sz="1200" dirty="0"/>
+              <a:t>Free Form Question</a:t>
+            </a:r>
+          </a:p>
+          <a:p>
+            <a:pPr marL="742950" lvl="1" indent="-285750">
+              <a:buFont typeface="Arial" panose="020B0604020202020204" pitchFamily="34" charset="0"/>
+              <a:buChar char="•"/>
+            </a:pPr>
+            <a:r>
+              <a:rPr lang="en-US" sz="1200" dirty="0"/>
+              <a:t>Section 2 Feedback</a:t>
+            </a:r>
+          </a:p>
+        </p:txBody>
+      </p:sp>
+      <p:cxnSp>
+        <p:nvCxnSpPr>
+          <p:cNvPr id="33" name="Straight Connector 32">
+            <a:extLst>
+              <a:ext uri="{FF2B5EF4-FFF2-40B4-BE49-F238E27FC236}">
+                <a16:creationId xmlns:a16="http://schemas.microsoft.com/office/drawing/2014/main" id="{26E0F00E-37AF-A840-8DB8-AF5BA84587C1}"/>
+              </a:ext>
+            </a:extLst>
+          </p:cNvPr>
+          <p:cNvCxnSpPr>
+            <a:cxnSpLocks noChangeAspect="1"/>
+          </p:cNvCxnSpPr>
+          <p:nvPr/>
+        </p:nvCxnSpPr>
+        <p:spPr>
+          <a:xfrm>
+            <a:off x="4375005" y="2734235"/>
+            <a:ext cx="0" cy="2886636"/>
+          </a:xfrm>
+          <a:prstGeom prst="line">
+            <a:avLst/>
+          </a:prstGeom>
+        </p:spPr>
+        <p:style>
+          <a:lnRef idx="1">
+            <a:schemeClr val="accent1"/>
+          </a:lnRef>
+          <a:fillRef idx="0">
+            <a:schemeClr val="accent1"/>
+          </a:fillRef>
+          <a:effectRef idx="0">
+            <a:schemeClr val="accent1"/>
+          </a:effectRef>
+          <a:fontRef idx="minor">
+            <a:schemeClr val="tx1"/>
+          </a:fontRef>
+        </p:style>
+      </p:cxnSp>
+      <p:sp>
+        <p:nvSpPr>
+          <p:cNvPr id="67" name="TextBox 66">
+            <a:extLst>
+              <a:ext uri="{FF2B5EF4-FFF2-40B4-BE49-F238E27FC236}">
+                <a16:creationId xmlns:a16="http://schemas.microsoft.com/office/drawing/2014/main" id="{844F8D8E-5E76-8046-94F8-412080CC8C74}"/>
+              </a:ext>
+            </a:extLst>
+          </p:cNvPr>
+          <p:cNvSpPr txBox="1"/>
+          <p:nvPr/>
+        </p:nvSpPr>
+        <p:spPr>
+          <a:xfrm>
+            <a:off x="4473617" y="2791523"/>
+            <a:ext cx="1586716" cy="369332"/>
+          </a:xfrm>
+          <a:prstGeom prst="rect">
+            <a:avLst/>
+          </a:prstGeom>
+          <a:noFill/>
+        </p:spPr>
+        <p:txBody>
+          <a:bodyPr wrap="none" rtlCol="0">
+            <a:spAutoFit/>
+          </a:bodyPr>
+          <a:lstStyle/>
+          <a:p>
+            <a:r>
+              <a:rPr lang="en-US" b="1" dirty="0"/>
+              <a:t>Survey Section</a:t>
+            </a:r>
+          </a:p>
+        </p:txBody>
+      </p:sp>
+      <p:sp>
+        <p:nvSpPr>
+          <p:cNvPr id="68" name="TextBox 67">
+            <a:extLst>
+              <a:ext uri="{FF2B5EF4-FFF2-40B4-BE49-F238E27FC236}">
+                <a16:creationId xmlns:a16="http://schemas.microsoft.com/office/drawing/2014/main" id="{6841D578-8FDF-7F49-923A-3F9AADD3D776}"/>
+              </a:ext>
+            </a:extLst>
+          </p:cNvPr>
+          <p:cNvSpPr txBox="1"/>
+          <p:nvPr/>
+        </p:nvSpPr>
+        <p:spPr>
+          <a:xfrm>
+            <a:off x="4593861" y="3614276"/>
+            <a:ext cx="628698" cy="307777"/>
+          </a:xfrm>
+          <a:prstGeom prst="rect">
+            <a:avLst/>
+          </a:prstGeom>
+          <a:noFill/>
+        </p:spPr>
+        <p:txBody>
+          <a:bodyPr wrap="none" rtlCol="0">
+            <a:spAutoFit/>
+          </a:bodyPr>
+          <a:lstStyle/>
+          <a:p>
+            <a:r>
+              <a:rPr lang="en-US" sz="1400" b="1" dirty="0"/>
+              <a:t>Label:</a:t>
+            </a:r>
+          </a:p>
+        </p:txBody>
+      </p:sp>
+      <p:sp>
+        <p:nvSpPr>
+          <p:cNvPr id="70" name="Rectangle 69">
+            <a:extLst>
+              <a:ext uri="{FF2B5EF4-FFF2-40B4-BE49-F238E27FC236}">
+                <a16:creationId xmlns:a16="http://schemas.microsoft.com/office/drawing/2014/main" id="{8C453AA8-7ABE-1548-8D6D-FA192A89809A}"/>
+              </a:ext>
+            </a:extLst>
+          </p:cNvPr>
+          <p:cNvSpPr/>
+          <p:nvPr/>
+        </p:nvSpPr>
+        <p:spPr>
+          <a:xfrm>
+            <a:off x="5238406" y="3588484"/>
+            <a:ext cx="4509291" cy="333569"/>
+          </a:xfrm>
+          <a:prstGeom prst="rect">
+            <a:avLst/>
+          </a:prstGeom>
+          <a:ln w="19050"/>
+        </p:spPr>
+        <p:style>
+          <a:lnRef idx="2">
+            <a:schemeClr val="dk1"/>
+          </a:lnRef>
+          <a:fillRef idx="1">
+            <a:schemeClr val="lt1"/>
+          </a:fillRef>
+          <a:effectRef idx="0">
+            <a:schemeClr val="dk1"/>
+          </a:effectRef>
+          <a:fontRef idx="minor">
+            <a:schemeClr val="dk1"/>
+          </a:fontRef>
+        </p:style>
+        <p:txBody>
+          <a:bodyPr rtlCol="0" anchor="ctr"/>
+          <a:lstStyle/>
+          <a:p>
+            <a:r>
+              <a:rPr lang="en-US" dirty="0">
+                <a:solidFill>
+                  <a:schemeClr val="tx1"/>
+                </a:solidFill>
+              </a:rPr>
+              <a:t>Worship</a:t>
+            </a:r>
+            <a:endParaRPr lang="en-US" dirty="0">
+              <a:solidFill>
+                <a:srgbClr val="C00000"/>
+              </a:solidFill>
+            </a:endParaRPr>
+          </a:p>
+        </p:txBody>
+      </p:sp>
+      <p:sp>
+        <p:nvSpPr>
+          <p:cNvPr id="71" name="TextBox 70">
+            <a:extLst>
+              <a:ext uri="{FF2B5EF4-FFF2-40B4-BE49-F238E27FC236}">
+                <a16:creationId xmlns:a16="http://schemas.microsoft.com/office/drawing/2014/main" id="{80901B4D-2C95-2E42-8871-9B78A4C212D9}"/>
+              </a:ext>
+            </a:extLst>
+          </p:cNvPr>
+          <p:cNvSpPr txBox="1"/>
+          <p:nvPr/>
+        </p:nvSpPr>
+        <p:spPr>
+          <a:xfrm>
+            <a:off x="5058941" y="3155356"/>
+            <a:ext cx="3951595" cy="307777"/>
+          </a:xfrm>
+          <a:prstGeom prst="rect">
+            <a:avLst/>
+          </a:prstGeom>
+          <a:noFill/>
+        </p:spPr>
+        <p:txBody>
+          <a:bodyPr wrap="none" rtlCol="0">
+            <a:spAutoFit/>
+          </a:bodyPr>
+          <a:lstStyle/>
+          <a:p>
+            <a:r>
+              <a:rPr lang="en-US" sz="1400" dirty="0"/>
+              <a:t>Survey sections are used to group related questions</a:t>
+            </a:r>
+          </a:p>
+        </p:txBody>
+      </p:sp>
+      <p:grpSp>
+        <p:nvGrpSpPr>
+          <p:cNvPr id="77" name="Group 76">
+            <a:extLst>
+              <a:ext uri="{FF2B5EF4-FFF2-40B4-BE49-F238E27FC236}">
+                <a16:creationId xmlns:a16="http://schemas.microsoft.com/office/drawing/2014/main" id="{A3495646-102F-F346-952F-21070303DFA2}"/>
+              </a:ext>
+            </a:extLst>
+          </p:cNvPr>
+          <p:cNvGrpSpPr/>
+          <p:nvPr/>
+        </p:nvGrpSpPr>
+        <p:grpSpPr>
+          <a:xfrm>
+            <a:off x="1307227" y="3559704"/>
+            <a:ext cx="3004458" cy="237744"/>
+            <a:chOff x="1353786" y="3226387"/>
+            <a:chExt cx="3004458" cy="237744"/>
+          </a:xfrm>
+        </p:grpSpPr>
+        <p:sp>
+          <p:nvSpPr>
+            <p:cNvPr id="57" name="Rectangle 56">
+              <a:extLst>
+                <a:ext uri="{FF2B5EF4-FFF2-40B4-BE49-F238E27FC236}">
+                  <a16:creationId xmlns:a16="http://schemas.microsoft.com/office/drawing/2014/main" id="{D006829A-7331-054F-8301-571C92330759}"/>
+                </a:ext>
+              </a:extLst>
+            </p:cNvPr>
+            <p:cNvSpPr/>
+            <p:nvPr/>
+          </p:nvSpPr>
+          <p:spPr>
+            <a:xfrm>
+              <a:off x="1353786" y="3244318"/>
+              <a:ext cx="3004458" cy="201882"/>
+            </a:xfrm>
+            <a:prstGeom prst="rect">
+              <a:avLst/>
+            </a:prstGeom>
+          </p:spPr>
+          <p:style>
+            <a:lnRef idx="2">
+              <a:schemeClr val="accent1">
+                <a:shade val="50000"/>
+              </a:schemeClr>
+            </a:lnRef>
+            <a:fillRef idx="1">
+              <a:schemeClr val="accent1"/>
+            </a:fillRef>
+            <a:effectRef idx="0">
+              <a:schemeClr val="accent1"/>
+            </a:effectRef>
+            <a:fontRef idx="minor">
+              <a:schemeClr val="lt1"/>
+            </a:fontRef>
+          </p:style>
+          <p:txBody>
+            <a:bodyPr rtlCol="0" anchor="ctr"/>
+            <a:lstStyle/>
+            <a:p>
+              <a:pPr algn="ctr"/>
+              <a:endParaRPr lang="en-US"/>
+            </a:p>
+          </p:txBody>
+        </p:sp>
+        <p:grpSp>
+          <p:nvGrpSpPr>
+            <p:cNvPr id="76" name="Group 75">
+              <a:extLst>
+                <a:ext uri="{FF2B5EF4-FFF2-40B4-BE49-F238E27FC236}">
+                  <a16:creationId xmlns:a16="http://schemas.microsoft.com/office/drawing/2014/main" id="{D79B1B14-AA51-4A43-8B13-077CA8BD60EF}"/>
+                </a:ext>
+              </a:extLst>
+            </p:cNvPr>
+            <p:cNvGrpSpPr/>
+            <p:nvPr/>
+          </p:nvGrpSpPr>
+          <p:grpSpPr>
+            <a:xfrm>
+              <a:off x="3270307" y="3226387"/>
+              <a:ext cx="920049" cy="237744"/>
+              <a:chOff x="3270307" y="3226387"/>
+              <a:chExt cx="920049" cy="237744"/>
+            </a:xfrm>
+          </p:grpSpPr>
+          <p:pic>
+            <p:nvPicPr>
+              <p:cNvPr id="59" name="Picture 58">
+                <a:extLst>
+                  <a:ext uri="{FF2B5EF4-FFF2-40B4-BE49-F238E27FC236}">
+                    <a16:creationId xmlns:a16="http://schemas.microsoft.com/office/drawing/2014/main" id="{9793CD67-C00E-EB49-8695-CF5D2CBE2707}"/>
+                  </a:ext>
+                </a:extLst>
+              </p:cNvPr>
+              <p:cNvPicPr>
+                <a:picLocks noChangeAspect="1"/>
+              </p:cNvPicPr>
+              <p:nvPr/>
+            </p:nvPicPr>
+            <p:blipFill>
+              <a:blip r:embed="rId5"/>
+              <a:stretch>
+                <a:fillRect/>
+              </a:stretch>
+            </p:blipFill>
+            <p:spPr>
+              <a:xfrm>
+                <a:off x="4011178" y="3255670"/>
+                <a:ext cx="179178" cy="179178"/>
+              </a:xfrm>
+              <a:prstGeom prst="rect">
+                <a:avLst/>
+              </a:prstGeom>
+            </p:spPr>
+          </p:pic>
+          <p:pic>
+            <p:nvPicPr>
+              <p:cNvPr id="61" name="Picture 60">
+                <a:extLst>
+                  <a:ext uri="{FF2B5EF4-FFF2-40B4-BE49-F238E27FC236}">
+                    <a16:creationId xmlns:a16="http://schemas.microsoft.com/office/drawing/2014/main" id="{5841DC65-F946-3846-8D2C-3968E0FBCF54}"/>
+                  </a:ext>
+                </a:extLst>
+              </p:cNvPr>
+              <p:cNvPicPr>
+                <a:picLocks noChangeAspect="1"/>
+              </p:cNvPicPr>
+              <p:nvPr/>
+            </p:nvPicPr>
+            <p:blipFill>
+              <a:blip r:embed="rId6"/>
+              <a:stretch>
+                <a:fillRect/>
+              </a:stretch>
+            </p:blipFill>
+            <p:spPr>
+              <a:xfrm>
+                <a:off x="3848821" y="3253819"/>
+                <a:ext cx="182880" cy="182880"/>
+              </a:xfrm>
+              <a:prstGeom prst="rect">
+                <a:avLst/>
+              </a:prstGeom>
+            </p:spPr>
+          </p:pic>
+          <p:pic>
+            <p:nvPicPr>
+              <p:cNvPr id="63" name="Picture 62">
+                <a:extLst>
+                  <a:ext uri="{FF2B5EF4-FFF2-40B4-BE49-F238E27FC236}">
+                    <a16:creationId xmlns:a16="http://schemas.microsoft.com/office/drawing/2014/main" id="{5D8CE0E5-3DA6-1B4C-9B4C-D9E6D65E56B8}"/>
+                  </a:ext>
+                </a:extLst>
+              </p:cNvPr>
+              <p:cNvPicPr>
+                <a:picLocks noChangeAspect="1"/>
+              </p:cNvPicPr>
+              <p:nvPr/>
+            </p:nvPicPr>
+            <p:blipFill>
+              <a:blip r:embed="rId7"/>
+              <a:stretch>
+                <a:fillRect/>
+              </a:stretch>
+            </p:blipFill>
+            <p:spPr>
+              <a:xfrm>
+                <a:off x="3469241" y="3226387"/>
+                <a:ext cx="237744" cy="237744"/>
+              </a:xfrm>
+              <a:prstGeom prst="rect">
+                <a:avLst/>
+              </a:prstGeom>
+            </p:spPr>
+          </p:pic>
+          <p:pic>
+            <p:nvPicPr>
+              <p:cNvPr id="65" name="Picture 64">
+                <a:extLst>
+                  <a:ext uri="{FF2B5EF4-FFF2-40B4-BE49-F238E27FC236}">
+                    <a16:creationId xmlns:a16="http://schemas.microsoft.com/office/drawing/2014/main" id="{451C5076-A17F-7A47-8B97-0DB4B44E2BA7}"/>
+                  </a:ext>
+                </a:extLst>
+              </p:cNvPr>
+              <p:cNvPicPr>
+                <a:picLocks noChangeAspect="1"/>
+              </p:cNvPicPr>
+              <p:nvPr/>
+            </p:nvPicPr>
+            <p:blipFill>
+              <a:blip r:embed="rId8"/>
+              <a:stretch>
+                <a:fillRect/>
+              </a:stretch>
+            </p:blipFill>
+            <p:spPr>
+              <a:xfrm>
+                <a:off x="3270307" y="3235531"/>
+                <a:ext cx="219456" cy="219456"/>
+              </a:xfrm>
+              <a:prstGeom prst="rect">
+                <a:avLst/>
+              </a:prstGeom>
+            </p:spPr>
+          </p:pic>
+          <p:pic>
+            <p:nvPicPr>
+              <p:cNvPr id="74" name="Picture 73">
+                <a:extLst>
+                  <a:ext uri="{FF2B5EF4-FFF2-40B4-BE49-F238E27FC236}">
+                    <a16:creationId xmlns:a16="http://schemas.microsoft.com/office/drawing/2014/main" id="{5EE5E666-1CD5-3648-8BB3-E2887FB270A7}"/>
+                  </a:ext>
+                </a:extLst>
+              </p:cNvPr>
+              <p:cNvPicPr>
+                <a:picLocks noChangeAspect="1"/>
+              </p:cNvPicPr>
+              <p:nvPr/>
+            </p:nvPicPr>
+            <p:blipFill>
+              <a:blip r:embed="rId9"/>
+              <a:stretch>
+                <a:fillRect/>
+              </a:stretch>
+            </p:blipFill>
+            <p:spPr>
+              <a:xfrm>
+                <a:off x="3686463" y="3253819"/>
+                <a:ext cx="182880" cy="182880"/>
+              </a:xfrm>
+              <a:prstGeom prst="rect">
+                <a:avLst/>
+              </a:prstGeom>
+            </p:spPr>
+          </p:pic>
+        </p:grpSp>
+      </p:grpSp>
+      <p:sp>
+        <p:nvSpPr>
+          <p:cNvPr id="13" name="TextBox 12">
+            <a:extLst>
+              <a:ext uri="{FF2B5EF4-FFF2-40B4-BE49-F238E27FC236}">
+                <a16:creationId xmlns:a16="http://schemas.microsoft.com/office/drawing/2014/main" id="{4BCC820E-A212-2747-BBD8-748984A80E8D}"/>
+              </a:ext>
+            </a:extLst>
+          </p:cNvPr>
+          <p:cNvSpPr txBox="1"/>
+          <p:nvPr/>
+        </p:nvSpPr>
+        <p:spPr>
+          <a:xfrm>
+            <a:off x="959154" y="2862276"/>
+            <a:ext cx="3177783" cy="3985706"/>
+          </a:xfrm>
+          <a:prstGeom prst="rect">
+            <a:avLst/>
+          </a:prstGeom>
+          <a:noFill/>
+        </p:spPr>
+        <p:txBody>
+          <a:bodyPr wrap="square" rtlCol="0">
+            <a:spAutoFit/>
+          </a:bodyPr>
+          <a:lstStyle/>
+          <a:p>
+            <a:pPr marL="285750" indent="-285750">
+              <a:buFont typeface="Wingdings" pitchFamily="2" charset="2"/>
+              <a:buChar char="Ø"/>
+            </a:pPr>
+            <a:r>
+              <a:rPr lang="en-US" sz="1100" b="1" dirty="0"/>
+              <a:t>Prologue</a:t>
+            </a:r>
+          </a:p>
+          <a:p>
+            <a:pPr marL="742950" lvl="1" indent="-285750">
+              <a:buFont typeface=".Hiragino Kaku Gothic Interface W3"/>
+              <a:buChar char="☞"/>
+            </a:pPr>
+            <a:r>
+              <a:rPr lang="en-US" sz="1100" dirty="0"/>
+              <a:t>Welcome Text</a:t>
+            </a:r>
+          </a:p>
+          <a:p>
+            <a:pPr marL="742950" lvl="1" indent="-285750">
+              <a:buFont typeface="System Font Regular"/>
+              <a:buChar char="✓"/>
+            </a:pPr>
+            <a:r>
+              <a:rPr lang="en-US" sz="1100" dirty="0"/>
+              <a:t>I find congregational….</a:t>
+            </a:r>
+          </a:p>
+          <a:p>
+            <a:pPr marL="742950" lvl="1" indent="-285750">
+              <a:buFont typeface="System Font Regular"/>
+              <a:buChar char="✓"/>
+            </a:pPr>
+            <a:r>
+              <a:rPr lang="en-US" sz="1100" dirty="0"/>
+              <a:t>Yes/No Question</a:t>
+            </a:r>
+          </a:p>
+          <a:p>
+            <a:pPr marL="285750" indent="-285750">
+              <a:buFont typeface="Wingdings" pitchFamily="2" charset="2"/>
+              <a:buChar char="Ø"/>
+            </a:pPr>
+            <a:r>
+              <a:rPr lang="en-US" sz="1100" b="1" dirty="0">
+                <a:solidFill>
+                  <a:schemeClr val="bg1"/>
+                </a:solidFill>
+              </a:rPr>
+              <a:t>Worship</a:t>
+            </a:r>
+          </a:p>
+          <a:p>
+            <a:pPr marL="742950" lvl="1" indent="-285750">
+              <a:buFont typeface=".Hiragino Kaku Gothic Interface W3"/>
+              <a:buChar char="☞"/>
+            </a:pPr>
+            <a:r>
+              <a:rPr lang="en-US" sz="1100" dirty="0"/>
+              <a:t>Info Text</a:t>
+            </a:r>
+          </a:p>
+          <a:p>
+            <a:pPr marL="742950" lvl="1" indent="-285750">
+              <a:buFont typeface=".Hiragino Kaku Gothic Interface W3"/>
+              <a:buChar char="◉"/>
+            </a:pPr>
+            <a:r>
+              <a:rPr lang="en-US" sz="1100" dirty="0"/>
+              <a:t>Multi-Choice Question</a:t>
+            </a:r>
+          </a:p>
+          <a:p>
+            <a:pPr marL="742950" lvl="1" indent="-285750">
+              <a:buFont typeface=".Hiragino Kaku Gothic Interface W3"/>
+              <a:buChar char="◉"/>
+            </a:pPr>
+            <a:r>
+              <a:rPr lang="en-US" sz="1100" dirty="0"/>
+              <a:t>Multi-Choice Question</a:t>
+            </a:r>
+          </a:p>
+          <a:p>
+            <a:pPr marL="742950" lvl="1" indent="-285750">
+              <a:buFont typeface="System Font Regular"/>
+              <a:buChar char="☑"/>
+            </a:pPr>
+            <a:r>
+              <a:rPr lang="en-US" sz="1100" dirty="0"/>
+              <a:t>Multi-Select Question</a:t>
+            </a:r>
+          </a:p>
+          <a:p>
+            <a:pPr marL="742950" lvl="1" indent="-285750">
+              <a:buFont typeface="Zapf Dingbats"/>
+              <a:buChar char="✍"/>
+            </a:pPr>
+            <a:r>
+              <a:rPr lang="en-US" sz="1100" dirty="0"/>
+              <a:t>What is the most </a:t>
+            </a:r>
+            <a:r>
+              <a:rPr lang="en-US" sz="1100" dirty="0" err="1"/>
+              <a:t>impor</a:t>
+            </a:r>
+            <a:r>
+              <a:rPr lang="en-US" sz="1100" dirty="0"/>
+              <a:t>….</a:t>
+            </a:r>
+          </a:p>
+          <a:p>
+            <a:pPr marL="742950" lvl="1" indent="-285750">
+              <a:buFont typeface="Zapf Dingbats"/>
+              <a:buChar char="✍"/>
+            </a:pPr>
+            <a:r>
+              <a:rPr lang="en-US" sz="1100" dirty="0"/>
+              <a:t>Section 2 Feedback</a:t>
+            </a:r>
+          </a:p>
+          <a:p>
+            <a:pPr marL="285750" indent="-285750">
+              <a:buFont typeface="Wingdings" pitchFamily="2" charset="2"/>
+              <a:buChar char="Ø"/>
+            </a:pPr>
+            <a:r>
+              <a:rPr lang="en-US" sz="1100" b="1" dirty="0"/>
+              <a:t>Section 2</a:t>
+            </a:r>
+          </a:p>
+          <a:p>
+            <a:pPr marL="742950" lvl="1" indent="-285750">
+              <a:buFont typeface=".Hiragino Kaku Gothic Interface W3"/>
+              <a:buChar char="☞"/>
+            </a:pPr>
+            <a:r>
+              <a:rPr lang="en-US" sz="1100" dirty="0"/>
+              <a:t>Info Text</a:t>
+            </a:r>
+          </a:p>
+          <a:p>
+            <a:pPr marL="742950" lvl="1" indent="-285750">
+              <a:buFont typeface=".Hiragino Kaku Gothic Interface W3"/>
+              <a:buChar char="◉"/>
+            </a:pPr>
+            <a:r>
+              <a:rPr lang="en-US" sz="1100" dirty="0"/>
+              <a:t>Multi-Choice Question</a:t>
+            </a:r>
+          </a:p>
+          <a:p>
+            <a:pPr marL="742950" lvl="1" indent="-285750">
+              <a:buFont typeface=".Hiragino Kaku Gothic Interface W3"/>
+              <a:buChar char="◉"/>
+            </a:pPr>
+            <a:r>
+              <a:rPr lang="en-US" sz="1100" dirty="0"/>
+              <a:t>Multi-Choice Question</a:t>
+            </a:r>
+          </a:p>
+          <a:p>
+            <a:pPr marL="742950" lvl="1" indent="-285750">
+              <a:buFont typeface="System Font Regular"/>
+              <a:buChar char="☑"/>
+            </a:pPr>
+            <a:r>
+              <a:rPr lang="en-US" sz="1100" dirty="0"/>
+              <a:t>Multi-Select Question</a:t>
+            </a:r>
+          </a:p>
+          <a:p>
+            <a:pPr marL="742950" lvl="1" indent="-285750">
+              <a:buFont typeface="Zapf Dingbats"/>
+              <a:buChar char="✍"/>
+            </a:pPr>
+            <a:r>
+              <a:rPr lang="en-US" sz="1100" dirty="0"/>
+              <a:t>Free Form Question</a:t>
+            </a:r>
+          </a:p>
+          <a:p>
+            <a:pPr marL="742950" lvl="1" indent="-285750">
+              <a:buFont typeface="Zapf Dingbats"/>
+              <a:buChar char="✍"/>
+            </a:pPr>
+            <a:r>
+              <a:rPr lang="en-US" sz="1100" dirty="0"/>
+              <a:t>Section 2 Feedback</a:t>
+            </a:r>
+          </a:p>
+          <a:p>
+            <a:pPr marL="285750" indent="-285750">
+              <a:buFont typeface="Wingdings" pitchFamily="2" charset="2"/>
+              <a:buChar char="Ø"/>
+            </a:pPr>
+            <a:r>
+              <a:rPr lang="en-US" sz="1100" b="1" dirty="0"/>
+              <a:t>Section 3</a:t>
+            </a:r>
+          </a:p>
+          <a:p>
+            <a:pPr marL="742950" lvl="1" indent="-285750">
+              <a:buFont typeface=".Hiragino Kaku Gothic Interface W3"/>
+              <a:buChar char="☞"/>
+            </a:pPr>
+            <a:r>
+              <a:rPr lang="en-US" sz="1100" dirty="0"/>
+              <a:t>Info Text</a:t>
+            </a:r>
+          </a:p>
+          <a:p>
+            <a:pPr marL="742950" lvl="1" indent="-285750">
+              <a:buFont typeface="Zapf Dingbats"/>
+              <a:buChar char="✍"/>
+            </a:pPr>
+            <a:r>
+              <a:rPr lang="en-US" sz="1100" dirty="0"/>
+              <a:t>Free Form Question</a:t>
+            </a:r>
+          </a:p>
+          <a:p>
+            <a:pPr marL="742950" lvl="1" indent="-285750">
+              <a:buFont typeface="Zapf Dingbats"/>
+              <a:buChar char="✍"/>
+            </a:pPr>
+            <a:r>
+              <a:rPr lang="en-US" sz="1100" dirty="0"/>
+              <a:t>Free Form Question</a:t>
+            </a:r>
+          </a:p>
+          <a:p>
+            <a:pPr marL="742950" lvl="1" indent="-285750">
+              <a:buFont typeface="Zapf Dingbats"/>
+              <a:buChar char="✍"/>
+            </a:pPr>
+            <a:r>
+              <a:rPr lang="en-US" sz="1100" dirty="0"/>
+              <a:t>Free Form Question</a:t>
+            </a:r>
+          </a:p>
+        </p:txBody>
+      </p:sp>
+      <p:sp>
+        <p:nvSpPr>
+          <p:cNvPr id="22" name="TextBox 21">
+            <a:extLst>
+              <a:ext uri="{FF2B5EF4-FFF2-40B4-BE49-F238E27FC236}">
+                <a16:creationId xmlns:a16="http://schemas.microsoft.com/office/drawing/2014/main" id="{FBF044F3-0425-9C4D-B175-03CB1F668D6B}"/>
+              </a:ext>
+            </a:extLst>
+          </p:cNvPr>
+          <p:cNvSpPr txBox="1"/>
+          <p:nvPr/>
+        </p:nvSpPr>
+        <p:spPr>
+          <a:xfrm>
+            <a:off x="4593861" y="4098988"/>
+            <a:ext cx="1089657" cy="307777"/>
+          </a:xfrm>
+          <a:prstGeom prst="rect">
+            <a:avLst/>
+          </a:prstGeom>
+          <a:noFill/>
+        </p:spPr>
+        <p:txBody>
+          <a:bodyPr wrap="none" rtlCol="0">
+            <a:spAutoFit/>
+          </a:bodyPr>
+          <a:lstStyle/>
+          <a:p>
+            <a:r>
+              <a:rPr lang="en-US" sz="1400" b="1" dirty="0"/>
+              <a:t>Description:</a:t>
+            </a:r>
+          </a:p>
+        </p:txBody>
+      </p:sp>
+      <p:sp>
+        <p:nvSpPr>
+          <p:cNvPr id="23" name="Rectangle 22">
+            <a:extLst>
+              <a:ext uri="{FF2B5EF4-FFF2-40B4-BE49-F238E27FC236}">
+                <a16:creationId xmlns:a16="http://schemas.microsoft.com/office/drawing/2014/main" id="{A1E0C9F0-3B18-CB4E-9C99-9706E3B59833}"/>
+              </a:ext>
+            </a:extLst>
+          </p:cNvPr>
+          <p:cNvSpPr/>
+          <p:nvPr/>
+        </p:nvSpPr>
+        <p:spPr>
+          <a:xfrm>
+            <a:off x="5681223" y="4073196"/>
+            <a:ext cx="4650309" cy="807562"/>
+          </a:xfrm>
+          <a:prstGeom prst="rect">
+            <a:avLst/>
+          </a:prstGeom>
+          <a:ln w="19050"/>
+        </p:spPr>
+        <p:style>
+          <a:lnRef idx="2">
+            <a:schemeClr val="dk1"/>
+          </a:lnRef>
+          <a:fillRef idx="1">
+            <a:schemeClr val="lt1"/>
+          </a:fillRef>
+          <a:effectRef idx="0">
+            <a:schemeClr val="dk1"/>
+          </a:effectRef>
+          <a:fontRef idx="minor">
+            <a:schemeClr val="dk1"/>
+          </a:fontRef>
+        </p:style>
+        <p:txBody>
+          <a:bodyPr rtlCol="0" anchor="t"/>
+          <a:lstStyle/>
+          <a:p>
+            <a:r>
+              <a:rPr lang="en-US" sz="1400" dirty="0">
+                <a:solidFill>
+                  <a:schemeClr val="tx1"/>
+                </a:solidFill>
+              </a:rPr>
+              <a:t>Worship is at the heart of ….</a:t>
+            </a:r>
+            <a:endParaRPr lang="en-US" dirty="0">
+              <a:solidFill>
+                <a:srgbClr val="C00000"/>
+              </a:solidFill>
+            </a:endParaRPr>
+          </a:p>
+        </p:txBody>
+      </p:sp>
+      <p:sp>
+        <p:nvSpPr>
+          <p:cNvPr id="24" name="TextBox 23">
+            <a:extLst>
+              <a:ext uri="{FF2B5EF4-FFF2-40B4-BE49-F238E27FC236}">
+                <a16:creationId xmlns:a16="http://schemas.microsoft.com/office/drawing/2014/main" id="{3D469FD1-8C8D-D540-9828-D6B43D1805ED}"/>
+              </a:ext>
+            </a:extLst>
+          </p:cNvPr>
+          <p:cNvSpPr txBox="1"/>
+          <p:nvPr/>
+        </p:nvSpPr>
+        <p:spPr>
+          <a:xfrm>
+            <a:off x="5590581" y="4878012"/>
+            <a:ext cx="3102516" cy="276999"/>
+          </a:xfrm>
+          <a:prstGeom prst="rect">
+            <a:avLst/>
+          </a:prstGeom>
+          <a:noFill/>
+        </p:spPr>
+        <p:txBody>
+          <a:bodyPr wrap="none" rtlCol="0">
+            <a:spAutoFit/>
+          </a:bodyPr>
+          <a:lstStyle/>
+          <a:p>
+            <a:r>
+              <a:rPr lang="en-US" sz="1200" dirty="0"/>
+              <a:t>Can include html and/or Markdown formatting</a:t>
+            </a:r>
+          </a:p>
+        </p:txBody>
+      </p:sp>
+      <p:sp>
+        <p:nvSpPr>
+          <p:cNvPr id="2" name="Rounded Rectangle 1">
+            <a:extLst>
+              <a:ext uri="{FF2B5EF4-FFF2-40B4-BE49-F238E27FC236}">
+                <a16:creationId xmlns:a16="http://schemas.microsoft.com/office/drawing/2014/main" id="{249299DB-4004-044F-9B30-88D194ADB7B2}"/>
+              </a:ext>
+            </a:extLst>
+          </p:cNvPr>
+          <p:cNvSpPr/>
+          <p:nvPr/>
+        </p:nvSpPr>
+        <p:spPr>
+          <a:xfrm>
+            <a:off x="4785018" y="5269880"/>
+            <a:ext cx="162064" cy="154023"/>
+          </a:xfrm>
+          <a:prstGeom prst="roundRect">
+            <a:avLst/>
+          </a:prstGeom>
+          <a:noFill/>
+        </p:spPr>
+        <p:style>
+          <a:lnRef idx="2">
+            <a:schemeClr val="accent1">
+              <a:shade val="50000"/>
+            </a:schemeClr>
+          </a:lnRef>
+          <a:fillRef idx="1">
+            <a:schemeClr val="accent1"/>
+          </a:fillRef>
+          <a:effectRef idx="0">
+            <a:schemeClr val="accent1"/>
+          </a:effectRef>
+          <a:fontRef idx="minor">
+            <a:schemeClr val="lt1"/>
+          </a:fontRef>
+        </p:style>
+        <p:txBody>
+          <a:bodyPr rtlCol="0" anchor="ctr"/>
+          <a:lstStyle/>
+          <a:p>
+            <a:pPr algn="ctr"/>
+            <a:endParaRPr lang="en-US"/>
+          </a:p>
+        </p:txBody>
+      </p:sp>
+      <p:sp>
+        <p:nvSpPr>
+          <p:cNvPr id="3" name="TextBox 2">
+            <a:extLst>
+              <a:ext uri="{FF2B5EF4-FFF2-40B4-BE49-F238E27FC236}">
+                <a16:creationId xmlns:a16="http://schemas.microsoft.com/office/drawing/2014/main" id="{C905875A-C46D-C045-BD9C-8353E8BD13C2}"/>
+              </a:ext>
+            </a:extLst>
+          </p:cNvPr>
+          <p:cNvSpPr txBox="1"/>
+          <p:nvPr/>
+        </p:nvSpPr>
+        <p:spPr>
+          <a:xfrm>
+            <a:off x="4939538" y="5198200"/>
+            <a:ext cx="2062359" cy="307777"/>
+          </a:xfrm>
+          <a:prstGeom prst="rect">
+            <a:avLst/>
+          </a:prstGeom>
+          <a:noFill/>
+        </p:spPr>
+        <p:txBody>
+          <a:bodyPr wrap="none" rtlCol="0">
+            <a:spAutoFit/>
+          </a:bodyPr>
+          <a:lstStyle/>
+          <a:p>
+            <a:r>
+              <a:rPr lang="en-US" sz="1400" b="1" dirty="0"/>
+              <a:t>Include Section Feedback</a:t>
+            </a:r>
+          </a:p>
+        </p:txBody>
+      </p:sp>
+      <p:sp>
+        <p:nvSpPr>
+          <p:cNvPr id="27" name="TextBox 26">
+            <a:extLst>
+              <a:ext uri="{FF2B5EF4-FFF2-40B4-BE49-F238E27FC236}">
+                <a16:creationId xmlns:a16="http://schemas.microsoft.com/office/drawing/2014/main" id="{B8203E82-A657-E542-8E5F-8EFE195E577A}"/>
+              </a:ext>
+            </a:extLst>
+          </p:cNvPr>
+          <p:cNvSpPr txBox="1"/>
+          <p:nvPr/>
+        </p:nvSpPr>
+        <p:spPr>
+          <a:xfrm>
+            <a:off x="7095779" y="5198200"/>
+            <a:ext cx="792525" cy="307777"/>
+          </a:xfrm>
+          <a:prstGeom prst="rect">
+            <a:avLst/>
+          </a:prstGeom>
+          <a:noFill/>
+        </p:spPr>
+        <p:txBody>
+          <a:bodyPr wrap="none" rtlCol="0">
+            <a:spAutoFit/>
+          </a:bodyPr>
+          <a:lstStyle/>
+          <a:p>
+            <a:r>
+              <a:rPr lang="en-US" sz="1400" b="1" dirty="0">
+                <a:solidFill>
+                  <a:schemeClr val="bg1">
+                    <a:lumMod val="75000"/>
+                  </a:schemeClr>
+                </a:solidFill>
+              </a:rPr>
+              <a:t>Prompt</a:t>
+            </a:r>
+            <a:r>
+              <a:rPr lang="en-US" sz="1400" b="1" dirty="0"/>
+              <a:t>:</a:t>
+            </a:r>
+          </a:p>
+        </p:txBody>
+      </p:sp>
+      <p:sp>
+        <p:nvSpPr>
+          <p:cNvPr id="28" name="Rectangle 27">
+            <a:extLst>
+              <a:ext uri="{FF2B5EF4-FFF2-40B4-BE49-F238E27FC236}">
+                <a16:creationId xmlns:a16="http://schemas.microsoft.com/office/drawing/2014/main" id="{F4A4FD6E-315B-284F-AE78-340D84396D18}"/>
+              </a:ext>
+            </a:extLst>
+          </p:cNvPr>
+          <p:cNvSpPr/>
+          <p:nvPr/>
+        </p:nvSpPr>
+        <p:spPr>
+          <a:xfrm>
+            <a:off x="7847200" y="5172408"/>
+            <a:ext cx="2007373" cy="333569"/>
+          </a:xfrm>
+          <a:prstGeom prst="rect">
+            <a:avLst/>
+          </a:prstGeom>
+          <a:ln w="19050">
+            <a:solidFill>
+              <a:schemeClr val="bg1">
+                <a:lumMod val="75000"/>
+              </a:schemeClr>
+            </a:solidFill>
+          </a:ln>
+        </p:spPr>
+        <p:style>
+          <a:lnRef idx="2">
+            <a:schemeClr val="dk1"/>
+          </a:lnRef>
+          <a:fillRef idx="1">
+            <a:schemeClr val="lt1"/>
+          </a:fillRef>
+          <a:effectRef idx="0">
+            <a:schemeClr val="dk1"/>
+          </a:effectRef>
+          <a:fontRef idx="minor">
+            <a:schemeClr val="dk1"/>
+          </a:fontRef>
+        </p:style>
+        <p:txBody>
+          <a:bodyPr rtlCol="0" anchor="ctr"/>
+          <a:lstStyle/>
+          <a:p>
+            <a:r>
+              <a:rPr lang="en-US" sz="1600" dirty="0">
+                <a:solidFill>
+                  <a:schemeClr val="bg1">
+                    <a:lumMod val="75000"/>
+                  </a:schemeClr>
+                </a:solidFill>
+              </a:rPr>
+              <a:t>Feedback prompt</a:t>
+            </a:r>
+          </a:p>
+        </p:txBody>
+      </p:sp>
+      <p:cxnSp>
+        <p:nvCxnSpPr>
+          <p:cNvPr id="29" name="Straight Connector 28">
+            <a:extLst>
+              <a:ext uri="{FF2B5EF4-FFF2-40B4-BE49-F238E27FC236}">
+                <a16:creationId xmlns:a16="http://schemas.microsoft.com/office/drawing/2014/main" id="{370A4795-6AE6-E847-ADB3-0D2095F64E04}"/>
+              </a:ext>
+            </a:extLst>
+          </p:cNvPr>
+          <p:cNvCxnSpPr/>
+          <p:nvPr/>
+        </p:nvCxnSpPr>
+        <p:spPr>
+          <a:xfrm>
+            <a:off x="11142432" y="2617051"/>
+            <a:ext cx="0" cy="3065931"/>
+          </a:xfrm>
+          <a:prstGeom prst="line">
+            <a:avLst/>
+          </a:prstGeom>
+          <a:ln>
+            <a:solidFill>
+              <a:schemeClr val="tx1"/>
+            </a:solidFill>
+          </a:ln>
+        </p:spPr>
+        <p:style>
+          <a:lnRef idx="1">
+            <a:schemeClr val="accent1"/>
+          </a:lnRef>
+          <a:fillRef idx="0">
+            <a:schemeClr val="accent1"/>
+          </a:fillRef>
+          <a:effectRef idx="0">
+            <a:schemeClr val="accent1"/>
+          </a:effectRef>
+          <a:fontRef idx="minor">
+            <a:schemeClr val="tx1"/>
+          </a:fontRef>
+        </p:style>
+      </p:cxnSp>
+    </p:spTree>
+    <p:extLst>
+      <p:ext uri="{BB962C8B-B14F-4D97-AF65-F5344CB8AC3E}">
+        <p14:creationId xmlns:p14="http://schemas.microsoft.com/office/powerpoint/2010/main" val="3038253783"/>
+      </p:ext>
+    </p:extLst>
+  </p:cSld>
+  <p:clrMapOvr>
+    <a:masterClrMapping/>
+  </p:clrMapOvr>
+</p:sld>
+</file>
+
+<file path=ppt/slides/slide8.xml><?xml version="1.0" encoding="utf-8"?>
+<p:sld xmlns:a="http://schemas.openxmlformats.org/drawingml/2006/main" xmlns:r="http://schemas.openxmlformats.org/officeDocument/2006/relationships" xmlns:p="http://schemas.openxmlformats.org/presentationml/2006/main">
+  <p:cSld>
+    <p:spTree>
+      <p:nvGrpSpPr>
+        <p:cNvPr id="1" name=""/>
+        <p:cNvGrpSpPr/>
+        <p:nvPr/>
+      </p:nvGrpSpPr>
+      <p:grpSpPr>
+        <a:xfrm>
+          <a:off x="0" y="0"/>
+          <a:ext cx="0" cy="0"/>
+          <a:chOff x="0" y="0"/>
+          <a:chExt cx="0" cy="0"/>
+        </a:xfrm>
+      </p:grpSpPr>
+      <p:pic>
+        <p:nvPicPr>
+          <p:cNvPr id="4" name="Picture 3">
+            <a:extLst>
+              <a:ext uri="{FF2B5EF4-FFF2-40B4-BE49-F238E27FC236}">
+                <a16:creationId xmlns:a16="http://schemas.microsoft.com/office/drawing/2014/main" id="{4D95B393-CB72-D340-8185-45F0E7B6961A}"/>
+              </a:ext>
+            </a:extLst>
+          </p:cNvPr>
+          <p:cNvPicPr>
+            <a:picLocks noChangeAspect="1"/>
+          </p:cNvPicPr>
+          <p:nvPr/>
+        </p:nvPicPr>
+        <p:blipFill>
+          <a:blip r:embed="rId3"/>
+          <a:stretch>
+            <a:fillRect/>
+          </a:stretch>
+        </p:blipFill>
+        <p:spPr>
+          <a:xfrm>
+            <a:off x="242047" y="194405"/>
+            <a:ext cx="11492753" cy="2464425"/>
+          </a:xfrm>
+          <a:prstGeom prst="rect">
+            <a:avLst/>
+          </a:prstGeom>
+        </p:spPr>
+      </p:pic>
+      <p:pic>
+        <p:nvPicPr>
+          <p:cNvPr id="5" name="Picture 4">
+            <a:extLst>
+              <a:ext uri="{FF2B5EF4-FFF2-40B4-BE49-F238E27FC236}">
+                <a16:creationId xmlns:a16="http://schemas.microsoft.com/office/drawing/2014/main" id="{878E8C87-B48D-FD4F-8E83-F2CC56F5FA03}"/>
+              </a:ext>
+            </a:extLst>
+          </p:cNvPr>
+          <p:cNvPicPr>
+            <a:picLocks noChangeAspect="1"/>
+          </p:cNvPicPr>
+          <p:nvPr/>
+        </p:nvPicPr>
+        <p:blipFill>
+          <a:blip r:embed="rId4"/>
+          <a:stretch>
+            <a:fillRect/>
+          </a:stretch>
+        </p:blipFill>
+        <p:spPr>
+          <a:xfrm>
+            <a:off x="242047" y="5724760"/>
+            <a:ext cx="11497031" cy="505711"/>
+          </a:xfrm>
+          <a:prstGeom prst="rect">
+            <a:avLst/>
+          </a:prstGeom>
+        </p:spPr>
+      </p:pic>
+      <p:sp>
+        <p:nvSpPr>
+          <p:cNvPr id="6" name="Rectangle 5">
+            <a:extLst>
+              <a:ext uri="{FF2B5EF4-FFF2-40B4-BE49-F238E27FC236}">
+                <a16:creationId xmlns:a16="http://schemas.microsoft.com/office/drawing/2014/main" id="{109E19EA-02A0-D244-8749-962ABAC73E31}"/>
+              </a:ext>
+            </a:extLst>
+          </p:cNvPr>
+          <p:cNvSpPr/>
+          <p:nvPr/>
+        </p:nvSpPr>
+        <p:spPr>
+          <a:xfrm>
+            <a:off x="242047" y="2658830"/>
+            <a:ext cx="11492753" cy="3069617"/>
+          </a:xfrm>
+          <a:prstGeom prst="rect">
+            <a:avLst/>
+          </a:prstGeom>
+          <a:solidFill>
+            <a:srgbClr val="EEEEF0"/>
+          </a:solidFill>
+          <a:ln>
+            <a:noFill/>
+          </a:ln>
+        </p:spPr>
+        <p:style>
+          <a:lnRef idx="2">
+            <a:schemeClr val="accent1">
+              <a:shade val="50000"/>
+            </a:schemeClr>
+          </a:lnRef>
+          <a:fillRef idx="1">
+            <a:schemeClr val="accent1"/>
+          </a:fillRef>
+          <a:effectRef idx="0">
+            <a:schemeClr val="accent1"/>
+          </a:effectRef>
+          <a:fontRef idx="minor">
+            <a:schemeClr val="lt1"/>
+          </a:fontRef>
+        </p:style>
+        <p:txBody>
+          <a:bodyPr rtlCol="0" anchor="ctr"/>
+          <a:lstStyle/>
+          <a:p>
+            <a:pPr algn="ctr"/>
+            <a:endParaRPr lang="en-US"/>
+          </a:p>
+        </p:txBody>
+      </p:sp>
+      <p:cxnSp>
+        <p:nvCxnSpPr>
+          <p:cNvPr id="8" name="Straight Connector 7">
+            <a:extLst>
+              <a:ext uri="{FF2B5EF4-FFF2-40B4-BE49-F238E27FC236}">
+                <a16:creationId xmlns:a16="http://schemas.microsoft.com/office/drawing/2014/main" id="{9BEF1083-1C9A-F440-9EAB-EEC8452C5F89}"/>
+              </a:ext>
+            </a:extLst>
+          </p:cNvPr>
+          <p:cNvCxnSpPr/>
+          <p:nvPr/>
+        </p:nvCxnSpPr>
+        <p:spPr>
+          <a:xfrm>
+            <a:off x="824753" y="2658830"/>
+            <a:ext cx="0" cy="3065931"/>
+          </a:xfrm>
+          <a:prstGeom prst="line">
+            <a:avLst/>
+          </a:prstGeom>
+          <a:ln>
+            <a:solidFill>
+              <a:schemeClr val="tx1"/>
+            </a:solidFill>
+          </a:ln>
+        </p:spPr>
+        <p:style>
+          <a:lnRef idx="1">
+            <a:schemeClr val="accent1"/>
+          </a:lnRef>
+          <a:fillRef idx="0">
+            <a:schemeClr val="accent1"/>
+          </a:fillRef>
+          <a:effectRef idx="0">
+            <a:schemeClr val="accent1"/>
+          </a:effectRef>
+          <a:fontRef idx="minor">
+            <a:schemeClr val="tx1"/>
+          </a:fontRef>
+        </p:style>
+      </p:cxnSp>
+      <p:sp>
+        <p:nvSpPr>
+          <p:cNvPr id="10" name="Rectangle 9">
+            <a:extLst>
+              <a:ext uri="{FF2B5EF4-FFF2-40B4-BE49-F238E27FC236}">
+                <a16:creationId xmlns:a16="http://schemas.microsoft.com/office/drawing/2014/main" id="{DF381FB2-95B7-B142-AE40-4D814EED560B}"/>
+              </a:ext>
+            </a:extLst>
+          </p:cNvPr>
+          <p:cNvSpPr/>
+          <p:nvPr/>
+        </p:nvSpPr>
+        <p:spPr>
+          <a:xfrm>
+            <a:off x="923365" y="2734235"/>
+            <a:ext cx="10130117" cy="2886636"/>
+          </a:xfrm>
+          <a:prstGeom prst="rect">
+            <a:avLst/>
+          </a:prstGeom>
+          <a:solidFill>
+            <a:schemeClr val="bg1"/>
+          </a:solidFill>
+        </p:spPr>
+        <p:style>
+          <a:lnRef idx="2">
+            <a:schemeClr val="accent1">
+              <a:shade val="50000"/>
+            </a:schemeClr>
+          </a:lnRef>
+          <a:fillRef idx="1">
+            <a:schemeClr val="accent1"/>
+          </a:fillRef>
+          <a:effectRef idx="0">
+            <a:schemeClr val="accent1"/>
+          </a:effectRef>
+          <a:fontRef idx="minor">
+            <a:schemeClr val="lt1"/>
+          </a:fontRef>
+        </p:style>
+        <p:txBody>
+          <a:bodyPr rtlCol="0" anchor="ctr"/>
+          <a:lstStyle/>
+          <a:p>
+            <a:pPr marL="742950" lvl="1" indent="-285750">
+              <a:buFont typeface="Arial" panose="020B0604020202020204" pitchFamily="34" charset="0"/>
+              <a:buChar char="•"/>
+            </a:pPr>
+            <a:r>
+              <a:rPr lang="en-US" sz="1200" dirty="0"/>
+              <a:t>Info Text</a:t>
+            </a:r>
+          </a:p>
+          <a:p>
+            <a:pPr marL="742950" lvl="1" indent="-285750">
+              <a:buFont typeface="Arial" panose="020B0604020202020204" pitchFamily="34" charset="0"/>
+              <a:buChar char="•"/>
+            </a:pPr>
+            <a:r>
+              <a:rPr lang="en-US" sz="1200" dirty="0"/>
+              <a:t>Multi-Choice Question</a:t>
+            </a:r>
+          </a:p>
+          <a:p>
+            <a:pPr marL="742950" lvl="1" indent="-285750">
+              <a:buFont typeface="Arial" panose="020B0604020202020204" pitchFamily="34" charset="0"/>
+              <a:buChar char="•"/>
+            </a:pPr>
+            <a:r>
+              <a:rPr lang="en-US" sz="1200" dirty="0"/>
+              <a:t>Multi-Choice Question</a:t>
+            </a:r>
+          </a:p>
+          <a:p>
+            <a:pPr marL="742950" lvl="1" indent="-285750">
+              <a:buFont typeface="Arial" panose="020B0604020202020204" pitchFamily="34" charset="0"/>
+              <a:buChar char="•"/>
+            </a:pPr>
+            <a:r>
+              <a:rPr lang="en-US" sz="1200" dirty="0"/>
+              <a:t>Multi-Select Question</a:t>
+            </a:r>
+          </a:p>
+          <a:p>
+            <a:pPr marL="742950" lvl="1" indent="-285750">
+              <a:buFont typeface="Arial" panose="020B0604020202020204" pitchFamily="34" charset="0"/>
+              <a:buChar char="•"/>
+            </a:pPr>
+            <a:r>
+              <a:rPr lang="en-US" sz="1200" dirty="0"/>
+              <a:t>Free Form Question</a:t>
+            </a:r>
+          </a:p>
+          <a:p>
+            <a:pPr marL="742950" lvl="1" indent="-285750">
+              <a:buFont typeface="Arial" panose="020B0604020202020204" pitchFamily="34" charset="0"/>
+              <a:buChar char="•"/>
+            </a:pPr>
+            <a:r>
+              <a:rPr lang="en-US" sz="1200" dirty="0"/>
+              <a:t>Section 2 Feedback</a:t>
+            </a:r>
+          </a:p>
+        </p:txBody>
+      </p:sp>
+      <p:cxnSp>
+        <p:nvCxnSpPr>
+          <p:cNvPr id="33" name="Straight Connector 32">
+            <a:extLst>
+              <a:ext uri="{FF2B5EF4-FFF2-40B4-BE49-F238E27FC236}">
+                <a16:creationId xmlns:a16="http://schemas.microsoft.com/office/drawing/2014/main" id="{26E0F00E-37AF-A840-8DB8-AF5BA84587C1}"/>
+              </a:ext>
+            </a:extLst>
+          </p:cNvPr>
+          <p:cNvCxnSpPr>
+            <a:cxnSpLocks noChangeAspect="1"/>
+          </p:cNvCxnSpPr>
+          <p:nvPr/>
+        </p:nvCxnSpPr>
+        <p:spPr>
+          <a:xfrm>
+            <a:off x="4375005" y="2734235"/>
+            <a:ext cx="0" cy="2886636"/>
+          </a:xfrm>
+          <a:prstGeom prst="line">
+            <a:avLst/>
+          </a:prstGeom>
+        </p:spPr>
+        <p:style>
+          <a:lnRef idx="1">
+            <a:schemeClr val="accent1"/>
+          </a:lnRef>
+          <a:fillRef idx="0">
+            <a:schemeClr val="accent1"/>
+          </a:fillRef>
+          <a:effectRef idx="0">
+            <a:schemeClr val="accent1"/>
+          </a:effectRef>
+          <a:fontRef idx="minor">
+            <a:schemeClr val="tx1"/>
+          </a:fontRef>
+        </p:style>
+      </p:cxnSp>
+      <p:sp>
+        <p:nvSpPr>
+          <p:cNvPr id="67" name="TextBox 66">
+            <a:extLst>
+              <a:ext uri="{FF2B5EF4-FFF2-40B4-BE49-F238E27FC236}">
+                <a16:creationId xmlns:a16="http://schemas.microsoft.com/office/drawing/2014/main" id="{844F8D8E-5E76-8046-94F8-412080CC8C74}"/>
+              </a:ext>
+            </a:extLst>
+          </p:cNvPr>
+          <p:cNvSpPr txBox="1"/>
+          <p:nvPr/>
+        </p:nvSpPr>
+        <p:spPr>
+          <a:xfrm>
+            <a:off x="4473617" y="2804924"/>
+            <a:ext cx="1586716" cy="369332"/>
+          </a:xfrm>
+          <a:prstGeom prst="rect">
+            <a:avLst/>
+          </a:prstGeom>
+          <a:noFill/>
+        </p:spPr>
+        <p:txBody>
+          <a:bodyPr wrap="none" rtlCol="0">
+            <a:spAutoFit/>
+          </a:bodyPr>
+          <a:lstStyle/>
+          <a:p>
+            <a:r>
+              <a:rPr lang="en-US" b="1" dirty="0"/>
+              <a:t>Survey Section</a:t>
+            </a:r>
+          </a:p>
+        </p:txBody>
+      </p:sp>
+      <p:sp>
+        <p:nvSpPr>
+          <p:cNvPr id="68" name="TextBox 67">
+            <a:extLst>
+              <a:ext uri="{FF2B5EF4-FFF2-40B4-BE49-F238E27FC236}">
+                <a16:creationId xmlns:a16="http://schemas.microsoft.com/office/drawing/2014/main" id="{6841D578-8FDF-7F49-923A-3F9AADD3D776}"/>
+              </a:ext>
+            </a:extLst>
+          </p:cNvPr>
+          <p:cNvSpPr txBox="1"/>
+          <p:nvPr/>
+        </p:nvSpPr>
+        <p:spPr>
+          <a:xfrm>
+            <a:off x="4593861" y="3614276"/>
+            <a:ext cx="628698" cy="307777"/>
+          </a:xfrm>
+          <a:prstGeom prst="rect">
+            <a:avLst/>
+          </a:prstGeom>
+          <a:noFill/>
+        </p:spPr>
+        <p:txBody>
+          <a:bodyPr wrap="none" rtlCol="0">
+            <a:spAutoFit/>
+          </a:bodyPr>
+          <a:lstStyle/>
+          <a:p>
+            <a:r>
+              <a:rPr lang="en-US" sz="1400" b="1" dirty="0"/>
+              <a:t>Label:</a:t>
+            </a:r>
+          </a:p>
+        </p:txBody>
+      </p:sp>
+      <p:sp>
+        <p:nvSpPr>
+          <p:cNvPr id="70" name="Rectangle 69">
+            <a:extLst>
+              <a:ext uri="{FF2B5EF4-FFF2-40B4-BE49-F238E27FC236}">
+                <a16:creationId xmlns:a16="http://schemas.microsoft.com/office/drawing/2014/main" id="{8C453AA8-7ABE-1548-8D6D-FA192A89809A}"/>
+              </a:ext>
+            </a:extLst>
+          </p:cNvPr>
+          <p:cNvSpPr/>
+          <p:nvPr/>
+        </p:nvSpPr>
+        <p:spPr>
+          <a:xfrm>
+            <a:off x="5238406" y="3588484"/>
+            <a:ext cx="4509291" cy="333569"/>
+          </a:xfrm>
+          <a:prstGeom prst="rect">
+            <a:avLst/>
+          </a:prstGeom>
+          <a:ln w="19050"/>
+        </p:spPr>
+        <p:style>
+          <a:lnRef idx="2">
+            <a:schemeClr val="dk1"/>
+          </a:lnRef>
+          <a:fillRef idx="1">
+            <a:schemeClr val="lt1"/>
+          </a:fillRef>
+          <a:effectRef idx="0">
+            <a:schemeClr val="dk1"/>
+          </a:effectRef>
+          <a:fontRef idx="minor">
+            <a:schemeClr val="dk1"/>
+          </a:fontRef>
+        </p:style>
+        <p:txBody>
+          <a:bodyPr rtlCol="0" anchor="ctr"/>
+          <a:lstStyle/>
+          <a:p>
+            <a:r>
+              <a:rPr lang="en-US" dirty="0">
+                <a:solidFill>
+                  <a:schemeClr val="tx1"/>
+                </a:solidFill>
+              </a:rPr>
+              <a:t>Worship</a:t>
+            </a:r>
+            <a:endParaRPr lang="en-US" dirty="0">
+              <a:solidFill>
+                <a:srgbClr val="C00000"/>
+              </a:solidFill>
+            </a:endParaRPr>
+          </a:p>
+        </p:txBody>
+      </p:sp>
+      <p:sp>
+        <p:nvSpPr>
+          <p:cNvPr id="71" name="TextBox 70">
+            <a:extLst>
+              <a:ext uri="{FF2B5EF4-FFF2-40B4-BE49-F238E27FC236}">
+                <a16:creationId xmlns:a16="http://schemas.microsoft.com/office/drawing/2014/main" id="{80901B4D-2C95-2E42-8871-9B78A4C212D9}"/>
+              </a:ext>
+            </a:extLst>
+          </p:cNvPr>
+          <p:cNvSpPr txBox="1"/>
+          <p:nvPr/>
+        </p:nvSpPr>
+        <p:spPr>
+          <a:xfrm>
+            <a:off x="5058941" y="3155356"/>
+            <a:ext cx="3951595" cy="307777"/>
+          </a:xfrm>
+          <a:prstGeom prst="rect">
+            <a:avLst/>
+          </a:prstGeom>
+          <a:noFill/>
+        </p:spPr>
+        <p:txBody>
+          <a:bodyPr wrap="none" rtlCol="0">
+            <a:spAutoFit/>
+          </a:bodyPr>
+          <a:lstStyle/>
+          <a:p>
+            <a:r>
+              <a:rPr lang="en-US" sz="1400" dirty="0"/>
+              <a:t>Survey sections are used to group related questions</a:t>
+            </a:r>
+          </a:p>
+        </p:txBody>
+      </p:sp>
+      <p:grpSp>
+        <p:nvGrpSpPr>
+          <p:cNvPr id="77" name="Group 76">
+            <a:extLst>
+              <a:ext uri="{FF2B5EF4-FFF2-40B4-BE49-F238E27FC236}">
+                <a16:creationId xmlns:a16="http://schemas.microsoft.com/office/drawing/2014/main" id="{A3495646-102F-F346-952F-21070303DFA2}"/>
+              </a:ext>
+            </a:extLst>
+          </p:cNvPr>
+          <p:cNvGrpSpPr/>
+          <p:nvPr/>
+        </p:nvGrpSpPr>
+        <p:grpSpPr>
+          <a:xfrm>
+            <a:off x="1307227" y="3559704"/>
+            <a:ext cx="3004458" cy="237744"/>
+            <a:chOff x="1353786" y="3226387"/>
+            <a:chExt cx="3004458" cy="237744"/>
+          </a:xfrm>
+        </p:grpSpPr>
+        <p:sp>
+          <p:nvSpPr>
+            <p:cNvPr id="57" name="Rectangle 56">
+              <a:extLst>
+                <a:ext uri="{FF2B5EF4-FFF2-40B4-BE49-F238E27FC236}">
+                  <a16:creationId xmlns:a16="http://schemas.microsoft.com/office/drawing/2014/main" id="{D006829A-7331-054F-8301-571C92330759}"/>
+                </a:ext>
+              </a:extLst>
+            </p:cNvPr>
+            <p:cNvSpPr/>
+            <p:nvPr/>
+          </p:nvSpPr>
+          <p:spPr>
+            <a:xfrm>
+              <a:off x="1353786" y="3244318"/>
+              <a:ext cx="3004458" cy="201882"/>
+            </a:xfrm>
+            <a:prstGeom prst="rect">
+              <a:avLst/>
+            </a:prstGeom>
+          </p:spPr>
+          <p:style>
+            <a:lnRef idx="2">
+              <a:schemeClr val="accent1">
+                <a:shade val="50000"/>
+              </a:schemeClr>
+            </a:lnRef>
+            <a:fillRef idx="1">
+              <a:schemeClr val="accent1"/>
+            </a:fillRef>
+            <a:effectRef idx="0">
+              <a:schemeClr val="accent1"/>
+            </a:effectRef>
+            <a:fontRef idx="minor">
+              <a:schemeClr val="lt1"/>
+            </a:fontRef>
+          </p:style>
+          <p:txBody>
+            <a:bodyPr rtlCol="0" anchor="ctr"/>
+            <a:lstStyle/>
+            <a:p>
+              <a:pPr algn="ctr"/>
+              <a:endParaRPr lang="en-US"/>
+            </a:p>
+          </p:txBody>
+        </p:sp>
+        <p:grpSp>
+          <p:nvGrpSpPr>
+            <p:cNvPr id="76" name="Group 75">
+              <a:extLst>
+                <a:ext uri="{FF2B5EF4-FFF2-40B4-BE49-F238E27FC236}">
+                  <a16:creationId xmlns:a16="http://schemas.microsoft.com/office/drawing/2014/main" id="{D79B1B14-AA51-4A43-8B13-077CA8BD60EF}"/>
+                </a:ext>
+              </a:extLst>
+            </p:cNvPr>
+            <p:cNvGrpSpPr/>
+            <p:nvPr/>
+          </p:nvGrpSpPr>
+          <p:grpSpPr>
+            <a:xfrm>
+              <a:off x="3270307" y="3226387"/>
+              <a:ext cx="920049" cy="237744"/>
+              <a:chOff x="3270307" y="3226387"/>
+              <a:chExt cx="920049" cy="237744"/>
+            </a:xfrm>
+          </p:grpSpPr>
+          <p:pic>
+            <p:nvPicPr>
+              <p:cNvPr id="59" name="Picture 58">
+                <a:extLst>
+                  <a:ext uri="{FF2B5EF4-FFF2-40B4-BE49-F238E27FC236}">
+                    <a16:creationId xmlns:a16="http://schemas.microsoft.com/office/drawing/2014/main" id="{9793CD67-C00E-EB49-8695-CF5D2CBE2707}"/>
+                  </a:ext>
+                </a:extLst>
+              </p:cNvPr>
+              <p:cNvPicPr>
+                <a:picLocks noChangeAspect="1"/>
+              </p:cNvPicPr>
+              <p:nvPr/>
+            </p:nvPicPr>
+            <p:blipFill>
+              <a:blip r:embed="rId5"/>
+              <a:stretch>
+                <a:fillRect/>
+              </a:stretch>
+            </p:blipFill>
+            <p:spPr>
+              <a:xfrm>
+                <a:off x="4011178" y="3255670"/>
+                <a:ext cx="179178" cy="179178"/>
+              </a:xfrm>
+              <a:prstGeom prst="rect">
+                <a:avLst/>
+              </a:prstGeom>
+            </p:spPr>
+          </p:pic>
+          <p:pic>
+            <p:nvPicPr>
+              <p:cNvPr id="61" name="Picture 60">
+                <a:extLst>
+                  <a:ext uri="{FF2B5EF4-FFF2-40B4-BE49-F238E27FC236}">
+                    <a16:creationId xmlns:a16="http://schemas.microsoft.com/office/drawing/2014/main" id="{5841DC65-F946-3846-8D2C-3968E0FBCF54}"/>
+                  </a:ext>
+                </a:extLst>
+              </p:cNvPr>
+              <p:cNvPicPr>
+                <a:picLocks noChangeAspect="1"/>
+              </p:cNvPicPr>
+              <p:nvPr/>
+            </p:nvPicPr>
+            <p:blipFill>
+              <a:blip r:embed="rId6"/>
+              <a:stretch>
+                <a:fillRect/>
+              </a:stretch>
+            </p:blipFill>
+            <p:spPr>
+              <a:xfrm>
+                <a:off x="3848821" y="3253819"/>
+                <a:ext cx="182880" cy="182880"/>
+              </a:xfrm>
+              <a:prstGeom prst="rect">
+                <a:avLst/>
+              </a:prstGeom>
+            </p:spPr>
+          </p:pic>
+          <p:pic>
+            <p:nvPicPr>
+              <p:cNvPr id="63" name="Picture 62">
+                <a:extLst>
+                  <a:ext uri="{FF2B5EF4-FFF2-40B4-BE49-F238E27FC236}">
+                    <a16:creationId xmlns:a16="http://schemas.microsoft.com/office/drawing/2014/main" id="{5D8CE0E5-3DA6-1B4C-9B4C-D9E6D65E56B8}"/>
+                  </a:ext>
+                </a:extLst>
+              </p:cNvPr>
+              <p:cNvPicPr>
+                <a:picLocks noChangeAspect="1"/>
+              </p:cNvPicPr>
+              <p:nvPr/>
+            </p:nvPicPr>
+            <p:blipFill>
+              <a:blip r:embed="rId7"/>
+              <a:stretch>
+                <a:fillRect/>
+              </a:stretch>
+            </p:blipFill>
+            <p:spPr>
+              <a:xfrm>
+                <a:off x="3469241" y="3226387"/>
+                <a:ext cx="237744" cy="237744"/>
+              </a:xfrm>
+              <a:prstGeom prst="rect">
+                <a:avLst/>
+              </a:prstGeom>
+            </p:spPr>
+          </p:pic>
+          <p:pic>
+            <p:nvPicPr>
+              <p:cNvPr id="65" name="Picture 64">
+                <a:extLst>
+                  <a:ext uri="{FF2B5EF4-FFF2-40B4-BE49-F238E27FC236}">
+                    <a16:creationId xmlns:a16="http://schemas.microsoft.com/office/drawing/2014/main" id="{451C5076-A17F-7A47-8B97-0DB4B44E2BA7}"/>
+                  </a:ext>
+                </a:extLst>
+              </p:cNvPr>
+              <p:cNvPicPr>
+                <a:picLocks noChangeAspect="1"/>
+              </p:cNvPicPr>
+              <p:nvPr/>
+            </p:nvPicPr>
+            <p:blipFill>
+              <a:blip r:embed="rId8"/>
+              <a:stretch>
+                <a:fillRect/>
+              </a:stretch>
+            </p:blipFill>
+            <p:spPr>
+              <a:xfrm>
+                <a:off x="3270307" y="3235531"/>
+                <a:ext cx="219456" cy="219456"/>
+              </a:xfrm>
+              <a:prstGeom prst="rect">
+                <a:avLst/>
+              </a:prstGeom>
+            </p:spPr>
+          </p:pic>
+          <p:pic>
+            <p:nvPicPr>
+              <p:cNvPr id="74" name="Picture 73">
+                <a:extLst>
+                  <a:ext uri="{FF2B5EF4-FFF2-40B4-BE49-F238E27FC236}">
+                    <a16:creationId xmlns:a16="http://schemas.microsoft.com/office/drawing/2014/main" id="{5EE5E666-1CD5-3648-8BB3-E2887FB270A7}"/>
+                  </a:ext>
+                </a:extLst>
+              </p:cNvPr>
+              <p:cNvPicPr>
+                <a:picLocks noChangeAspect="1"/>
+              </p:cNvPicPr>
+              <p:nvPr/>
+            </p:nvPicPr>
+            <p:blipFill>
+              <a:blip r:embed="rId9"/>
+              <a:stretch>
+                <a:fillRect/>
+              </a:stretch>
+            </p:blipFill>
+            <p:spPr>
+              <a:xfrm>
+                <a:off x="3686463" y="3253819"/>
+                <a:ext cx="182880" cy="182880"/>
+              </a:xfrm>
+              <a:prstGeom prst="rect">
+                <a:avLst/>
+              </a:prstGeom>
+            </p:spPr>
+          </p:pic>
+        </p:grpSp>
+      </p:grpSp>
+      <p:sp>
+        <p:nvSpPr>
+          <p:cNvPr id="13" name="TextBox 12">
+            <a:extLst>
+              <a:ext uri="{FF2B5EF4-FFF2-40B4-BE49-F238E27FC236}">
+                <a16:creationId xmlns:a16="http://schemas.microsoft.com/office/drawing/2014/main" id="{4BCC820E-A212-2747-BBD8-748984A80E8D}"/>
+              </a:ext>
+            </a:extLst>
+          </p:cNvPr>
+          <p:cNvSpPr txBox="1"/>
+          <p:nvPr/>
+        </p:nvSpPr>
+        <p:spPr>
+          <a:xfrm>
+            <a:off x="959154" y="2862276"/>
+            <a:ext cx="3177783" cy="3985706"/>
+          </a:xfrm>
+          <a:prstGeom prst="rect">
+            <a:avLst/>
+          </a:prstGeom>
+          <a:noFill/>
+        </p:spPr>
+        <p:txBody>
+          <a:bodyPr wrap="square" rtlCol="0">
+            <a:spAutoFit/>
+          </a:bodyPr>
+          <a:lstStyle/>
+          <a:p>
+            <a:pPr marL="285750" indent="-285750">
+              <a:buFont typeface="Wingdings" pitchFamily="2" charset="2"/>
+              <a:buChar char="Ø"/>
+            </a:pPr>
+            <a:r>
+              <a:rPr lang="en-US" sz="1100" b="1" dirty="0"/>
+              <a:t>Prologue</a:t>
+            </a:r>
+          </a:p>
+          <a:p>
+            <a:pPr marL="742950" lvl="1" indent="-285750">
+              <a:buFont typeface=".Hiragino Kaku Gothic Interface W3"/>
+              <a:buChar char="☞"/>
+            </a:pPr>
+            <a:r>
+              <a:rPr lang="en-US" sz="1100" dirty="0"/>
+              <a:t>Welcome Text</a:t>
+            </a:r>
+          </a:p>
+          <a:p>
+            <a:pPr marL="742950" lvl="1" indent="-285750">
+              <a:buFont typeface="System Font Regular"/>
+              <a:buChar char="✓"/>
+            </a:pPr>
+            <a:r>
+              <a:rPr lang="en-US" sz="1100" dirty="0"/>
+              <a:t>I find congregational….</a:t>
+            </a:r>
+          </a:p>
+          <a:p>
+            <a:pPr marL="742950" lvl="1" indent="-285750">
+              <a:buFont typeface="System Font Regular"/>
+              <a:buChar char="✓"/>
+            </a:pPr>
+            <a:r>
+              <a:rPr lang="en-US" sz="1100" dirty="0"/>
+              <a:t>Yes/No Question</a:t>
+            </a:r>
+          </a:p>
+          <a:p>
+            <a:pPr marL="285750" indent="-285750">
+              <a:buFont typeface="Wingdings" pitchFamily="2" charset="2"/>
+              <a:buChar char="Ø"/>
+            </a:pPr>
+            <a:r>
+              <a:rPr lang="en-US" sz="1100" b="1" dirty="0">
+                <a:solidFill>
+                  <a:schemeClr val="bg1"/>
+                </a:solidFill>
+              </a:rPr>
+              <a:t>Worship</a:t>
+            </a:r>
+          </a:p>
+          <a:p>
+            <a:pPr marL="742950" lvl="1" indent="-285750">
+              <a:buFont typeface=".Hiragino Kaku Gothic Interface W3"/>
+              <a:buChar char="☞"/>
+            </a:pPr>
+            <a:r>
+              <a:rPr lang="en-US" sz="1100" dirty="0"/>
+              <a:t>Info Text</a:t>
+            </a:r>
+          </a:p>
+          <a:p>
+            <a:pPr marL="742950" lvl="1" indent="-285750">
+              <a:buFont typeface=".Hiragino Kaku Gothic Interface W3"/>
+              <a:buChar char="◉"/>
+            </a:pPr>
+            <a:r>
+              <a:rPr lang="en-US" sz="1100" dirty="0"/>
+              <a:t>Multi-Choice Question</a:t>
+            </a:r>
+          </a:p>
+          <a:p>
+            <a:pPr marL="742950" lvl="1" indent="-285750">
+              <a:buFont typeface=".Hiragino Kaku Gothic Interface W3"/>
+              <a:buChar char="◉"/>
+            </a:pPr>
+            <a:r>
+              <a:rPr lang="en-US" sz="1100" dirty="0"/>
+              <a:t>Multi-Choice Question</a:t>
+            </a:r>
+          </a:p>
+          <a:p>
+            <a:pPr marL="742950" lvl="1" indent="-285750">
+              <a:buFont typeface="System Font Regular"/>
+              <a:buChar char="☑"/>
+            </a:pPr>
+            <a:r>
+              <a:rPr lang="en-US" sz="1100" dirty="0"/>
+              <a:t>Multi-Select Question</a:t>
+            </a:r>
+          </a:p>
+          <a:p>
+            <a:pPr marL="742950" lvl="1" indent="-285750">
+              <a:buFont typeface="Zapf Dingbats"/>
+              <a:buChar char="✍"/>
+            </a:pPr>
+            <a:r>
+              <a:rPr lang="en-US" sz="1100" dirty="0"/>
+              <a:t>What is the most </a:t>
+            </a:r>
+            <a:r>
+              <a:rPr lang="en-US" sz="1100" dirty="0" err="1"/>
+              <a:t>impor</a:t>
+            </a:r>
+            <a:r>
+              <a:rPr lang="en-US" sz="1100" dirty="0"/>
+              <a:t>….</a:t>
+            </a:r>
+          </a:p>
+          <a:p>
+            <a:pPr marL="742950" lvl="1" indent="-285750">
+              <a:buFont typeface="Zapf Dingbats"/>
+              <a:buChar char="✍"/>
+            </a:pPr>
+            <a:r>
+              <a:rPr lang="en-US" sz="1100" dirty="0"/>
+              <a:t>Section 2 Feedback</a:t>
+            </a:r>
+          </a:p>
+          <a:p>
+            <a:pPr marL="285750" indent="-285750">
+              <a:buFont typeface="Wingdings" pitchFamily="2" charset="2"/>
+              <a:buChar char="Ø"/>
+            </a:pPr>
+            <a:r>
+              <a:rPr lang="en-US" sz="1100" b="1" dirty="0"/>
+              <a:t>Section 2</a:t>
+            </a:r>
+          </a:p>
+          <a:p>
+            <a:pPr marL="742950" lvl="1" indent="-285750">
+              <a:buFont typeface=".Hiragino Kaku Gothic Interface W3"/>
+              <a:buChar char="☞"/>
+            </a:pPr>
+            <a:r>
+              <a:rPr lang="en-US" sz="1100" dirty="0"/>
+              <a:t>Info Text</a:t>
+            </a:r>
+          </a:p>
+          <a:p>
+            <a:pPr marL="742950" lvl="1" indent="-285750">
+              <a:buFont typeface=".Hiragino Kaku Gothic Interface W3"/>
+              <a:buChar char="◉"/>
+            </a:pPr>
+            <a:r>
+              <a:rPr lang="en-US" sz="1100" dirty="0"/>
+              <a:t>Multi-Choice Question</a:t>
+            </a:r>
+          </a:p>
+          <a:p>
+            <a:pPr marL="742950" lvl="1" indent="-285750">
+              <a:buFont typeface=".Hiragino Kaku Gothic Interface W3"/>
+              <a:buChar char="◉"/>
+            </a:pPr>
+            <a:r>
+              <a:rPr lang="en-US" sz="1100" dirty="0"/>
+              <a:t>Multi-Choice Question</a:t>
+            </a:r>
+          </a:p>
+          <a:p>
+            <a:pPr marL="742950" lvl="1" indent="-285750">
+              <a:buFont typeface="System Font Regular"/>
+              <a:buChar char="☑"/>
+            </a:pPr>
+            <a:r>
+              <a:rPr lang="en-US" sz="1100" dirty="0"/>
+              <a:t>Multi-Select Question</a:t>
+            </a:r>
+          </a:p>
+          <a:p>
+            <a:pPr marL="742950" lvl="1" indent="-285750">
+              <a:buFont typeface="Zapf Dingbats"/>
+              <a:buChar char="✍"/>
+            </a:pPr>
+            <a:r>
+              <a:rPr lang="en-US" sz="1100" dirty="0"/>
+              <a:t>Free Form Question</a:t>
+            </a:r>
+          </a:p>
+          <a:p>
+            <a:pPr marL="742950" lvl="1" indent="-285750">
+              <a:buFont typeface="Zapf Dingbats"/>
+              <a:buChar char="✍"/>
+            </a:pPr>
+            <a:r>
+              <a:rPr lang="en-US" sz="1100" dirty="0"/>
+              <a:t>Section 2 Feedback</a:t>
+            </a:r>
+          </a:p>
+          <a:p>
+            <a:pPr marL="285750" indent="-285750">
+              <a:buFont typeface="Wingdings" pitchFamily="2" charset="2"/>
+              <a:buChar char="Ø"/>
+            </a:pPr>
+            <a:r>
+              <a:rPr lang="en-US" sz="1100" b="1" dirty="0"/>
+              <a:t>Section 3</a:t>
+            </a:r>
+          </a:p>
+          <a:p>
+            <a:pPr marL="742950" lvl="1" indent="-285750">
+              <a:buFont typeface=".Hiragino Kaku Gothic Interface W3"/>
+              <a:buChar char="☞"/>
+            </a:pPr>
+            <a:r>
+              <a:rPr lang="en-US" sz="1100" dirty="0"/>
+              <a:t>Info Text</a:t>
+            </a:r>
+          </a:p>
+          <a:p>
+            <a:pPr marL="742950" lvl="1" indent="-285750">
+              <a:buFont typeface="Zapf Dingbats"/>
+              <a:buChar char="✍"/>
+            </a:pPr>
+            <a:r>
+              <a:rPr lang="en-US" sz="1100" dirty="0"/>
+              <a:t>Free Form Question</a:t>
+            </a:r>
+          </a:p>
+          <a:p>
+            <a:pPr marL="742950" lvl="1" indent="-285750">
+              <a:buFont typeface="Zapf Dingbats"/>
+              <a:buChar char="✍"/>
+            </a:pPr>
+            <a:r>
+              <a:rPr lang="en-US" sz="1100" dirty="0"/>
+              <a:t>Free Form Question</a:t>
+            </a:r>
+          </a:p>
+          <a:p>
+            <a:pPr marL="742950" lvl="1" indent="-285750">
+              <a:buFont typeface="Zapf Dingbats"/>
+              <a:buChar char="✍"/>
+            </a:pPr>
+            <a:r>
+              <a:rPr lang="en-US" sz="1100" dirty="0"/>
+              <a:t>Free Form Question</a:t>
+            </a:r>
+          </a:p>
+        </p:txBody>
+      </p:sp>
+      <p:sp>
+        <p:nvSpPr>
+          <p:cNvPr id="22" name="TextBox 21">
+            <a:extLst>
+              <a:ext uri="{FF2B5EF4-FFF2-40B4-BE49-F238E27FC236}">
+                <a16:creationId xmlns:a16="http://schemas.microsoft.com/office/drawing/2014/main" id="{FBF044F3-0425-9C4D-B175-03CB1F668D6B}"/>
+              </a:ext>
+            </a:extLst>
+          </p:cNvPr>
+          <p:cNvSpPr txBox="1"/>
+          <p:nvPr/>
+        </p:nvSpPr>
+        <p:spPr>
+          <a:xfrm>
+            <a:off x="4593861" y="4098988"/>
+            <a:ext cx="1089657" cy="307777"/>
+          </a:xfrm>
+          <a:prstGeom prst="rect">
+            <a:avLst/>
+          </a:prstGeom>
+          <a:noFill/>
+        </p:spPr>
+        <p:txBody>
+          <a:bodyPr wrap="none" rtlCol="0">
+            <a:spAutoFit/>
+          </a:bodyPr>
+          <a:lstStyle/>
+          <a:p>
+            <a:r>
+              <a:rPr lang="en-US" sz="1400" b="1" dirty="0"/>
+              <a:t>Description:</a:t>
+            </a:r>
+          </a:p>
+        </p:txBody>
+      </p:sp>
+      <p:sp>
+        <p:nvSpPr>
+          <p:cNvPr id="23" name="Rectangle 22">
+            <a:extLst>
+              <a:ext uri="{FF2B5EF4-FFF2-40B4-BE49-F238E27FC236}">
+                <a16:creationId xmlns:a16="http://schemas.microsoft.com/office/drawing/2014/main" id="{A1E0C9F0-3B18-CB4E-9C99-9706E3B59833}"/>
+              </a:ext>
+            </a:extLst>
+          </p:cNvPr>
+          <p:cNvSpPr/>
+          <p:nvPr/>
+        </p:nvSpPr>
+        <p:spPr>
+          <a:xfrm>
+            <a:off x="5681223" y="4073196"/>
+            <a:ext cx="4650309" cy="807562"/>
+          </a:xfrm>
+          <a:prstGeom prst="rect">
+            <a:avLst/>
+          </a:prstGeom>
+          <a:ln w="19050"/>
+        </p:spPr>
+        <p:style>
+          <a:lnRef idx="2">
+            <a:schemeClr val="dk1"/>
+          </a:lnRef>
+          <a:fillRef idx="1">
+            <a:schemeClr val="lt1"/>
+          </a:fillRef>
+          <a:effectRef idx="0">
+            <a:schemeClr val="dk1"/>
+          </a:effectRef>
+          <a:fontRef idx="minor">
+            <a:schemeClr val="dk1"/>
+          </a:fontRef>
+        </p:style>
+        <p:txBody>
+          <a:bodyPr rtlCol="0" anchor="t"/>
+          <a:lstStyle/>
+          <a:p>
+            <a:r>
+              <a:rPr lang="en-US" sz="1400" dirty="0">
+                <a:solidFill>
+                  <a:schemeClr val="tx1"/>
+                </a:solidFill>
+              </a:rPr>
+              <a:t>Worship is at the heart of ….</a:t>
+            </a:r>
+            <a:endParaRPr lang="en-US" dirty="0">
+              <a:solidFill>
+                <a:srgbClr val="C00000"/>
+              </a:solidFill>
+            </a:endParaRPr>
+          </a:p>
+        </p:txBody>
+      </p:sp>
+      <p:sp>
+        <p:nvSpPr>
+          <p:cNvPr id="24" name="TextBox 23">
+            <a:extLst>
+              <a:ext uri="{FF2B5EF4-FFF2-40B4-BE49-F238E27FC236}">
+                <a16:creationId xmlns:a16="http://schemas.microsoft.com/office/drawing/2014/main" id="{3D469FD1-8C8D-D540-9828-D6B43D1805ED}"/>
+              </a:ext>
+            </a:extLst>
+          </p:cNvPr>
+          <p:cNvSpPr txBox="1"/>
+          <p:nvPr/>
+        </p:nvSpPr>
+        <p:spPr>
+          <a:xfrm>
+            <a:off x="5590581" y="4878012"/>
+            <a:ext cx="3102516" cy="276999"/>
+          </a:xfrm>
+          <a:prstGeom prst="rect">
+            <a:avLst/>
+          </a:prstGeom>
+          <a:noFill/>
+        </p:spPr>
+        <p:txBody>
+          <a:bodyPr wrap="none" rtlCol="0">
+            <a:spAutoFit/>
+          </a:bodyPr>
+          <a:lstStyle/>
+          <a:p>
+            <a:r>
+              <a:rPr lang="en-US" sz="1200" dirty="0"/>
+              <a:t>Can include html and/or Markdown formatting</a:t>
+            </a:r>
+          </a:p>
+        </p:txBody>
+      </p:sp>
+      <p:sp>
+        <p:nvSpPr>
+          <p:cNvPr id="2" name="Rounded Rectangle 1">
+            <a:extLst>
+              <a:ext uri="{FF2B5EF4-FFF2-40B4-BE49-F238E27FC236}">
+                <a16:creationId xmlns:a16="http://schemas.microsoft.com/office/drawing/2014/main" id="{249299DB-4004-044F-9B30-88D194ADB7B2}"/>
+              </a:ext>
+            </a:extLst>
+          </p:cNvPr>
+          <p:cNvSpPr/>
+          <p:nvPr/>
+        </p:nvSpPr>
+        <p:spPr>
+          <a:xfrm>
+            <a:off x="4785018" y="5269880"/>
+            <a:ext cx="162064" cy="154023"/>
+          </a:xfrm>
+          <a:prstGeom prst="roundRect">
+            <a:avLst/>
+          </a:prstGeom>
+          <a:noFill/>
+        </p:spPr>
+        <p:style>
+          <a:lnRef idx="2">
+            <a:schemeClr val="accent1">
+              <a:shade val="50000"/>
+            </a:schemeClr>
+          </a:lnRef>
+          <a:fillRef idx="1">
+            <a:schemeClr val="accent1"/>
+          </a:fillRef>
+          <a:effectRef idx="0">
+            <a:schemeClr val="accent1"/>
+          </a:effectRef>
+          <a:fontRef idx="minor">
+            <a:schemeClr val="lt1"/>
+          </a:fontRef>
+        </p:style>
+        <p:txBody>
+          <a:bodyPr rtlCol="0" anchor="ctr"/>
+          <a:lstStyle/>
+          <a:p>
+            <a:pPr algn="ctr"/>
+            <a:endParaRPr lang="en-US"/>
+          </a:p>
+        </p:txBody>
+      </p:sp>
+      <p:sp>
+        <p:nvSpPr>
+          <p:cNvPr id="3" name="TextBox 2">
+            <a:extLst>
+              <a:ext uri="{FF2B5EF4-FFF2-40B4-BE49-F238E27FC236}">
+                <a16:creationId xmlns:a16="http://schemas.microsoft.com/office/drawing/2014/main" id="{C905875A-C46D-C045-BD9C-8353E8BD13C2}"/>
+              </a:ext>
+            </a:extLst>
+          </p:cNvPr>
+          <p:cNvSpPr txBox="1"/>
+          <p:nvPr/>
+        </p:nvSpPr>
+        <p:spPr>
+          <a:xfrm>
+            <a:off x="4939538" y="5198200"/>
+            <a:ext cx="2062359" cy="307777"/>
+          </a:xfrm>
+          <a:prstGeom prst="rect">
+            <a:avLst/>
+          </a:prstGeom>
+          <a:noFill/>
+        </p:spPr>
+        <p:txBody>
+          <a:bodyPr wrap="none" rtlCol="0">
+            <a:spAutoFit/>
+          </a:bodyPr>
+          <a:lstStyle/>
+          <a:p>
+            <a:r>
+              <a:rPr lang="en-US" sz="1400" b="1" dirty="0"/>
+              <a:t>Include Section Feedback</a:t>
+            </a:r>
+          </a:p>
+        </p:txBody>
+      </p:sp>
+      <p:sp>
+        <p:nvSpPr>
+          <p:cNvPr id="27" name="TextBox 26">
+            <a:extLst>
+              <a:ext uri="{FF2B5EF4-FFF2-40B4-BE49-F238E27FC236}">
+                <a16:creationId xmlns:a16="http://schemas.microsoft.com/office/drawing/2014/main" id="{B8203E82-A657-E542-8E5F-8EFE195E577A}"/>
+              </a:ext>
+            </a:extLst>
+          </p:cNvPr>
+          <p:cNvSpPr txBox="1"/>
+          <p:nvPr/>
+        </p:nvSpPr>
+        <p:spPr>
+          <a:xfrm>
+            <a:off x="7095779" y="5198200"/>
+            <a:ext cx="792525" cy="307777"/>
+          </a:xfrm>
+          <a:prstGeom prst="rect">
+            <a:avLst/>
+          </a:prstGeom>
+          <a:noFill/>
+        </p:spPr>
+        <p:txBody>
+          <a:bodyPr wrap="none" rtlCol="0">
+            <a:spAutoFit/>
+          </a:bodyPr>
+          <a:lstStyle/>
+          <a:p>
+            <a:r>
+              <a:rPr lang="en-US" sz="1400" b="1" dirty="0"/>
+              <a:t>Prompt:</a:t>
+            </a:r>
+          </a:p>
+        </p:txBody>
+      </p:sp>
+      <p:sp>
+        <p:nvSpPr>
+          <p:cNvPr id="28" name="Rectangle 27">
+            <a:extLst>
+              <a:ext uri="{FF2B5EF4-FFF2-40B4-BE49-F238E27FC236}">
+                <a16:creationId xmlns:a16="http://schemas.microsoft.com/office/drawing/2014/main" id="{F4A4FD6E-315B-284F-AE78-340D84396D18}"/>
+              </a:ext>
+            </a:extLst>
+          </p:cNvPr>
+          <p:cNvSpPr/>
+          <p:nvPr/>
+        </p:nvSpPr>
+        <p:spPr>
+          <a:xfrm>
+            <a:off x="7847200" y="5172408"/>
+            <a:ext cx="2007373" cy="333569"/>
+          </a:xfrm>
+          <a:prstGeom prst="rect">
+            <a:avLst/>
+          </a:prstGeom>
+          <a:ln w="19050">
+            <a:solidFill>
+              <a:schemeClr val="tx1"/>
+            </a:solidFill>
+          </a:ln>
+        </p:spPr>
+        <p:style>
+          <a:lnRef idx="2">
+            <a:schemeClr val="dk1"/>
+          </a:lnRef>
+          <a:fillRef idx="1">
+            <a:schemeClr val="lt1"/>
+          </a:fillRef>
+          <a:effectRef idx="0">
+            <a:schemeClr val="dk1"/>
+          </a:effectRef>
+          <a:fontRef idx="minor">
+            <a:schemeClr val="dk1"/>
+          </a:fontRef>
+        </p:style>
+        <p:txBody>
+          <a:bodyPr rtlCol="0" anchor="ctr"/>
+          <a:lstStyle/>
+          <a:p>
+            <a:r>
+              <a:rPr lang="en-US" sz="1600" dirty="0">
+                <a:solidFill>
+                  <a:schemeClr val="bg1">
+                    <a:lumMod val="75000"/>
+                  </a:schemeClr>
+                </a:solidFill>
+              </a:rPr>
+              <a:t>Thoughts on Worship</a:t>
+            </a:r>
+          </a:p>
+        </p:txBody>
+      </p:sp>
+      <p:sp>
+        <p:nvSpPr>
+          <p:cNvPr id="7" name="TextBox 6">
+            <a:extLst>
+              <a:ext uri="{FF2B5EF4-FFF2-40B4-BE49-F238E27FC236}">
+                <a16:creationId xmlns:a16="http://schemas.microsoft.com/office/drawing/2014/main" id="{1109725A-AD1E-C14A-91CB-6CC1A2CBE4AC}"/>
+              </a:ext>
+            </a:extLst>
+          </p:cNvPr>
+          <p:cNvSpPr txBox="1"/>
+          <p:nvPr/>
+        </p:nvSpPr>
+        <p:spPr>
+          <a:xfrm>
+            <a:off x="4741852" y="5154526"/>
+            <a:ext cx="284052" cy="369332"/>
+          </a:xfrm>
+          <a:prstGeom prst="rect">
+            <a:avLst/>
+          </a:prstGeom>
+          <a:noFill/>
+        </p:spPr>
+        <p:txBody>
+          <a:bodyPr wrap="none" rtlCol="0">
+            <a:spAutoFit/>
+          </a:bodyPr>
+          <a:lstStyle/>
+          <a:p>
+            <a:r>
+              <a:rPr lang="en-US" dirty="0"/>
+              <a:t>x</a:t>
+            </a:r>
+          </a:p>
+        </p:txBody>
+      </p:sp>
+      <p:cxnSp>
+        <p:nvCxnSpPr>
+          <p:cNvPr id="30" name="Straight Connector 29">
+            <a:extLst>
+              <a:ext uri="{FF2B5EF4-FFF2-40B4-BE49-F238E27FC236}">
+                <a16:creationId xmlns:a16="http://schemas.microsoft.com/office/drawing/2014/main" id="{95316308-5B65-2747-9D02-A1A32708DAB5}"/>
+              </a:ext>
+            </a:extLst>
+          </p:cNvPr>
+          <p:cNvCxnSpPr/>
+          <p:nvPr/>
+        </p:nvCxnSpPr>
+        <p:spPr>
+          <a:xfrm>
+            <a:off x="11142432" y="2617051"/>
+            <a:ext cx="0" cy="3065931"/>
+          </a:xfrm>
+          <a:prstGeom prst="line">
+            <a:avLst/>
+          </a:prstGeom>
+          <a:ln>
+            <a:solidFill>
+              <a:schemeClr val="tx1"/>
+            </a:solidFill>
+          </a:ln>
+        </p:spPr>
+        <p:style>
+          <a:lnRef idx="1">
+            <a:schemeClr val="accent1"/>
+          </a:lnRef>
+          <a:fillRef idx="0">
+            <a:schemeClr val="accent1"/>
+          </a:fillRef>
+          <a:effectRef idx="0">
+            <a:schemeClr val="accent1"/>
+          </a:effectRef>
+          <a:fontRef idx="minor">
+            <a:schemeClr val="tx1"/>
+          </a:fontRef>
+        </p:style>
+      </p:cxnSp>
+    </p:spTree>
+    <p:extLst>
+      <p:ext uri="{BB962C8B-B14F-4D97-AF65-F5344CB8AC3E}">
+        <p14:creationId xmlns:p14="http://schemas.microsoft.com/office/powerpoint/2010/main" val="3668080093"/>
+      </p:ext>
+    </p:extLst>
+  </p:cSld>
+  <p:clrMapOvr>
+    <a:masterClrMapping/>
+  </p:clrMapOvr>
+</p:sld>
+</file>
+
 <file path=ppt/theme/theme1.xml><?xml version="1.0" encoding="utf-8"?>
 <a:theme xmlns:a="http://schemas.openxmlformats.org/drawingml/2006/main" name="Office Theme">
   <a:themeElements>
@@ -7937,4 +14703,299 @@
     </a:ext>
   </a:extLst>
 </a:theme>
+</file>
+
+<file path=ppt/theme/theme2.xml><?xml version="1.0" encoding="utf-8"?>
+<a:theme xmlns:a="http://schemas.openxmlformats.org/drawingml/2006/main" name="Office Theme">
+  <a:themeElements>
+    <a:clrScheme name="Office">
+      <a:dk1>
+        <a:sysClr val="windowText" lastClr="000000"/>
+      </a:dk1>
+      <a:lt1>
+        <a:sysClr val="window" lastClr="FFFFFF"/>
+      </a:lt1>
+      <a:dk2>
+        <a:srgbClr val="44546A"/>
+      </a:dk2>
+      <a:lt2>
+        <a:srgbClr val="E7E6E6"/>
+      </a:lt2>
+      <a:accent1>
+        <a:srgbClr val="4472C4"/>
+      </a:accent1>
+      <a:accent2>
+        <a:srgbClr val="ED7D31"/>
+      </a:accent2>
+      <a:accent3>
+        <a:srgbClr val="A5A5A5"/>
+      </a:accent3>
+      <a:accent4>
+        <a:srgbClr val="FFC000"/>
+      </a:accent4>
+      <a:accent5>
+        <a:srgbClr val="5B9BD5"/>
+      </a:accent5>
+      <a:accent6>
+        <a:srgbClr val="70AD47"/>
+      </a:accent6>
+      <a:hlink>
+        <a:srgbClr val="0563C1"/>
+      </a:hlink>
+      <a:folHlink>
+        <a:srgbClr val="954F72"/>
+      </a:folHlink>
+    </a:clrScheme>
+    <a:fontScheme name="Office">
+      <a:majorFont>
+        <a:latin typeface="Calibri Light" panose="020F0302020204030204"/>
+        <a:ea typeface=""/>
+        <a:cs typeface=""/>
+        <a:font script="Jpan" typeface="游ゴシック Light"/>
+        <a:font script="Hang" typeface="맑은 고딕"/>
+        <a:font script="Hans" typeface="等线 Light"/>
+        <a:font script="Hant" typeface="新細明體"/>
+        <a:font script="Arab" typeface="Times New Roman"/>
+        <a:font script="Hebr" typeface="Times New Roman"/>
+        <a:font script="Thai" typeface="Angsana New"/>
+        <a:font script="Ethi" typeface="Nyala"/>
+        <a:font script="Beng" typeface="Vrinda"/>
+        <a:font script="Gujr" typeface="Shruti"/>
+        <a:font script="Khmr" typeface="MoolBoran"/>
+        <a:font script="Knda" typeface="Tunga"/>
+        <a:font script="Guru" typeface="Raavi"/>
+        <a:font script="Cans" typeface="Euphemia"/>
+        <a:font script="Cher" typeface="Plantagenet Cherokee"/>
+        <a:font script="Yiii" typeface="Microsoft Yi Baiti"/>
+        <a:font script="Tibt" typeface="Microsoft Himalaya"/>
+        <a:font script="Thaa" typeface="MV Boli"/>
+        <a:font script="Deva" typeface="Mangal"/>
+        <a:font script="Telu" typeface="Gautami"/>
+        <a:font script="Taml" typeface="Latha"/>
+        <a:font script="Syrc" typeface="Estrangelo Edessa"/>
+        <a:font script="Orya" typeface="Kalinga"/>
+        <a:font script="Mlym" typeface="Kartika"/>
+        <a:font script="Laoo" typeface="DokChampa"/>
+        <a:font script="Sinh" typeface="Iskoola Pota"/>
+        <a:font script="Mong" typeface="Mongolian Baiti"/>
+        <a:font script="Viet" typeface="Times New Roman"/>
+        <a:font script="Uigh" typeface="Microsoft Uighur"/>
+        <a:font script="Geor" typeface="Sylfaen"/>
+        <a:font script="Armn" typeface="Arial"/>
+        <a:font script="Bugi" typeface="Leelawadee UI"/>
+        <a:font script="Bopo" typeface="Microsoft JhengHei"/>
+        <a:font script="Java" typeface="Javanese Text"/>
+        <a:font script="Lisu" typeface="Segoe UI"/>
+        <a:font script="Mymr" typeface="Myanmar Text"/>
+        <a:font script="Nkoo" typeface="Ebrima"/>
+        <a:font script="Olck" typeface="Nirmala UI"/>
+        <a:font script="Osma" typeface="Ebrima"/>
+        <a:font script="Phag" typeface="Phagspa"/>
+        <a:font script="Syrn" typeface="Estrangelo Edessa"/>
+        <a:font script="Syrj" typeface="Estrangelo Edessa"/>
+        <a:font script="Syre" typeface="Estrangelo Edessa"/>
+        <a:font script="Sora" typeface="Nirmala UI"/>
+        <a:font script="Tale" typeface="Microsoft Tai Le"/>
+        <a:font script="Talu" typeface="Microsoft New Tai Lue"/>
+        <a:font script="Tfng" typeface="Ebrima"/>
+      </a:majorFont>
+      <a:minorFont>
+        <a:latin typeface="Calibri" panose="020F0502020204030204"/>
+        <a:ea typeface=""/>
+        <a:cs typeface=""/>
+        <a:font script="Jpan" typeface="游ゴシック"/>
+        <a:font script="Hang" typeface="맑은 고딕"/>
+        <a:font script="Hans" typeface="等线"/>
+        <a:font script="Hant" typeface="新細明體"/>
+        <a:font script="Arab" typeface="Arial"/>
+        <a:font script="Hebr" typeface="Arial"/>
+        <a:font script="Thai" typeface="Cordia New"/>
+        <a:font script="Ethi" typeface="Nyala"/>
+        <a:font script="Beng" typeface="Vrinda"/>
+        <a:font script="Gujr" typeface="Shruti"/>
+        <a:font script="Khmr" typeface="DaunPenh"/>
+        <a:font script="Knda" typeface="Tunga"/>
+        <a:font script="Guru" typeface="Raavi"/>
+        <a:font script="Cans" typeface="Euphemia"/>
+        <a:font script="Cher" typeface="Plantagenet Cherokee"/>
+        <a:font script="Yiii" typeface="Microsoft Yi Baiti"/>
+        <a:font script="Tibt" typeface="Microsoft Himalaya"/>
+        <a:font script="Thaa" typeface="MV Boli"/>
+        <a:font script="Deva" typeface="Mangal"/>
+        <a:font script="Telu" typeface="Gautami"/>
+        <a:font script="Taml" typeface="Latha"/>
+        <a:font script="Syrc" typeface="Estrangelo Edessa"/>
+        <a:font script="Orya" typeface="Kalinga"/>
+        <a:font script="Mlym" typeface="Kartika"/>
+        <a:font script="Laoo" typeface="DokChampa"/>
+        <a:font script="Sinh" typeface="Iskoola Pota"/>
+        <a:font script="Mong" typeface="Mongolian Baiti"/>
+        <a:font script="Viet" typeface="Arial"/>
+        <a:font script="Uigh" typeface="Microsoft Uighur"/>
+        <a:font script="Geor" typeface="Sylfaen"/>
+        <a:font script="Armn" typeface="Arial"/>
+        <a:font script="Bugi" typeface="Leelawadee UI"/>
+        <a:font script="Bopo" typeface="Microsoft JhengHei"/>
+        <a:font script="Java" typeface="Javanese Text"/>
+        <a:font script="Lisu" typeface="Segoe UI"/>
+        <a:font script="Mymr" typeface="Myanmar Text"/>
+        <a:font script="Nkoo" typeface="Ebrima"/>
+        <a:font script="Olck" typeface="Nirmala UI"/>
+        <a:font script="Osma" typeface="Ebrima"/>
+        <a:font script="Phag" typeface="Phagspa"/>
+        <a:font script="Syrn" typeface="Estrangelo Edessa"/>
+        <a:font script="Syrj" typeface="Estrangelo Edessa"/>
+        <a:font script="Syre" typeface="Estrangelo Edessa"/>
+        <a:font script="Sora" typeface="Nirmala UI"/>
+        <a:font script="Tale" typeface="Microsoft Tai Le"/>
+        <a:font script="Talu" typeface="Microsoft New Tai Lue"/>
+        <a:font script="Tfng" typeface="Ebrima"/>
+      </a:minorFont>
+    </a:fontScheme>
+    <a:fmtScheme name="Office">
+      <a:fillStyleLst>
+        <a:solidFill>
+          <a:schemeClr val="phClr"/>
+        </a:solidFill>
+        <a:gradFill rotWithShape="1">
+          <a:gsLst>
+            <a:gs pos="0">
+              <a:schemeClr val="phClr">
+                <a:lumMod val="110000"/>
+                <a:satMod val="105000"/>
+                <a:tint val="67000"/>
+              </a:schemeClr>
+            </a:gs>
+            <a:gs pos="50000">
+              <a:schemeClr val="phClr">
+                <a:lumMod val="105000"/>
+                <a:satMod val="103000"/>
+                <a:tint val="73000"/>
+              </a:schemeClr>
+            </a:gs>
+            <a:gs pos="100000">
+              <a:schemeClr val="phClr">
+                <a:lumMod val="105000"/>
+                <a:satMod val="109000"/>
+                <a:tint val="81000"/>
+              </a:schemeClr>
+            </a:gs>
+          </a:gsLst>
+          <a:lin ang="5400000" scaled="0"/>
+        </a:gradFill>
+        <a:gradFill rotWithShape="1">
+          <a:gsLst>
+            <a:gs pos="0">
+              <a:schemeClr val="phClr">
+                <a:satMod val="103000"/>
+                <a:lumMod val="102000"/>
+                <a:tint val="94000"/>
+              </a:schemeClr>
+            </a:gs>
+            <a:gs pos="50000">
+              <a:schemeClr val="phClr">
+                <a:satMod val="110000"/>
+                <a:lumMod val="100000"/>
+                <a:shade val="100000"/>
+              </a:schemeClr>
+            </a:gs>
+            <a:gs pos="100000">
+              <a:schemeClr val="phClr">
+                <a:lumMod val="99000"/>
+                <a:satMod val="120000"/>
+                <a:shade val="78000"/>
+              </a:schemeClr>
+            </a:gs>
+          </a:gsLst>
+          <a:lin ang="5400000" scaled="0"/>
+        </a:gradFill>
+      </a:fillStyleLst>
+      <a:lnStyleLst>
+        <a:ln w="6350" cap="flat" cmpd="sng" algn="ctr">
+          <a:solidFill>
+            <a:schemeClr val="phClr"/>
+          </a:solidFill>
+          <a:prstDash val="solid"/>
+          <a:miter lim="800000"/>
+        </a:ln>
+        <a:ln w="12700" cap="flat" cmpd="sng" algn="ctr">
+          <a:solidFill>
+            <a:schemeClr val="phClr"/>
+          </a:solidFill>
+          <a:prstDash val="solid"/>
+          <a:miter lim="800000"/>
+        </a:ln>
+        <a:ln w="19050" cap="flat" cmpd="sng" algn="ctr">
+          <a:solidFill>
+            <a:schemeClr val="phClr"/>
+          </a:solidFill>
+          <a:prstDash val="solid"/>
+          <a:miter lim="800000"/>
+        </a:ln>
+      </a:lnStyleLst>
+      <a:effectStyleLst>
+        <a:effectStyle>
+          <a:effectLst/>
+        </a:effectStyle>
+        <a:effectStyle>
+          <a:effectLst/>
+        </a:effectStyle>
+        <a:effectStyle>
+          <a:effectLst>
+            <a:outerShdw blurRad="57150" dist="19050" dir="5400000" algn="ctr" rotWithShape="0">
+              <a:srgbClr val="000000">
+                <a:alpha val="63000"/>
+              </a:srgbClr>
+            </a:outerShdw>
+          </a:effectLst>
+        </a:effectStyle>
+      </a:effectStyleLst>
+      <a:bgFillStyleLst>
+        <a:solidFill>
+          <a:schemeClr val="phClr"/>
+        </a:solidFill>
+        <a:solidFill>
+          <a:schemeClr val="phClr">
+            <a:tint val="95000"/>
+            <a:satMod val="170000"/>
+          </a:schemeClr>
+        </a:solidFill>
+        <a:gradFill rotWithShape="1">
+          <a:gsLst>
+            <a:gs pos="0">
+              <a:schemeClr val="phClr">
+                <a:tint val="93000"/>
+                <a:satMod val="150000"/>
+                <a:shade val="98000"/>
+                <a:lumMod val="102000"/>
+              </a:schemeClr>
+            </a:gs>
+            <a:gs pos="50000">
+              <a:schemeClr val="phClr">
+                <a:tint val="98000"/>
+                <a:satMod val="130000"/>
+                <a:shade val="90000"/>
+                <a:lumMod val="103000"/>
+              </a:schemeClr>
+            </a:gs>
+            <a:gs pos="100000">
+              <a:schemeClr val="phClr">
+                <a:shade val="63000"/>
+                <a:satMod val="120000"/>
+              </a:schemeClr>
+            </a:gs>
+          </a:gsLst>
+          <a:lin ang="5400000" scaled="0"/>
+        </a:gradFill>
+      </a:bgFillStyleLst>
+    </a:fmtScheme>
+  </a:themeElements>
+  <a:objectDefaults/>
+  <a:extraClrSchemeLst/>
+  <a:extLst>
+    <a:ext uri="{05A4C25C-085E-4340-85A3-A5531E510DB2}">
+      <thm15:themeFamily xmlns:thm15="http://schemas.microsoft.com/office/thememl/2012/main" name="Office Theme" id="{62F939B6-93AF-4DB8-9C6B-D6C7DFDC589F}" vid="{4A3C46E8-61CC-4603-A589-7422A47A8E4A}"/>
+    </a:ext>
+  </a:extLst>
+</a:theme>
 </file>